--- a/emag_Presentation.pptx
+++ b/emag_Presentation.pptx
@@ -9,9 +9,9 @@
   </p:notesMasterIdLst>
   <p:sldIdLst>
     <p:sldId id="256" r:id="rId2"/>
-    <p:sldId id="257" r:id="rId3"/>
-    <p:sldId id="263" r:id="rId4"/>
-    <p:sldId id="259" r:id="rId5"/>
+    <p:sldId id="259" r:id="rId3"/>
+    <p:sldId id="257" r:id="rId4"/>
+    <p:sldId id="263" r:id="rId5"/>
     <p:sldId id="258" r:id="rId6"/>
     <p:sldId id="260" r:id="rId7"/>
     <p:sldId id="261" r:id="rId8"/>
@@ -844,6 +844,18 @@
   <p:clrMapOvr>
     <a:masterClrMapping/>
   </p:clrMapOvr>
+  <mc:AlternateContent xmlns:mc="http://schemas.openxmlformats.org/markup-compatibility/2006">
+    <mc:Choice xmlns:p159="http://schemas.microsoft.com/office/powerpoint/2015/09/main" Requires="p159">
+      <p:transition xmlns:p14="http://schemas.microsoft.com/office/powerpoint/2010/main" spd="slow" p14:dur="2000">
+        <p159:morph option="byObject"/>
+      </p:transition>
+    </mc:Choice>
+    <mc:Fallback>
+      <p:transition spd="slow">
+        <p:fade/>
+      </p:transition>
+    </mc:Fallback>
+  </mc:AlternateContent>
 </p:sldLayout>
 </file>
 
@@ -1098,6 +1110,18 @@
   <p:clrMapOvr>
     <a:masterClrMapping/>
   </p:clrMapOvr>
+  <mc:AlternateContent xmlns:mc="http://schemas.openxmlformats.org/markup-compatibility/2006">
+    <mc:Choice xmlns:p159="http://schemas.microsoft.com/office/powerpoint/2015/09/main" Requires="p159">
+      <p:transition xmlns:p14="http://schemas.microsoft.com/office/powerpoint/2010/main" spd="slow" p14:dur="2000">
+        <p159:morph option="byObject"/>
+      </p:transition>
+    </mc:Choice>
+    <mc:Fallback>
+      <p:transition spd="slow">
+        <p:fade/>
+      </p:transition>
+    </mc:Fallback>
+  </mc:AlternateContent>
 </p:sldLayout>
 </file>
 
@@ -1268,6 +1292,18 @@
   <p:clrMapOvr>
     <a:masterClrMapping/>
   </p:clrMapOvr>
+  <mc:AlternateContent xmlns:mc="http://schemas.openxmlformats.org/markup-compatibility/2006">
+    <mc:Choice xmlns:p159="http://schemas.microsoft.com/office/powerpoint/2015/09/main" Requires="p159">
+      <p:transition xmlns:p14="http://schemas.microsoft.com/office/powerpoint/2010/main" spd="slow" p14:dur="2000">
+        <p159:morph option="byObject"/>
+      </p:transition>
+    </mc:Choice>
+    <mc:Fallback>
+      <p:transition spd="slow">
+        <p:fade/>
+      </p:transition>
+    </mc:Fallback>
+  </mc:AlternateContent>
 </p:sldLayout>
 </file>
 
@@ -1497,6 +1533,18 @@
   <p:clrMapOvr>
     <a:masterClrMapping/>
   </p:clrMapOvr>
+  <mc:AlternateContent xmlns:mc="http://schemas.openxmlformats.org/markup-compatibility/2006">
+    <mc:Choice xmlns:p159="http://schemas.microsoft.com/office/powerpoint/2015/09/main" Requires="p159">
+      <p:transition xmlns:p14="http://schemas.microsoft.com/office/powerpoint/2010/main" spd="slow" p14:dur="2000">
+        <p159:morph option="byObject"/>
+      </p:transition>
+    </mc:Choice>
+    <mc:Fallback>
+      <p:transition spd="slow">
+        <p:fade/>
+      </p:transition>
+    </mc:Fallback>
+  </mc:AlternateContent>
 </p:sldLayout>
 </file>
 
@@ -1730,6 +1778,18 @@
   <p:clrMapOvr>
     <a:masterClrMapping/>
   </p:clrMapOvr>
+  <mc:AlternateContent xmlns:mc="http://schemas.openxmlformats.org/markup-compatibility/2006">
+    <mc:Choice xmlns:p159="http://schemas.microsoft.com/office/powerpoint/2015/09/main" Requires="p159">
+      <p:transition xmlns:p14="http://schemas.microsoft.com/office/powerpoint/2010/main" spd="slow" p14:dur="2000">
+        <p159:morph option="byObject"/>
+      </p:transition>
+    </mc:Choice>
+    <mc:Fallback>
+      <p:transition spd="slow">
+        <p:fade/>
+      </p:transition>
+    </mc:Fallback>
+  </mc:AlternateContent>
 </p:sldLayout>
 </file>
 
@@ -1977,6 +2037,18 @@
   <p:clrMapOvr>
     <a:masterClrMapping/>
   </p:clrMapOvr>
+  <mc:AlternateContent xmlns:mc="http://schemas.openxmlformats.org/markup-compatibility/2006">
+    <mc:Choice xmlns:p159="http://schemas.microsoft.com/office/powerpoint/2015/09/main" Requires="p159">
+      <p:transition xmlns:p14="http://schemas.microsoft.com/office/powerpoint/2010/main" spd="slow" p14:dur="2000">
+        <p159:morph option="byObject"/>
+      </p:transition>
+    </mc:Choice>
+    <mc:Fallback>
+      <p:transition spd="slow">
+        <p:fade/>
+      </p:transition>
+    </mc:Fallback>
+  </mc:AlternateContent>
 </p:sldLayout>
 </file>
 
@@ -2224,6 +2296,18 @@
   <p:clrMapOvr>
     <a:masterClrMapping/>
   </p:clrMapOvr>
+  <mc:AlternateContent xmlns:mc="http://schemas.openxmlformats.org/markup-compatibility/2006">
+    <mc:Choice xmlns:p159="http://schemas.microsoft.com/office/powerpoint/2015/09/main" Requires="p159">
+      <p:transition xmlns:p14="http://schemas.microsoft.com/office/powerpoint/2010/main" spd="slow" p14:dur="2000">
+        <p159:morph option="byObject"/>
+      </p:transition>
+    </mc:Choice>
+    <mc:Fallback>
+      <p:transition spd="slow">
+        <p:fade/>
+      </p:transition>
+    </mc:Fallback>
+  </mc:AlternateContent>
 </p:sldLayout>
 </file>
 
@@ -2511,6 +2595,18 @@
   <p:clrMapOvr>
     <a:masterClrMapping/>
   </p:clrMapOvr>
+  <mc:AlternateContent xmlns:mc="http://schemas.openxmlformats.org/markup-compatibility/2006">
+    <mc:Choice xmlns:p159="http://schemas.microsoft.com/office/powerpoint/2015/09/main" Requires="p159">
+      <p:transition xmlns:p14="http://schemas.microsoft.com/office/powerpoint/2010/main" spd="slow" p14:dur="2000">
+        <p159:morph option="byObject"/>
+      </p:transition>
+    </mc:Choice>
+    <mc:Fallback>
+      <p:transition spd="slow">
+        <p:fade/>
+      </p:transition>
+    </mc:Fallback>
+  </mc:AlternateContent>
 </p:sldLayout>
 </file>
 
@@ -2998,6 +3094,18 @@
   <p:clrMapOvr>
     <a:masterClrMapping/>
   </p:clrMapOvr>
+  <mc:AlternateContent xmlns:mc="http://schemas.openxmlformats.org/markup-compatibility/2006">
+    <mc:Choice xmlns:p159="http://schemas.microsoft.com/office/powerpoint/2015/09/main" Requires="p159">
+      <p:transition xmlns:p14="http://schemas.microsoft.com/office/powerpoint/2010/main" spd="slow" p14:dur="2000">
+        <p159:morph option="byObject"/>
+      </p:transition>
+    </mc:Choice>
+    <mc:Fallback>
+      <p:transition spd="slow">
+        <p:fade/>
+      </p:transition>
+    </mc:Fallback>
+  </mc:AlternateContent>
 </p:sldLayout>
 </file>
 
@@ -3117,6 +3225,18 @@
   <p:clrMapOvr>
     <a:masterClrMapping/>
   </p:clrMapOvr>
+  <mc:AlternateContent xmlns:mc="http://schemas.openxmlformats.org/markup-compatibility/2006">
+    <mc:Choice xmlns:p159="http://schemas.microsoft.com/office/powerpoint/2015/09/main" Requires="p159">
+      <p:transition xmlns:p14="http://schemas.microsoft.com/office/powerpoint/2010/main" spd="slow" p14:dur="2000">
+        <p159:morph option="byObject"/>
+      </p:transition>
+    </mc:Choice>
+    <mc:Fallback>
+      <p:transition spd="slow">
+        <p:fade/>
+      </p:transition>
+    </mc:Fallback>
+  </mc:AlternateContent>
 </p:sldLayout>
 </file>
 
@@ -3214,6 +3334,18 @@
   <p:clrMapOvr>
     <a:masterClrMapping/>
   </p:clrMapOvr>
+  <mc:AlternateContent xmlns:mc="http://schemas.openxmlformats.org/markup-compatibility/2006">
+    <mc:Choice xmlns:p159="http://schemas.microsoft.com/office/powerpoint/2015/09/main" Requires="p159">
+      <p:transition xmlns:p14="http://schemas.microsoft.com/office/powerpoint/2010/main" spd="slow" p14:dur="2000">
+        <p159:morph option="byObject"/>
+      </p:transition>
+    </mc:Choice>
+    <mc:Fallback>
+      <p:transition spd="slow">
+        <p:fade/>
+      </p:transition>
+    </mc:Fallback>
+  </mc:AlternateContent>
 </p:sldLayout>
 </file>
 
@@ -3491,6 +3623,18 @@
   <p:clrMapOvr>
     <a:masterClrMapping/>
   </p:clrMapOvr>
+  <mc:AlternateContent xmlns:mc="http://schemas.openxmlformats.org/markup-compatibility/2006">
+    <mc:Choice xmlns:p159="http://schemas.microsoft.com/office/powerpoint/2015/09/main" Requires="p159">
+      <p:transition xmlns:p14="http://schemas.microsoft.com/office/powerpoint/2010/main" spd="slow" p14:dur="2000">
+        <p159:morph option="byObject"/>
+      </p:transition>
+    </mc:Choice>
+    <mc:Fallback>
+      <p:transition spd="slow">
+        <p:fade/>
+      </p:transition>
+    </mc:Fallback>
+  </mc:AlternateContent>
 </p:sldLayout>
 </file>
 
@@ -3814,6 +3958,18 @@
     <p:sldLayoutId id="2147483658" r:id="rId11"/>
     <p:sldLayoutId id="2147483659" r:id="rId12"/>
   </p:sldLayoutIdLst>
+  <mc:AlternateContent xmlns:mc="http://schemas.openxmlformats.org/markup-compatibility/2006">
+    <mc:Choice xmlns:p159="http://schemas.microsoft.com/office/powerpoint/2015/09/main" Requires="p159">
+      <p:transition xmlns:p14="http://schemas.microsoft.com/office/powerpoint/2010/main" spd="slow" p14:dur="2000">
+        <p159:morph option="byObject"/>
+      </p:transition>
+    </mc:Choice>
+    <mc:Fallback>
+      <p:transition spd="slow">
+        <p:fade/>
+      </p:transition>
+    </mc:Fallback>
+  </mc:AlternateContent>
   <p:txStyles>
     <p:titleStyle>
       <a:lvl1pPr algn="ctr" defTabSz="914400" rtl="0" eaLnBrk="1" latinLnBrk="0" hangingPunct="1">
@@ -4156,6 +4312,18 @@
   <p:clrMapOvr>
     <a:masterClrMapping/>
   </p:clrMapOvr>
+  <mc:AlternateContent xmlns:mc="http://schemas.openxmlformats.org/markup-compatibility/2006">
+    <mc:Choice xmlns:p159="http://schemas.microsoft.com/office/powerpoint/2015/09/main" Requires="p159">
+      <p:transition xmlns:p14="http://schemas.microsoft.com/office/powerpoint/2010/main" spd="slow" p14:dur="2000">
+        <p159:morph option="byObject"/>
+      </p:transition>
+    </mc:Choice>
+    <mc:Fallback>
+      <p:transition spd="slow">
+        <p:fade/>
+      </p:transition>
+    </mc:Fallback>
+  </mc:AlternateContent>
 </p:sld>
 </file>
 
@@ -4178,7 +4346,7 @@
       </p:grpSpPr>
       <p:sp>
         <p:nvSpPr>
-          <p:cNvPr id="2" name="Title 1"/>
+          <p:cNvPr id="4" name="Title 3"/>
           <p:cNvSpPr>
             <a:spLocks noGrp="1"/>
           </p:cNvSpPr>
@@ -4188,268 +4356,33 @@
         </p:nvSpPr>
         <p:spPr>
           <a:xfrm>
-            <a:off x="143555" y="128470"/>
+            <a:off x="220025" y="256800"/>
             <a:ext cx="6252670" cy="763525"/>
           </a:xfrm>
         </p:spPr>
         <p:txBody>
-          <a:bodyPr anchor="ctr">
-            <a:normAutofit/>
+          <a:bodyPr>
+            <a:normAutofit fontScale="90000"/>
           </a:bodyPr>
           <a:lstStyle/>
           <a:p>
             <a:r>
               <a:rPr lang="en-US" dirty="0"/>
-              <a:t>Main Functionality</a:t>
-            </a:r>
-          </a:p>
-        </p:txBody>
-      </p:sp>
-      <p:pic>
-        <p:nvPicPr>
-          <p:cNvPr id="5" name="Picture 4" descr="Graphical user interface, application&#10;&#10;Description automatically generated">
-            <a:extLst>
-              <a:ext uri="{FF2B5EF4-FFF2-40B4-BE49-F238E27FC236}">
-                <a16:creationId xmlns:a16="http://schemas.microsoft.com/office/drawing/2014/main" id="{FCB007B7-564F-45B3-9FA1-27E0111ABF18}"/>
-              </a:ext>
-            </a:extLst>
-          </p:cNvPr>
-          <p:cNvPicPr>
-            <a:picLocks noChangeAspect="1"/>
-          </p:cNvPicPr>
-          <p:nvPr/>
-        </p:nvPicPr>
-        <p:blipFill>
-          <a:blip r:embed="rId2" cstate="print">
-            <a:extLst>
-              <a:ext uri="{28A0092B-C50C-407E-A947-70E740481C1C}">
-                <a14:useLocalDpi xmlns:a14="http://schemas.microsoft.com/office/drawing/2010/main" val="0"/>
-              </a:ext>
-            </a:extLst>
-          </a:blip>
-          <a:stretch>
-            <a:fillRect/>
-          </a:stretch>
-        </p:blipFill>
-        <p:spPr>
-          <a:xfrm>
-            <a:off x="1329731" y="281175"/>
-            <a:ext cx="7843270" cy="4497101"/>
-          </a:xfrm>
-          <a:prstGeom prst="rect">
-            <a:avLst/>
-          </a:prstGeom>
-          <a:noFill/>
-        </p:spPr>
-      </p:pic>
-      <p:sp>
-        <p:nvSpPr>
-          <p:cNvPr id="6" name="TextBox 5">
-            <a:extLst>
-              <a:ext uri="{FF2B5EF4-FFF2-40B4-BE49-F238E27FC236}">
-                <a16:creationId xmlns:a16="http://schemas.microsoft.com/office/drawing/2014/main" id="{B4D7B2FE-95AC-4B4A-86D0-B864CD5BA853}"/>
-              </a:ext>
-            </a:extLst>
-          </p:cNvPr>
-          <p:cNvSpPr txBox="1"/>
-          <p:nvPr/>
-        </p:nvSpPr>
-        <p:spPr>
-          <a:xfrm>
-            <a:off x="4726396" y="398369"/>
-            <a:ext cx="1669829" cy="646331"/>
-          </a:xfrm>
-          <a:prstGeom prst="rect">
-            <a:avLst/>
-          </a:prstGeom>
-          <a:noFill/>
-        </p:spPr>
-        <p:txBody>
-          <a:bodyPr wrap="square" rtlCol="0">
-            <a:spAutoFit/>
-          </a:bodyPr>
-          <a:lstStyle/>
-          <a:p>
-            <a:r>
-              <a:rPr kumimoji="0" lang="en-US" sz="3600" b="0" i="0" u="none" strike="noStrike" kern="1200" cap="none" spc="0" normalizeH="0" baseline="0" noProof="0" dirty="0">
-                <a:ln>
-                  <a:noFill/>
-                </a:ln>
-                <a:solidFill>
-                  <a:srgbClr val="002060"/>
-                </a:solidFill>
-                <a:effectLst>
-                  <a:outerShdw blurRad="50800" dist="38100" dir="2700000" algn="tl" rotWithShape="0">
-                    <a:prstClr val="black">
-                      <a:alpha val="40000"/>
-                    </a:prstClr>
-                  </a:outerShdw>
-                </a:effectLst>
-                <a:uLnTx/>
-                <a:uFillTx/>
-                <a:latin typeface="Calibri"/>
-                <a:ea typeface="+mj-ea"/>
-                <a:cs typeface="+mj-cs"/>
-              </a:rPr>
-              <a:t>User</a:t>
-            </a:r>
-            <a:endParaRPr lang="en-US" dirty="0"/>
-          </a:p>
-        </p:txBody>
-      </p:sp>
-    </p:spTree>
-    <p:extLst>
-      <p:ext uri="{BB962C8B-B14F-4D97-AF65-F5344CB8AC3E}">
-        <p14:creationId xmlns:p14="http://schemas.microsoft.com/office/powerpoint/2010/main" val="4103309497"/>
-      </p:ext>
-    </p:extLst>
-  </p:cSld>
-  <p:clrMapOvr>
-    <a:masterClrMapping/>
-  </p:clrMapOvr>
-</p:sld>
-</file>
-
-<file path=ppt/slides/slide3.xml><?xml version="1.0" encoding="utf-8"?>
-<p:sld xmlns:a="http://schemas.openxmlformats.org/drawingml/2006/main" xmlns:r="http://schemas.openxmlformats.org/officeDocument/2006/relationships" xmlns:p="http://schemas.openxmlformats.org/presentationml/2006/main">
-  <p:cSld>
-    <p:spTree>
-      <p:nvGrpSpPr>
-        <p:cNvPr id="1" name=""/>
-        <p:cNvGrpSpPr/>
-        <p:nvPr/>
-      </p:nvGrpSpPr>
-      <p:grpSpPr>
-        <a:xfrm>
-          <a:off x="0" y="0"/>
-          <a:ext cx="0" cy="0"/>
-          <a:chOff x="0" y="0"/>
-          <a:chExt cx="0" cy="0"/>
-        </a:xfrm>
-      </p:grpSpPr>
-      <p:sp>
-        <p:nvSpPr>
-          <p:cNvPr id="2" name="Title 1">
-            <a:extLst>
-              <a:ext uri="{FF2B5EF4-FFF2-40B4-BE49-F238E27FC236}">
-                <a16:creationId xmlns:a16="http://schemas.microsoft.com/office/drawing/2014/main" id="{E6DC093C-D392-4B0D-9356-273466BBA50E}"/>
-              </a:ext>
-            </a:extLst>
-          </p:cNvPr>
-          <p:cNvSpPr>
-            <a:spLocks noGrp="1"/>
-          </p:cNvSpPr>
-          <p:nvPr>
-            <p:ph type="title"/>
-          </p:nvPr>
-        </p:nvSpPr>
-        <p:spPr>
-          <a:xfrm>
-            <a:off x="4853860" y="739290"/>
-            <a:ext cx="1413210" cy="763525"/>
-          </a:xfrm>
-        </p:spPr>
-        <p:txBody>
-          <a:bodyPr/>
-          <a:lstStyle/>
-          <a:p>
-            <a:r>
+              <a:t>Technologies, </a:t>
+            </a:r>
+            <a:br>
               <a:rPr lang="en-US" dirty="0"/>
-              <a:t>Admin</a:t>
-            </a:r>
-          </a:p>
-        </p:txBody>
-      </p:sp>
-      <p:pic>
-        <p:nvPicPr>
-          <p:cNvPr id="5" name="Content Placeholder 4" descr="Graphical user interface, application&#10;&#10;Description automatically generated">
-            <a:extLst>
-              <a:ext uri="{FF2B5EF4-FFF2-40B4-BE49-F238E27FC236}">
-                <a16:creationId xmlns:a16="http://schemas.microsoft.com/office/drawing/2014/main" id="{A0CEBDF4-AE8C-4E82-9EBE-1E71F2B5D18D}"/>
-              </a:ext>
-            </a:extLst>
-          </p:cNvPr>
-          <p:cNvPicPr>
-            <a:picLocks noGrp="1" noChangeAspect="1"/>
-          </p:cNvPicPr>
-          <p:nvPr>
-            <p:ph idx="1"/>
-          </p:nvPr>
-        </p:nvPicPr>
-        <p:blipFill>
-          <a:blip r:embed="rId2" cstate="print">
-            <a:extLst>
-              <a:ext uri="{28A0092B-C50C-407E-A947-70E740481C1C}">
-                <a14:useLocalDpi xmlns:a14="http://schemas.microsoft.com/office/drawing/2010/main" val="0"/>
-              </a:ext>
-            </a:extLst>
-          </a:blip>
-          <a:stretch>
-            <a:fillRect/>
-          </a:stretch>
-        </p:blipFill>
-        <p:spPr>
-          <a:xfrm>
-            <a:off x="2483912" y="815975"/>
-            <a:ext cx="6153106" cy="3511550"/>
-          </a:xfrm>
-        </p:spPr>
-      </p:pic>
-    </p:spTree>
-    <p:extLst>
-      <p:ext uri="{BB962C8B-B14F-4D97-AF65-F5344CB8AC3E}">
-        <p14:creationId xmlns:p14="http://schemas.microsoft.com/office/powerpoint/2010/main" val="1093482757"/>
-      </p:ext>
-    </p:extLst>
-  </p:cSld>
-  <p:clrMapOvr>
-    <a:masterClrMapping/>
-  </p:clrMapOvr>
-</p:sld>
-</file>
-
-<file path=ppt/slides/slide4.xml><?xml version="1.0" encoding="utf-8"?>
-<p:sld xmlns:a="http://schemas.openxmlformats.org/drawingml/2006/main" xmlns:r="http://schemas.openxmlformats.org/officeDocument/2006/relationships" xmlns:p="http://schemas.openxmlformats.org/presentationml/2006/main">
-  <p:cSld>
-    <p:spTree>
-      <p:nvGrpSpPr>
-        <p:cNvPr id="1" name=""/>
-        <p:cNvGrpSpPr/>
-        <p:nvPr/>
-      </p:nvGrpSpPr>
-      <p:grpSpPr>
-        <a:xfrm>
-          <a:off x="0" y="0"/>
-          <a:ext cx="0" cy="0"/>
-          <a:chOff x="0" y="0"/>
-          <a:chExt cx="0" cy="0"/>
-        </a:xfrm>
-      </p:grpSpPr>
-      <p:sp>
-        <p:nvSpPr>
-          <p:cNvPr id="4" name="Title 3"/>
-          <p:cNvSpPr>
-            <a:spLocks noGrp="1"/>
-          </p:cNvSpPr>
-          <p:nvPr>
-            <p:ph type="title"/>
-          </p:nvPr>
-        </p:nvSpPr>
-        <p:spPr>
-          <a:xfrm>
-            <a:off x="89305" y="111880"/>
-            <a:ext cx="6252670" cy="763525"/>
-          </a:xfrm>
-        </p:spPr>
-        <p:txBody>
-          <a:bodyPr>
-            <a:normAutofit/>
-          </a:bodyPr>
-          <a:lstStyle/>
-          <a:p>
+            </a:br>
             <a:r>
               <a:rPr lang="en-US" dirty="0"/>
-              <a:t>Technologies, API’s and software</a:t>
+              <a:t>API’s and </a:t>
+            </a:r>
+            <a:br>
+              <a:rPr lang="en-US" dirty="0"/>
+            </a:br>
+            <a:r>
+              <a:rPr lang="en-US" dirty="0"/>
+              <a:t>software</a:t>
             </a:r>
           </a:p>
         </p:txBody>
@@ -4932,6 +4865,290 @@
   <p:clrMapOvr>
     <a:masterClrMapping/>
   </p:clrMapOvr>
+  <mc:AlternateContent xmlns:mc="http://schemas.openxmlformats.org/markup-compatibility/2006">
+    <mc:Choice xmlns:p159="http://schemas.microsoft.com/office/powerpoint/2015/09/main" Requires="p159">
+      <p:transition xmlns:p14="http://schemas.microsoft.com/office/powerpoint/2010/main" spd="slow" p14:dur="2000">
+        <p159:morph option="byObject"/>
+      </p:transition>
+    </mc:Choice>
+    <mc:Fallback>
+      <p:transition spd="slow">
+        <p:fade/>
+      </p:transition>
+    </mc:Fallback>
+  </mc:AlternateContent>
+</p:sld>
+</file>
+
+<file path=ppt/slides/slide3.xml><?xml version="1.0" encoding="utf-8"?>
+<p:sld xmlns:a="http://schemas.openxmlformats.org/drawingml/2006/main" xmlns:r="http://schemas.openxmlformats.org/officeDocument/2006/relationships" xmlns:p="http://schemas.openxmlformats.org/presentationml/2006/main">
+  <p:cSld>
+    <p:spTree>
+      <p:nvGrpSpPr>
+        <p:cNvPr id="1" name=""/>
+        <p:cNvGrpSpPr/>
+        <p:nvPr/>
+      </p:nvGrpSpPr>
+      <p:grpSpPr>
+        <a:xfrm>
+          <a:off x="0" y="0"/>
+          <a:ext cx="0" cy="0"/>
+          <a:chOff x="0" y="0"/>
+          <a:chExt cx="0" cy="0"/>
+        </a:xfrm>
+      </p:grpSpPr>
+      <p:pic>
+        <p:nvPicPr>
+          <p:cNvPr id="8" name="Picture 7">
+            <a:extLst>
+              <a:ext uri="{FF2B5EF4-FFF2-40B4-BE49-F238E27FC236}">
+                <a16:creationId xmlns:a16="http://schemas.microsoft.com/office/drawing/2014/main" id="{544028C8-9F9D-4383-A3F5-FF166C9F6211}"/>
+              </a:ext>
+            </a:extLst>
+          </p:cNvPr>
+          <p:cNvPicPr>
+            <a:picLocks noChangeAspect="1"/>
+          </p:cNvPicPr>
+          <p:nvPr/>
+        </p:nvPicPr>
+        <p:blipFill>
+          <a:blip r:embed="rId2" cstate="print">
+            <a:extLst>
+              <a:ext uri="{28A0092B-C50C-407E-A947-70E740481C1C}">
+                <a14:useLocalDpi xmlns:a14="http://schemas.microsoft.com/office/drawing/2010/main" val="0"/>
+              </a:ext>
+            </a:extLst>
+          </a:blip>
+          <a:stretch>
+            <a:fillRect/>
+          </a:stretch>
+        </p:blipFill>
+        <p:spPr>
+          <a:xfrm>
+            <a:off x="1976015" y="52529"/>
+            <a:ext cx="7762684" cy="4828443"/>
+          </a:xfrm>
+          <a:prstGeom prst="rect">
+            <a:avLst/>
+          </a:prstGeom>
+        </p:spPr>
+      </p:pic>
+      <p:sp>
+        <p:nvSpPr>
+          <p:cNvPr id="2" name="Title 1"/>
+          <p:cNvSpPr>
+            <a:spLocks noGrp="1"/>
+          </p:cNvSpPr>
+          <p:nvPr>
+            <p:ph type="title"/>
+          </p:nvPr>
+        </p:nvSpPr>
+        <p:spPr>
+          <a:xfrm>
+            <a:off x="7145" y="-41991"/>
+            <a:ext cx="6252670" cy="763525"/>
+          </a:xfrm>
+        </p:spPr>
+        <p:txBody>
+          <a:bodyPr anchor="ctr">
+            <a:normAutofit/>
+          </a:bodyPr>
+          <a:lstStyle/>
+          <a:p>
+            <a:r>
+              <a:rPr lang="en-US" dirty="0"/>
+              <a:t>Main Functionality</a:t>
+            </a:r>
+          </a:p>
+        </p:txBody>
+      </p:sp>
+      <p:sp>
+        <p:nvSpPr>
+          <p:cNvPr id="6" name="TextBox 5">
+            <a:extLst>
+              <a:ext uri="{FF2B5EF4-FFF2-40B4-BE49-F238E27FC236}">
+                <a16:creationId xmlns:a16="http://schemas.microsoft.com/office/drawing/2014/main" id="{B4D7B2FE-95AC-4B4A-86D0-B864CD5BA853}"/>
+              </a:ext>
+            </a:extLst>
+          </p:cNvPr>
+          <p:cNvSpPr txBox="1"/>
+          <p:nvPr/>
+        </p:nvSpPr>
+        <p:spPr>
+          <a:xfrm>
+            <a:off x="5182820" y="1502815"/>
+            <a:ext cx="1669829" cy="646331"/>
+          </a:xfrm>
+          <a:prstGeom prst="rect">
+            <a:avLst/>
+          </a:prstGeom>
+          <a:noFill/>
+        </p:spPr>
+        <p:txBody>
+          <a:bodyPr wrap="square" rtlCol="0">
+            <a:spAutoFit/>
+          </a:bodyPr>
+          <a:lstStyle/>
+          <a:p>
+            <a:r>
+              <a:rPr kumimoji="0" lang="en-US" sz="3600" b="0" i="0" u="none" strike="noStrike" kern="1200" cap="none" spc="0" normalizeH="0" baseline="0" noProof="0" dirty="0">
+                <a:ln>
+                  <a:noFill/>
+                </a:ln>
+                <a:solidFill>
+                  <a:srgbClr val="002060"/>
+                </a:solidFill>
+                <a:effectLst>
+                  <a:outerShdw blurRad="50800" dist="38100" dir="2700000" algn="tl" rotWithShape="0">
+                    <a:prstClr val="black">
+                      <a:alpha val="40000"/>
+                    </a:prstClr>
+                  </a:outerShdw>
+                </a:effectLst>
+                <a:uLnTx/>
+                <a:uFillTx/>
+                <a:latin typeface="Calibri"/>
+                <a:ea typeface="+mj-ea"/>
+                <a:cs typeface="+mj-cs"/>
+              </a:rPr>
+              <a:t>User</a:t>
+            </a:r>
+            <a:endParaRPr lang="en-US" dirty="0"/>
+          </a:p>
+        </p:txBody>
+      </p:sp>
+    </p:spTree>
+    <p:extLst>
+      <p:ext uri="{BB962C8B-B14F-4D97-AF65-F5344CB8AC3E}">
+        <p14:creationId xmlns:p14="http://schemas.microsoft.com/office/powerpoint/2010/main" val="4103309497"/>
+      </p:ext>
+    </p:extLst>
+  </p:cSld>
+  <p:clrMapOvr>
+    <a:masterClrMapping/>
+  </p:clrMapOvr>
+  <mc:AlternateContent xmlns:mc="http://schemas.openxmlformats.org/markup-compatibility/2006">
+    <mc:Choice xmlns:p159="http://schemas.microsoft.com/office/powerpoint/2015/09/main" Requires="p159">
+      <p:transition xmlns:p14="http://schemas.microsoft.com/office/powerpoint/2010/main" spd="slow" p14:dur="2000">
+        <p159:morph option="byObject"/>
+      </p:transition>
+    </mc:Choice>
+    <mc:Fallback>
+      <p:transition spd="slow">
+        <p:fade/>
+      </p:transition>
+    </mc:Fallback>
+  </mc:AlternateContent>
+</p:sld>
+</file>
+
+<file path=ppt/slides/slide4.xml><?xml version="1.0" encoding="utf-8"?>
+<p:sld xmlns:a="http://schemas.openxmlformats.org/drawingml/2006/main" xmlns:r="http://schemas.openxmlformats.org/officeDocument/2006/relationships" xmlns:p="http://schemas.openxmlformats.org/presentationml/2006/main">
+  <p:cSld>
+    <p:spTree>
+      <p:nvGrpSpPr>
+        <p:cNvPr id="1" name=""/>
+        <p:cNvGrpSpPr/>
+        <p:nvPr/>
+      </p:nvGrpSpPr>
+      <p:grpSpPr>
+        <a:xfrm>
+          <a:off x="0" y="0"/>
+          <a:ext cx="0" cy="0"/>
+          <a:chOff x="0" y="0"/>
+          <a:chExt cx="0" cy="0"/>
+        </a:xfrm>
+      </p:grpSpPr>
+      <p:pic>
+        <p:nvPicPr>
+          <p:cNvPr id="7" name="Content Placeholder 6">
+            <a:extLst>
+              <a:ext uri="{FF2B5EF4-FFF2-40B4-BE49-F238E27FC236}">
+                <a16:creationId xmlns:a16="http://schemas.microsoft.com/office/drawing/2014/main" id="{4FECF354-F45A-460E-B1B0-7E8D1649AF18}"/>
+              </a:ext>
+            </a:extLst>
+          </p:cNvPr>
+          <p:cNvPicPr>
+            <a:picLocks noGrp="1" noChangeAspect="1"/>
+          </p:cNvPicPr>
+          <p:nvPr>
+            <p:ph idx="1"/>
+          </p:nvPr>
+        </p:nvPicPr>
+        <p:blipFill>
+          <a:blip r:embed="rId2" cstate="print">
+            <a:extLst>
+              <a:ext uri="{28A0092B-C50C-407E-A947-70E740481C1C}">
+                <a14:useLocalDpi xmlns:a14="http://schemas.microsoft.com/office/drawing/2010/main" val="0"/>
+              </a:ext>
+            </a:extLst>
+          </a:blip>
+          <a:stretch>
+            <a:fillRect/>
+          </a:stretch>
+        </p:blipFill>
+        <p:spPr>
+          <a:xfrm>
+            <a:off x="1976015" y="-482350"/>
+            <a:ext cx="8347126" cy="5191970"/>
+          </a:xfrm>
+        </p:spPr>
+      </p:pic>
+      <p:sp>
+        <p:nvSpPr>
+          <p:cNvPr id="2" name="Title 1">
+            <a:extLst>
+              <a:ext uri="{FF2B5EF4-FFF2-40B4-BE49-F238E27FC236}">
+                <a16:creationId xmlns:a16="http://schemas.microsoft.com/office/drawing/2014/main" id="{E6DC093C-D392-4B0D-9356-273466BBA50E}"/>
+              </a:ext>
+            </a:extLst>
+          </p:cNvPr>
+          <p:cNvSpPr>
+            <a:spLocks noGrp="1"/>
+          </p:cNvSpPr>
+          <p:nvPr>
+            <p:ph type="title"/>
+          </p:nvPr>
+        </p:nvSpPr>
+        <p:spPr>
+          <a:xfrm>
+            <a:off x="5488230" y="281175"/>
+            <a:ext cx="1413210" cy="763525"/>
+          </a:xfrm>
+        </p:spPr>
+        <p:txBody>
+          <a:bodyPr/>
+          <a:lstStyle/>
+          <a:p>
+            <a:r>
+              <a:rPr lang="en-US" dirty="0"/>
+              <a:t>Admin</a:t>
+            </a:r>
+          </a:p>
+        </p:txBody>
+      </p:sp>
+    </p:spTree>
+    <p:extLst>
+      <p:ext uri="{BB962C8B-B14F-4D97-AF65-F5344CB8AC3E}">
+        <p14:creationId xmlns:p14="http://schemas.microsoft.com/office/powerpoint/2010/main" val="1093482757"/>
+      </p:ext>
+    </p:extLst>
+  </p:cSld>
+  <p:clrMapOvr>
+    <a:masterClrMapping/>
+  </p:clrMapOvr>
+  <mc:AlternateContent xmlns:mc="http://schemas.openxmlformats.org/markup-compatibility/2006">
+    <mc:Choice xmlns:p159="http://schemas.microsoft.com/office/powerpoint/2015/09/main" Requires="p159">
+      <p:transition xmlns:p14="http://schemas.microsoft.com/office/powerpoint/2010/main" spd="slow" p14:dur="2000">
+        <p159:morph option="byObject"/>
+      </p:transition>
+    </mc:Choice>
+    <mc:Fallback>
+      <p:transition spd="slow">
+        <p:fade/>
+      </p:transition>
+    </mc:Fallback>
+  </mc:AlternateContent>
 </p:sld>
 </file>
 
@@ -5034,6 +5251,18 @@
   <p:clrMapOvr>
     <a:masterClrMapping/>
   </p:clrMapOvr>
+  <mc:AlternateContent xmlns:mc="http://schemas.openxmlformats.org/markup-compatibility/2006">
+    <mc:Choice xmlns:p159="http://schemas.microsoft.com/office/powerpoint/2015/09/main" Requires="p159">
+      <p:transition xmlns:p14="http://schemas.microsoft.com/office/powerpoint/2010/main" spd="slow" p14:dur="2000">
+        <p159:morph option="byObject"/>
+      </p:transition>
+    </mc:Choice>
+    <mc:Fallback>
+      <p:transition spd="slow">
+        <p:fade/>
+      </p:transition>
+    </mc:Fallback>
+  </mc:AlternateContent>
 </p:sld>
 </file>
 
@@ -5316,6 +5545,18 @@
   <p:clrMapOvr>
     <a:masterClrMapping/>
   </p:clrMapOvr>
+  <mc:AlternateContent xmlns:mc="http://schemas.openxmlformats.org/markup-compatibility/2006">
+    <mc:Choice xmlns:p159="http://schemas.microsoft.com/office/powerpoint/2015/09/main" Requires="p159">
+      <p:transition xmlns:p14="http://schemas.microsoft.com/office/powerpoint/2010/main" spd="slow" p14:dur="2000">
+        <p159:morph option="byObject"/>
+      </p:transition>
+    </mc:Choice>
+    <mc:Fallback>
+      <p:transition spd="slow">
+        <p:fade/>
+      </p:transition>
+    </mc:Fallback>
+  </mc:AlternateContent>
 </p:sld>
 </file>
 
@@ -5385,6 +5626,18 @@
   <p:clrMapOvr>
     <a:masterClrMapping/>
   </p:clrMapOvr>
+  <mc:AlternateContent xmlns:mc="http://schemas.openxmlformats.org/markup-compatibility/2006">
+    <mc:Choice xmlns:p159="http://schemas.microsoft.com/office/powerpoint/2015/09/main" Requires="p159">
+      <p:transition xmlns:p14="http://schemas.microsoft.com/office/powerpoint/2010/main" spd="slow" p14:dur="2000">
+        <p159:morph option="byObject"/>
+      </p:transition>
+    </mc:Choice>
+    <mc:Fallback>
+      <p:transition spd="slow">
+        <p:fade/>
+      </p:transition>
+    </mc:Fallback>
+  </mc:AlternateContent>
 </p:sld>
 </file>
 
@@ -5459,6 +5712,18 @@
   <p:clrMapOvr>
     <a:masterClrMapping/>
   </p:clrMapOvr>
+  <mc:AlternateContent xmlns:mc="http://schemas.openxmlformats.org/markup-compatibility/2006">
+    <mc:Choice xmlns:p159="http://schemas.microsoft.com/office/powerpoint/2015/09/main" Requires="p159">
+      <p:transition xmlns:p14="http://schemas.microsoft.com/office/powerpoint/2010/main" spd="slow" p14:dur="2000">
+        <p159:morph option="byObject"/>
+      </p:transition>
+    </mc:Choice>
+    <mc:Fallback>
+      <p:transition spd="slow">
+        <p:fade/>
+      </p:transition>
+    </mc:Fallback>
+  </mc:AlternateContent>
 </p:sld>
 </file>
 

--- a/emag_Presentation.pptx
+++ b/emag_Presentation.pptx
@@ -5,17 +5,20 @@
     <p:sldMasterId id="2147483648" r:id="rId1"/>
   </p:sldMasterIdLst>
   <p:notesMasterIdLst>
-    <p:notesMasterId r:id="rId10"/>
+    <p:notesMasterId r:id="rId13"/>
   </p:notesMasterIdLst>
   <p:sldIdLst>
     <p:sldId id="256" r:id="rId2"/>
     <p:sldId id="259" r:id="rId3"/>
     <p:sldId id="257" r:id="rId4"/>
     <p:sldId id="263" r:id="rId5"/>
-    <p:sldId id="258" r:id="rId6"/>
-    <p:sldId id="260" r:id="rId7"/>
-    <p:sldId id="261" r:id="rId8"/>
-    <p:sldId id="262" r:id="rId9"/>
+    <p:sldId id="264" r:id="rId6"/>
+    <p:sldId id="265" r:id="rId7"/>
+    <p:sldId id="266" r:id="rId8"/>
+    <p:sldId id="258" r:id="rId9"/>
+    <p:sldId id="260" r:id="rId10"/>
+    <p:sldId id="261" r:id="rId11"/>
+    <p:sldId id="262" r:id="rId12"/>
   </p:sldIdLst>
   <p:sldSz cx="9144000" cy="5143500" type="screen16x9"/>
   <p:notesSz cx="6858000" cy="9144000"/>
@@ -215,7 +218,7 @@
           <a:p>
             <a:fld id="{C8D18E60-4300-4729-A0D7-6AB984C3922D}" type="datetimeFigureOut">
               <a:rPr lang="en-US" smtClean="0"/>
-              <a:t>2/23/2022</a:t>
+              <a:t>2/24/2022</a:t>
             </a:fld>
             <a:endParaRPr lang="en-US"/>
           </a:p>
@@ -547,7 +550,7 @@
           <a:p>
             <a:fld id="{87350B06-B074-48FC-8CFD-53D2CD8FB95F}" type="slidenum">
               <a:rPr lang="en-US" smtClean="0"/>
-              <a:t>6</a:t>
+              <a:t>9</a:t>
             </a:fld>
             <a:endParaRPr lang="en-US"/>
           </a:p>
@@ -785,7 +788,7 @@
             <a:fld id="{53074F12-AA26-4AC8-9962-C36BB8F32554}" type="datetimeFigureOut">
               <a:rPr lang="en-US" smtClean="0"/>
               <a:pPr/>
-              <a:t>2/23/2022</a:t>
+              <a:t>2/24/2022</a:t>
             </a:fld>
             <a:endParaRPr lang="en-US"/>
           </a:p>
@@ -844,13 +847,13 @@
   <p:clrMapOvr>
     <a:masterClrMapping/>
   </p:clrMapOvr>
-  <mc:AlternateContent xmlns:mc="http://schemas.openxmlformats.org/markup-compatibility/2006">
-    <mc:Choice xmlns:p159="http://schemas.microsoft.com/office/powerpoint/2015/09/main" Requires="p159">
+  <mc:AlternateContent xmlns:mc="http://schemas.openxmlformats.org/markup-compatibility/2006" xmlns:p159="http://schemas.microsoft.com/office/powerpoint/2015/09/main">
+    <mc:Choice Requires="p159">
       <p:transition xmlns:p14="http://schemas.microsoft.com/office/powerpoint/2010/main" spd="slow" p14:dur="2000">
         <p159:morph option="byObject"/>
       </p:transition>
     </mc:Choice>
-    <mc:Fallback>
+    <mc:Fallback xmlns="">
       <p:transition spd="slow">
         <p:fade/>
       </p:transition>
@@ -1051,7 +1054,7 @@
             <a:fld id="{53074F12-AA26-4AC8-9962-C36BB8F32554}" type="datetimeFigureOut">
               <a:rPr lang="en-US" smtClean="0"/>
               <a:pPr/>
-              <a:t>2/23/2022</a:t>
+              <a:t>2/24/2022</a:t>
             </a:fld>
             <a:endParaRPr lang="en-US"/>
           </a:p>
@@ -1110,13 +1113,13 @@
   <p:clrMapOvr>
     <a:masterClrMapping/>
   </p:clrMapOvr>
-  <mc:AlternateContent xmlns:mc="http://schemas.openxmlformats.org/markup-compatibility/2006">
-    <mc:Choice xmlns:p159="http://schemas.microsoft.com/office/powerpoint/2015/09/main" Requires="p159">
+  <mc:AlternateContent xmlns:mc="http://schemas.openxmlformats.org/markup-compatibility/2006" xmlns:p159="http://schemas.microsoft.com/office/powerpoint/2015/09/main">
+    <mc:Choice Requires="p159">
       <p:transition xmlns:p14="http://schemas.microsoft.com/office/powerpoint/2010/main" spd="slow" p14:dur="2000">
         <p159:morph option="byObject"/>
       </p:transition>
     </mc:Choice>
-    <mc:Fallback>
+    <mc:Fallback xmlns="">
       <p:transition spd="slow">
         <p:fade/>
       </p:transition>
@@ -1233,7 +1236,7 @@
             <a:fld id="{53074F12-AA26-4AC8-9962-C36BB8F32554}" type="datetimeFigureOut">
               <a:rPr lang="en-US" smtClean="0"/>
               <a:pPr/>
-              <a:t>2/23/2022</a:t>
+              <a:t>2/24/2022</a:t>
             </a:fld>
             <a:endParaRPr lang="en-US"/>
           </a:p>
@@ -1292,13 +1295,13 @@
   <p:clrMapOvr>
     <a:masterClrMapping/>
   </p:clrMapOvr>
-  <mc:AlternateContent xmlns:mc="http://schemas.openxmlformats.org/markup-compatibility/2006">
-    <mc:Choice xmlns:p159="http://schemas.microsoft.com/office/powerpoint/2015/09/main" Requires="p159">
+  <mc:AlternateContent xmlns:mc="http://schemas.openxmlformats.org/markup-compatibility/2006" xmlns:p159="http://schemas.microsoft.com/office/powerpoint/2015/09/main">
+    <mc:Choice Requires="p159">
       <p:transition xmlns:p14="http://schemas.microsoft.com/office/powerpoint/2010/main" spd="slow" p14:dur="2000">
         <p159:morph option="byObject"/>
       </p:transition>
     </mc:Choice>
-    <mc:Fallback>
+    <mc:Fallback xmlns="">
       <p:transition spd="slow">
         <p:fade/>
       </p:transition>
@@ -1425,7 +1428,7 @@
             <a:fld id="{53074F12-AA26-4AC8-9962-C36BB8F32554}" type="datetimeFigureOut">
               <a:rPr lang="en-US" smtClean="0"/>
               <a:pPr/>
-              <a:t>2/23/2022</a:t>
+              <a:t>2/24/2022</a:t>
             </a:fld>
             <a:endParaRPr lang="en-US"/>
           </a:p>
@@ -1533,13 +1536,13 @@
   <p:clrMapOvr>
     <a:masterClrMapping/>
   </p:clrMapOvr>
-  <mc:AlternateContent xmlns:mc="http://schemas.openxmlformats.org/markup-compatibility/2006">
-    <mc:Choice xmlns:p159="http://schemas.microsoft.com/office/powerpoint/2015/09/main" Requires="p159">
+  <mc:AlternateContent xmlns:mc="http://schemas.openxmlformats.org/markup-compatibility/2006" xmlns:p159="http://schemas.microsoft.com/office/powerpoint/2015/09/main">
+    <mc:Choice Requires="p159">
       <p:transition xmlns:p14="http://schemas.microsoft.com/office/powerpoint/2010/main" spd="slow" p14:dur="2000">
         <p159:morph option="byObject"/>
       </p:transition>
     </mc:Choice>
-    <mc:Fallback>
+    <mc:Fallback xmlns="">
       <p:transition spd="slow">
         <p:fade/>
       </p:transition>
@@ -1719,7 +1722,7 @@
             <a:fld id="{53074F12-AA26-4AC8-9962-C36BB8F32554}" type="datetimeFigureOut">
               <a:rPr lang="en-US" smtClean="0"/>
               <a:pPr/>
-              <a:t>2/23/2022</a:t>
+              <a:t>2/24/2022</a:t>
             </a:fld>
             <a:endParaRPr lang="en-US"/>
           </a:p>
@@ -1778,13 +1781,13 @@
   <p:clrMapOvr>
     <a:masterClrMapping/>
   </p:clrMapOvr>
-  <mc:AlternateContent xmlns:mc="http://schemas.openxmlformats.org/markup-compatibility/2006">
-    <mc:Choice xmlns:p159="http://schemas.microsoft.com/office/powerpoint/2015/09/main" Requires="p159">
+  <mc:AlternateContent xmlns:mc="http://schemas.openxmlformats.org/markup-compatibility/2006" xmlns:p159="http://schemas.microsoft.com/office/powerpoint/2015/09/main">
+    <mc:Choice Requires="p159">
       <p:transition xmlns:p14="http://schemas.microsoft.com/office/powerpoint/2010/main" spd="slow" p14:dur="2000">
         <p159:morph option="byObject"/>
       </p:transition>
     </mc:Choice>
-    <mc:Fallback>
+    <mc:Fallback xmlns="">
       <p:transition spd="slow">
         <p:fade/>
       </p:transition>
@@ -1978,7 +1981,7 @@
             <a:fld id="{53074F12-AA26-4AC8-9962-C36BB8F32554}" type="datetimeFigureOut">
               <a:rPr lang="en-US" smtClean="0"/>
               <a:pPr/>
-              <a:t>2/23/2022</a:t>
+              <a:t>2/24/2022</a:t>
             </a:fld>
             <a:endParaRPr lang="en-US"/>
           </a:p>
@@ -2037,13 +2040,13 @@
   <p:clrMapOvr>
     <a:masterClrMapping/>
   </p:clrMapOvr>
-  <mc:AlternateContent xmlns:mc="http://schemas.openxmlformats.org/markup-compatibility/2006">
-    <mc:Choice xmlns:p159="http://schemas.microsoft.com/office/powerpoint/2015/09/main" Requires="p159">
+  <mc:AlternateContent xmlns:mc="http://schemas.openxmlformats.org/markup-compatibility/2006" xmlns:p159="http://schemas.microsoft.com/office/powerpoint/2015/09/main">
+    <mc:Choice Requires="p159">
       <p:transition xmlns:p14="http://schemas.microsoft.com/office/powerpoint/2010/main" spd="slow" p14:dur="2000">
         <p159:morph option="byObject"/>
       </p:transition>
     </mc:Choice>
-    <mc:Fallback>
+    <mc:Fallback xmlns="">
       <p:transition spd="slow">
         <p:fade/>
       </p:transition>
@@ -2237,7 +2240,7 @@
             <a:fld id="{53074F12-AA26-4AC8-9962-C36BB8F32554}" type="datetimeFigureOut">
               <a:rPr lang="en-US" smtClean="0"/>
               <a:pPr/>
-              <a:t>2/23/2022</a:t>
+              <a:t>2/24/2022</a:t>
             </a:fld>
             <a:endParaRPr lang="en-US"/>
           </a:p>
@@ -2296,13 +2299,13 @@
   <p:clrMapOvr>
     <a:masterClrMapping/>
   </p:clrMapOvr>
-  <mc:AlternateContent xmlns:mc="http://schemas.openxmlformats.org/markup-compatibility/2006">
-    <mc:Choice xmlns:p159="http://schemas.microsoft.com/office/powerpoint/2015/09/main" Requires="p159">
+  <mc:AlternateContent xmlns:mc="http://schemas.openxmlformats.org/markup-compatibility/2006" xmlns:p159="http://schemas.microsoft.com/office/powerpoint/2015/09/main">
+    <mc:Choice Requires="p159">
       <p:transition xmlns:p14="http://schemas.microsoft.com/office/powerpoint/2010/main" spd="slow" p14:dur="2000">
         <p159:morph option="byObject"/>
       </p:transition>
     </mc:Choice>
-    <mc:Fallback>
+    <mc:Fallback xmlns="">
       <p:transition spd="slow">
         <p:fade/>
       </p:transition>
@@ -2536,7 +2539,7 @@
             <a:fld id="{53074F12-AA26-4AC8-9962-C36BB8F32554}" type="datetimeFigureOut">
               <a:rPr lang="en-US" smtClean="0"/>
               <a:pPr/>
-              <a:t>2/23/2022</a:t>
+              <a:t>2/24/2022</a:t>
             </a:fld>
             <a:endParaRPr lang="en-US"/>
           </a:p>
@@ -2595,13 +2598,13 @@
   <p:clrMapOvr>
     <a:masterClrMapping/>
   </p:clrMapOvr>
-  <mc:AlternateContent xmlns:mc="http://schemas.openxmlformats.org/markup-compatibility/2006">
-    <mc:Choice xmlns:p159="http://schemas.microsoft.com/office/powerpoint/2015/09/main" Requires="p159">
+  <mc:AlternateContent xmlns:mc="http://schemas.openxmlformats.org/markup-compatibility/2006" xmlns:p159="http://schemas.microsoft.com/office/powerpoint/2015/09/main">
+    <mc:Choice Requires="p159">
       <p:transition xmlns:p14="http://schemas.microsoft.com/office/powerpoint/2010/main" spd="slow" p14:dur="2000">
         <p159:morph option="byObject"/>
       </p:transition>
     </mc:Choice>
-    <mc:Fallback>
+    <mc:Fallback xmlns="">
       <p:transition spd="slow">
         <p:fade/>
       </p:transition>
@@ -3035,7 +3038,7 @@
             <a:fld id="{53074F12-AA26-4AC8-9962-C36BB8F32554}" type="datetimeFigureOut">
               <a:rPr lang="en-US" smtClean="0"/>
               <a:pPr/>
-              <a:t>2/23/2022</a:t>
+              <a:t>2/24/2022</a:t>
             </a:fld>
             <a:endParaRPr lang="en-US"/>
           </a:p>
@@ -3094,13 +3097,13 @@
   <p:clrMapOvr>
     <a:masterClrMapping/>
   </p:clrMapOvr>
-  <mc:AlternateContent xmlns:mc="http://schemas.openxmlformats.org/markup-compatibility/2006">
-    <mc:Choice xmlns:p159="http://schemas.microsoft.com/office/powerpoint/2015/09/main" Requires="p159">
+  <mc:AlternateContent xmlns:mc="http://schemas.openxmlformats.org/markup-compatibility/2006" xmlns:p159="http://schemas.microsoft.com/office/powerpoint/2015/09/main">
+    <mc:Choice Requires="p159">
       <p:transition xmlns:p14="http://schemas.microsoft.com/office/powerpoint/2010/main" spd="slow" p14:dur="2000">
         <p159:morph option="byObject"/>
       </p:transition>
     </mc:Choice>
-    <mc:Fallback>
+    <mc:Fallback xmlns="">
       <p:transition spd="slow">
         <p:fade/>
       </p:transition>
@@ -3166,7 +3169,7 @@
             <a:fld id="{53074F12-AA26-4AC8-9962-C36BB8F32554}" type="datetimeFigureOut">
               <a:rPr lang="en-US" smtClean="0"/>
               <a:pPr/>
-              <a:t>2/23/2022</a:t>
+              <a:t>2/24/2022</a:t>
             </a:fld>
             <a:endParaRPr lang="en-US"/>
           </a:p>
@@ -3225,13 +3228,13 @@
   <p:clrMapOvr>
     <a:masterClrMapping/>
   </p:clrMapOvr>
-  <mc:AlternateContent xmlns:mc="http://schemas.openxmlformats.org/markup-compatibility/2006">
-    <mc:Choice xmlns:p159="http://schemas.microsoft.com/office/powerpoint/2015/09/main" Requires="p159">
+  <mc:AlternateContent xmlns:mc="http://schemas.openxmlformats.org/markup-compatibility/2006" xmlns:p159="http://schemas.microsoft.com/office/powerpoint/2015/09/main">
+    <mc:Choice Requires="p159">
       <p:transition xmlns:p14="http://schemas.microsoft.com/office/powerpoint/2010/main" spd="slow" p14:dur="2000">
         <p159:morph option="byObject"/>
       </p:transition>
     </mc:Choice>
-    <mc:Fallback>
+    <mc:Fallback xmlns="">
       <p:transition spd="slow">
         <p:fade/>
       </p:transition>
@@ -3275,7 +3278,7 @@
             <a:fld id="{53074F12-AA26-4AC8-9962-C36BB8F32554}" type="datetimeFigureOut">
               <a:rPr lang="en-US" smtClean="0"/>
               <a:pPr/>
-              <a:t>2/23/2022</a:t>
+              <a:t>2/24/2022</a:t>
             </a:fld>
             <a:endParaRPr lang="en-US"/>
           </a:p>
@@ -3334,13 +3337,13 @@
   <p:clrMapOvr>
     <a:masterClrMapping/>
   </p:clrMapOvr>
-  <mc:AlternateContent xmlns:mc="http://schemas.openxmlformats.org/markup-compatibility/2006">
-    <mc:Choice xmlns:p159="http://schemas.microsoft.com/office/powerpoint/2015/09/main" Requires="p159">
+  <mc:AlternateContent xmlns:mc="http://schemas.openxmlformats.org/markup-compatibility/2006" xmlns:p159="http://schemas.microsoft.com/office/powerpoint/2015/09/main">
+    <mc:Choice Requires="p159">
       <p:transition xmlns:p14="http://schemas.microsoft.com/office/powerpoint/2010/main" spd="slow" p14:dur="2000">
         <p159:morph option="byObject"/>
       </p:transition>
     </mc:Choice>
-    <mc:Fallback>
+    <mc:Fallback xmlns="">
       <p:transition spd="slow">
         <p:fade/>
       </p:transition>
@@ -3564,7 +3567,7 @@
             <a:fld id="{53074F12-AA26-4AC8-9962-C36BB8F32554}" type="datetimeFigureOut">
               <a:rPr lang="en-US" smtClean="0"/>
               <a:pPr/>
-              <a:t>2/23/2022</a:t>
+              <a:t>2/24/2022</a:t>
             </a:fld>
             <a:endParaRPr lang="en-US"/>
           </a:p>
@@ -3623,13 +3626,13 @@
   <p:clrMapOvr>
     <a:masterClrMapping/>
   </p:clrMapOvr>
-  <mc:AlternateContent xmlns:mc="http://schemas.openxmlformats.org/markup-compatibility/2006">
-    <mc:Choice xmlns:p159="http://schemas.microsoft.com/office/powerpoint/2015/09/main" Requires="p159">
+  <mc:AlternateContent xmlns:mc="http://schemas.openxmlformats.org/markup-compatibility/2006" xmlns:p159="http://schemas.microsoft.com/office/powerpoint/2015/09/main">
+    <mc:Choice Requires="p159">
       <p:transition xmlns:p14="http://schemas.microsoft.com/office/powerpoint/2010/main" spd="slow" p14:dur="2000">
         <p159:morph option="byObject"/>
       </p:transition>
     </mc:Choice>
-    <mc:Fallback>
+    <mc:Fallback xmlns="">
       <p:transition spd="slow">
         <p:fade/>
       </p:transition>
@@ -3798,7 +3801,7 @@
             <a:fld id="{53074F12-AA26-4AC8-9962-C36BB8F32554}" type="datetimeFigureOut">
               <a:rPr lang="en-US" smtClean="0"/>
               <a:pPr/>
-              <a:t>2/23/2022</a:t>
+              <a:t>2/24/2022</a:t>
             </a:fld>
             <a:endParaRPr lang="en-US"/>
           </a:p>
@@ -3958,13 +3961,13 @@
     <p:sldLayoutId id="2147483658" r:id="rId11"/>
     <p:sldLayoutId id="2147483659" r:id="rId12"/>
   </p:sldLayoutIdLst>
-  <mc:AlternateContent xmlns:mc="http://schemas.openxmlformats.org/markup-compatibility/2006">
-    <mc:Choice xmlns:p159="http://schemas.microsoft.com/office/powerpoint/2015/09/main" Requires="p159">
+  <mc:AlternateContent xmlns:mc="http://schemas.openxmlformats.org/markup-compatibility/2006" xmlns:p159="http://schemas.microsoft.com/office/powerpoint/2015/09/main">
+    <mc:Choice Requires="p159">
       <p:transition xmlns:p14="http://schemas.microsoft.com/office/powerpoint/2010/main" spd="slow" p14:dur="2000">
         <p159:morph option="byObject"/>
       </p:transition>
     </mc:Choice>
-    <mc:Fallback>
+    <mc:Fallback xmlns="">
       <p:transition spd="slow">
         <p:fade/>
       </p:transition>
@@ -4292,7 +4295,7 @@
           <a:p>
             <a:r>
               <a:rPr lang="en-US" dirty="0"/>
-              <a:t>and Victor </a:t>
+              <a:t>Victor </a:t>
             </a:r>
             <a:r>
               <a:rPr lang="en-US" dirty="0" err="1"/>
@@ -4312,13 +4315,180 @@
   <p:clrMapOvr>
     <a:masterClrMapping/>
   </p:clrMapOvr>
-  <mc:AlternateContent xmlns:mc="http://schemas.openxmlformats.org/markup-compatibility/2006">
-    <mc:Choice xmlns:p159="http://schemas.microsoft.com/office/powerpoint/2015/09/main" Requires="p159">
+  <mc:AlternateContent xmlns:mc="http://schemas.openxmlformats.org/markup-compatibility/2006" xmlns:p159="http://schemas.microsoft.com/office/powerpoint/2015/09/main">
+    <mc:Choice Requires="p159">
       <p:transition xmlns:p14="http://schemas.microsoft.com/office/powerpoint/2010/main" spd="slow" p14:dur="2000">
         <p159:morph option="byObject"/>
       </p:transition>
     </mc:Choice>
-    <mc:Fallback>
+    <mc:Fallback xmlns="">
+      <p:transition spd="slow">
+        <p:fade/>
+      </p:transition>
+    </mc:Fallback>
+  </mc:AlternateContent>
+</p:sld>
+</file>
+
+<file path=ppt/slides/slide10.xml><?xml version="1.0" encoding="utf-8"?>
+<p:sld xmlns:a="http://schemas.openxmlformats.org/drawingml/2006/main" xmlns:r="http://schemas.openxmlformats.org/officeDocument/2006/relationships" xmlns:p="http://schemas.openxmlformats.org/presentationml/2006/main">
+  <p:cSld>
+    <p:spTree>
+      <p:nvGrpSpPr>
+        <p:cNvPr id="1" name=""/>
+        <p:cNvGrpSpPr/>
+        <p:nvPr/>
+      </p:nvGrpSpPr>
+      <p:grpSpPr>
+        <a:xfrm>
+          <a:off x="0" y="0"/>
+          <a:ext cx="0" cy="0"/>
+          <a:chOff x="0" y="0"/>
+          <a:chExt cx="0" cy="0"/>
+        </a:xfrm>
+      </p:grpSpPr>
+      <p:sp>
+        <p:nvSpPr>
+          <p:cNvPr id="2" name="TextBox 1">
+            <a:extLst>
+              <a:ext uri="{FF2B5EF4-FFF2-40B4-BE49-F238E27FC236}">
+                <a16:creationId xmlns:a16="http://schemas.microsoft.com/office/drawing/2014/main" id="{0EF06978-8624-467F-8F27-9E0AF1403380}"/>
+              </a:ext>
+            </a:extLst>
+          </p:cNvPr>
+          <p:cNvSpPr txBox="1"/>
+          <p:nvPr/>
+        </p:nvSpPr>
+        <p:spPr>
+          <a:xfrm>
+            <a:off x="2815892" y="1786920"/>
+            <a:ext cx="3512215" cy="1569660"/>
+          </a:xfrm>
+          <a:prstGeom prst="rect">
+            <a:avLst/>
+          </a:prstGeom>
+          <a:noFill/>
+        </p:spPr>
+        <p:txBody>
+          <a:bodyPr wrap="square" rtlCol="0">
+            <a:spAutoFit/>
+          </a:bodyPr>
+          <a:lstStyle/>
+          <a:p>
+            <a:r>
+              <a:rPr lang="en-US" sz="9600" dirty="0">
+                <a:solidFill>
+                  <a:srgbClr val="46BE42"/>
+                </a:solidFill>
+              </a:rPr>
+              <a:t>DEMO</a:t>
+            </a:r>
+          </a:p>
+        </p:txBody>
+      </p:sp>
+    </p:spTree>
+    <p:extLst>
+      <p:ext uri="{BB962C8B-B14F-4D97-AF65-F5344CB8AC3E}">
+        <p14:creationId xmlns:p14="http://schemas.microsoft.com/office/powerpoint/2010/main" val="3020809963"/>
+      </p:ext>
+    </p:extLst>
+  </p:cSld>
+  <p:clrMapOvr>
+    <a:masterClrMapping/>
+  </p:clrMapOvr>
+  <mc:AlternateContent xmlns:mc="http://schemas.openxmlformats.org/markup-compatibility/2006" xmlns:p159="http://schemas.microsoft.com/office/powerpoint/2015/09/main">
+    <mc:Choice Requires="p159">
+      <p:transition xmlns:p14="http://schemas.microsoft.com/office/powerpoint/2010/main" spd="slow" p14:dur="2000">
+        <p159:morph option="byObject"/>
+      </p:transition>
+    </mc:Choice>
+    <mc:Fallback xmlns="">
+      <p:transition spd="slow">
+        <p:fade/>
+      </p:transition>
+    </mc:Fallback>
+  </mc:AlternateContent>
+</p:sld>
+</file>
+
+<file path=ppt/slides/slide11.xml><?xml version="1.0" encoding="utf-8"?>
+<p:sld xmlns:a="http://schemas.openxmlformats.org/drawingml/2006/main" xmlns:r="http://schemas.openxmlformats.org/officeDocument/2006/relationships" xmlns:p="http://schemas.openxmlformats.org/presentationml/2006/main">
+  <p:cSld>
+    <p:spTree>
+      <p:nvGrpSpPr>
+        <p:cNvPr id="1" name=""/>
+        <p:cNvGrpSpPr/>
+        <p:nvPr/>
+      </p:nvGrpSpPr>
+      <p:grpSpPr>
+        <a:xfrm>
+          <a:off x="0" y="0"/>
+          <a:ext cx="0" cy="0"/>
+          <a:chOff x="0" y="0"/>
+          <a:chExt cx="0" cy="0"/>
+        </a:xfrm>
+      </p:grpSpPr>
+      <p:sp>
+        <p:nvSpPr>
+          <p:cNvPr id="2" name="TextBox 1">
+            <a:extLst>
+              <a:ext uri="{FF2B5EF4-FFF2-40B4-BE49-F238E27FC236}">
+                <a16:creationId xmlns:a16="http://schemas.microsoft.com/office/drawing/2014/main" id="{E183FCA1-B2DA-47BB-A039-E20BDD05A344}"/>
+              </a:ext>
+            </a:extLst>
+          </p:cNvPr>
+          <p:cNvSpPr txBox="1"/>
+          <p:nvPr/>
+        </p:nvSpPr>
+        <p:spPr>
+          <a:xfrm>
+            <a:off x="678022" y="2156251"/>
+            <a:ext cx="7787955" cy="830997"/>
+          </a:xfrm>
+          <a:prstGeom prst="rect">
+            <a:avLst/>
+          </a:prstGeom>
+          <a:noFill/>
+        </p:spPr>
+        <p:txBody>
+          <a:bodyPr wrap="square" rtlCol="0">
+            <a:spAutoFit/>
+          </a:bodyPr>
+          <a:lstStyle/>
+          <a:p>
+            <a:r>
+              <a:rPr lang="bg-BG" sz="4800" dirty="0">
+                <a:solidFill>
+                  <a:srgbClr val="49C146"/>
+                </a:solidFill>
+              </a:rPr>
+              <a:t>Благодарим за вниманието! </a:t>
+            </a:r>
+            <a:endParaRPr lang="en-US" sz="4800" dirty="0">
+              <a:solidFill>
+                <a:srgbClr val="49C146"/>
+              </a:solidFill>
+            </a:endParaRPr>
+          </a:p>
+        </p:txBody>
+      </p:sp>
+    </p:spTree>
+    <p:extLst>
+      <p:ext uri="{BB962C8B-B14F-4D97-AF65-F5344CB8AC3E}">
+        <p14:creationId xmlns:p14="http://schemas.microsoft.com/office/powerpoint/2010/main" val="3942788680"/>
+      </p:ext>
+    </p:extLst>
+  </p:cSld>
+  <p:clrMapOvr>
+    <a:masterClrMapping/>
+  </p:clrMapOvr>
+  <mc:AlternateContent xmlns:mc="http://schemas.openxmlformats.org/markup-compatibility/2006" xmlns:p159="http://schemas.microsoft.com/office/powerpoint/2015/09/main">
+    <mc:Choice Requires="p159">
+      <p:transition xmlns:p14="http://schemas.microsoft.com/office/powerpoint/2010/main" spd="slow" p14:dur="2000">
+        <p159:morph option="byObject"/>
+      </p:transition>
+    </mc:Choice>
+    <mc:Fallback xmlns="">
       <p:transition spd="slow">
         <p:fade/>
       </p:transition>
@@ -4356,7 +4526,7 @@
         </p:nvSpPr>
         <p:spPr>
           <a:xfrm>
-            <a:off x="220025" y="256800"/>
+            <a:off x="220025" y="78728"/>
             <a:ext cx="6252670" cy="763525"/>
           </a:xfrm>
         </p:spPr>
@@ -4368,21 +4538,14 @@
           <a:p>
             <a:r>
               <a:rPr lang="en-US" dirty="0"/>
-              <a:t>Technologies, </a:t>
+              <a:t>Technologies, API’s </a:t>
             </a:r>
             <a:br>
               <a:rPr lang="en-US" dirty="0"/>
             </a:br>
             <a:r>
               <a:rPr lang="en-US" dirty="0"/>
-              <a:t>API’s and </a:t>
-            </a:r>
-            <a:br>
-              <a:rPr lang="en-US" dirty="0"/>
-            </a:br>
-            <a:r>
-              <a:rPr lang="en-US" dirty="0"/>
-              <a:t>software</a:t>
+              <a:t>and software</a:t>
             </a:r>
           </a:p>
         </p:txBody>
@@ -4865,13 +5028,13 @@
   <p:clrMapOvr>
     <a:masterClrMapping/>
   </p:clrMapOvr>
-  <mc:AlternateContent xmlns:mc="http://schemas.openxmlformats.org/markup-compatibility/2006">
-    <mc:Choice xmlns:p159="http://schemas.microsoft.com/office/powerpoint/2015/09/main" Requires="p159">
+  <mc:AlternateContent xmlns:mc="http://schemas.openxmlformats.org/markup-compatibility/2006" xmlns:p159="http://schemas.microsoft.com/office/powerpoint/2015/09/main">
+    <mc:Choice Requires="p159">
       <p:transition xmlns:p14="http://schemas.microsoft.com/office/powerpoint/2010/main" spd="slow" p14:dur="2000">
         <p159:morph option="byObject"/>
       </p:transition>
     </mc:Choice>
-    <mc:Fallback>
+    <mc:Fallback xmlns="">
       <p:transition spd="slow">
         <p:fade/>
       </p:transition>
@@ -4900,6 +5063,7 @@
       <p:pic>
         <p:nvPicPr>
           <p:cNvPr id="8" name="Picture 7">
+            <a:hlinkClick r:id="rId2"/>
             <a:extLst>
               <a:ext uri="{FF2B5EF4-FFF2-40B4-BE49-F238E27FC236}">
                 <a16:creationId xmlns:a16="http://schemas.microsoft.com/office/drawing/2014/main" id="{544028C8-9F9D-4383-A3F5-FF166C9F6211}"/>
@@ -4912,7 +5076,7 @@
           <p:nvPr/>
         </p:nvPicPr>
         <p:blipFill>
-          <a:blip r:embed="rId2" cstate="print">
+          <a:blip r:embed="rId3" cstate="print">
             <a:extLst>
               <a:ext uri="{28A0092B-C50C-407E-A947-70E740481C1C}">
                 <a14:useLocalDpi xmlns:a14="http://schemas.microsoft.com/office/drawing/2010/main" val="0"/>
@@ -5027,13 +5191,13 @@
   <p:clrMapOvr>
     <a:masterClrMapping/>
   </p:clrMapOvr>
-  <mc:AlternateContent xmlns:mc="http://schemas.openxmlformats.org/markup-compatibility/2006">
-    <mc:Choice xmlns:p159="http://schemas.microsoft.com/office/powerpoint/2015/09/main" Requires="p159">
+  <mc:AlternateContent xmlns:mc="http://schemas.openxmlformats.org/markup-compatibility/2006" xmlns:p159="http://schemas.microsoft.com/office/powerpoint/2015/09/main">
+    <mc:Choice Requires="p159">
       <p:transition xmlns:p14="http://schemas.microsoft.com/office/powerpoint/2010/main" spd="slow" p14:dur="2000">
         <p159:morph option="byObject"/>
       </p:transition>
     </mc:Choice>
-    <mc:Fallback>
+    <mc:Fallback xmlns="">
       <p:transition spd="slow">
         <p:fade/>
       </p:transition>
@@ -5137,13 +5301,13 @@
   <p:clrMapOvr>
     <a:masterClrMapping/>
   </p:clrMapOvr>
-  <mc:AlternateContent xmlns:mc="http://schemas.openxmlformats.org/markup-compatibility/2006">
-    <mc:Choice xmlns:p159="http://schemas.microsoft.com/office/powerpoint/2015/09/main" Requires="p159">
+  <mc:AlternateContent xmlns:mc="http://schemas.openxmlformats.org/markup-compatibility/2006" xmlns:p159="http://schemas.microsoft.com/office/powerpoint/2015/09/main">
+    <mc:Choice Requires="p159">
       <p:transition xmlns:p14="http://schemas.microsoft.com/office/powerpoint/2010/main" spd="slow" p14:dur="2000">
         <p159:morph option="byObject"/>
       </p:transition>
     </mc:Choice>
-    <mc:Fallback>
+    <mc:Fallback xmlns="">
       <p:transition spd="slow">
         <p:fade/>
       </p:transition>
@@ -5153,6 +5317,240 @@
 </file>
 
 <file path=ppt/slides/slide5.xml><?xml version="1.0" encoding="utf-8"?>
+<p:sld xmlns:a="http://schemas.openxmlformats.org/drawingml/2006/main" xmlns:r="http://schemas.openxmlformats.org/officeDocument/2006/relationships" xmlns:p="http://schemas.openxmlformats.org/presentationml/2006/main">
+  <p:cSld>
+    <p:spTree>
+      <p:nvGrpSpPr>
+        <p:cNvPr id="1" name=""/>
+        <p:cNvGrpSpPr/>
+        <p:nvPr/>
+      </p:nvGrpSpPr>
+      <p:grpSpPr>
+        <a:xfrm>
+          <a:off x="0" y="0"/>
+          <a:ext cx="0" cy="0"/>
+          <a:chOff x="0" y="0"/>
+          <a:chExt cx="0" cy="0"/>
+        </a:xfrm>
+      </p:grpSpPr>
+      <p:pic>
+        <p:nvPicPr>
+          <p:cNvPr id="5" name="Picture 4">
+            <a:extLst>
+              <a:ext uri="{FF2B5EF4-FFF2-40B4-BE49-F238E27FC236}">
+                <a16:creationId xmlns:a16="http://schemas.microsoft.com/office/drawing/2014/main" id="{AA2F1543-FFCF-4A4A-86C7-2C23146E0705}"/>
+              </a:ext>
+            </a:extLst>
+          </p:cNvPr>
+          <p:cNvPicPr>
+            <a:picLocks noChangeAspect="1"/>
+          </p:cNvPicPr>
+          <p:nvPr/>
+        </p:nvPicPr>
+        <p:blipFill>
+          <a:blip r:embed="rId2" cstate="print">
+            <a:extLst>
+              <a:ext uri="{28A0092B-C50C-407E-A947-70E740481C1C}">
+                <a14:useLocalDpi xmlns:a14="http://schemas.microsoft.com/office/drawing/2010/main" val="0"/>
+              </a:ext>
+            </a:extLst>
+          </a:blip>
+          <a:stretch>
+            <a:fillRect/>
+          </a:stretch>
+        </p:blipFill>
+        <p:spPr>
+          <a:xfrm>
+            <a:off x="0" y="1197405"/>
+            <a:ext cx="9144000" cy="3946096"/>
+          </a:xfrm>
+          <a:prstGeom prst="rect">
+            <a:avLst/>
+          </a:prstGeom>
+        </p:spPr>
+      </p:pic>
+    </p:spTree>
+    <p:extLst>
+      <p:ext uri="{BB962C8B-B14F-4D97-AF65-F5344CB8AC3E}">
+        <p14:creationId xmlns:p14="http://schemas.microsoft.com/office/powerpoint/2010/main" val="3700419401"/>
+      </p:ext>
+    </p:extLst>
+  </p:cSld>
+  <p:clrMapOvr>
+    <a:masterClrMapping/>
+  </p:clrMapOvr>
+  <mc:AlternateContent xmlns:mc="http://schemas.openxmlformats.org/markup-compatibility/2006" xmlns:p159="http://schemas.microsoft.com/office/powerpoint/2015/09/main">
+    <mc:Choice Requires="p159">
+      <p:transition xmlns:p14="http://schemas.microsoft.com/office/powerpoint/2010/main" spd="slow" p14:dur="2000">
+        <p159:morph option="byObject"/>
+      </p:transition>
+    </mc:Choice>
+    <mc:Fallback xmlns="">
+      <p:transition spd="slow">
+        <p:fade/>
+      </p:transition>
+    </mc:Fallback>
+  </mc:AlternateContent>
+</p:sld>
+</file>
+
+<file path=ppt/slides/slide6.xml><?xml version="1.0" encoding="utf-8"?>
+<p:sld xmlns:a="http://schemas.openxmlformats.org/drawingml/2006/main" xmlns:r="http://schemas.openxmlformats.org/officeDocument/2006/relationships" xmlns:p="http://schemas.openxmlformats.org/presentationml/2006/main">
+  <p:cSld>
+    <p:spTree>
+      <p:nvGrpSpPr>
+        <p:cNvPr id="1" name=""/>
+        <p:cNvGrpSpPr/>
+        <p:nvPr/>
+      </p:nvGrpSpPr>
+      <p:grpSpPr>
+        <a:xfrm>
+          <a:off x="0" y="0"/>
+          <a:ext cx="0" cy="0"/>
+          <a:chOff x="0" y="0"/>
+          <a:chExt cx="0" cy="0"/>
+        </a:xfrm>
+      </p:grpSpPr>
+      <p:pic>
+        <p:nvPicPr>
+          <p:cNvPr id="3" name="Picture 2">
+            <a:extLst>
+              <a:ext uri="{FF2B5EF4-FFF2-40B4-BE49-F238E27FC236}">
+                <a16:creationId xmlns:a16="http://schemas.microsoft.com/office/drawing/2014/main" id="{97DBFA4F-96CB-4880-8F23-26CD9A373C41}"/>
+              </a:ext>
+            </a:extLst>
+          </p:cNvPr>
+          <p:cNvPicPr>
+            <a:picLocks noChangeAspect="1"/>
+          </p:cNvPicPr>
+          <p:nvPr/>
+        </p:nvPicPr>
+        <p:blipFill>
+          <a:blip r:embed="rId2" cstate="print">
+            <a:extLst>
+              <a:ext uri="{28A0092B-C50C-407E-A947-70E740481C1C}">
+                <a14:useLocalDpi xmlns:a14="http://schemas.microsoft.com/office/drawing/2010/main" val="0"/>
+              </a:ext>
+            </a:extLst>
+          </a:blip>
+          <a:stretch>
+            <a:fillRect/>
+          </a:stretch>
+        </p:blipFill>
+        <p:spPr>
+          <a:xfrm>
+            <a:off x="0" y="1197405"/>
+            <a:ext cx="9144000" cy="3953870"/>
+          </a:xfrm>
+          <a:prstGeom prst="rect">
+            <a:avLst/>
+          </a:prstGeom>
+        </p:spPr>
+      </p:pic>
+    </p:spTree>
+    <p:extLst>
+      <p:ext uri="{BB962C8B-B14F-4D97-AF65-F5344CB8AC3E}">
+        <p14:creationId xmlns:p14="http://schemas.microsoft.com/office/powerpoint/2010/main" val="2641319274"/>
+      </p:ext>
+    </p:extLst>
+  </p:cSld>
+  <p:clrMapOvr>
+    <a:masterClrMapping/>
+  </p:clrMapOvr>
+  <mc:AlternateContent xmlns:mc="http://schemas.openxmlformats.org/markup-compatibility/2006" xmlns:p159="http://schemas.microsoft.com/office/powerpoint/2015/09/main">
+    <mc:Choice Requires="p159">
+      <p:transition xmlns:p14="http://schemas.microsoft.com/office/powerpoint/2010/main" spd="slow" p14:dur="2000">
+        <p159:morph option="byObject"/>
+      </p:transition>
+    </mc:Choice>
+    <mc:Fallback xmlns="">
+      <p:transition spd="slow">
+        <p:fade/>
+      </p:transition>
+    </mc:Fallback>
+  </mc:AlternateContent>
+</p:sld>
+</file>
+
+<file path=ppt/slides/slide7.xml><?xml version="1.0" encoding="utf-8"?>
+<p:sld xmlns:a="http://schemas.openxmlformats.org/drawingml/2006/main" xmlns:r="http://schemas.openxmlformats.org/officeDocument/2006/relationships" xmlns:p="http://schemas.openxmlformats.org/presentationml/2006/main">
+  <p:cSld>
+    <p:spTree>
+      <p:nvGrpSpPr>
+        <p:cNvPr id="1" name=""/>
+        <p:cNvGrpSpPr/>
+        <p:nvPr/>
+      </p:nvGrpSpPr>
+      <p:grpSpPr>
+        <a:xfrm>
+          <a:off x="0" y="0"/>
+          <a:ext cx="0" cy="0"/>
+          <a:chOff x="0" y="0"/>
+          <a:chExt cx="0" cy="0"/>
+        </a:xfrm>
+      </p:grpSpPr>
+      <p:pic>
+        <p:nvPicPr>
+          <p:cNvPr id="3" name="Picture 2">
+            <a:extLst>
+              <a:ext uri="{FF2B5EF4-FFF2-40B4-BE49-F238E27FC236}">
+                <a16:creationId xmlns:a16="http://schemas.microsoft.com/office/drawing/2014/main" id="{D46F9D1A-D1A5-4028-A0BB-7F3C41820492}"/>
+              </a:ext>
+            </a:extLst>
+          </p:cNvPr>
+          <p:cNvPicPr>
+            <a:picLocks noChangeAspect="1"/>
+          </p:cNvPicPr>
+          <p:nvPr/>
+        </p:nvPicPr>
+        <p:blipFill>
+          <a:blip r:embed="rId2" cstate="print">
+            <a:extLst>
+              <a:ext uri="{28A0092B-C50C-407E-A947-70E740481C1C}">
+                <a14:useLocalDpi xmlns:a14="http://schemas.microsoft.com/office/drawing/2010/main" val="0"/>
+              </a:ext>
+            </a:extLst>
+          </a:blip>
+          <a:stretch>
+            <a:fillRect/>
+          </a:stretch>
+        </p:blipFill>
+        <p:spPr>
+          <a:xfrm>
+            <a:off x="0" y="1197405"/>
+            <a:ext cx="9144000" cy="3946095"/>
+          </a:xfrm>
+          <a:prstGeom prst="rect">
+            <a:avLst/>
+          </a:prstGeom>
+        </p:spPr>
+      </p:pic>
+    </p:spTree>
+    <p:extLst>
+      <p:ext uri="{BB962C8B-B14F-4D97-AF65-F5344CB8AC3E}">
+        <p14:creationId xmlns:p14="http://schemas.microsoft.com/office/powerpoint/2010/main" val="1179611876"/>
+      </p:ext>
+    </p:extLst>
+  </p:cSld>
+  <p:clrMapOvr>
+    <a:masterClrMapping/>
+  </p:clrMapOvr>
+  <mc:AlternateContent xmlns:mc="http://schemas.openxmlformats.org/markup-compatibility/2006" xmlns:p159="http://schemas.microsoft.com/office/powerpoint/2015/09/main">
+    <mc:Choice Requires="p159">
+      <p:transition xmlns:p14="http://schemas.microsoft.com/office/powerpoint/2010/main" spd="slow" p14:dur="2000">
+        <p159:morph option="byObject"/>
+      </p:transition>
+    </mc:Choice>
+    <mc:Fallback xmlns="">
+      <p:transition spd="slow">
+        <p:fade/>
+      </p:transition>
+    </mc:Fallback>
+  </mc:AlternateContent>
+</p:sld>
+</file>
+
+<file path=ppt/slides/slide8.xml><?xml version="1.0" encoding="utf-8"?>
 <p:sld xmlns:a="http://schemas.openxmlformats.org/drawingml/2006/main" xmlns:r="http://schemas.openxmlformats.org/officeDocument/2006/relationships" xmlns:p="http://schemas.openxmlformats.org/presentationml/2006/main">
   <p:cSld>
     <p:spTree>
@@ -5251,13 +5649,13 @@
   <p:clrMapOvr>
     <a:masterClrMapping/>
   </p:clrMapOvr>
-  <mc:AlternateContent xmlns:mc="http://schemas.openxmlformats.org/markup-compatibility/2006">
-    <mc:Choice xmlns:p159="http://schemas.microsoft.com/office/powerpoint/2015/09/main" Requires="p159">
+  <mc:AlternateContent xmlns:mc="http://schemas.openxmlformats.org/markup-compatibility/2006" xmlns:p159="http://schemas.microsoft.com/office/powerpoint/2015/09/main">
+    <mc:Choice Requires="p159">
       <p:transition xmlns:p14="http://schemas.microsoft.com/office/powerpoint/2010/main" spd="slow" p14:dur="2000">
         <p159:morph option="byObject"/>
       </p:transition>
     </mc:Choice>
-    <mc:Fallback>
+    <mc:Fallback xmlns="">
       <p:transition spd="slow">
         <p:fade/>
       </p:transition>
@@ -5266,7 +5664,7 @@
 </p:sld>
 </file>
 
-<file path=ppt/slides/slide6.xml><?xml version="1.0" encoding="utf-8"?>
+<file path=ppt/slides/slide9.xml><?xml version="1.0" encoding="utf-8"?>
 <p:sld xmlns:a="http://schemas.openxmlformats.org/drawingml/2006/main" xmlns:r="http://schemas.openxmlformats.org/officeDocument/2006/relationships" xmlns:p="http://schemas.openxmlformats.org/presentationml/2006/main">
   <p:cSld>
     <p:spTree>
@@ -5545,180 +5943,13 @@
   <p:clrMapOvr>
     <a:masterClrMapping/>
   </p:clrMapOvr>
-  <mc:AlternateContent xmlns:mc="http://schemas.openxmlformats.org/markup-compatibility/2006">
-    <mc:Choice xmlns:p159="http://schemas.microsoft.com/office/powerpoint/2015/09/main" Requires="p159">
+  <mc:AlternateContent xmlns:mc="http://schemas.openxmlformats.org/markup-compatibility/2006" xmlns:p159="http://schemas.microsoft.com/office/powerpoint/2015/09/main">
+    <mc:Choice Requires="p159">
       <p:transition xmlns:p14="http://schemas.microsoft.com/office/powerpoint/2010/main" spd="slow" p14:dur="2000">
         <p159:morph option="byObject"/>
       </p:transition>
     </mc:Choice>
-    <mc:Fallback>
-      <p:transition spd="slow">
-        <p:fade/>
-      </p:transition>
-    </mc:Fallback>
-  </mc:AlternateContent>
-</p:sld>
-</file>
-
-<file path=ppt/slides/slide7.xml><?xml version="1.0" encoding="utf-8"?>
-<p:sld xmlns:a="http://schemas.openxmlformats.org/drawingml/2006/main" xmlns:r="http://schemas.openxmlformats.org/officeDocument/2006/relationships" xmlns:p="http://schemas.openxmlformats.org/presentationml/2006/main">
-  <p:cSld>
-    <p:spTree>
-      <p:nvGrpSpPr>
-        <p:cNvPr id="1" name=""/>
-        <p:cNvGrpSpPr/>
-        <p:nvPr/>
-      </p:nvGrpSpPr>
-      <p:grpSpPr>
-        <a:xfrm>
-          <a:off x="0" y="0"/>
-          <a:ext cx="0" cy="0"/>
-          <a:chOff x="0" y="0"/>
-          <a:chExt cx="0" cy="0"/>
-        </a:xfrm>
-      </p:grpSpPr>
-      <p:sp>
-        <p:nvSpPr>
-          <p:cNvPr id="2" name="TextBox 1">
-            <a:extLst>
-              <a:ext uri="{FF2B5EF4-FFF2-40B4-BE49-F238E27FC236}">
-                <a16:creationId xmlns:a16="http://schemas.microsoft.com/office/drawing/2014/main" id="{0EF06978-8624-467F-8F27-9E0AF1403380}"/>
-              </a:ext>
-            </a:extLst>
-          </p:cNvPr>
-          <p:cNvSpPr txBox="1"/>
-          <p:nvPr/>
-        </p:nvSpPr>
-        <p:spPr>
-          <a:xfrm>
-            <a:off x="2815892" y="1786920"/>
-            <a:ext cx="3512215" cy="1569660"/>
-          </a:xfrm>
-          <a:prstGeom prst="rect">
-            <a:avLst/>
-          </a:prstGeom>
-          <a:noFill/>
-        </p:spPr>
-        <p:txBody>
-          <a:bodyPr wrap="square" rtlCol="0">
-            <a:spAutoFit/>
-          </a:bodyPr>
-          <a:lstStyle/>
-          <a:p>
-            <a:r>
-              <a:rPr lang="en-US" sz="9600" dirty="0">
-                <a:solidFill>
-                  <a:srgbClr val="46BE42"/>
-                </a:solidFill>
-              </a:rPr>
-              <a:t>DEMO</a:t>
-            </a:r>
-          </a:p>
-        </p:txBody>
-      </p:sp>
-    </p:spTree>
-    <p:extLst>
-      <p:ext uri="{BB962C8B-B14F-4D97-AF65-F5344CB8AC3E}">
-        <p14:creationId xmlns:p14="http://schemas.microsoft.com/office/powerpoint/2010/main" val="3020809963"/>
-      </p:ext>
-    </p:extLst>
-  </p:cSld>
-  <p:clrMapOvr>
-    <a:masterClrMapping/>
-  </p:clrMapOvr>
-  <mc:AlternateContent xmlns:mc="http://schemas.openxmlformats.org/markup-compatibility/2006">
-    <mc:Choice xmlns:p159="http://schemas.microsoft.com/office/powerpoint/2015/09/main" Requires="p159">
-      <p:transition xmlns:p14="http://schemas.microsoft.com/office/powerpoint/2010/main" spd="slow" p14:dur="2000">
-        <p159:morph option="byObject"/>
-      </p:transition>
-    </mc:Choice>
-    <mc:Fallback>
-      <p:transition spd="slow">
-        <p:fade/>
-      </p:transition>
-    </mc:Fallback>
-  </mc:AlternateContent>
-</p:sld>
-</file>
-
-<file path=ppt/slides/slide8.xml><?xml version="1.0" encoding="utf-8"?>
-<p:sld xmlns:a="http://schemas.openxmlformats.org/drawingml/2006/main" xmlns:r="http://schemas.openxmlformats.org/officeDocument/2006/relationships" xmlns:p="http://schemas.openxmlformats.org/presentationml/2006/main">
-  <p:cSld>
-    <p:spTree>
-      <p:nvGrpSpPr>
-        <p:cNvPr id="1" name=""/>
-        <p:cNvGrpSpPr/>
-        <p:nvPr/>
-      </p:nvGrpSpPr>
-      <p:grpSpPr>
-        <a:xfrm>
-          <a:off x="0" y="0"/>
-          <a:ext cx="0" cy="0"/>
-          <a:chOff x="0" y="0"/>
-          <a:chExt cx="0" cy="0"/>
-        </a:xfrm>
-      </p:grpSpPr>
-      <p:sp>
-        <p:nvSpPr>
-          <p:cNvPr id="2" name="TextBox 1">
-            <a:extLst>
-              <a:ext uri="{FF2B5EF4-FFF2-40B4-BE49-F238E27FC236}">
-                <a16:creationId xmlns:a16="http://schemas.microsoft.com/office/drawing/2014/main" id="{E183FCA1-B2DA-47BB-A039-E20BDD05A344}"/>
-              </a:ext>
-            </a:extLst>
-          </p:cNvPr>
-          <p:cNvSpPr txBox="1"/>
-          <p:nvPr/>
-        </p:nvSpPr>
-        <p:spPr>
-          <a:xfrm>
-            <a:off x="678022" y="2156251"/>
-            <a:ext cx="7787955" cy="830997"/>
-          </a:xfrm>
-          <a:prstGeom prst="rect">
-            <a:avLst/>
-          </a:prstGeom>
-          <a:noFill/>
-        </p:spPr>
-        <p:txBody>
-          <a:bodyPr wrap="square" rtlCol="0">
-            <a:spAutoFit/>
-          </a:bodyPr>
-          <a:lstStyle/>
-          <a:p>
-            <a:r>
-              <a:rPr lang="bg-BG" sz="4800" dirty="0">
-                <a:solidFill>
-                  <a:srgbClr val="49C146"/>
-                </a:solidFill>
-              </a:rPr>
-              <a:t>Благодарим за вниманието! </a:t>
-            </a:r>
-            <a:endParaRPr lang="en-US" sz="4800" dirty="0">
-              <a:solidFill>
-                <a:srgbClr val="49C146"/>
-              </a:solidFill>
-            </a:endParaRPr>
-          </a:p>
-        </p:txBody>
-      </p:sp>
-    </p:spTree>
-    <p:extLst>
-      <p:ext uri="{BB962C8B-B14F-4D97-AF65-F5344CB8AC3E}">
-        <p14:creationId xmlns:p14="http://schemas.microsoft.com/office/powerpoint/2010/main" val="3942788680"/>
-      </p:ext>
-    </p:extLst>
-  </p:cSld>
-  <p:clrMapOvr>
-    <a:masterClrMapping/>
-  </p:clrMapOvr>
-  <mc:AlternateContent xmlns:mc="http://schemas.openxmlformats.org/markup-compatibility/2006">
-    <mc:Choice xmlns:p159="http://schemas.microsoft.com/office/powerpoint/2015/09/main" Requires="p159">
-      <p:transition xmlns:p14="http://schemas.microsoft.com/office/powerpoint/2010/main" spd="slow" p14:dur="2000">
-        <p159:morph option="byObject"/>
-      </p:transition>
-    </mc:Choice>
-    <mc:Fallback>
+    <mc:Fallback xmlns="">
       <p:transition spd="slow">
         <p:fade/>
       </p:transition>

--- a/emag_Presentation.pptx
+++ b/emag_Presentation.pptx
@@ -5,20 +5,21 @@
     <p:sldMasterId id="2147483648" r:id="rId1"/>
   </p:sldMasterIdLst>
   <p:notesMasterIdLst>
-    <p:notesMasterId r:id="rId13"/>
+    <p:notesMasterId r:id="rId14"/>
   </p:notesMasterIdLst>
   <p:sldIdLst>
     <p:sldId id="256" r:id="rId2"/>
-    <p:sldId id="259" r:id="rId3"/>
-    <p:sldId id="257" r:id="rId4"/>
-    <p:sldId id="263" r:id="rId5"/>
-    <p:sldId id="264" r:id="rId6"/>
-    <p:sldId id="265" r:id="rId7"/>
-    <p:sldId id="266" r:id="rId8"/>
-    <p:sldId id="258" r:id="rId9"/>
-    <p:sldId id="260" r:id="rId10"/>
-    <p:sldId id="261" r:id="rId11"/>
-    <p:sldId id="262" r:id="rId12"/>
+    <p:sldId id="267" r:id="rId3"/>
+    <p:sldId id="259" r:id="rId4"/>
+    <p:sldId id="257" r:id="rId5"/>
+    <p:sldId id="263" r:id="rId6"/>
+    <p:sldId id="264" r:id="rId7"/>
+    <p:sldId id="265" r:id="rId8"/>
+    <p:sldId id="266" r:id="rId9"/>
+    <p:sldId id="258" r:id="rId10"/>
+    <p:sldId id="260" r:id="rId11"/>
+    <p:sldId id="261" r:id="rId12"/>
+    <p:sldId id="262" r:id="rId13"/>
   </p:sldIdLst>
   <p:sldSz cx="9144000" cy="5143500" type="screen16x9"/>
   <p:notesSz cx="6858000" cy="9144000"/>
@@ -136,6 +137,6538 @@
 </p:presentation>
 </file>
 
+<file path=ppt/commentAuthors.xml><?xml version="1.0" encoding="utf-8"?>
+<p:cmAuthorLst xmlns:a="http://schemas.openxmlformats.org/drawingml/2006/main" xmlns:r="http://schemas.openxmlformats.org/officeDocument/2006/relationships" xmlns:p="http://schemas.openxmlformats.org/presentationml/2006/main">
+  <p:cmAuthor id="2" name="Author" initials="A" lastIdx="0" clrIdx="1"/>
+</p:cmAuthorLst>
+</file>
+
+<file path=ppt/diagrams/colors1.xml><?xml version="1.0" encoding="utf-8"?>
+<dgm:colorsDef xmlns:dgm="http://schemas.openxmlformats.org/drawingml/2006/diagram" xmlns:a="http://schemas.openxmlformats.org/drawingml/2006/main" uniqueId="urn:microsoft.com/office/officeart/2005/8/colors/accent1_2">
+  <dgm:title val=""/>
+  <dgm:desc val=""/>
+  <dgm:catLst>
+    <dgm:cat type="accent1" pri="11200"/>
+  </dgm:catLst>
+  <dgm:styleLbl name="node0">
+    <dgm:fillClrLst meth="repeat">
+      <a:schemeClr val="accent1"/>
+    </dgm:fillClrLst>
+    <dgm:linClrLst meth="repeat">
+      <a:schemeClr val="lt1"/>
+    </dgm:linClrLst>
+    <dgm:effectClrLst/>
+    <dgm:txLinClrLst/>
+    <dgm:txFillClrLst/>
+    <dgm:txEffectClrLst/>
+  </dgm:styleLbl>
+  <dgm:styleLbl name="alignNode1">
+    <dgm:fillClrLst meth="repeat">
+      <a:schemeClr val="accent1"/>
+    </dgm:fillClrLst>
+    <dgm:linClrLst meth="repeat">
+      <a:schemeClr val="accent1"/>
+    </dgm:linClrLst>
+    <dgm:effectClrLst/>
+    <dgm:txLinClrLst/>
+    <dgm:txFillClrLst/>
+    <dgm:txEffectClrLst/>
+  </dgm:styleLbl>
+  <dgm:styleLbl name="node1">
+    <dgm:fillClrLst meth="repeat">
+      <a:schemeClr val="accent1"/>
+    </dgm:fillClrLst>
+    <dgm:linClrLst meth="repeat">
+      <a:schemeClr val="lt1"/>
+    </dgm:linClrLst>
+    <dgm:effectClrLst/>
+    <dgm:txLinClrLst/>
+    <dgm:txFillClrLst/>
+    <dgm:txEffectClrLst/>
+  </dgm:styleLbl>
+  <dgm:styleLbl name="lnNode1">
+    <dgm:fillClrLst meth="repeat">
+      <a:schemeClr val="accent1"/>
+    </dgm:fillClrLst>
+    <dgm:linClrLst meth="repeat">
+      <a:schemeClr val="lt1"/>
+    </dgm:linClrLst>
+    <dgm:effectClrLst/>
+    <dgm:txLinClrLst/>
+    <dgm:txFillClrLst/>
+    <dgm:txEffectClrLst/>
+  </dgm:styleLbl>
+  <dgm:styleLbl name="vennNode1">
+    <dgm:fillClrLst meth="repeat">
+      <a:schemeClr val="accent1">
+        <a:alpha val="50000"/>
+      </a:schemeClr>
+    </dgm:fillClrLst>
+    <dgm:linClrLst meth="repeat">
+      <a:schemeClr val="lt1"/>
+    </dgm:linClrLst>
+    <dgm:effectClrLst/>
+    <dgm:txLinClrLst/>
+    <dgm:txFillClrLst/>
+    <dgm:txEffectClrLst/>
+  </dgm:styleLbl>
+  <dgm:styleLbl name="node2">
+    <dgm:fillClrLst meth="repeat">
+      <a:schemeClr val="accent1"/>
+    </dgm:fillClrLst>
+    <dgm:linClrLst meth="repeat">
+      <a:schemeClr val="lt1"/>
+    </dgm:linClrLst>
+    <dgm:effectClrLst/>
+    <dgm:txLinClrLst/>
+    <dgm:txFillClrLst/>
+    <dgm:txEffectClrLst/>
+  </dgm:styleLbl>
+  <dgm:styleLbl name="node3">
+    <dgm:fillClrLst meth="repeat">
+      <a:schemeClr val="accent1"/>
+    </dgm:fillClrLst>
+    <dgm:linClrLst meth="repeat">
+      <a:schemeClr val="lt1"/>
+    </dgm:linClrLst>
+    <dgm:effectClrLst/>
+    <dgm:txLinClrLst/>
+    <dgm:txFillClrLst/>
+    <dgm:txEffectClrLst/>
+  </dgm:styleLbl>
+  <dgm:styleLbl name="node4">
+    <dgm:fillClrLst meth="repeat">
+      <a:schemeClr val="accent1"/>
+    </dgm:fillClrLst>
+    <dgm:linClrLst meth="repeat">
+      <a:schemeClr val="lt1"/>
+    </dgm:linClrLst>
+    <dgm:effectClrLst/>
+    <dgm:txLinClrLst/>
+    <dgm:txFillClrLst/>
+    <dgm:txEffectClrLst/>
+  </dgm:styleLbl>
+  <dgm:styleLbl name="fgImgPlace1">
+    <dgm:fillClrLst meth="repeat">
+      <a:schemeClr val="accent1">
+        <a:tint val="50000"/>
+      </a:schemeClr>
+    </dgm:fillClrLst>
+    <dgm:linClrLst meth="repeat">
+      <a:schemeClr val="lt1"/>
+    </dgm:linClrLst>
+    <dgm:effectClrLst/>
+    <dgm:txLinClrLst/>
+    <dgm:txFillClrLst meth="repeat">
+      <a:schemeClr val="lt1"/>
+    </dgm:txFillClrLst>
+    <dgm:txEffectClrLst/>
+  </dgm:styleLbl>
+  <dgm:styleLbl name="alignImgPlace1">
+    <dgm:fillClrLst meth="repeat">
+      <a:schemeClr val="accent1">
+        <a:tint val="50000"/>
+      </a:schemeClr>
+    </dgm:fillClrLst>
+    <dgm:linClrLst meth="repeat">
+      <a:schemeClr val="lt1"/>
+    </dgm:linClrLst>
+    <dgm:effectClrLst/>
+    <dgm:txLinClrLst/>
+    <dgm:txFillClrLst meth="repeat">
+      <a:schemeClr val="lt1"/>
+    </dgm:txFillClrLst>
+    <dgm:txEffectClrLst/>
+  </dgm:styleLbl>
+  <dgm:styleLbl name="bgImgPlace1">
+    <dgm:fillClrLst meth="repeat">
+      <a:schemeClr val="accent1">
+        <a:tint val="50000"/>
+      </a:schemeClr>
+    </dgm:fillClrLst>
+    <dgm:linClrLst meth="repeat">
+      <a:schemeClr val="lt1"/>
+    </dgm:linClrLst>
+    <dgm:effectClrLst/>
+    <dgm:txLinClrLst/>
+    <dgm:txFillClrLst meth="repeat">
+      <a:schemeClr val="lt1"/>
+    </dgm:txFillClrLst>
+    <dgm:txEffectClrLst/>
+  </dgm:styleLbl>
+  <dgm:styleLbl name="sibTrans2D1">
+    <dgm:fillClrLst meth="repeat">
+      <a:schemeClr val="accent1">
+        <a:tint val="60000"/>
+      </a:schemeClr>
+    </dgm:fillClrLst>
+    <dgm:linClrLst meth="repeat">
+      <a:schemeClr val="accent1">
+        <a:tint val="60000"/>
+      </a:schemeClr>
+    </dgm:linClrLst>
+    <dgm:effectClrLst/>
+    <dgm:txLinClrLst/>
+    <dgm:txFillClrLst/>
+    <dgm:txEffectClrLst/>
+  </dgm:styleLbl>
+  <dgm:styleLbl name="fgSibTrans2D1">
+    <dgm:fillClrLst meth="repeat">
+      <a:schemeClr val="accent1">
+        <a:tint val="60000"/>
+      </a:schemeClr>
+    </dgm:fillClrLst>
+    <dgm:linClrLst meth="repeat">
+      <a:schemeClr val="accent1">
+        <a:tint val="60000"/>
+      </a:schemeClr>
+    </dgm:linClrLst>
+    <dgm:effectClrLst/>
+    <dgm:txLinClrLst/>
+    <dgm:txFillClrLst/>
+    <dgm:txEffectClrLst/>
+  </dgm:styleLbl>
+  <dgm:styleLbl name="bgSibTrans2D1">
+    <dgm:fillClrLst meth="repeat">
+      <a:schemeClr val="accent1">
+        <a:tint val="60000"/>
+      </a:schemeClr>
+    </dgm:fillClrLst>
+    <dgm:linClrLst meth="repeat">
+      <a:schemeClr val="accent1">
+        <a:tint val="60000"/>
+      </a:schemeClr>
+    </dgm:linClrLst>
+    <dgm:effectClrLst/>
+    <dgm:txLinClrLst/>
+    <dgm:txFillClrLst/>
+    <dgm:txEffectClrLst/>
+  </dgm:styleLbl>
+  <dgm:styleLbl name="sibTrans1D1">
+    <dgm:fillClrLst meth="repeat">
+      <a:schemeClr val="accent1"/>
+    </dgm:fillClrLst>
+    <dgm:linClrLst meth="repeat">
+      <a:schemeClr val="accent1"/>
+    </dgm:linClrLst>
+    <dgm:effectClrLst/>
+    <dgm:txLinClrLst/>
+    <dgm:txFillClrLst meth="repeat">
+      <a:schemeClr val="tx1"/>
+    </dgm:txFillClrLst>
+    <dgm:txEffectClrLst/>
+  </dgm:styleLbl>
+  <dgm:styleLbl name="callout">
+    <dgm:fillClrLst meth="repeat">
+      <a:schemeClr val="accent1"/>
+    </dgm:fillClrLst>
+    <dgm:linClrLst meth="repeat">
+      <a:schemeClr val="accent1">
+        <a:tint val="50000"/>
+      </a:schemeClr>
+    </dgm:linClrLst>
+    <dgm:effectClrLst/>
+    <dgm:txLinClrLst/>
+    <dgm:txFillClrLst meth="repeat">
+      <a:schemeClr val="tx1"/>
+    </dgm:txFillClrLst>
+    <dgm:txEffectClrLst/>
+  </dgm:styleLbl>
+  <dgm:styleLbl name="asst0">
+    <dgm:fillClrLst meth="repeat">
+      <a:schemeClr val="accent1"/>
+    </dgm:fillClrLst>
+    <dgm:linClrLst meth="repeat">
+      <a:schemeClr val="lt1"/>
+    </dgm:linClrLst>
+    <dgm:effectClrLst/>
+    <dgm:txLinClrLst/>
+    <dgm:txFillClrLst/>
+    <dgm:txEffectClrLst/>
+  </dgm:styleLbl>
+  <dgm:styleLbl name="asst1">
+    <dgm:fillClrLst meth="repeat">
+      <a:schemeClr val="accent1"/>
+    </dgm:fillClrLst>
+    <dgm:linClrLst meth="repeat">
+      <a:schemeClr val="lt1"/>
+    </dgm:linClrLst>
+    <dgm:effectClrLst/>
+    <dgm:txLinClrLst/>
+    <dgm:txFillClrLst/>
+    <dgm:txEffectClrLst/>
+  </dgm:styleLbl>
+  <dgm:styleLbl name="asst2">
+    <dgm:fillClrLst meth="repeat">
+      <a:schemeClr val="accent1"/>
+    </dgm:fillClrLst>
+    <dgm:linClrLst meth="repeat">
+      <a:schemeClr val="lt1"/>
+    </dgm:linClrLst>
+    <dgm:effectClrLst/>
+    <dgm:txLinClrLst/>
+    <dgm:txFillClrLst/>
+    <dgm:txEffectClrLst/>
+  </dgm:styleLbl>
+  <dgm:styleLbl name="asst3">
+    <dgm:fillClrLst meth="repeat">
+      <a:schemeClr val="accent1"/>
+    </dgm:fillClrLst>
+    <dgm:linClrLst meth="repeat">
+      <a:schemeClr val="lt1"/>
+    </dgm:linClrLst>
+    <dgm:effectClrLst/>
+    <dgm:txLinClrLst/>
+    <dgm:txFillClrLst/>
+    <dgm:txEffectClrLst/>
+  </dgm:styleLbl>
+  <dgm:styleLbl name="asst4">
+    <dgm:fillClrLst meth="repeat">
+      <a:schemeClr val="accent1"/>
+    </dgm:fillClrLst>
+    <dgm:linClrLst meth="repeat">
+      <a:schemeClr val="lt1"/>
+    </dgm:linClrLst>
+    <dgm:effectClrLst/>
+    <dgm:txLinClrLst/>
+    <dgm:txFillClrLst/>
+    <dgm:txEffectClrLst/>
+  </dgm:styleLbl>
+  <dgm:styleLbl name="parChTrans2D1">
+    <dgm:fillClrLst meth="repeat">
+      <a:schemeClr val="accent1">
+        <a:tint val="60000"/>
+      </a:schemeClr>
+    </dgm:fillClrLst>
+    <dgm:linClrLst meth="repeat">
+      <a:schemeClr val="accent1">
+        <a:tint val="60000"/>
+      </a:schemeClr>
+    </dgm:linClrLst>
+    <dgm:effectClrLst/>
+    <dgm:txLinClrLst/>
+    <dgm:txFillClrLst meth="repeat">
+      <a:schemeClr val="lt1"/>
+    </dgm:txFillClrLst>
+    <dgm:txEffectClrLst/>
+  </dgm:styleLbl>
+  <dgm:styleLbl name="parChTrans2D2">
+    <dgm:fillClrLst meth="repeat">
+      <a:schemeClr val="accent1"/>
+    </dgm:fillClrLst>
+    <dgm:linClrLst meth="repeat">
+      <a:schemeClr val="accent1"/>
+    </dgm:linClrLst>
+    <dgm:effectClrLst/>
+    <dgm:txLinClrLst/>
+    <dgm:txFillClrLst meth="repeat">
+      <a:schemeClr val="lt1"/>
+    </dgm:txFillClrLst>
+    <dgm:txEffectClrLst/>
+  </dgm:styleLbl>
+  <dgm:styleLbl name="parChTrans2D3">
+    <dgm:fillClrLst meth="repeat">
+      <a:schemeClr val="accent1"/>
+    </dgm:fillClrLst>
+    <dgm:linClrLst meth="repeat">
+      <a:schemeClr val="accent1"/>
+    </dgm:linClrLst>
+    <dgm:effectClrLst/>
+    <dgm:txLinClrLst/>
+    <dgm:txFillClrLst meth="repeat">
+      <a:schemeClr val="lt1"/>
+    </dgm:txFillClrLst>
+    <dgm:txEffectClrLst/>
+  </dgm:styleLbl>
+  <dgm:styleLbl name="parChTrans2D4">
+    <dgm:fillClrLst meth="repeat">
+      <a:schemeClr val="accent1"/>
+    </dgm:fillClrLst>
+    <dgm:linClrLst meth="repeat">
+      <a:schemeClr val="accent1"/>
+    </dgm:linClrLst>
+    <dgm:effectClrLst/>
+    <dgm:txLinClrLst/>
+    <dgm:txFillClrLst meth="repeat">
+      <a:schemeClr val="lt1"/>
+    </dgm:txFillClrLst>
+    <dgm:txEffectClrLst/>
+  </dgm:styleLbl>
+  <dgm:styleLbl name="parChTrans1D1">
+    <dgm:fillClrLst meth="repeat">
+      <a:schemeClr val="accent1"/>
+    </dgm:fillClrLst>
+    <dgm:linClrLst meth="repeat">
+      <a:schemeClr val="accent1">
+        <a:shade val="60000"/>
+      </a:schemeClr>
+    </dgm:linClrLst>
+    <dgm:effectClrLst/>
+    <dgm:txLinClrLst/>
+    <dgm:txFillClrLst meth="repeat">
+      <a:schemeClr val="tx1"/>
+    </dgm:txFillClrLst>
+    <dgm:txEffectClrLst/>
+  </dgm:styleLbl>
+  <dgm:styleLbl name="parChTrans1D2">
+    <dgm:fillClrLst meth="repeat">
+      <a:schemeClr val="accent1"/>
+    </dgm:fillClrLst>
+    <dgm:linClrLst meth="repeat">
+      <a:schemeClr val="accent1">
+        <a:shade val="60000"/>
+      </a:schemeClr>
+    </dgm:linClrLst>
+    <dgm:effectClrLst/>
+    <dgm:txLinClrLst/>
+    <dgm:txFillClrLst meth="repeat">
+      <a:schemeClr val="tx1"/>
+    </dgm:txFillClrLst>
+    <dgm:txEffectClrLst/>
+  </dgm:styleLbl>
+  <dgm:styleLbl name="parChTrans1D3">
+    <dgm:fillClrLst meth="repeat">
+      <a:schemeClr val="accent1"/>
+    </dgm:fillClrLst>
+    <dgm:linClrLst meth="repeat">
+      <a:schemeClr val="accent1">
+        <a:shade val="80000"/>
+      </a:schemeClr>
+    </dgm:linClrLst>
+    <dgm:effectClrLst/>
+    <dgm:txLinClrLst/>
+    <dgm:txFillClrLst meth="repeat">
+      <a:schemeClr val="tx1"/>
+    </dgm:txFillClrLst>
+    <dgm:txEffectClrLst/>
+  </dgm:styleLbl>
+  <dgm:styleLbl name="parChTrans1D4">
+    <dgm:fillClrLst meth="repeat">
+      <a:schemeClr val="accent1"/>
+    </dgm:fillClrLst>
+    <dgm:linClrLst meth="repeat">
+      <a:schemeClr val="accent1">
+        <a:shade val="80000"/>
+      </a:schemeClr>
+    </dgm:linClrLst>
+    <dgm:effectClrLst/>
+    <dgm:txLinClrLst/>
+    <dgm:txFillClrLst meth="repeat">
+      <a:schemeClr val="tx1"/>
+    </dgm:txFillClrLst>
+    <dgm:txEffectClrLst/>
+  </dgm:styleLbl>
+  <dgm:styleLbl name="fgAcc1">
+    <dgm:fillClrLst meth="repeat">
+      <a:schemeClr val="lt1">
+        <a:alpha val="90000"/>
+      </a:schemeClr>
+    </dgm:fillClrLst>
+    <dgm:linClrLst meth="repeat">
+      <a:schemeClr val="accent1"/>
+    </dgm:linClrLst>
+    <dgm:effectClrLst/>
+    <dgm:txLinClrLst/>
+    <dgm:txFillClrLst meth="repeat">
+      <a:schemeClr val="dk1"/>
+    </dgm:txFillClrLst>
+    <dgm:txEffectClrLst/>
+  </dgm:styleLbl>
+  <dgm:styleLbl name="conFgAcc1">
+    <dgm:fillClrLst meth="repeat">
+      <a:schemeClr val="lt1">
+        <a:alpha val="90000"/>
+      </a:schemeClr>
+    </dgm:fillClrLst>
+    <dgm:linClrLst meth="repeat">
+      <a:schemeClr val="accent1"/>
+    </dgm:linClrLst>
+    <dgm:effectClrLst/>
+    <dgm:txLinClrLst/>
+    <dgm:txFillClrLst meth="repeat">
+      <a:schemeClr val="dk1"/>
+    </dgm:txFillClrLst>
+    <dgm:txEffectClrLst/>
+  </dgm:styleLbl>
+  <dgm:styleLbl name="alignAcc1">
+    <dgm:fillClrLst meth="repeat">
+      <a:schemeClr val="lt1">
+        <a:alpha val="90000"/>
+      </a:schemeClr>
+    </dgm:fillClrLst>
+    <dgm:linClrLst meth="repeat">
+      <a:schemeClr val="accent1"/>
+    </dgm:linClrLst>
+    <dgm:effectClrLst/>
+    <dgm:txLinClrLst/>
+    <dgm:txFillClrLst meth="repeat">
+      <a:schemeClr val="dk1"/>
+    </dgm:txFillClrLst>
+    <dgm:txEffectClrLst/>
+  </dgm:styleLbl>
+  <dgm:styleLbl name="trAlignAcc1">
+    <dgm:fillClrLst meth="repeat">
+      <a:schemeClr val="lt1">
+        <a:alpha val="40000"/>
+      </a:schemeClr>
+    </dgm:fillClrLst>
+    <dgm:linClrLst meth="repeat">
+      <a:schemeClr val="accent1"/>
+    </dgm:linClrLst>
+    <dgm:effectClrLst/>
+    <dgm:txLinClrLst/>
+    <dgm:txFillClrLst meth="repeat">
+      <a:schemeClr val="dk1"/>
+    </dgm:txFillClrLst>
+    <dgm:txEffectClrLst/>
+  </dgm:styleLbl>
+  <dgm:styleLbl name="bgAcc1">
+    <dgm:fillClrLst meth="repeat">
+      <a:schemeClr val="lt1">
+        <a:alpha val="90000"/>
+      </a:schemeClr>
+    </dgm:fillClrLst>
+    <dgm:linClrLst meth="repeat">
+      <a:schemeClr val="accent1"/>
+    </dgm:linClrLst>
+    <dgm:effectClrLst/>
+    <dgm:txLinClrLst/>
+    <dgm:txFillClrLst meth="repeat">
+      <a:schemeClr val="dk1"/>
+    </dgm:txFillClrLst>
+    <dgm:txEffectClrLst/>
+  </dgm:styleLbl>
+  <dgm:styleLbl name="solidFgAcc1">
+    <dgm:fillClrLst meth="repeat">
+      <a:schemeClr val="lt1"/>
+    </dgm:fillClrLst>
+    <dgm:linClrLst meth="repeat">
+      <a:schemeClr val="accent1"/>
+    </dgm:linClrLst>
+    <dgm:effectClrLst/>
+    <dgm:txLinClrLst/>
+    <dgm:txFillClrLst meth="repeat">
+      <a:schemeClr val="dk1"/>
+    </dgm:txFillClrLst>
+    <dgm:txEffectClrLst/>
+  </dgm:styleLbl>
+  <dgm:styleLbl name="solidAlignAcc1">
+    <dgm:fillClrLst meth="repeat">
+      <a:schemeClr val="lt1"/>
+    </dgm:fillClrLst>
+    <dgm:linClrLst meth="repeat">
+      <a:schemeClr val="accent1"/>
+    </dgm:linClrLst>
+    <dgm:effectClrLst/>
+    <dgm:txLinClrLst/>
+    <dgm:txFillClrLst meth="repeat">
+      <a:schemeClr val="dk1"/>
+    </dgm:txFillClrLst>
+    <dgm:txEffectClrLst/>
+  </dgm:styleLbl>
+  <dgm:styleLbl name="solidBgAcc1">
+    <dgm:fillClrLst meth="repeat">
+      <a:schemeClr val="lt1"/>
+    </dgm:fillClrLst>
+    <dgm:linClrLst meth="repeat">
+      <a:schemeClr val="accent1"/>
+    </dgm:linClrLst>
+    <dgm:effectClrLst/>
+    <dgm:txLinClrLst/>
+    <dgm:txFillClrLst meth="repeat">
+      <a:schemeClr val="dk1"/>
+    </dgm:txFillClrLst>
+    <dgm:txEffectClrLst/>
+  </dgm:styleLbl>
+  <dgm:styleLbl name="fgAccFollowNode1">
+    <dgm:fillClrLst meth="repeat">
+      <a:schemeClr val="accent1">
+        <a:alpha val="90000"/>
+        <a:tint val="40000"/>
+      </a:schemeClr>
+    </dgm:fillClrLst>
+    <dgm:linClrLst meth="repeat">
+      <a:schemeClr val="accent1">
+        <a:alpha val="90000"/>
+        <a:tint val="40000"/>
+      </a:schemeClr>
+    </dgm:linClrLst>
+    <dgm:effectClrLst/>
+    <dgm:txLinClrLst/>
+    <dgm:txFillClrLst meth="repeat">
+      <a:schemeClr val="dk1"/>
+    </dgm:txFillClrLst>
+    <dgm:txEffectClrLst/>
+  </dgm:styleLbl>
+  <dgm:styleLbl name="alignAccFollowNode1">
+    <dgm:fillClrLst meth="repeat">
+      <a:schemeClr val="accent1">
+        <a:alpha val="90000"/>
+        <a:tint val="40000"/>
+      </a:schemeClr>
+    </dgm:fillClrLst>
+    <dgm:linClrLst meth="repeat">
+      <a:schemeClr val="accent1">
+        <a:alpha val="90000"/>
+        <a:tint val="40000"/>
+      </a:schemeClr>
+    </dgm:linClrLst>
+    <dgm:effectClrLst/>
+    <dgm:txLinClrLst/>
+    <dgm:txFillClrLst meth="repeat">
+      <a:schemeClr val="dk1"/>
+    </dgm:txFillClrLst>
+    <dgm:txEffectClrLst/>
+  </dgm:styleLbl>
+  <dgm:styleLbl name="bgAccFollowNode1">
+    <dgm:fillClrLst meth="repeat">
+      <a:schemeClr val="accent1">
+        <a:alpha val="90000"/>
+        <a:tint val="40000"/>
+      </a:schemeClr>
+    </dgm:fillClrLst>
+    <dgm:linClrLst meth="repeat">
+      <a:schemeClr val="accent1">
+        <a:alpha val="90000"/>
+        <a:tint val="40000"/>
+      </a:schemeClr>
+    </dgm:linClrLst>
+    <dgm:effectClrLst/>
+    <dgm:txLinClrLst/>
+    <dgm:txFillClrLst meth="repeat">
+      <a:schemeClr val="dk1"/>
+    </dgm:txFillClrLst>
+    <dgm:txEffectClrLst/>
+  </dgm:styleLbl>
+  <dgm:styleLbl name="fgAcc0">
+    <dgm:fillClrLst meth="repeat">
+      <a:schemeClr val="lt1">
+        <a:alpha val="90000"/>
+      </a:schemeClr>
+    </dgm:fillClrLst>
+    <dgm:linClrLst meth="repeat">
+      <a:schemeClr val="accent1"/>
+    </dgm:linClrLst>
+    <dgm:effectClrLst/>
+    <dgm:txLinClrLst/>
+    <dgm:txFillClrLst meth="repeat">
+      <a:schemeClr val="dk1"/>
+    </dgm:txFillClrLst>
+    <dgm:txEffectClrLst/>
+  </dgm:styleLbl>
+  <dgm:styleLbl name="fgAcc2">
+    <dgm:fillClrLst meth="repeat">
+      <a:schemeClr val="lt1">
+        <a:alpha val="90000"/>
+      </a:schemeClr>
+    </dgm:fillClrLst>
+    <dgm:linClrLst meth="repeat">
+      <a:schemeClr val="accent1"/>
+    </dgm:linClrLst>
+    <dgm:effectClrLst/>
+    <dgm:txLinClrLst/>
+    <dgm:txFillClrLst meth="repeat">
+      <a:schemeClr val="dk1"/>
+    </dgm:txFillClrLst>
+    <dgm:txEffectClrLst/>
+  </dgm:styleLbl>
+  <dgm:styleLbl name="fgAcc3">
+    <dgm:fillClrLst meth="repeat">
+      <a:schemeClr val="lt1">
+        <a:alpha val="90000"/>
+      </a:schemeClr>
+    </dgm:fillClrLst>
+    <dgm:linClrLst meth="repeat">
+      <a:schemeClr val="accent1"/>
+    </dgm:linClrLst>
+    <dgm:effectClrLst/>
+    <dgm:txLinClrLst/>
+    <dgm:txFillClrLst meth="repeat">
+      <a:schemeClr val="dk1"/>
+    </dgm:txFillClrLst>
+    <dgm:txEffectClrLst/>
+  </dgm:styleLbl>
+  <dgm:styleLbl name="fgAcc4">
+    <dgm:fillClrLst meth="repeat">
+      <a:schemeClr val="lt1">
+        <a:alpha val="90000"/>
+      </a:schemeClr>
+    </dgm:fillClrLst>
+    <dgm:linClrLst meth="repeat">
+      <a:schemeClr val="accent1"/>
+    </dgm:linClrLst>
+    <dgm:effectClrLst/>
+    <dgm:txLinClrLst/>
+    <dgm:txFillClrLst meth="repeat">
+      <a:schemeClr val="dk1"/>
+    </dgm:txFillClrLst>
+    <dgm:txEffectClrLst/>
+  </dgm:styleLbl>
+  <dgm:styleLbl name="bgShp">
+    <dgm:fillClrLst meth="repeat">
+      <a:schemeClr val="accent1">
+        <a:tint val="40000"/>
+      </a:schemeClr>
+    </dgm:fillClrLst>
+    <dgm:linClrLst meth="repeat">
+      <a:schemeClr val="accent1"/>
+    </dgm:linClrLst>
+    <dgm:effectClrLst/>
+    <dgm:txLinClrLst/>
+    <dgm:txFillClrLst meth="repeat">
+      <a:schemeClr val="dk1"/>
+    </dgm:txFillClrLst>
+    <dgm:txEffectClrLst/>
+  </dgm:styleLbl>
+  <dgm:styleLbl name="dkBgShp">
+    <dgm:fillClrLst meth="repeat">
+      <a:schemeClr val="accent1">
+        <a:shade val="80000"/>
+      </a:schemeClr>
+    </dgm:fillClrLst>
+    <dgm:linClrLst meth="repeat">
+      <a:schemeClr val="accent1"/>
+    </dgm:linClrLst>
+    <dgm:effectClrLst/>
+    <dgm:txLinClrLst/>
+    <dgm:txFillClrLst meth="repeat">
+      <a:schemeClr val="lt1"/>
+    </dgm:txFillClrLst>
+    <dgm:txEffectClrLst/>
+  </dgm:styleLbl>
+  <dgm:styleLbl name="trBgShp">
+    <dgm:fillClrLst meth="repeat">
+      <a:schemeClr val="accent1">
+        <a:tint val="50000"/>
+        <a:alpha val="40000"/>
+      </a:schemeClr>
+    </dgm:fillClrLst>
+    <dgm:linClrLst meth="repeat">
+      <a:schemeClr val="accent1"/>
+    </dgm:linClrLst>
+    <dgm:effectClrLst/>
+    <dgm:txLinClrLst/>
+    <dgm:txFillClrLst meth="repeat">
+      <a:schemeClr val="lt1"/>
+    </dgm:txFillClrLst>
+    <dgm:txEffectClrLst/>
+  </dgm:styleLbl>
+  <dgm:styleLbl name="fgShp">
+    <dgm:fillClrLst meth="repeat">
+      <a:schemeClr val="accent1">
+        <a:tint val="60000"/>
+      </a:schemeClr>
+    </dgm:fillClrLst>
+    <dgm:linClrLst meth="repeat">
+      <a:schemeClr val="lt1"/>
+    </dgm:linClrLst>
+    <dgm:effectClrLst/>
+    <dgm:txLinClrLst/>
+    <dgm:txFillClrLst meth="repeat">
+      <a:schemeClr val="dk1"/>
+    </dgm:txFillClrLst>
+    <dgm:txEffectClrLst/>
+  </dgm:styleLbl>
+  <dgm:styleLbl name="revTx">
+    <dgm:fillClrLst meth="repeat">
+      <a:schemeClr val="lt1">
+        <a:alpha val="0"/>
+      </a:schemeClr>
+    </dgm:fillClrLst>
+    <dgm:linClrLst meth="repeat">
+      <a:schemeClr val="dk1">
+        <a:alpha val="0"/>
+      </a:schemeClr>
+    </dgm:linClrLst>
+    <dgm:effectClrLst/>
+    <dgm:txLinClrLst/>
+    <dgm:txFillClrLst meth="repeat">
+      <a:schemeClr val="tx1"/>
+    </dgm:txFillClrLst>
+    <dgm:txEffectClrLst/>
+  </dgm:styleLbl>
+</dgm:colorsDef>
+</file>
+
+<file path=ppt/diagrams/colors2.xml><?xml version="1.0" encoding="utf-8"?>
+<dgm:colorsDef xmlns:dgm="http://schemas.openxmlformats.org/drawingml/2006/diagram" xmlns:a="http://schemas.openxmlformats.org/drawingml/2006/main" uniqueId="urn:microsoft.com/office/officeart/2005/8/colors/accent1_2">
+  <dgm:title val=""/>
+  <dgm:desc val=""/>
+  <dgm:catLst>
+    <dgm:cat type="accent1" pri="11200"/>
+  </dgm:catLst>
+  <dgm:styleLbl name="node0">
+    <dgm:fillClrLst meth="repeat">
+      <a:schemeClr val="accent1"/>
+    </dgm:fillClrLst>
+    <dgm:linClrLst meth="repeat">
+      <a:schemeClr val="lt1"/>
+    </dgm:linClrLst>
+    <dgm:effectClrLst/>
+    <dgm:txLinClrLst/>
+    <dgm:txFillClrLst/>
+    <dgm:txEffectClrLst/>
+  </dgm:styleLbl>
+  <dgm:styleLbl name="alignNode1">
+    <dgm:fillClrLst meth="repeat">
+      <a:schemeClr val="accent1"/>
+    </dgm:fillClrLst>
+    <dgm:linClrLst meth="repeat">
+      <a:schemeClr val="accent1"/>
+    </dgm:linClrLst>
+    <dgm:effectClrLst/>
+    <dgm:txLinClrLst/>
+    <dgm:txFillClrLst/>
+    <dgm:txEffectClrLst/>
+  </dgm:styleLbl>
+  <dgm:styleLbl name="node1">
+    <dgm:fillClrLst meth="repeat">
+      <a:schemeClr val="accent1"/>
+    </dgm:fillClrLst>
+    <dgm:linClrLst meth="repeat">
+      <a:schemeClr val="lt1"/>
+    </dgm:linClrLst>
+    <dgm:effectClrLst/>
+    <dgm:txLinClrLst/>
+    <dgm:txFillClrLst/>
+    <dgm:txEffectClrLst/>
+  </dgm:styleLbl>
+  <dgm:styleLbl name="lnNode1">
+    <dgm:fillClrLst meth="repeat">
+      <a:schemeClr val="accent1"/>
+    </dgm:fillClrLst>
+    <dgm:linClrLst meth="repeat">
+      <a:schemeClr val="lt1"/>
+    </dgm:linClrLst>
+    <dgm:effectClrLst/>
+    <dgm:txLinClrLst/>
+    <dgm:txFillClrLst/>
+    <dgm:txEffectClrLst/>
+  </dgm:styleLbl>
+  <dgm:styleLbl name="vennNode1">
+    <dgm:fillClrLst meth="repeat">
+      <a:schemeClr val="accent1">
+        <a:alpha val="50000"/>
+      </a:schemeClr>
+    </dgm:fillClrLst>
+    <dgm:linClrLst meth="repeat">
+      <a:schemeClr val="lt1"/>
+    </dgm:linClrLst>
+    <dgm:effectClrLst/>
+    <dgm:txLinClrLst/>
+    <dgm:txFillClrLst/>
+    <dgm:txEffectClrLst/>
+  </dgm:styleLbl>
+  <dgm:styleLbl name="node2">
+    <dgm:fillClrLst meth="repeat">
+      <a:schemeClr val="accent1"/>
+    </dgm:fillClrLst>
+    <dgm:linClrLst meth="repeat">
+      <a:schemeClr val="lt1"/>
+    </dgm:linClrLst>
+    <dgm:effectClrLst/>
+    <dgm:txLinClrLst/>
+    <dgm:txFillClrLst/>
+    <dgm:txEffectClrLst/>
+  </dgm:styleLbl>
+  <dgm:styleLbl name="node3">
+    <dgm:fillClrLst meth="repeat">
+      <a:schemeClr val="accent1"/>
+    </dgm:fillClrLst>
+    <dgm:linClrLst meth="repeat">
+      <a:schemeClr val="lt1"/>
+    </dgm:linClrLst>
+    <dgm:effectClrLst/>
+    <dgm:txLinClrLst/>
+    <dgm:txFillClrLst/>
+    <dgm:txEffectClrLst/>
+  </dgm:styleLbl>
+  <dgm:styleLbl name="node4">
+    <dgm:fillClrLst meth="repeat">
+      <a:schemeClr val="accent1"/>
+    </dgm:fillClrLst>
+    <dgm:linClrLst meth="repeat">
+      <a:schemeClr val="lt1"/>
+    </dgm:linClrLst>
+    <dgm:effectClrLst/>
+    <dgm:txLinClrLst/>
+    <dgm:txFillClrLst/>
+    <dgm:txEffectClrLst/>
+  </dgm:styleLbl>
+  <dgm:styleLbl name="fgImgPlace1">
+    <dgm:fillClrLst meth="repeat">
+      <a:schemeClr val="accent1">
+        <a:tint val="50000"/>
+      </a:schemeClr>
+    </dgm:fillClrLst>
+    <dgm:linClrLst meth="repeat">
+      <a:schemeClr val="lt1"/>
+    </dgm:linClrLst>
+    <dgm:effectClrLst/>
+    <dgm:txLinClrLst/>
+    <dgm:txFillClrLst meth="repeat">
+      <a:schemeClr val="lt1"/>
+    </dgm:txFillClrLst>
+    <dgm:txEffectClrLst/>
+  </dgm:styleLbl>
+  <dgm:styleLbl name="alignImgPlace1">
+    <dgm:fillClrLst meth="repeat">
+      <a:schemeClr val="accent1">
+        <a:tint val="50000"/>
+      </a:schemeClr>
+    </dgm:fillClrLst>
+    <dgm:linClrLst meth="repeat">
+      <a:schemeClr val="lt1"/>
+    </dgm:linClrLst>
+    <dgm:effectClrLst/>
+    <dgm:txLinClrLst/>
+    <dgm:txFillClrLst meth="repeat">
+      <a:schemeClr val="lt1"/>
+    </dgm:txFillClrLst>
+    <dgm:txEffectClrLst/>
+  </dgm:styleLbl>
+  <dgm:styleLbl name="bgImgPlace1">
+    <dgm:fillClrLst meth="repeat">
+      <a:schemeClr val="accent1">
+        <a:tint val="50000"/>
+      </a:schemeClr>
+    </dgm:fillClrLst>
+    <dgm:linClrLst meth="repeat">
+      <a:schemeClr val="lt1"/>
+    </dgm:linClrLst>
+    <dgm:effectClrLst/>
+    <dgm:txLinClrLst/>
+    <dgm:txFillClrLst meth="repeat">
+      <a:schemeClr val="lt1"/>
+    </dgm:txFillClrLst>
+    <dgm:txEffectClrLst/>
+  </dgm:styleLbl>
+  <dgm:styleLbl name="sibTrans2D1">
+    <dgm:fillClrLst meth="repeat">
+      <a:schemeClr val="accent1">
+        <a:tint val="60000"/>
+      </a:schemeClr>
+    </dgm:fillClrLst>
+    <dgm:linClrLst meth="repeat">
+      <a:schemeClr val="accent1">
+        <a:tint val="60000"/>
+      </a:schemeClr>
+    </dgm:linClrLst>
+    <dgm:effectClrLst/>
+    <dgm:txLinClrLst/>
+    <dgm:txFillClrLst/>
+    <dgm:txEffectClrLst/>
+  </dgm:styleLbl>
+  <dgm:styleLbl name="fgSibTrans2D1">
+    <dgm:fillClrLst meth="repeat">
+      <a:schemeClr val="accent1">
+        <a:tint val="60000"/>
+      </a:schemeClr>
+    </dgm:fillClrLst>
+    <dgm:linClrLst meth="repeat">
+      <a:schemeClr val="accent1">
+        <a:tint val="60000"/>
+      </a:schemeClr>
+    </dgm:linClrLst>
+    <dgm:effectClrLst/>
+    <dgm:txLinClrLst/>
+    <dgm:txFillClrLst/>
+    <dgm:txEffectClrLst/>
+  </dgm:styleLbl>
+  <dgm:styleLbl name="bgSibTrans2D1">
+    <dgm:fillClrLst meth="repeat">
+      <a:schemeClr val="accent1">
+        <a:tint val="60000"/>
+      </a:schemeClr>
+    </dgm:fillClrLst>
+    <dgm:linClrLst meth="repeat">
+      <a:schemeClr val="accent1">
+        <a:tint val="60000"/>
+      </a:schemeClr>
+    </dgm:linClrLst>
+    <dgm:effectClrLst/>
+    <dgm:txLinClrLst/>
+    <dgm:txFillClrLst/>
+    <dgm:txEffectClrLst/>
+  </dgm:styleLbl>
+  <dgm:styleLbl name="sibTrans1D1">
+    <dgm:fillClrLst meth="repeat">
+      <a:schemeClr val="accent1"/>
+    </dgm:fillClrLst>
+    <dgm:linClrLst meth="repeat">
+      <a:schemeClr val="accent1"/>
+    </dgm:linClrLst>
+    <dgm:effectClrLst/>
+    <dgm:txLinClrLst/>
+    <dgm:txFillClrLst meth="repeat">
+      <a:schemeClr val="tx1"/>
+    </dgm:txFillClrLst>
+    <dgm:txEffectClrLst/>
+  </dgm:styleLbl>
+  <dgm:styleLbl name="callout">
+    <dgm:fillClrLst meth="repeat">
+      <a:schemeClr val="accent1"/>
+    </dgm:fillClrLst>
+    <dgm:linClrLst meth="repeat">
+      <a:schemeClr val="accent1">
+        <a:tint val="50000"/>
+      </a:schemeClr>
+    </dgm:linClrLst>
+    <dgm:effectClrLst/>
+    <dgm:txLinClrLst/>
+    <dgm:txFillClrLst meth="repeat">
+      <a:schemeClr val="tx1"/>
+    </dgm:txFillClrLst>
+    <dgm:txEffectClrLst/>
+  </dgm:styleLbl>
+  <dgm:styleLbl name="asst0">
+    <dgm:fillClrLst meth="repeat">
+      <a:schemeClr val="accent1"/>
+    </dgm:fillClrLst>
+    <dgm:linClrLst meth="repeat">
+      <a:schemeClr val="lt1"/>
+    </dgm:linClrLst>
+    <dgm:effectClrLst/>
+    <dgm:txLinClrLst/>
+    <dgm:txFillClrLst/>
+    <dgm:txEffectClrLst/>
+  </dgm:styleLbl>
+  <dgm:styleLbl name="asst1">
+    <dgm:fillClrLst meth="repeat">
+      <a:schemeClr val="accent1"/>
+    </dgm:fillClrLst>
+    <dgm:linClrLst meth="repeat">
+      <a:schemeClr val="lt1"/>
+    </dgm:linClrLst>
+    <dgm:effectClrLst/>
+    <dgm:txLinClrLst/>
+    <dgm:txFillClrLst/>
+    <dgm:txEffectClrLst/>
+  </dgm:styleLbl>
+  <dgm:styleLbl name="asst2">
+    <dgm:fillClrLst meth="repeat">
+      <a:schemeClr val="accent1"/>
+    </dgm:fillClrLst>
+    <dgm:linClrLst meth="repeat">
+      <a:schemeClr val="lt1"/>
+    </dgm:linClrLst>
+    <dgm:effectClrLst/>
+    <dgm:txLinClrLst/>
+    <dgm:txFillClrLst/>
+    <dgm:txEffectClrLst/>
+  </dgm:styleLbl>
+  <dgm:styleLbl name="asst3">
+    <dgm:fillClrLst meth="repeat">
+      <a:schemeClr val="accent1"/>
+    </dgm:fillClrLst>
+    <dgm:linClrLst meth="repeat">
+      <a:schemeClr val="lt1"/>
+    </dgm:linClrLst>
+    <dgm:effectClrLst/>
+    <dgm:txLinClrLst/>
+    <dgm:txFillClrLst/>
+    <dgm:txEffectClrLst/>
+  </dgm:styleLbl>
+  <dgm:styleLbl name="asst4">
+    <dgm:fillClrLst meth="repeat">
+      <a:schemeClr val="accent1"/>
+    </dgm:fillClrLst>
+    <dgm:linClrLst meth="repeat">
+      <a:schemeClr val="lt1"/>
+    </dgm:linClrLst>
+    <dgm:effectClrLst/>
+    <dgm:txLinClrLst/>
+    <dgm:txFillClrLst/>
+    <dgm:txEffectClrLst/>
+  </dgm:styleLbl>
+  <dgm:styleLbl name="parChTrans2D1">
+    <dgm:fillClrLst meth="repeat">
+      <a:schemeClr val="accent1">
+        <a:tint val="60000"/>
+      </a:schemeClr>
+    </dgm:fillClrLst>
+    <dgm:linClrLst meth="repeat">
+      <a:schemeClr val="accent1">
+        <a:tint val="60000"/>
+      </a:schemeClr>
+    </dgm:linClrLst>
+    <dgm:effectClrLst/>
+    <dgm:txLinClrLst/>
+    <dgm:txFillClrLst meth="repeat">
+      <a:schemeClr val="lt1"/>
+    </dgm:txFillClrLst>
+    <dgm:txEffectClrLst/>
+  </dgm:styleLbl>
+  <dgm:styleLbl name="parChTrans2D2">
+    <dgm:fillClrLst meth="repeat">
+      <a:schemeClr val="accent1"/>
+    </dgm:fillClrLst>
+    <dgm:linClrLst meth="repeat">
+      <a:schemeClr val="accent1"/>
+    </dgm:linClrLst>
+    <dgm:effectClrLst/>
+    <dgm:txLinClrLst/>
+    <dgm:txFillClrLst meth="repeat">
+      <a:schemeClr val="lt1"/>
+    </dgm:txFillClrLst>
+    <dgm:txEffectClrLst/>
+  </dgm:styleLbl>
+  <dgm:styleLbl name="parChTrans2D3">
+    <dgm:fillClrLst meth="repeat">
+      <a:schemeClr val="accent1"/>
+    </dgm:fillClrLst>
+    <dgm:linClrLst meth="repeat">
+      <a:schemeClr val="accent1"/>
+    </dgm:linClrLst>
+    <dgm:effectClrLst/>
+    <dgm:txLinClrLst/>
+    <dgm:txFillClrLst meth="repeat">
+      <a:schemeClr val="lt1"/>
+    </dgm:txFillClrLst>
+    <dgm:txEffectClrLst/>
+  </dgm:styleLbl>
+  <dgm:styleLbl name="parChTrans2D4">
+    <dgm:fillClrLst meth="repeat">
+      <a:schemeClr val="accent1"/>
+    </dgm:fillClrLst>
+    <dgm:linClrLst meth="repeat">
+      <a:schemeClr val="accent1"/>
+    </dgm:linClrLst>
+    <dgm:effectClrLst/>
+    <dgm:txLinClrLst/>
+    <dgm:txFillClrLst meth="repeat">
+      <a:schemeClr val="lt1"/>
+    </dgm:txFillClrLst>
+    <dgm:txEffectClrLst/>
+  </dgm:styleLbl>
+  <dgm:styleLbl name="parChTrans1D1">
+    <dgm:fillClrLst meth="repeat">
+      <a:schemeClr val="accent1"/>
+    </dgm:fillClrLst>
+    <dgm:linClrLst meth="repeat">
+      <a:schemeClr val="accent1">
+        <a:shade val="60000"/>
+      </a:schemeClr>
+    </dgm:linClrLst>
+    <dgm:effectClrLst/>
+    <dgm:txLinClrLst/>
+    <dgm:txFillClrLst meth="repeat">
+      <a:schemeClr val="tx1"/>
+    </dgm:txFillClrLst>
+    <dgm:txEffectClrLst/>
+  </dgm:styleLbl>
+  <dgm:styleLbl name="parChTrans1D2">
+    <dgm:fillClrLst meth="repeat">
+      <a:schemeClr val="accent1"/>
+    </dgm:fillClrLst>
+    <dgm:linClrLst meth="repeat">
+      <a:schemeClr val="accent1">
+        <a:shade val="60000"/>
+      </a:schemeClr>
+    </dgm:linClrLst>
+    <dgm:effectClrLst/>
+    <dgm:txLinClrLst/>
+    <dgm:txFillClrLst meth="repeat">
+      <a:schemeClr val="tx1"/>
+    </dgm:txFillClrLst>
+    <dgm:txEffectClrLst/>
+  </dgm:styleLbl>
+  <dgm:styleLbl name="parChTrans1D3">
+    <dgm:fillClrLst meth="repeat">
+      <a:schemeClr val="accent1"/>
+    </dgm:fillClrLst>
+    <dgm:linClrLst meth="repeat">
+      <a:schemeClr val="accent1">
+        <a:shade val="80000"/>
+      </a:schemeClr>
+    </dgm:linClrLst>
+    <dgm:effectClrLst/>
+    <dgm:txLinClrLst/>
+    <dgm:txFillClrLst meth="repeat">
+      <a:schemeClr val="tx1"/>
+    </dgm:txFillClrLst>
+    <dgm:txEffectClrLst/>
+  </dgm:styleLbl>
+  <dgm:styleLbl name="parChTrans1D4">
+    <dgm:fillClrLst meth="repeat">
+      <a:schemeClr val="accent1"/>
+    </dgm:fillClrLst>
+    <dgm:linClrLst meth="repeat">
+      <a:schemeClr val="accent1">
+        <a:shade val="80000"/>
+      </a:schemeClr>
+    </dgm:linClrLst>
+    <dgm:effectClrLst/>
+    <dgm:txLinClrLst/>
+    <dgm:txFillClrLst meth="repeat">
+      <a:schemeClr val="tx1"/>
+    </dgm:txFillClrLst>
+    <dgm:txEffectClrLst/>
+  </dgm:styleLbl>
+  <dgm:styleLbl name="fgAcc1">
+    <dgm:fillClrLst meth="repeat">
+      <a:schemeClr val="lt1">
+        <a:alpha val="90000"/>
+      </a:schemeClr>
+    </dgm:fillClrLst>
+    <dgm:linClrLst meth="repeat">
+      <a:schemeClr val="accent1"/>
+    </dgm:linClrLst>
+    <dgm:effectClrLst/>
+    <dgm:txLinClrLst/>
+    <dgm:txFillClrLst meth="repeat">
+      <a:schemeClr val="dk1"/>
+    </dgm:txFillClrLst>
+    <dgm:txEffectClrLst/>
+  </dgm:styleLbl>
+  <dgm:styleLbl name="conFgAcc1">
+    <dgm:fillClrLst meth="repeat">
+      <a:schemeClr val="lt1">
+        <a:alpha val="90000"/>
+      </a:schemeClr>
+    </dgm:fillClrLst>
+    <dgm:linClrLst meth="repeat">
+      <a:schemeClr val="accent1"/>
+    </dgm:linClrLst>
+    <dgm:effectClrLst/>
+    <dgm:txLinClrLst/>
+    <dgm:txFillClrLst meth="repeat">
+      <a:schemeClr val="dk1"/>
+    </dgm:txFillClrLst>
+    <dgm:txEffectClrLst/>
+  </dgm:styleLbl>
+  <dgm:styleLbl name="alignAcc1">
+    <dgm:fillClrLst meth="repeat">
+      <a:schemeClr val="lt1">
+        <a:alpha val="90000"/>
+      </a:schemeClr>
+    </dgm:fillClrLst>
+    <dgm:linClrLst meth="repeat">
+      <a:schemeClr val="accent1"/>
+    </dgm:linClrLst>
+    <dgm:effectClrLst/>
+    <dgm:txLinClrLst/>
+    <dgm:txFillClrLst meth="repeat">
+      <a:schemeClr val="dk1"/>
+    </dgm:txFillClrLst>
+    <dgm:txEffectClrLst/>
+  </dgm:styleLbl>
+  <dgm:styleLbl name="trAlignAcc1">
+    <dgm:fillClrLst meth="repeat">
+      <a:schemeClr val="lt1">
+        <a:alpha val="40000"/>
+      </a:schemeClr>
+    </dgm:fillClrLst>
+    <dgm:linClrLst meth="repeat">
+      <a:schemeClr val="accent1"/>
+    </dgm:linClrLst>
+    <dgm:effectClrLst/>
+    <dgm:txLinClrLst/>
+    <dgm:txFillClrLst meth="repeat">
+      <a:schemeClr val="dk1"/>
+    </dgm:txFillClrLst>
+    <dgm:txEffectClrLst/>
+  </dgm:styleLbl>
+  <dgm:styleLbl name="bgAcc1">
+    <dgm:fillClrLst meth="repeat">
+      <a:schemeClr val="lt1">
+        <a:alpha val="90000"/>
+      </a:schemeClr>
+    </dgm:fillClrLst>
+    <dgm:linClrLst meth="repeat">
+      <a:schemeClr val="accent1"/>
+    </dgm:linClrLst>
+    <dgm:effectClrLst/>
+    <dgm:txLinClrLst/>
+    <dgm:txFillClrLst meth="repeat">
+      <a:schemeClr val="dk1"/>
+    </dgm:txFillClrLst>
+    <dgm:txEffectClrLst/>
+  </dgm:styleLbl>
+  <dgm:styleLbl name="solidFgAcc1">
+    <dgm:fillClrLst meth="repeat">
+      <a:schemeClr val="lt1"/>
+    </dgm:fillClrLst>
+    <dgm:linClrLst meth="repeat">
+      <a:schemeClr val="accent1"/>
+    </dgm:linClrLst>
+    <dgm:effectClrLst/>
+    <dgm:txLinClrLst/>
+    <dgm:txFillClrLst meth="repeat">
+      <a:schemeClr val="dk1"/>
+    </dgm:txFillClrLst>
+    <dgm:txEffectClrLst/>
+  </dgm:styleLbl>
+  <dgm:styleLbl name="solidAlignAcc1">
+    <dgm:fillClrLst meth="repeat">
+      <a:schemeClr val="lt1"/>
+    </dgm:fillClrLst>
+    <dgm:linClrLst meth="repeat">
+      <a:schemeClr val="accent1"/>
+    </dgm:linClrLst>
+    <dgm:effectClrLst/>
+    <dgm:txLinClrLst/>
+    <dgm:txFillClrLst meth="repeat">
+      <a:schemeClr val="dk1"/>
+    </dgm:txFillClrLst>
+    <dgm:txEffectClrLst/>
+  </dgm:styleLbl>
+  <dgm:styleLbl name="solidBgAcc1">
+    <dgm:fillClrLst meth="repeat">
+      <a:schemeClr val="lt1"/>
+    </dgm:fillClrLst>
+    <dgm:linClrLst meth="repeat">
+      <a:schemeClr val="accent1"/>
+    </dgm:linClrLst>
+    <dgm:effectClrLst/>
+    <dgm:txLinClrLst/>
+    <dgm:txFillClrLst meth="repeat">
+      <a:schemeClr val="dk1"/>
+    </dgm:txFillClrLst>
+    <dgm:txEffectClrLst/>
+  </dgm:styleLbl>
+  <dgm:styleLbl name="fgAccFollowNode1">
+    <dgm:fillClrLst meth="repeat">
+      <a:schemeClr val="accent1">
+        <a:alpha val="90000"/>
+        <a:tint val="40000"/>
+      </a:schemeClr>
+    </dgm:fillClrLst>
+    <dgm:linClrLst meth="repeat">
+      <a:schemeClr val="accent1">
+        <a:alpha val="90000"/>
+        <a:tint val="40000"/>
+      </a:schemeClr>
+    </dgm:linClrLst>
+    <dgm:effectClrLst/>
+    <dgm:txLinClrLst/>
+    <dgm:txFillClrLst meth="repeat">
+      <a:schemeClr val="dk1"/>
+    </dgm:txFillClrLst>
+    <dgm:txEffectClrLst/>
+  </dgm:styleLbl>
+  <dgm:styleLbl name="alignAccFollowNode1">
+    <dgm:fillClrLst meth="repeat">
+      <a:schemeClr val="accent1">
+        <a:alpha val="90000"/>
+        <a:tint val="40000"/>
+      </a:schemeClr>
+    </dgm:fillClrLst>
+    <dgm:linClrLst meth="repeat">
+      <a:schemeClr val="accent1">
+        <a:alpha val="90000"/>
+        <a:tint val="40000"/>
+      </a:schemeClr>
+    </dgm:linClrLst>
+    <dgm:effectClrLst/>
+    <dgm:txLinClrLst/>
+    <dgm:txFillClrLst meth="repeat">
+      <a:schemeClr val="dk1"/>
+    </dgm:txFillClrLst>
+    <dgm:txEffectClrLst/>
+  </dgm:styleLbl>
+  <dgm:styleLbl name="bgAccFollowNode1">
+    <dgm:fillClrLst meth="repeat">
+      <a:schemeClr val="accent1">
+        <a:alpha val="90000"/>
+        <a:tint val="40000"/>
+      </a:schemeClr>
+    </dgm:fillClrLst>
+    <dgm:linClrLst meth="repeat">
+      <a:schemeClr val="accent1">
+        <a:alpha val="90000"/>
+        <a:tint val="40000"/>
+      </a:schemeClr>
+    </dgm:linClrLst>
+    <dgm:effectClrLst/>
+    <dgm:txLinClrLst/>
+    <dgm:txFillClrLst meth="repeat">
+      <a:schemeClr val="dk1"/>
+    </dgm:txFillClrLst>
+    <dgm:txEffectClrLst/>
+  </dgm:styleLbl>
+  <dgm:styleLbl name="fgAcc0">
+    <dgm:fillClrLst meth="repeat">
+      <a:schemeClr val="lt1">
+        <a:alpha val="90000"/>
+      </a:schemeClr>
+    </dgm:fillClrLst>
+    <dgm:linClrLst meth="repeat">
+      <a:schemeClr val="accent1"/>
+    </dgm:linClrLst>
+    <dgm:effectClrLst/>
+    <dgm:txLinClrLst/>
+    <dgm:txFillClrLst meth="repeat">
+      <a:schemeClr val="dk1"/>
+    </dgm:txFillClrLst>
+    <dgm:txEffectClrLst/>
+  </dgm:styleLbl>
+  <dgm:styleLbl name="fgAcc2">
+    <dgm:fillClrLst meth="repeat">
+      <a:schemeClr val="lt1">
+        <a:alpha val="90000"/>
+      </a:schemeClr>
+    </dgm:fillClrLst>
+    <dgm:linClrLst meth="repeat">
+      <a:schemeClr val="accent1"/>
+    </dgm:linClrLst>
+    <dgm:effectClrLst/>
+    <dgm:txLinClrLst/>
+    <dgm:txFillClrLst meth="repeat">
+      <a:schemeClr val="dk1"/>
+    </dgm:txFillClrLst>
+    <dgm:txEffectClrLst/>
+  </dgm:styleLbl>
+  <dgm:styleLbl name="fgAcc3">
+    <dgm:fillClrLst meth="repeat">
+      <a:schemeClr val="lt1">
+        <a:alpha val="90000"/>
+      </a:schemeClr>
+    </dgm:fillClrLst>
+    <dgm:linClrLst meth="repeat">
+      <a:schemeClr val="accent1"/>
+    </dgm:linClrLst>
+    <dgm:effectClrLst/>
+    <dgm:txLinClrLst/>
+    <dgm:txFillClrLst meth="repeat">
+      <a:schemeClr val="dk1"/>
+    </dgm:txFillClrLst>
+    <dgm:txEffectClrLst/>
+  </dgm:styleLbl>
+  <dgm:styleLbl name="fgAcc4">
+    <dgm:fillClrLst meth="repeat">
+      <a:schemeClr val="lt1">
+        <a:alpha val="90000"/>
+      </a:schemeClr>
+    </dgm:fillClrLst>
+    <dgm:linClrLst meth="repeat">
+      <a:schemeClr val="accent1"/>
+    </dgm:linClrLst>
+    <dgm:effectClrLst/>
+    <dgm:txLinClrLst/>
+    <dgm:txFillClrLst meth="repeat">
+      <a:schemeClr val="dk1"/>
+    </dgm:txFillClrLst>
+    <dgm:txEffectClrLst/>
+  </dgm:styleLbl>
+  <dgm:styleLbl name="bgShp">
+    <dgm:fillClrLst meth="repeat">
+      <a:schemeClr val="accent1">
+        <a:tint val="40000"/>
+      </a:schemeClr>
+    </dgm:fillClrLst>
+    <dgm:linClrLst meth="repeat">
+      <a:schemeClr val="accent1"/>
+    </dgm:linClrLst>
+    <dgm:effectClrLst/>
+    <dgm:txLinClrLst/>
+    <dgm:txFillClrLst meth="repeat">
+      <a:schemeClr val="dk1"/>
+    </dgm:txFillClrLst>
+    <dgm:txEffectClrLst/>
+  </dgm:styleLbl>
+  <dgm:styleLbl name="dkBgShp">
+    <dgm:fillClrLst meth="repeat">
+      <a:schemeClr val="accent1">
+        <a:shade val="80000"/>
+      </a:schemeClr>
+    </dgm:fillClrLst>
+    <dgm:linClrLst meth="repeat">
+      <a:schemeClr val="accent1"/>
+    </dgm:linClrLst>
+    <dgm:effectClrLst/>
+    <dgm:txLinClrLst/>
+    <dgm:txFillClrLst meth="repeat">
+      <a:schemeClr val="lt1"/>
+    </dgm:txFillClrLst>
+    <dgm:txEffectClrLst/>
+  </dgm:styleLbl>
+  <dgm:styleLbl name="trBgShp">
+    <dgm:fillClrLst meth="repeat">
+      <a:schemeClr val="accent1">
+        <a:tint val="50000"/>
+        <a:alpha val="40000"/>
+      </a:schemeClr>
+    </dgm:fillClrLst>
+    <dgm:linClrLst meth="repeat">
+      <a:schemeClr val="accent1"/>
+    </dgm:linClrLst>
+    <dgm:effectClrLst/>
+    <dgm:txLinClrLst/>
+    <dgm:txFillClrLst meth="repeat">
+      <a:schemeClr val="lt1"/>
+    </dgm:txFillClrLst>
+    <dgm:txEffectClrLst/>
+  </dgm:styleLbl>
+  <dgm:styleLbl name="fgShp">
+    <dgm:fillClrLst meth="repeat">
+      <a:schemeClr val="accent1">
+        <a:tint val="60000"/>
+      </a:schemeClr>
+    </dgm:fillClrLst>
+    <dgm:linClrLst meth="repeat">
+      <a:schemeClr val="lt1"/>
+    </dgm:linClrLst>
+    <dgm:effectClrLst/>
+    <dgm:txLinClrLst/>
+    <dgm:txFillClrLst meth="repeat">
+      <a:schemeClr val="dk1"/>
+    </dgm:txFillClrLst>
+    <dgm:txEffectClrLst/>
+  </dgm:styleLbl>
+  <dgm:styleLbl name="revTx">
+    <dgm:fillClrLst meth="repeat">
+      <a:schemeClr val="lt1">
+        <a:alpha val="0"/>
+      </a:schemeClr>
+    </dgm:fillClrLst>
+    <dgm:linClrLst meth="repeat">
+      <a:schemeClr val="dk1">
+        <a:alpha val="0"/>
+      </a:schemeClr>
+    </dgm:linClrLst>
+    <dgm:effectClrLst/>
+    <dgm:txLinClrLst/>
+    <dgm:txFillClrLst meth="repeat">
+      <a:schemeClr val="tx1"/>
+    </dgm:txFillClrLst>
+    <dgm:txEffectClrLst/>
+  </dgm:styleLbl>
+</dgm:colorsDef>
+</file>
+
+<file path=ppt/diagrams/data1.xml><?xml version="1.0" encoding="utf-8"?>
+<dgm:dataModel xmlns:dgm="http://schemas.openxmlformats.org/drawingml/2006/diagram" xmlns:a="http://schemas.openxmlformats.org/drawingml/2006/main">
+  <dgm:ptLst>
+    <dgm:pt modelId="{1F4DFE02-5CBA-4D3D-92DD-440D0DA6D33D}" type="doc">
+      <dgm:prSet loTypeId="urn:microsoft.com/office/officeart/2011/layout/RadialPictureList" loCatId="picture" qsTypeId="urn:microsoft.com/office/officeart/2005/8/quickstyle/simple1" qsCatId="simple" csTypeId="urn:microsoft.com/office/officeart/2005/8/colors/accent1_2" csCatId="accent1" phldr="1"/>
+      <dgm:spPr/>
+    </dgm:pt>
+    <dgm:pt modelId="{A154CA26-1500-43BE-A95A-D5A96D288D25}">
+      <dgm:prSet phldrT="[Text]"/>
+      <dgm:spPr/>
+      <dgm:t>
+        <a:bodyPr/>
+        <a:lstStyle/>
+        <a:p>
+          <a:r>
+            <a:rPr lang="bg-BG" dirty="0"/>
+            <a:t>Алексдандър Тод</a:t>
+          </a:r>
+          <a:endParaRPr lang="en-US" dirty="0"/>
+        </a:p>
+      </dgm:t>
+    </dgm:pt>
+    <dgm:pt modelId="{363B503E-BEC7-44E4-AD3F-9EBB475F4F49}" type="parTrans" cxnId="{2392D851-E676-42F8-BCC5-B8C7D803179E}">
+      <dgm:prSet/>
+      <dgm:spPr/>
+      <dgm:t>
+        <a:bodyPr/>
+        <a:lstStyle/>
+        <a:p>
+          <a:endParaRPr lang="en-US"/>
+        </a:p>
+      </dgm:t>
+    </dgm:pt>
+    <dgm:pt modelId="{D5AAC0B7-F4AF-4BED-9C35-EE439517D6D8}" type="sibTrans" cxnId="{2392D851-E676-42F8-BCC5-B8C7D803179E}">
+      <dgm:prSet/>
+      <dgm:spPr/>
+      <dgm:t>
+        <a:bodyPr/>
+        <a:lstStyle/>
+        <a:p>
+          <a:endParaRPr lang="en-US"/>
+        </a:p>
+      </dgm:t>
+    </dgm:pt>
+    <dgm:pt modelId="{494D40E3-AFEF-42BD-8F96-F14E16A47BD7}">
+      <dgm:prSet/>
+      <dgm:spPr/>
+      <dgm:t>
+        <a:bodyPr/>
+        <a:lstStyle/>
+        <a:p>
+          <a:endParaRPr lang="en-US"/>
+        </a:p>
+      </dgm:t>
+    </dgm:pt>
+    <dgm:pt modelId="{1337EF78-37E2-493E-8DD6-5FBB8A6AC4BF}" type="parTrans" cxnId="{0E3B7CFA-6DDF-4382-9A04-E4E60FFC215B}">
+      <dgm:prSet/>
+      <dgm:spPr/>
+      <dgm:t>
+        <a:bodyPr/>
+        <a:lstStyle/>
+        <a:p>
+          <a:endParaRPr lang="en-US"/>
+        </a:p>
+      </dgm:t>
+    </dgm:pt>
+    <dgm:pt modelId="{0E507A68-AB0B-4E11-95E4-689427BE84A0}" type="sibTrans" cxnId="{0E3B7CFA-6DDF-4382-9A04-E4E60FFC215B}">
+      <dgm:prSet/>
+      <dgm:spPr/>
+      <dgm:t>
+        <a:bodyPr/>
+        <a:lstStyle/>
+        <a:p>
+          <a:endParaRPr lang="en-US"/>
+        </a:p>
+      </dgm:t>
+    </dgm:pt>
+    <dgm:pt modelId="{12554CD6-5CAE-4766-82DC-F16E19B59874}">
+      <dgm:prSet/>
+      <dgm:spPr/>
+      <dgm:t>
+        <a:bodyPr/>
+        <a:lstStyle/>
+        <a:p>
+          <a:endParaRPr lang="en-US" dirty="0"/>
+        </a:p>
+      </dgm:t>
+    </dgm:pt>
+    <dgm:pt modelId="{BFF5E8E7-D617-437A-94B9-04EA1164AB86}" type="parTrans" cxnId="{BBF7653B-D56A-4900-82E2-4EF982999B79}">
+      <dgm:prSet/>
+      <dgm:spPr/>
+      <dgm:t>
+        <a:bodyPr/>
+        <a:lstStyle/>
+        <a:p>
+          <a:endParaRPr lang="en-US"/>
+        </a:p>
+      </dgm:t>
+    </dgm:pt>
+    <dgm:pt modelId="{18EDFE0C-FAC1-4649-A848-606D16C7E5AB}" type="sibTrans" cxnId="{BBF7653B-D56A-4900-82E2-4EF982999B79}">
+      <dgm:prSet/>
+      <dgm:spPr/>
+      <dgm:t>
+        <a:bodyPr/>
+        <a:lstStyle/>
+        <a:p>
+          <a:endParaRPr lang="en-US"/>
+        </a:p>
+      </dgm:t>
+    </dgm:pt>
+    <dgm:pt modelId="{57F7E103-E18D-471C-8FAE-D9DD8473F3D4}">
+      <dgm:prSet/>
+      <dgm:spPr/>
+      <dgm:t>
+        <a:bodyPr/>
+        <a:lstStyle/>
+        <a:p>
+          <a:endParaRPr lang="en-US" dirty="0"/>
+        </a:p>
+      </dgm:t>
+    </dgm:pt>
+    <dgm:pt modelId="{69B8CE49-AF2D-4444-8A83-7F6FF64EF477}" type="sibTrans" cxnId="{B3FF3AD3-CA28-4CBF-B279-7AB891491232}">
+      <dgm:prSet/>
+      <dgm:spPr/>
+      <dgm:t>
+        <a:bodyPr/>
+        <a:lstStyle/>
+        <a:p>
+          <a:endParaRPr lang="en-US"/>
+        </a:p>
+      </dgm:t>
+    </dgm:pt>
+    <dgm:pt modelId="{D97F7DA6-1E0D-49AE-9D54-9506C05F41EF}" type="parTrans" cxnId="{B3FF3AD3-CA28-4CBF-B279-7AB891491232}">
+      <dgm:prSet/>
+      <dgm:spPr/>
+      <dgm:t>
+        <a:bodyPr/>
+        <a:lstStyle/>
+        <a:p>
+          <a:endParaRPr lang="en-US"/>
+        </a:p>
+      </dgm:t>
+    </dgm:pt>
+    <dgm:pt modelId="{E0993906-4991-4D8E-A175-D66F8B05AB73}" type="pres">
+      <dgm:prSet presAssocID="{1F4DFE02-5CBA-4D3D-92DD-440D0DA6D33D}" presName="Name0" presStyleCnt="0">
+        <dgm:presLayoutVars>
+          <dgm:chMax val="1"/>
+          <dgm:chPref val="1"/>
+          <dgm:dir/>
+          <dgm:resizeHandles/>
+        </dgm:presLayoutVars>
+      </dgm:prSet>
+      <dgm:spPr/>
+    </dgm:pt>
+    <dgm:pt modelId="{BE5CE9E9-8E96-474B-885F-89A8653DB5B0}" type="pres">
+      <dgm:prSet presAssocID="{A154CA26-1500-43BE-A95A-D5A96D288D25}" presName="Parent" presStyleLbl="node1" presStyleIdx="0" presStyleCnt="2">
+        <dgm:presLayoutVars>
+          <dgm:chMax val="4"/>
+          <dgm:chPref val="3"/>
+        </dgm:presLayoutVars>
+      </dgm:prSet>
+      <dgm:spPr/>
+    </dgm:pt>
+    <dgm:pt modelId="{A32DDA9E-29F7-496D-BDA4-DF51650F7C66}" type="pres">
+      <dgm:prSet presAssocID="{57F7E103-E18D-471C-8FAE-D9DD8473F3D4}" presName="Accent" presStyleLbl="node1" presStyleIdx="1" presStyleCnt="2"/>
+      <dgm:spPr>
+        <a:solidFill>
+          <a:srgbClr val="37B235"/>
+        </a:solidFill>
+      </dgm:spPr>
+    </dgm:pt>
+    <dgm:pt modelId="{2F284DDF-6C43-43D9-BFDA-9E910BDCC6C3}" type="pres">
+      <dgm:prSet presAssocID="{57F7E103-E18D-471C-8FAE-D9DD8473F3D4}" presName="Image1" presStyleLbl="fgImgPlace1" presStyleIdx="0" presStyleCnt="3" custScaleX="118810" custScaleY="118810"/>
+      <dgm:spPr>
+        <a:solidFill>
+          <a:srgbClr val="D7F4D6"/>
+        </a:solidFill>
+      </dgm:spPr>
+    </dgm:pt>
+    <dgm:pt modelId="{95C73293-7ED5-4701-82D2-D2FD1FEF9096}" type="pres">
+      <dgm:prSet presAssocID="{57F7E103-E18D-471C-8FAE-D9DD8473F3D4}" presName="Child1" presStyleLbl="revTx" presStyleIdx="0" presStyleCnt="3">
+        <dgm:presLayoutVars>
+          <dgm:chMax val="0"/>
+          <dgm:chPref val="0"/>
+          <dgm:bulletEnabled val="1"/>
+        </dgm:presLayoutVars>
+      </dgm:prSet>
+      <dgm:spPr/>
+    </dgm:pt>
+    <dgm:pt modelId="{E2269EE5-EBB0-4E7D-981F-A4B01375427B}" type="pres">
+      <dgm:prSet presAssocID="{494D40E3-AFEF-42BD-8F96-F14E16A47BD7}" presName="Image2" presStyleCnt="0"/>
+      <dgm:spPr/>
+    </dgm:pt>
+    <dgm:pt modelId="{4A29075A-55F0-4764-A3BC-E9193998161A}" type="pres">
+      <dgm:prSet presAssocID="{494D40E3-AFEF-42BD-8F96-F14E16A47BD7}" presName="Image" presStyleLbl="fgImgPlace1" presStyleIdx="1" presStyleCnt="3" custLinFactNeighborY="10097"/>
+      <dgm:spPr>
+        <a:solidFill>
+          <a:srgbClr val="D7F4D6"/>
+        </a:solidFill>
+      </dgm:spPr>
+    </dgm:pt>
+    <dgm:pt modelId="{B763BF29-8608-480B-8453-2100669A9BC3}" type="pres">
+      <dgm:prSet presAssocID="{494D40E3-AFEF-42BD-8F96-F14E16A47BD7}" presName="Child2" presStyleLbl="revTx" presStyleIdx="1" presStyleCnt="3">
+        <dgm:presLayoutVars>
+          <dgm:chMax val="0"/>
+          <dgm:chPref val="0"/>
+          <dgm:bulletEnabled val="1"/>
+        </dgm:presLayoutVars>
+      </dgm:prSet>
+      <dgm:spPr/>
+    </dgm:pt>
+    <dgm:pt modelId="{3CD87840-7D15-4BF5-8B98-8DD90D0254EA}" type="pres">
+      <dgm:prSet presAssocID="{12554CD6-5CAE-4766-82DC-F16E19B59874}" presName="Image3" presStyleCnt="0"/>
+      <dgm:spPr/>
+    </dgm:pt>
+    <dgm:pt modelId="{6B7F29BE-E001-4148-BB2F-A6A576DC7696}" type="pres">
+      <dgm:prSet presAssocID="{12554CD6-5CAE-4766-82DC-F16E19B59874}" presName="Image" presStyleLbl="fgImgPlace1" presStyleIdx="2" presStyleCnt="3" custScaleX="77770" custScaleY="77770"/>
+      <dgm:spPr>
+        <a:solidFill>
+          <a:srgbClr val="D7F4D6"/>
+        </a:solidFill>
+      </dgm:spPr>
+    </dgm:pt>
+    <dgm:pt modelId="{7966A59F-E85B-45FA-9FBB-CE40AACE12CF}" type="pres">
+      <dgm:prSet presAssocID="{12554CD6-5CAE-4766-82DC-F16E19B59874}" presName="Child3" presStyleLbl="revTx" presStyleIdx="2" presStyleCnt="3">
+        <dgm:presLayoutVars>
+          <dgm:chMax val="0"/>
+          <dgm:chPref val="0"/>
+          <dgm:bulletEnabled val="1"/>
+        </dgm:presLayoutVars>
+      </dgm:prSet>
+      <dgm:spPr/>
+    </dgm:pt>
+  </dgm:ptLst>
+  <dgm:cxnLst>
+    <dgm:cxn modelId="{FA405418-112A-419F-B005-86BC350AAD24}" type="presOf" srcId="{A154CA26-1500-43BE-A95A-D5A96D288D25}" destId="{BE5CE9E9-8E96-474B-885F-89A8653DB5B0}" srcOrd="0" destOrd="0" presId="urn:microsoft.com/office/officeart/2011/layout/RadialPictureList"/>
+    <dgm:cxn modelId="{BBF7653B-D56A-4900-82E2-4EF982999B79}" srcId="{A154CA26-1500-43BE-A95A-D5A96D288D25}" destId="{12554CD6-5CAE-4766-82DC-F16E19B59874}" srcOrd="2" destOrd="0" parTransId="{BFF5E8E7-D617-437A-94B9-04EA1164AB86}" sibTransId="{18EDFE0C-FAC1-4649-A848-606D16C7E5AB}"/>
+    <dgm:cxn modelId="{62974369-92FF-4212-9195-E2D78CCE2805}" type="presOf" srcId="{12554CD6-5CAE-4766-82DC-F16E19B59874}" destId="{7966A59F-E85B-45FA-9FBB-CE40AACE12CF}" srcOrd="0" destOrd="0" presId="urn:microsoft.com/office/officeart/2011/layout/RadialPictureList"/>
+    <dgm:cxn modelId="{2392D851-E676-42F8-BCC5-B8C7D803179E}" srcId="{1F4DFE02-5CBA-4D3D-92DD-440D0DA6D33D}" destId="{A154CA26-1500-43BE-A95A-D5A96D288D25}" srcOrd="0" destOrd="0" parTransId="{363B503E-BEC7-44E4-AD3F-9EBB475F4F49}" sibTransId="{D5AAC0B7-F4AF-4BED-9C35-EE439517D6D8}"/>
+    <dgm:cxn modelId="{C776C2AA-9471-4D62-9F2E-4E8E169CACFE}" type="presOf" srcId="{494D40E3-AFEF-42BD-8F96-F14E16A47BD7}" destId="{B763BF29-8608-480B-8453-2100669A9BC3}" srcOrd="0" destOrd="0" presId="urn:microsoft.com/office/officeart/2011/layout/RadialPictureList"/>
+    <dgm:cxn modelId="{02BD34AD-AFF0-4840-AC43-1FE752A20628}" type="presOf" srcId="{1F4DFE02-5CBA-4D3D-92DD-440D0DA6D33D}" destId="{E0993906-4991-4D8E-A175-D66F8B05AB73}" srcOrd="0" destOrd="0" presId="urn:microsoft.com/office/officeart/2011/layout/RadialPictureList"/>
+    <dgm:cxn modelId="{27B76BCA-853A-4D5E-9FF7-C4FCA56241CD}" type="presOf" srcId="{57F7E103-E18D-471C-8FAE-D9DD8473F3D4}" destId="{95C73293-7ED5-4701-82D2-D2FD1FEF9096}" srcOrd="0" destOrd="0" presId="urn:microsoft.com/office/officeart/2011/layout/RadialPictureList"/>
+    <dgm:cxn modelId="{B3FF3AD3-CA28-4CBF-B279-7AB891491232}" srcId="{A154CA26-1500-43BE-A95A-D5A96D288D25}" destId="{57F7E103-E18D-471C-8FAE-D9DD8473F3D4}" srcOrd="0" destOrd="0" parTransId="{D97F7DA6-1E0D-49AE-9D54-9506C05F41EF}" sibTransId="{69B8CE49-AF2D-4444-8A83-7F6FF64EF477}"/>
+    <dgm:cxn modelId="{0E3B7CFA-6DDF-4382-9A04-E4E60FFC215B}" srcId="{A154CA26-1500-43BE-A95A-D5A96D288D25}" destId="{494D40E3-AFEF-42BD-8F96-F14E16A47BD7}" srcOrd="1" destOrd="0" parTransId="{1337EF78-37E2-493E-8DD6-5FBB8A6AC4BF}" sibTransId="{0E507A68-AB0B-4E11-95E4-689427BE84A0}"/>
+    <dgm:cxn modelId="{D5B361F1-DDE5-4843-9D06-9E29D5773D45}" type="presParOf" srcId="{E0993906-4991-4D8E-A175-D66F8B05AB73}" destId="{BE5CE9E9-8E96-474B-885F-89A8653DB5B0}" srcOrd="0" destOrd="0" presId="urn:microsoft.com/office/officeart/2011/layout/RadialPictureList"/>
+    <dgm:cxn modelId="{5F87251A-7572-400F-9C63-E50906EA283F}" type="presParOf" srcId="{E0993906-4991-4D8E-A175-D66F8B05AB73}" destId="{A32DDA9E-29F7-496D-BDA4-DF51650F7C66}" srcOrd="1" destOrd="0" presId="urn:microsoft.com/office/officeart/2011/layout/RadialPictureList"/>
+    <dgm:cxn modelId="{A6027E20-278F-4379-83B3-67A598AB97C7}" type="presParOf" srcId="{E0993906-4991-4D8E-A175-D66F8B05AB73}" destId="{2F284DDF-6C43-43D9-BFDA-9E910BDCC6C3}" srcOrd="2" destOrd="0" presId="urn:microsoft.com/office/officeart/2011/layout/RadialPictureList"/>
+    <dgm:cxn modelId="{F52E6DBF-3909-4221-BDF7-DD7BFF2B8A05}" type="presParOf" srcId="{E0993906-4991-4D8E-A175-D66F8B05AB73}" destId="{95C73293-7ED5-4701-82D2-D2FD1FEF9096}" srcOrd="3" destOrd="0" presId="urn:microsoft.com/office/officeart/2011/layout/RadialPictureList"/>
+    <dgm:cxn modelId="{AFDB680C-9E62-473E-968A-EC29ADD812A3}" type="presParOf" srcId="{E0993906-4991-4D8E-A175-D66F8B05AB73}" destId="{E2269EE5-EBB0-4E7D-981F-A4B01375427B}" srcOrd="4" destOrd="0" presId="urn:microsoft.com/office/officeart/2011/layout/RadialPictureList"/>
+    <dgm:cxn modelId="{EF357EBF-8F12-46F4-8675-BDDFF1F0FCD7}" type="presParOf" srcId="{E2269EE5-EBB0-4E7D-981F-A4B01375427B}" destId="{4A29075A-55F0-4764-A3BC-E9193998161A}" srcOrd="0" destOrd="0" presId="urn:microsoft.com/office/officeart/2011/layout/RadialPictureList"/>
+    <dgm:cxn modelId="{DA6A74FE-8BE8-4143-B19C-299DFBC65518}" type="presParOf" srcId="{E0993906-4991-4D8E-A175-D66F8B05AB73}" destId="{B763BF29-8608-480B-8453-2100669A9BC3}" srcOrd="5" destOrd="0" presId="urn:microsoft.com/office/officeart/2011/layout/RadialPictureList"/>
+    <dgm:cxn modelId="{089B94C5-324E-4695-8DE7-479CEFF47D44}" type="presParOf" srcId="{E0993906-4991-4D8E-A175-D66F8B05AB73}" destId="{3CD87840-7D15-4BF5-8B98-8DD90D0254EA}" srcOrd="6" destOrd="0" presId="urn:microsoft.com/office/officeart/2011/layout/RadialPictureList"/>
+    <dgm:cxn modelId="{E403EDF3-EE43-4D4F-8547-F81A4F634C23}" type="presParOf" srcId="{3CD87840-7D15-4BF5-8B98-8DD90D0254EA}" destId="{6B7F29BE-E001-4148-BB2F-A6A576DC7696}" srcOrd="0" destOrd="0" presId="urn:microsoft.com/office/officeart/2011/layout/RadialPictureList"/>
+    <dgm:cxn modelId="{EEB49589-DC42-4B9A-8D08-D957B987980B}" type="presParOf" srcId="{E0993906-4991-4D8E-A175-D66F8B05AB73}" destId="{7966A59F-E85B-45FA-9FBB-CE40AACE12CF}" srcOrd="7" destOrd="0" presId="urn:microsoft.com/office/officeart/2011/layout/RadialPictureList"/>
+  </dgm:cxnLst>
+  <dgm:bg/>
+  <dgm:whole/>
+  <dgm:extLst>
+    <a:ext uri="http://schemas.microsoft.com/office/drawing/2008/diagram">
+      <dsp:dataModelExt xmlns:dsp="http://schemas.microsoft.com/office/drawing/2008/diagram" relId="rId6" minVer="http://schemas.openxmlformats.org/drawingml/2006/diagram"/>
+    </a:ext>
+  </dgm:extLst>
+</dgm:dataModel>
+</file>
+
+<file path=ppt/diagrams/data2.xml><?xml version="1.0" encoding="utf-8"?>
+<dgm:dataModel xmlns:dgm="http://schemas.openxmlformats.org/drawingml/2006/diagram" xmlns:a="http://schemas.openxmlformats.org/drawingml/2006/main">
+  <dgm:ptLst>
+    <dgm:pt modelId="{1F4DFE02-5CBA-4D3D-92DD-440D0DA6D33D}" type="doc">
+      <dgm:prSet loTypeId="urn:microsoft.com/office/officeart/2011/layout/RadialPictureList" loCatId="picture" qsTypeId="urn:microsoft.com/office/officeart/2005/8/quickstyle/simple1" qsCatId="simple" csTypeId="urn:microsoft.com/office/officeart/2005/8/colors/accent1_2" csCatId="accent1" phldr="1"/>
+      <dgm:spPr/>
+    </dgm:pt>
+    <dgm:pt modelId="{A154CA26-1500-43BE-A95A-D5A96D288D25}">
+      <dgm:prSet phldrT="[Text]"/>
+      <dgm:spPr/>
+      <dgm:t>
+        <a:bodyPr/>
+        <a:lstStyle/>
+        <a:p>
+          <a:endParaRPr lang="en-US" dirty="0"/>
+        </a:p>
+      </dgm:t>
+    </dgm:pt>
+    <dgm:pt modelId="{363B503E-BEC7-44E4-AD3F-9EBB475F4F49}" type="parTrans" cxnId="{2392D851-E676-42F8-BCC5-B8C7D803179E}">
+      <dgm:prSet/>
+      <dgm:spPr/>
+      <dgm:t>
+        <a:bodyPr/>
+        <a:lstStyle/>
+        <a:p>
+          <a:endParaRPr lang="en-US"/>
+        </a:p>
+      </dgm:t>
+    </dgm:pt>
+    <dgm:pt modelId="{D5AAC0B7-F4AF-4BED-9C35-EE439517D6D8}" type="sibTrans" cxnId="{2392D851-E676-42F8-BCC5-B8C7D803179E}">
+      <dgm:prSet/>
+      <dgm:spPr/>
+      <dgm:t>
+        <a:bodyPr/>
+        <a:lstStyle/>
+        <a:p>
+          <a:endParaRPr lang="en-US"/>
+        </a:p>
+      </dgm:t>
+    </dgm:pt>
+    <dgm:pt modelId="{494D40E3-AFEF-42BD-8F96-F14E16A47BD7}">
+      <dgm:prSet/>
+      <dgm:spPr/>
+      <dgm:t>
+        <a:bodyPr/>
+        <a:lstStyle/>
+        <a:p>
+          <a:endParaRPr lang="en-US"/>
+        </a:p>
+      </dgm:t>
+    </dgm:pt>
+    <dgm:pt modelId="{1337EF78-37E2-493E-8DD6-5FBB8A6AC4BF}" type="parTrans" cxnId="{0E3B7CFA-6DDF-4382-9A04-E4E60FFC215B}">
+      <dgm:prSet/>
+      <dgm:spPr/>
+      <dgm:t>
+        <a:bodyPr/>
+        <a:lstStyle/>
+        <a:p>
+          <a:endParaRPr lang="en-US"/>
+        </a:p>
+      </dgm:t>
+    </dgm:pt>
+    <dgm:pt modelId="{0E507A68-AB0B-4E11-95E4-689427BE84A0}" type="sibTrans" cxnId="{0E3B7CFA-6DDF-4382-9A04-E4E60FFC215B}">
+      <dgm:prSet/>
+      <dgm:spPr/>
+      <dgm:t>
+        <a:bodyPr/>
+        <a:lstStyle/>
+        <a:p>
+          <a:endParaRPr lang="en-US"/>
+        </a:p>
+      </dgm:t>
+    </dgm:pt>
+    <dgm:pt modelId="{12554CD6-5CAE-4766-82DC-F16E19B59874}">
+      <dgm:prSet/>
+      <dgm:spPr/>
+      <dgm:t>
+        <a:bodyPr/>
+        <a:lstStyle/>
+        <a:p>
+          <a:endParaRPr lang="en-US" dirty="0"/>
+        </a:p>
+      </dgm:t>
+    </dgm:pt>
+    <dgm:pt modelId="{BFF5E8E7-D617-437A-94B9-04EA1164AB86}" type="parTrans" cxnId="{BBF7653B-D56A-4900-82E2-4EF982999B79}">
+      <dgm:prSet/>
+      <dgm:spPr/>
+      <dgm:t>
+        <a:bodyPr/>
+        <a:lstStyle/>
+        <a:p>
+          <a:endParaRPr lang="en-US"/>
+        </a:p>
+      </dgm:t>
+    </dgm:pt>
+    <dgm:pt modelId="{18EDFE0C-FAC1-4649-A848-606D16C7E5AB}" type="sibTrans" cxnId="{BBF7653B-D56A-4900-82E2-4EF982999B79}">
+      <dgm:prSet/>
+      <dgm:spPr/>
+      <dgm:t>
+        <a:bodyPr/>
+        <a:lstStyle/>
+        <a:p>
+          <a:endParaRPr lang="en-US"/>
+        </a:p>
+      </dgm:t>
+    </dgm:pt>
+    <dgm:pt modelId="{57F7E103-E18D-471C-8FAE-D9DD8473F3D4}">
+      <dgm:prSet/>
+      <dgm:spPr/>
+      <dgm:t>
+        <a:bodyPr/>
+        <a:lstStyle/>
+        <a:p>
+          <a:endParaRPr lang="en-US" dirty="0"/>
+        </a:p>
+      </dgm:t>
+    </dgm:pt>
+    <dgm:pt modelId="{69B8CE49-AF2D-4444-8A83-7F6FF64EF477}" type="sibTrans" cxnId="{B3FF3AD3-CA28-4CBF-B279-7AB891491232}">
+      <dgm:prSet/>
+      <dgm:spPr/>
+      <dgm:t>
+        <a:bodyPr/>
+        <a:lstStyle/>
+        <a:p>
+          <a:endParaRPr lang="en-US"/>
+        </a:p>
+      </dgm:t>
+    </dgm:pt>
+    <dgm:pt modelId="{D97F7DA6-1E0D-49AE-9D54-9506C05F41EF}" type="parTrans" cxnId="{B3FF3AD3-CA28-4CBF-B279-7AB891491232}">
+      <dgm:prSet/>
+      <dgm:spPr/>
+      <dgm:t>
+        <a:bodyPr/>
+        <a:lstStyle/>
+        <a:p>
+          <a:endParaRPr lang="en-US"/>
+        </a:p>
+      </dgm:t>
+    </dgm:pt>
+    <dgm:pt modelId="{E0993906-4991-4D8E-A175-D66F8B05AB73}" type="pres">
+      <dgm:prSet presAssocID="{1F4DFE02-5CBA-4D3D-92DD-440D0DA6D33D}" presName="Name0" presStyleCnt="0">
+        <dgm:presLayoutVars>
+          <dgm:chMax val="1"/>
+          <dgm:chPref val="1"/>
+          <dgm:dir/>
+          <dgm:resizeHandles/>
+        </dgm:presLayoutVars>
+      </dgm:prSet>
+      <dgm:spPr/>
+    </dgm:pt>
+    <dgm:pt modelId="{BE5CE9E9-8E96-474B-885F-89A8653DB5B0}" type="pres">
+      <dgm:prSet presAssocID="{A154CA26-1500-43BE-A95A-D5A96D288D25}" presName="Parent" presStyleLbl="node1" presStyleIdx="0" presStyleCnt="2">
+        <dgm:presLayoutVars>
+          <dgm:chMax val="4"/>
+          <dgm:chPref val="3"/>
+        </dgm:presLayoutVars>
+      </dgm:prSet>
+      <dgm:spPr/>
+    </dgm:pt>
+    <dgm:pt modelId="{A32DDA9E-29F7-496D-BDA4-DF51650F7C66}" type="pres">
+      <dgm:prSet presAssocID="{57F7E103-E18D-471C-8FAE-D9DD8473F3D4}" presName="Accent" presStyleLbl="node1" presStyleIdx="1" presStyleCnt="2"/>
+      <dgm:spPr>
+        <a:solidFill>
+          <a:srgbClr val="37B235"/>
+        </a:solidFill>
+      </dgm:spPr>
+    </dgm:pt>
+    <dgm:pt modelId="{2F284DDF-6C43-43D9-BFDA-9E910BDCC6C3}" type="pres">
+      <dgm:prSet presAssocID="{57F7E103-E18D-471C-8FAE-D9DD8473F3D4}" presName="Image1" presStyleLbl="fgImgPlace1" presStyleIdx="0" presStyleCnt="3" custScaleX="118810" custScaleY="118810"/>
+      <dgm:spPr>
+        <a:solidFill>
+          <a:srgbClr val="D7F4D6"/>
+        </a:solidFill>
+      </dgm:spPr>
+    </dgm:pt>
+    <dgm:pt modelId="{95C73293-7ED5-4701-82D2-D2FD1FEF9096}" type="pres">
+      <dgm:prSet presAssocID="{57F7E103-E18D-471C-8FAE-D9DD8473F3D4}" presName="Child1" presStyleLbl="revTx" presStyleIdx="0" presStyleCnt="3">
+        <dgm:presLayoutVars>
+          <dgm:chMax val="0"/>
+          <dgm:chPref val="0"/>
+          <dgm:bulletEnabled val="1"/>
+        </dgm:presLayoutVars>
+      </dgm:prSet>
+      <dgm:spPr/>
+    </dgm:pt>
+    <dgm:pt modelId="{E2269EE5-EBB0-4E7D-981F-A4B01375427B}" type="pres">
+      <dgm:prSet presAssocID="{494D40E3-AFEF-42BD-8F96-F14E16A47BD7}" presName="Image2" presStyleCnt="0"/>
+      <dgm:spPr/>
+    </dgm:pt>
+    <dgm:pt modelId="{4A29075A-55F0-4764-A3BC-E9193998161A}" type="pres">
+      <dgm:prSet presAssocID="{494D40E3-AFEF-42BD-8F96-F14E16A47BD7}" presName="Image" presStyleLbl="fgImgPlace1" presStyleIdx="1" presStyleCnt="3" custLinFactNeighborY="10097"/>
+      <dgm:spPr>
+        <a:solidFill>
+          <a:srgbClr val="D7F4D6"/>
+        </a:solidFill>
+      </dgm:spPr>
+    </dgm:pt>
+    <dgm:pt modelId="{B763BF29-8608-480B-8453-2100669A9BC3}" type="pres">
+      <dgm:prSet presAssocID="{494D40E3-AFEF-42BD-8F96-F14E16A47BD7}" presName="Child2" presStyleLbl="revTx" presStyleIdx="1" presStyleCnt="3">
+        <dgm:presLayoutVars>
+          <dgm:chMax val="0"/>
+          <dgm:chPref val="0"/>
+          <dgm:bulletEnabled val="1"/>
+        </dgm:presLayoutVars>
+      </dgm:prSet>
+      <dgm:spPr/>
+    </dgm:pt>
+    <dgm:pt modelId="{3CD87840-7D15-4BF5-8B98-8DD90D0254EA}" type="pres">
+      <dgm:prSet presAssocID="{12554CD6-5CAE-4766-82DC-F16E19B59874}" presName="Image3" presStyleCnt="0"/>
+      <dgm:spPr/>
+    </dgm:pt>
+    <dgm:pt modelId="{6B7F29BE-E001-4148-BB2F-A6A576DC7696}" type="pres">
+      <dgm:prSet presAssocID="{12554CD6-5CAE-4766-82DC-F16E19B59874}" presName="Image" presStyleLbl="fgImgPlace1" presStyleIdx="2" presStyleCnt="3" custScaleX="77770" custScaleY="77770"/>
+      <dgm:spPr>
+        <a:solidFill>
+          <a:srgbClr val="D7F4D6"/>
+        </a:solidFill>
+      </dgm:spPr>
+    </dgm:pt>
+    <dgm:pt modelId="{7966A59F-E85B-45FA-9FBB-CE40AACE12CF}" type="pres">
+      <dgm:prSet presAssocID="{12554CD6-5CAE-4766-82DC-F16E19B59874}" presName="Child3" presStyleLbl="revTx" presStyleIdx="2" presStyleCnt="3">
+        <dgm:presLayoutVars>
+          <dgm:chMax val="0"/>
+          <dgm:chPref val="0"/>
+          <dgm:bulletEnabled val="1"/>
+        </dgm:presLayoutVars>
+      </dgm:prSet>
+      <dgm:spPr/>
+    </dgm:pt>
+  </dgm:ptLst>
+  <dgm:cxnLst>
+    <dgm:cxn modelId="{FA405418-112A-419F-B005-86BC350AAD24}" type="presOf" srcId="{A154CA26-1500-43BE-A95A-D5A96D288D25}" destId="{BE5CE9E9-8E96-474B-885F-89A8653DB5B0}" srcOrd="0" destOrd="0" presId="urn:microsoft.com/office/officeart/2011/layout/RadialPictureList"/>
+    <dgm:cxn modelId="{BBF7653B-D56A-4900-82E2-4EF982999B79}" srcId="{A154CA26-1500-43BE-A95A-D5A96D288D25}" destId="{12554CD6-5CAE-4766-82DC-F16E19B59874}" srcOrd="2" destOrd="0" parTransId="{BFF5E8E7-D617-437A-94B9-04EA1164AB86}" sibTransId="{18EDFE0C-FAC1-4649-A848-606D16C7E5AB}"/>
+    <dgm:cxn modelId="{62974369-92FF-4212-9195-E2D78CCE2805}" type="presOf" srcId="{12554CD6-5CAE-4766-82DC-F16E19B59874}" destId="{7966A59F-E85B-45FA-9FBB-CE40AACE12CF}" srcOrd="0" destOrd="0" presId="urn:microsoft.com/office/officeart/2011/layout/RadialPictureList"/>
+    <dgm:cxn modelId="{2392D851-E676-42F8-BCC5-B8C7D803179E}" srcId="{1F4DFE02-5CBA-4D3D-92DD-440D0DA6D33D}" destId="{A154CA26-1500-43BE-A95A-D5A96D288D25}" srcOrd="0" destOrd="0" parTransId="{363B503E-BEC7-44E4-AD3F-9EBB475F4F49}" sibTransId="{D5AAC0B7-F4AF-4BED-9C35-EE439517D6D8}"/>
+    <dgm:cxn modelId="{C776C2AA-9471-4D62-9F2E-4E8E169CACFE}" type="presOf" srcId="{494D40E3-AFEF-42BD-8F96-F14E16A47BD7}" destId="{B763BF29-8608-480B-8453-2100669A9BC3}" srcOrd="0" destOrd="0" presId="urn:microsoft.com/office/officeart/2011/layout/RadialPictureList"/>
+    <dgm:cxn modelId="{02BD34AD-AFF0-4840-AC43-1FE752A20628}" type="presOf" srcId="{1F4DFE02-5CBA-4D3D-92DD-440D0DA6D33D}" destId="{E0993906-4991-4D8E-A175-D66F8B05AB73}" srcOrd="0" destOrd="0" presId="urn:microsoft.com/office/officeart/2011/layout/RadialPictureList"/>
+    <dgm:cxn modelId="{27B76BCA-853A-4D5E-9FF7-C4FCA56241CD}" type="presOf" srcId="{57F7E103-E18D-471C-8FAE-D9DD8473F3D4}" destId="{95C73293-7ED5-4701-82D2-D2FD1FEF9096}" srcOrd="0" destOrd="0" presId="urn:microsoft.com/office/officeart/2011/layout/RadialPictureList"/>
+    <dgm:cxn modelId="{B3FF3AD3-CA28-4CBF-B279-7AB891491232}" srcId="{A154CA26-1500-43BE-A95A-D5A96D288D25}" destId="{57F7E103-E18D-471C-8FAE-D9DD8473F3D4}" srcOrd="0" destOrd="0" parTransId="{D97F7DA6-1E0D-49AE-9D54-9506C05F41EF}" sibTransId="{69B8CE49-AF2D-4444-8A83-7F6FF64EF477}"/>
+    <dgm:cxn modelId="{0E3B7CFA-6DDF-4382-9A04-E4E60FFC215B}" srcId="{A154CA26-1500-43BE-A95A-D5A96D288D25}" destId="{494D40E3-AFEF-42BD-8F96-F14E16A47BD7}" srcOrd="1" destOrd="0" parTransId="{1337EF78-37E2-493E-8DD6-5FBB8A6AC4BF}" sibTransId="{0E507A68-AB0B-4E11-95E4-689427BE84A0}"/>
+    <dgm:cxn modelId="{D5B361F1-DDE5-4843-9D06-9E29D5773D45}" type="presParOf" srcId="{E0993906-4991-4D8E-A175-D66F8B05AB73}" destId="{BE5CE9E9-8E96-474B-885F-89A8653DB5B0}" srcOrd="0" destOrd="0" presId="urn:microsoft.com/office/officeart/2011/layout/RadialPictureList"/>
+    <dgm:cxn modelId="{5F87251A-7572-400F-9C63-E50906EA283F}" type="presParOf" srcId="{E0993906-4991-4D8E-A175-D66F8B05AB73}" destId="{A32DDA9E-29F7-496D-BDA4-DF51650F7C66}" srcOrd="1" destOrd="0" presId="urn:microsoft.com/office/officeart/2011/layout/RadialPictureList"/>
+    <dgm:cxn modelId="{A6027E20-278F-4379-83B3-67A598AB97C7}" type="presParOf" srcId="{E0993906-4991-4D8E-A175-D66F8B05AB73}" destId="{2F284DDF-6C43-43D9-BFDA-9E910BDCC6C3}" srcOrd="2" destOrd="0" presId="urn:microsoft.com/office/officeart/2011/layout/RadialPictureList"/>
+    <dgm:cxn modelId="{F52E6DBF-3909-4221-BDF7-DD7BFF2B8A05}" type="presParOf" srcId="{E0993906-4991-4D8E-A175-D66F8B05AB73}" destId="{95C73293-7ED5-4701-82D2-D2FD1FEF9096}" srcOrd="3" destOrd="0" presId="urn:microsoft.com/office/officeart/2011/layout/RadialPictureList"/>
+    <dgm:cxn modelId="{AFDB680C-9E62-473E-968A-EC29ADD812A3}" type="presParOf" srcId="{E0993906-4991-4D8E-A175-D66F8B05AB73}" destId="{E2269EE5-EBB0-4E7D-981F-A4B01375427B}" srcOrd="4" destOrd="0" presId="urn:microsoft.com/office/officeart/2011/layout/RadialPictureList"/>
+    <dgm:cxn modelId="{EF357EBF-8F12-46F4-8675-BDDFF1F0FCD7}" type="presParOf" srcId="{E2269EE5-EBB0-4E7D-981F-A4B01375427B}" destId="{4A29075A-55F0-4764-A3BC-E9193998161A}" srcOrd="0" destOrd="0" presId="urn:microsoft.com/office/officeart/2011/layout/RadialPictureList"/>
+    <dgm:cxn modelId="{DA6A74FE-8BE8-4143-B19C-299DFBC65518}" type="presParOf" srcId="{E0993906-4991-4D8E-A175-D66F8B05AB73}" destId="{B763BF29-8608-480B-8453-2100669A9BC3}" srcOrd="5" destOrd="0" presId="urn:microsoft.com/office/officeart/2011/layout/RadialPictureList"/>
+    <dgm:cxn modelId="{089B94C5-324E-4695-8DE7-479CEFF47D44}" type="presParOf" srcId="{E0993906-4991-4D8E-A175-D66F8B05AB73}" destId="{3CD87840-7D15-4BF5-8B98-8DD90D0254EA}" srcOrd="6" destOrd="0" presId="urn:microsoft.com/office/officeart/2011/layout/RadialPictureList"/>
+    <dgm:cxn modelId="{E403EDF3-EE43-4D4F-8547-F81A4F634C23}" type="presParOf" srcId="{3CD87840-7D15-4BF5-8B98-8DD90D0254EA}" destId="{6B7F29BE-E001-4148-BB2F-A6A576DC7696}" srcOrd="0" destOrd="0" presId="urn:microsoft.com/office/officeart/2011/layout/RadialPictureList"/>
+    <dgm:cxn modelId="{EEB49589-DC42-4B9A-8D08-D957B987980B}" type="presParOf" srcId="{E0993906-4991-4D8E-A175-D66F8B05AB73}" destId="{7966A59F-E85B-45FA-9FBB-CE40AACE12CF}" srcOrd="7" destOrd="0" presId="urn:microsoft.com/office/officeart/2011/layout/RadialPictureList"/>
+  </dgm:cxnLst>
+  <dgm:bg/>
+  <dgm:whole/>
+  <dgm:extLst>
+    <a:ext uri="http://schemas.microsoft.com/office/drawing/2008/diagram">
+      <dsp:dataModelExt xmlns:dsp="http://schemas.microsoft.com/office/drawing/2008/diagram" relId="rId12" minVer="http://schemas.openxmlformats.org/drawingml/2006/diagram"/>
+    </a:ext>
+  </dgm:extLst>
+</dgm:dataModel>
+</file>
+
+<file path=ppt/diagrams/drawing1.xml><?xml version="1.0" encoding="utf-8"?>
+<dsp:drawing xmlns:dgm="http://schemas.openxmlformats.org/drawingml/2006/diagram" xmlns:dsp="http://schemas.microsoft.com/office/drawing/2008/diagram" xmlns:a="http://schemas.openxmlformats.org/drawingml/2006/main">
+  <dsp:spTree>
+    <dsp:nvGrpSpPr>
+      <dsp:cNvPr id="0" name=""/>
+      <dsp:cNvGrpSpPr/>
+    </dsp:nvGrpSpPr>
+    <dsp:grpSpPr/>
+    <dsp:sp modelId="{BE5CE9E9-8E96-474B-885F-89A8653DB5B0}">
+      <dsp:nvSpPr>
+        <dsp:cNvPr id="0" name=""/>
+        <dsp:cNvSpPr/>
+      </dsp:nvSpPr>
+      <dsp:spPr>
+        <a:xfrm>
+          <a:off x="942533" y="1977476"/>
+          <a:ext cx="1827728" cy="1827818"/>
+        </a:xfrm>
+        <a:prstGeom prst="ellipse">
+          <a:avLst/>
+        </a:prstGeom>
+        <a:solidFill>
+          <a:schemeClr val="accent1">
+            <a:hueOff val="0"/>
+            <a:satOff val="0"/>
+            <a:lumOff val="0"/>
+            <a:alphaOff val="0"/>
+          </a:schemeClr>
+        </a:solidFill>
+        <a:ln w="25400" cap="flat" cmpd="sng" algn="ctr">
+          <a:solidFill>
+            <a:schemeClr val="lt1">
+              <a:hueOff val="0"/>
+              <a:satOff val="0"/>
+              <a:lumOff val="0"/>
+              <a:alphaOff val="0"/>
+            </a:schemeClr>
+          </a:solidFill>
+          <a:prstDash val="solid"/>
+        </a:ln>
+        <a:effectLst/>
+      </dsp:spPr>
+      <dsp:style>
+        <a:lnRef idx="2">
+          <a:scrgbClr r="0" g="0" b="0"/>
+        </a:lnRef>
+        <a:fillRef idx="1">
+          <a:scrgbClr r="0" g="0" b="0"/>
+        </a:fillRef>
+        <a:effectRef idx="0">
+          <a:scrgbClr r="0" g="0" b="0"/>
+        </a:effectRef>
+        <a:fontRef idx="minor">
+          <a:schemeClr val="lt1"/>
+        </a:fontRef>
+      </dsp:style>
+      <dsp:txBody>
+        <a:bodyPr spcFirstLastPara="0" vert="horz" wrap="square" lIns="21590" tIns="21590" rIns="21590" bIns="21590" numCol="1" spcCol="1270" anchor="ctr" anchorCtr="0">
+          <a:noAutofit/>
+        </a:bodyPr>
+        <a:lstStyle/>
+        <a:p>
+          <a:pPr marL="0" lvl="0" indent="0" algn="ctr" defTabSz="755650">
+            <a:lnSpc>
+              <a:spcPct val="90000"/>
+            </a:lnSpc>
+            <a:spcBef>
+              <a:spcPct val="0"/>
+            </a:spcBef>
+            <a:spcAft>
+              <a:spcPct val="35000"/>
+            </a:spcAft>
+            <a:buNone/>
+          </a:pPr>
+          <a:r>
+            <a:rPr lang="bg-BG" sz="1700" kern="1200" dirty="0"/>
+            <a:t>Алексдандър Тод</a:t>
+          </a:r>
+          <a:endParaRPr lang="en-US" sz="1700" kern="1200" dirty="0"/>
+        </a:p>
+      </dsp:txBody>
+      <dsp:txXfrm>
+        <a:off x="1210198" y="2245154"/>
+        <a:ext cx="1292398" cy="1292462"/>
+      </dsp:txXfrm>
+    </dsp:sp>
+    <dsp:sp modelId="{A32DDA9E-29F7-496D-BDA4-DF51650F7C66}">
+      <dsp:nvSpPr>
+        <dsp:cNvPr id="0" name=""/>
+        <dsp:cNvSpPr/>
+      </dsp:nvSpPr>
+      <dsp:spPr>
+        <a:xfrm>
+          <a:off x="0" y="961211"/>
+          <a:ext cx="3684398" cy="3840761"/>
+        </a:xfrm>
+        <a:prstGeom prst="blockArc">
+          <a:avLst>
+            <a:gd name="adj1" fmla="val 17527788"/>
+            <a:gd name="adj2" fmla="val 4119114"/>
+            <a:gd name="adj3" fmla="val 5750"/>
+          </a:avLst>
+        </a:prstGeom>
+        <a:solidFill>
+          <a:srgbClr val="37B235"/>
+        </a:solidFill>
+        <a:ln w="25400" cap="flat" cmpd="sng" algn="ctr">
+          <a:solidFill>
+            <a:schemeClr val="lt1">
+              <a:hueOff val="0"/>
+              <a:satOff val="0"/>
+              <a:lumOff val="0"/>
+              <a:alphaOff val="0"/>
+            </a:schemeClr>
+          </a:solidFill>
+          <a:prstDash val="solid"/>
+        </a:ln>
+        <a:effectLst/>
+      </dsp:spPr>
+      <dsp:style>
+        <a:lnRef idx="2">
+          <a:scrgbClr r="0" g="0" b="0"/>
+        </a:lnRef>
+        <a:fillRef idx="1">
+          <a:scrgbClr r="0" g="0" b="0"/>
+        </a:fillRef>
+        <a:effectRef idx="0">
+          <a:scrgbClr r="0" g="0" b="0"/>
+        </a:effectRef>
+        <a:fontRef idx="minor">
+          <a:schemeClr val="lt1"/>
+        </a:fontRef>
+      </dsp:style>
+    </dsp:sp>
+    <dsp:sp modelId="{2F284DDF-6C43-43D9-BFDA-9E910BDCC6C3}">
+      <dsp:nvSpPr>
+        <dsp:cNvPr id="0" name=""/>
+        <dsp:cNvSpPr/>
+      </dsp:nvSpPr>
+      <dsp:spPr>
+        <a:xfrm>
+          <a:off x="2620836" y="1192875"/>
+          <a:ext cx="1163293" cy="1163618"/>
+        </a:xfrm>
+        <a:prstGeom prst="ellipse">
+          <a:avLst/>
+        </a:prstGeom>
+        <a:solidFill>
+          <a:srgbClr val="D7F4D6"/>
+        </a:solidFill>
+        <a:ln w="25400" cap="flat" cmpd="sng" algn="ctr">
+          <a:solidFill>
+            <a:schemeClr val="lt1">
+              <a:hueOff val="0"/>
+              <a:satOff val="0"/>
+              <a:lumOff val="0"/>
+              <a:alphaOff val="0"/>
+            </a:schemeClr>
+          </a:solidFill>
+          <a:prstDash val="solid"/>
+        </a:ln>
+        <a:effectLst/>
+      </dsp:spPr>
+      <dsp:style>
+        <a:lnRef idx="2">
+          <a:scrgbClr r="0" g="0" b="0"/>
+        </a:lnRef>
+        <a:fillRef idx="1">
+          <a:scrgbClr r="0" g="0" b="0"/>
+        </a:fillRef>
+        <a:effectRef idx="0">
+          <a:scrgbClr r="0" g="0" b="0"/>
+        </a:effectRef>
+        <a:fontRef idx="minor"/>
+      </dsp:style>
+    </dsp:sp>
+    <dsp:sp modelId="{95C73293-7ED5-4701-82D2-D2FD1FEF9096}">
+      <dsp:nvSpPr>
+        <dsp:cNvPr id="0" name=""/>
+        <dsp:cNvSpPr/>
+      </dsp:nvSpPr>
+      <dsp:spPr>
+        <a:xfrm>
+          <a:off x="3766310" y="1300734"/>
+          <a:ext cx="1310590" cy="947899"/>
+        </a:xfrm>
+        <a:prstGeom prst="rect">
+          <a:avLst/>
+        </a:prstGeom>
+        <a:noFill/>
+        <a:ln>
+          <a:noFill/>
+        </a:ln>
+        <a:effectLst/>
+      </dsp:spPr>
+      <dsp:style>
+        <a:lnRef idx="0">
+          <a:scrgbClr r="0" g="0" b="0"/>
+        </a:lnRef>
+        <a:fillRef idx="0">
+          <a:scrgbClr r="0" g="0" b="0"/>
+        </a:fillRef>
+        <a:effectRef idx="0">
+          <a:scrgbClr r="0" g="0" b="0"/>
+        </a:effectRef>
+        <a:fontRef idx="minor"/>
+      </dsp:style>
+      <dsp:txBody>
+        <a:bodyPr spcFirstLastPara="0" vert="horz" wrap="square" lIns="21590" tIns="21590" rIns="21590" bIns="21590" numCol="1" spcCol="1270" anchor="ctr" anchorCtr="0">
+          <a:noAutofit/>
+        </a:bodyPr>
+        <a:lstStyle/>
+        <a:p>
+          <a:pPr marL="0" lvl="0" indent="0" algn="l" defTabSz="755650">
+            <a:lnSpc>
+              <a:spcPct val="90000"/>
+            </a:lnSpc>
+            <a:spcBef>
+              <a:spcPct val="0"/>
+            </a:spcBef>
+            <a:spcAft>
+              <a:spcPct val="10000"/>
+            </a:spcAft>
+            <a:buNone/>
+          </a:pPr>
+          <a:endParaRPr lang="en-US" sz="1700" kern="1200" dirty="0"/>
+        </a:p>
+      </dsp:txBody>
+      <dsp:txXfrm>
+        <a:off x="3766310" y="1300734"/>
+        <a:ext cx="1310590" cy="947899"/>
+      </dsp:txXfrm>
+    </dsp:sp>
+    <dsp:sp modelId="{4A29075A-55F0-4764-A3BC-E9193998161A}">
+      <dsp:nvSpPr>
+        <dsp:cNvPr id="0" name=""/>
+        <dsp:cNvSpPr/>
+      </dsp:nvSpPr>
+      <dsp:spPr>
+        <a:xfrm>
+          <a:off x="3091356" y="2498081"/>
+          <a:ext cx="979120" cy="979394"/>
+        </a:xfrm>
+        <a:prstGeom prst="ellipse">
+          <a:avLst/>
+        </a:prstGeom>
+        <a:solidFill>
+          <a:srgbClr val="D7F4D6"/>
+        </a:solidFill>
+        <a:ln w="25400" cap="flat" cmpd="sng" algn="ctr">
+          <a:solidFill>
+            <a:schemeClr val="lt1">
+              <a:hueOff val="0"/>
+              <a:satOff val="0"/>
+              <a:lumOff val="0"/>
+              <a:alphaOff val="0"/>
+            </a:schemeClr>
+          </a:solidFill>
+          <a:prstDash val="solid"/>
+        </a:ln>
+        <a:effectLst/>
+      </dsp:spPr>
+      <dsp:style>
+        <a:lnRef idx="2">
+          <a:scrgbClr r="0" g="0" b="0"/>
+        </a:lnRef>
+        <a:fillRef idx="1">
+          <a:scrgbClr r="0" g="0" b="0"/>
+        </a:fillRef>
+        <a:effectRef idx="0">
+          <a:scrgbClr r="0" g="0" b="0"/>
+        </a:effectRef>
+        <a:fontRef idx="minor"/>
+      </dsp:style>
+    </dsp:sp>
+    <dsp:sp modelId="{B763BF29-8608-480B-8453-2100669A9BC3}">
+      <dsp:nvSpPr>
+        <dsp:cNvPr id="0" name=""/>
+        <dsp:cNvSpPr/>
+      </dsp:nvSpPr>
+      <dsp:spPr>
+        <a:xfrm>
+          <a:off x="4150204" y="2413019"/>
+          <a:ext cx="1310590" cy="947899"/>
+        </a:xfrm>
+        <a:prstGeom prst="rect">
+          <a:avLst/>
+        </a:prstGeom>
+        <a:noFill/>
+        <a:ln>
+          <a:noFill/>
+        </a:ln>
+        <a:effectLst/>
+      </dsp:spPr>
+      <dsp:style>
+        <a:lnRef idx="0">
+          <a:scrgbClr r="0" g="0" b="0"/>
+        </a:lnRef>
+        <a:fillRef idx="0">
+          <a:scrgbClr r="0" g="0" b="0"/>
+        </a:fillRef>
+        <a:effectRef idx="0">
+          <a:scrgbClr r="0" g="0" b="0"/>
+        </a:effectRef>
+        <a:fontRef idx="minor"/>
+      </dsp:style>
+      <dsp:txBody>
+        <a:bodyPr spcFirstLastPara="0" vert="horz" wrap="square" lIns="21590" tIns="21590" rIns="21590" bIns="21590" numCol="1" spcCol="1270" anchor="ctr" anchorCtr="0">
+          <a:noAutofit/>
+        </a:bodyPr>
+        <a:lstStyle/>
+        <a:p>
+          <a:pPr marL="0" lvl="0" indent="0" algn="l" defTabSz="755650">
+            <a:lnSpc>
+              <a:spcPct val="90000"/>
+            </a:lnSpc>
+            <a:spcBef>
+              <a:spcPct val="0"/>
+            </a:spcBef>
+            <a:spcAft>
+              <a:spcPct val="10000"/>
+            </a:spcAft>
+            <a:buNone/>
+          </a:pPr>
+          <a:endParaRPr lang="en-US" sz="1700" kern="1200"/>
+        </a:p>
+      </dsp:txBody>
+      <dsp:txXfrm>
+        <a:off x="4150204" y="2413019"/>
+        <a:ext cx="1310590" cy="947899"/>
+      </dsp:txXfrm>
+    </dsp:sp>
+    <dsp:sp modelId="{6B7F29BE-E001-4148-BB2F-A6A576DC7696}">
+      <dsp:nvSpPr>
+        <dsp:cNvPr id="0" name=""/>
+        <dsp:cNvSpPr/>
+      </dsp:nvSpPr>
+      <dsp:spPr>
+        <a:xfrm>
+          <a:off x="2821752" y="3638004"/>
+          <a:ext cx="761462" cy="761674"/>
+        </a:xfrm>
+        <a:prstGeom prst="ellipse">
+          <a:avLst/>
+        </a:prstGeom>
+        <a:solidFill>
+          <a:srgbClr val="D7F4D6"/>
+        </a:solidFill>
+        <a:ln w="25400" cap="flat" cmpd="sng" algn="ctr">
+          <a:solidFill>
+            <a:schemeClr val="lt1">
+              <a:hueOff val="0"/>
+              <a:satOff val="0"/>
+              <a:lumOff val="0"/>
+              <a:alphaOff val="0"/>
+            </a:schemeClr>
+          </a:solidFill>
+          <a:prstDash val="solid"/>
+        </a:ln>
+        <a:effectLst/>
+      </dsp:spPr>
+      <dsp:style>
+        <a:lnRef idx="2">
+          <a:scrgbClr r="0" g="0" b="0"/>
+        </a:lnRef>
+        <a:fillRef idx="1">
+          <a:scrgbClr r="0" g="0" b="0"/>
+        </a:fillRef>
+        <a:effectRef idx="0">
+          <a:scrgbClr r="0" g="0" b="0"/>
+        </a:effectRef>
+        <a:fontRef idx="minor"/>
+      </dsp:style>
+    </dsp:sp>
+    <dsp:sp modelId="{7966A59F-E85B-45FA-9FBB-CE40AACE12CF}">
+      <dsp:nvSpPr>
+        <dsp:cNvPr id="0" name=""/>
+        <dsp:cNvSpPr/>
+      </dsp:nvSpPr>
+      <dsp:spPr>
+        <a:xfrm>
+          <a:off x="3766310" y="3549116"/>
+          <a:ext cx="1310590" cy="947899"/>
+        </a:xfrm>
+        <a:prstGeom prst="rect">
+          <a:avLst/>
+        </a:prstGeom>
+        <a:noFill/>
+        <a:ln>
+          <a:noFill/>
+        </a:ln>
+        <a:effectLst/>
+      </dsp:spPr>
+      <dsp:style>
+        <a:lnRef idx="0">
+          <a:scrgbClr r="0" g="0" b="0"/>
+        </a:lnRef>
+        <a:fillRef idx="0">
+          <a:scrgbClr r="0" g="0" b="0"/>
+        </a:fillRef>
+        <a:effectRef idx="0">
+          <a:scrgbClr r="0" g="0" b="0"/>
+        </a:effectRef>
+        <a:fontRef idx="minor"/>
+      </dsp:style>
+      <dsp:txBody>
+        <a:bodyPr spcFirstLastPara="0" vert="horz" wrap="square" lIns="21590" tIns="21590" rIns="21590" bIns="21590" numCol="1" spcCol="1270" anchor="ctr" anchorCtr="0">
+          <a:noAutofit/>
+        </a:bodyPr>
+        <a:lstStyle/>
+        <a:p>
+          <a:pPr marL="0" lvl="0" indent="0" algn="l" defTabSz="755650">
+            <a:lnSpc>
+              <a:spcPct val="90000"/>
+            </a:lnSpc>
+            <a:spcBef>
+              <a:spcPct val="0"/>
+            </a:spcBef>
+            <a:spcAft>
+              <a:spcPct val="10000"/>
+            </a:spcAft>
+            <a:buNone/>
+          </a:pPr>
+          <a:endParaRPr lang="en-US" sz="1700" kern="1200" dirty="0"/>
+        </a:p>
+      </dsp:txBody>
+      <dsp:txXfrm>
+        <a:off x="3766310" y="3549116"/>
+        <a:ext cx="1310590" cy="947899"/>
+      </dsp:txXfrm>
+    </dsp:sp>
+  </dsp:spTree>
+</dsp:drawing>
+</file>
+
+<file path=ppt/diagrams/drawing2.xml><?xml version="1.0" encoding="utf-8"?>
+<dsp:drawing xmlns:dgm="http://schemas.openxmlformats.org/drawingml/2006/diagram" xmlns:dsp="http://schemas.microsoft.com/office/drawing/2008/diagram" xmlns:a="http://schemas.openxmlformats.org/drawingml/2006/main">
+  <dsp:spTree>
+    <dsp:nvGrpSpPr>
+      <dsp:cNvPr id="0" name=""/>
+      <dsp:cNvGrpSpPr/>
+    </dsp:nvGrpSpPr>
+    <dsp:grpSpPr/>
+    <dsp:sp modelId="{BE5CE9E9-8E96-474B-885F-89A8653DB5B0}">
+      <dsp:nvSpPr>
+        <dsp:cNvPr id="0" name=""/>
+        <dsp:cNvSpPr/>
+      </dsp:nvSpPr>
+      <dsp:spPr>
+        <a:xfrm>
+          <a:off x="942533" y="1977476"/>
+          <a:ext cx="1827728" cy="1827818"/>
+        </a:xfrm>
+        <a:prstGeom prst="ellipse">
+          <a:avLst/>
+        </a:prstGeom>
+        <a:solidFill>
+          <a:schemeClr val="accent1">
+            <a:hueOff val="0"/>
+            <a:satOff val="0"/>
+            <a:lumOff val="0"/>
+            <a:alphaOff val="0"/>
+          </a:schemeClr>
+        </a:solidFill>
+        <a:ln w="25400" cap="flat" cmpd="sng" algn="ctr">
+          <a:solidFill>
+            <a:schemeClr val="lt1">
+              <a:hueOff val="0"/>
+              <a:satOff val="0"/>
+              <a:lumOff val="0"/>
+              <a:alphaOff val="0"/>
+            </a:schemeClr>
+          </a:solidFill>
+          <a:prstDash val="solid"/>
+        </a:ln>
+        <a:effectLst/>
+      </dsp:spPr>
+      <dsp:style>
+        <a:lnRef idx="2">
+          <a:scrgbClr r="0" g="0" b="0"/>
+        </a:lnRef>
+        <a:fillRef idx="1">
+          <a:scrgbClr r="0" g="0" b="0"/>
+        </a:fillRef>
+        <a:effectRef idx="0">
+          <a:scrgbClr r="0" g="0" b="0"/>
+        </a:effectRef>
+        <a:fontRef idx="minor">
+          <a:schemeClr val="lt1"/>
+        </a:fontRef>
+      </dsp:style>
+      <dsp:txBody>
+        <a:bodyPr spcFirstLastPara="0" vert="horz" wrap="square" lIns="82550" tIns="82550" rIns="82550" bIns="82550" numCol="1" spcCol="1270" anchor="ctr" anchorCtr="0">
+          <a:noAutofit/>
+        </a:bodyPr>
+        <a:lstStyle/>
+        <a:p>
+          <a:pPr marL="0" lvl="0" indent="0" algn="ctr" defTabSz="2889250">
+            <a:lnSpc>
+              <a:spcPct val="90000"/>
+            </a:lnSpc>
+            <a:spcBef>
+              <a:spcPct val="0"/>
+            </a:spcBef>
+            <a:spcAft>
+              <a:spcPct val="35000"/>
+            </a:spcAft>
+            <a:buNone/>
+          </a:pPr>
+          <a:endParaRPr lang="en-US" sz="6500" kern="1200" dirty="0"/>
+        </a:p>
+      </dsp:txBody>
+      <dsp:txXfrm>
+        <a:off x="1210198" y="2245154"/>
+        <a:ext cx="1292398" cy="1292462"/>
+      </dsp:txXfrm>
+    </dsp:sp>
+    <dsp:sp modelId="{A32DDA9E-29F7-496D-BDA4-DF51650F7C66}">
+      <dsp:nvSpPr>
+        <dsp:cNvPr id="0" name=""/>
+        <dsp:cNvSpPr/>
+      </dsp:nvSpPr>
+      <dsp:spPr>
+        <a:xfrm>
+          <a:off x="0" y="961211"/>
+          <a:ext cx="3684398" cy="3840761"/>
+        </a:xfrm>
+        <a:prstGeom prst="blockArc">
+          <a:avLst>
+            <a:gd name="adj1" fmla="val 17527788"/>
+            <a:gd name="adj2" fmla="val 4119114"/>
+            <a:gd name="adj3" fmla="val 5750"/>
+          </a:avLst>
+        </a:prstGeom>
+        <a:solidFill>
+          <a:srgbClr val="37B235"/>
+        </a:solidFill>
+        <a:ln w="25400" cap="flat" cmpd="sng" algn="ctr">
+          <a:solidFill>
+            <a:schemeClr val="lt1">
+              <a:hueOff val="0"/>
+              <a:satOff val="0"/>
+              <a:lumOff val="0"/>
+              <a:alphaOff val="0"/>
+            </a:schemeClr>
+          </a:solidFill>
+          <a:prstDash val="solid"/>
+        </a:ln>
+        <a:effectLst/>
+      </dsp:spPr>
+      <dsp:style>
+        <a:lnRef idx="2">
+          <a:scrgbClr r="0" g="0" b="0"/>
+        </a:lnRef>
+        <a:fillRef idx="1">
+          <a:scrgbClr r="0" g="0" b="0"/>
+        </a:fillRef>
+        <a:effectRef idx="0">
+          <a:scrgbClr r="0" g="0" b="0"/>
+        </a:effectRef>
+        <a:fontRef idx="minor">
+          <a:schemeClr val="lt1"/>
+        </a:fontRef>
+      </dsp:style>
+    </dsp:sp>
+    <dsp:sp modelId="{2F284DDF-6C43-43D9-BFDA-9E910BDCC6C3}">
+      <dsp:nvSpPr>
+        <dsp:cNvPr id="0" name=""/>
+        <dsp:cNvSpPr/>
+      </dsp:nvSpPr>
+      <dsp:spPr>
+        <a:xfrm>
+          <a:off x="2620836" y="1192875"/>
+          <a:ext cx="1163293" cy="1163618"/>
+        </a:xfrm>
+        <a:prstGeom prst="ellipse">
+          <a:avLst/>
+        </a:prstGeom>
+        <a:solidFill>
+          <a:srgbClr val="D7F4D6"/>
+        </a:solidFill>
+        <a:ln w="25400" cap="flat" cmpd="sng" algn="ctr">
+          <a:solidFill>
+            <a:schemeClr val="lt1">
+              <a:hueOff val="0"/>
+              <a:satOff val="0"/>
+              <a:lumOff val="0"/>
+              <a:alphaOff val="0"/>
+            </a:schemeClr>
+          </a:solidFill>
+          <a:prstDash val="solid"/>
+        </a:ln>
+        <a:effectLst/>
+      </dsp:spPr>
+      <dsp:style>
+        <a:lnRef idx="2">
+          <a:scrgbClr r="0" g="0" b="0"/>
+        </a:lnRef>
+        <a:fillRef idx="1">
+          <a:scrgbClr r="0" g="0" b="0"/>
+        </a:fillRef>
+        <a:effectRef idx="0">
+          <a:scrgbClr r="0" g="0" b="0"/>
+        </a:effectRef>
+        <a:fontRef idx="minor"/>
+      </dsp:style>
+    </dsp:sp>
+    <dsp:sp modelId="{95C73293-7ED5-4701-82D2-D2FD1FEF9096}">
+      <dsp:nvSpPr>
+        <dsp:cNvPr id="0" name=""/>
+        <dsp:cNvSpPr/>
+      </dsp:nvSpPr>
+      <dsp:spPr>
+        <a:xfrm>
+          <a:off x="3766310" y="1300734"/>
+          <a:ext cx="1310590" cy="947899"/>
+        </a:xfrm>
+        <a:prstGeom prst="rect">
+          <a:avLst/>
+        </a:prstGeom>
+        <a:noFill/>
+        <a:ln>
+          <a:noFill/>
+        </a:ln>
+        <a:effectLst/>
+      </dsp:spPr>
+      <dsp:style>
+        <a:lnRef idx="0">
+          <a:scrgbClr r="0" g="0" b="0"/>
+        </a:lnRef>
+        <a:fillRef idx="0">
+          <a:scrgbClr r="0" g="0" b="0"/>
+        </a:fillRef>
+        <a:effectRef idx="0">
+          <a:scrgbClr r="0" g="0" b="0"/>
+        </a:effectRef>
+        <a:fontRef idx="minor"/>
+      </dsp:style>
+      <dsp:txBody>
+        <a:bodyPr spcFirstLastPara="0" vert="horz" wrap="square" lIns="72390" tIns="72390" rIns="72390" bIns="72390" numCol="1" spcCol="1270" anchor="ctr" anchorCtr="0">
+          <a:noAutofit/>
+        </a:bodyPr>
+        <a:lstStyle/>
+        <a:p>
+          <a:pPr marL="0" lvl="0" indent="0" algn="l" defTabSz="2533650">
+            <a:lnSpc>
+              <a:spcPct val="90000"/>
+            </a:lnSpc>
+            <a:spcBef>
+              <a:spcPct val="0"/>
+            </a:spcBef>
+            <a:spcAft>
+              <a:spcPct val="10000"/>
+            </a:spcAft>
+            <a:buNone/>
+          </a:pPr>
+          <a:endParaRPr lang="en-US" sz="5700" kern="1200" dirty="0"/>
+        </a:p>
+      </dsp:txBody>
+      <dsp:txXfrm>
+        <a:off x="3766310" y="1300734"/>
+        <a:ext cx="1310590" cy="947899"/>
+      </dsp:txXfrm>
+    </dsp:sp>
+    <dsp:sp modelId="{4A29075A-55F0-4764-A3BC-E9193998161A}">
+      <dsp:nvSpPr>
+        <dsp:cNvPr id="0" name=""/>
+        <dsp:cNvSpPr/>
+      </dsp:nvSpPr>
+      <dsp:spPr>
+        <a:xfrm>
+          <a:off x="3091356" y="2498081"/>
+          <a:ext cx="979120" cy="979394"/>
+        </a:xfrm>
+        <a:prstGeom prst="ellipse">
+          <a:avLst/>
+        </a:prstGeom>
+        <a:solidFill>
+          <a:srgbClr val="D7F4D6"/>
+        </a:solidFill>
+        <a:ln w="25400" cap="flat" cmpd="sng" algn="ctr">
+          <a:solidFill>
+            <a:schemeClr val="lt1">
+              <a:hueOff val="0"/>
+              <a:satOff val="0"/>
+              <a:lumOff val="0"/>
+              <a:alphaOff val="0"/>
+            </a:schemeClr>
+          </a:solidFill>
+          <a:prstDash val="solid"/>
+        </a:ln>
+        <a:effectLst/>
+      </dsp:spPr>
+      <dsp:style>
+        <a:lnRef idx="2">
+          <a:scrgbClr r="0" g="0" b="0"/>
+        </a:lnRef>
+        <a:fillRef idx="1">
+          <a:scrgbClr r="0" g="0" b="0"/>
+        </a:fillRef>
+        <a:effectRef idx="0">
+          <a:scrgbClr r="0" g="0" b="0"/>
+        </a:effectRef>
+        <a:fontRef idx="minor"/>
+      </dsp:style>
+    </dsp:sp>
+    <dsp:sp modelId="{B763BF29-8608-480B-8453-2100669A9BC3}">
+      <dsp:nvSpPr>
+        <dsp:cNvPr id="0" name=""/>
+        <dsp:cNvSpPr/>
+      </dsp:nvSpPr>
+      <dsp:spPr>
+        <a:xfrm>
+          <a:off x="4150204" y="2413019"/>
+          <a:ext cx="1310590" cy="947899"/>
+        </a:xfrm>
+        <a:prstGeom prst="rect">
+          <a:avLst/>
+        </a:prstGeom>
+        <a:noFill/>
+        <a:ln>
+          <a:noFill/>
+        </a:ln>
+        <a:effectLst/>
+      </dsp:spPr>
+      <dsp:style>
+        <a:lnRef idx="0">
+          <a:scrgbClr r="0" g="0" b="0"/>
+        </a:lnRef>
+        <a:fillRef idx="0">
+          <a:scrgbClr r="0" g="0" b="0"/>
+        </a:fillRef>
+        <a:effectRef idx="0">
+          <a:scrgbClr r="0" g="0" b="0"/>
+        </a:effectRef>
+        <a:fontRef idx="minor"/>
+      </dsp:style>
+      <dsp:txBody>
+        <a:bodyPr spcFirstLastPara="0" vert="horz" wrap="square" lIns="72390" tIns="72390" rIns="72390" bIns="72390" numCol="1" spcCol="1270" anchor="ctr" anchorCtr="0">
+          <a:noAutofit/>
+        </a:bodyPr>
+        <a:lstStyle/>
+        <a:p>
+          <a:pPr marL="0" lvl="0" indent="0" algn="l" defTabSz="2533650">
+            <a:lnSpc>
+              <a:spcPct val="90000"/>
+            </a:lnSpc>
+            <a:spcBef>
+              <a:spcPct val="0"/>
+            </a:spcBef>
+            <a:spcAft>
+              <a:spcPct val="10000"/>
+            </a:spcAft>
+            <a:buNone/>
+          </a:pPr>
+          <a:endParaRPr lang="en-US" sz="5700" kern="1200"/>
+        </a:p>
+      </dsp:txBody>
+      <dsp:txXfrm>
+        <a:off x="4150204" y="2413019"/>
+        <a:ext cx="1310590" cy="947899"/>
+      </dsp:txXfrm>
+    </dsp:sp>
+    <dsp:sp modelId="{6B7F29BE-E001-4148-BB2F-A6A576DC7696}">
+      <dsp:nvSpPr>
+        <dsp:cNvPr id="0" name=""/>
+        <dsp:cNvSpPr/>
+      </dsp:nvSpPr>
+      <dsp:spPr>
+        <a:xfrm>
+          <a:off x="2821752" y="3638004"/>
+          <a:ext cx="761462" cy="761674"/>
+        </a:xfrm>
+        <a:prstGeom prst="ellipse">
+          <a:avLst/>
+        </a:prstGeom>
+        <a:solidFill>
+          <a:srgbClr val="D7F4D6"/>
+        </a:solidFill>
+        <a:ln w="25400" cap="flat" cmpd="sng" algn="ctr">
+          <a:solidFill>
+            <a:schemeClr val="lt1">
+              <a:hueOff val="0"/>
+              <a:satOff val="0"/>
+              <a:lumOff val="0"/>
+              <a:alphaOff val="0"/>
+            </a:schemeClr>
+          </a:solidFill>
+          <a:prstDash val="solid"/>
+        </a:ln>
+        <a:effectLst/>
+      </dsp:spPr>
+      <dsp:style>
+        <a:lnRef idx="2">
+          <a:scrgbClr r="0" g="0" b="0"/>
+        </a:lnRef>
+        <a:fillRef idx="1">
+          <a:scrgbClr r="0" g="0" b="0"/>
+        </a:fillRef>
+        <a:effectRef idx="0">
+          <a:scrgbClr r="0" g="0" b="0"/>
+        </a:effectRef>
+        <a:fontRef idx="minor"/>
+      </dsp:style>
+    </dsp:sp>
+    <dsp:sp modelId="{7966A59F-E85B-45FA-9FBB-CE40AACE12CF}">
+      <dsp:nvSpPr>
+        <dsp:cNvPr id="0" name=""/>
+        <dsp:cNvSpPr/>
+      </dsp:nvSpPr>
+      <dsp:spPr>
+        <a:xfrm>
+          <a:off x="3766310" y="3549116"/>
+          <a:ext cx="1310590" cy="947899"/>
+        </a:xfrm>
+        <a:prstGeom prst="rect">
+          <a:avLst/>
+        </a:prstGeom>
+        <a:noFill/>
+        <a:ln>
+          <a:noFill/>
+        </a:ln>
+        <a:effectLst/>
+      </dsp:spPr>
+      <dsp:style>
+        <a:lnRef idx="0">
+          <a:scrgbClr r="0" g="0" b="0"/>
+        </a:lnRef>
+        <a:fillRef idx="0">
+          <a:scrgbClr r="0" g="0" b="0"/>
+        </a:fillRef>
+        <a:effectRef idx="0">
+          <a:scrgbClr r="0" g="0" b="0"/>
+        </a:effectRef>
+        <a:fontRef idx="minor"/>
+      </dsp:style>
+      <dsp:txBody>
+        <a:bodyPr spcFirstLastPara="0" vert="horz" wrap="square" lIns="72390" tIns="72390" rIns="72390" bIns="72390" numCol="1" spcCol="1270" anchor="ctr" anchorCtr="0">
+          <a:noAutofit/>
+        </a:bodyPr>
+        <a:lstStyle/>
+        <a:p>
+          <a:pPr marL="0" lvl="0" indent="0" algn="l" defTabSz="2533650">
+            <a:lnSpc>
+              <a:spcPct val="90000"/>
+            </a:lnSpc>
+            <a:spcBef>
+              <a:spcPct val="0"/>
+            </a:spcBef>
+            <a:spcAft>
+              <a:spcPct val="10000"/>
+            </a:spcAft>
+            <a:buNone/>
+          </a:pPr>
+          <a:endParaRPr lang="en-US" sz="5700" kern="1200" dirty="0"/>
+        </a:p>
+      </dsp:txBody>
+      <dsp:txXfrm>
+        <a:off x="3766310" y="3549116"/>
+        <a:ext cx="1310590" cy="947899"/>
+      </dsp:txXfrm>
+    </dsp:sp>
+  </dsp:spTree>
+</dsp:drawing>
+</file>
+
+<file path=ppt/diagrams/layout1.xml><?xml version="1.0" encoding="utf-8"?>
+<dgm:layoutDef xmlns:dgm="http://schemas.openxmlformats.org/drawingml/2006/diagram" xmlns:a="http://schemas.openxmlformats.org/drawingml/2006/main" uniqueId="urn:microsoft.com/office/officeart/2011/layout/RadialPictureList">
+  <dgm:title val="Radial Picture List"/>
+  <dgm:desc val="Use to show relationships to a central idea. The Level 1 shape contains text and all Level 2 shapes contain a picture with corresponding text. Limited to four Level 2 pictures.  Unused pictures do not appear, but remain available if you switch layouts. Works best with a small amount of Level 2 text."/>
+  <dgm:catLst>
+    <dgm:cat type="picture" pri="2500"/>
+    <dgm:cat type="officeonline" pri="2500"/>
+  </dgm:catLst>
+  <dgm:sampData>
+    <dgm:dataModel>
+      <dgm:ptLst>
+        <dgm:pt modelId="0" type="doc"/>
+        <dgm:pt modelId="10">
+          <dgm:prSet phldr="1"/>
+        </dgm:pt>
+        <dgm:pt modelId="11">
+          <dgm:prSet phldr="1"/>
+        </dgm:pt>
+        <dgm:pt modelId="12">
+          <dgm:prSet phldr="1"/>
+        </dgm:pt>
+        <dgm:pt modelId="13">
+          <dgm:prSet phldr="1"/>
+        </dgm:pt>
+      </dgm:ptLst>
+      <dgm:cxnLst>
+        <dgm:cxn modelId="1" srcId="0" destId="10" srcOrd="0" destOrd="0"/>
+        <dgm:cxn modelId="2" srcId="10" destId="11" srcOrd="0" destOrd="0"/>
+        <dgm:cxn modelId="3" srcId="10" destId="12" srcOrd="1" destOrd="0"/>
+        <dgm:cxn modelId="4" srcId="10" destId="13" srcOrd="2" destOrd="0"/>
+      </dgm:cxnLst>
+      <dgm:bg/>
+      <dgm:whole/>
+    </dgm:dataModel>
+  </dgm:sampData>
+  <dgm:styleData>
+    <dgm:dataModel>
+      <dgm:ptLst>
+        <dgm:pt modelId="0" type="doc"/>
+        <dgm:pt modelId="10">
+          <dgm:prSet phldr="1"/>
+        </dgm:pt>
+        <dgm:pt modelId="11">
+          <dgm:prSet phldr="1"/>
+        </dgm:pt>
+        <dgm:pt modelId="12">
+          <dgm:prSet phldr="1"/>
+        </dgm:pt>
+      </dgm:ptLst>
+      <dgm:cxnLst>
+        <dgm:cxn modelId="1" srcId="0" destId="10" srcOrd="0" destOrd="0"/>
+        <dgm:cxn modelId="2" srcId="10" destId="11" srcOrd="0" destOrd="0"/>
+        <dgm:cxn modelId="3" srcId="10" destId="12" srcOrd="1" destOrd="0"/>
+      </dgm:cxnLst>
+      <dgm:bg/>
+      <dgm:whole/>
+    </dgm:dataModel>
+  </dgm:styleData>
+  <dgm:clrData>
+    <dgm:dataModel>
+      <dgm:ptLst>
+        <dgm:pt modelId="0" type="doc"/>
+        <dgm:pt modelId="10">
+          <dgm:prSet phldr="1"/>
+        </dgm:pt>
+        <dgm:pt modelId="11">
+          <dgm:prSet phldr="1"/>
+        </dgm:pt>
+        <dgm:pt modelId="12">
+          <dgm:prSet phldr="1"/>
+        </dgm:pt>
+        <dgm:pt modelId="13">
+          <dgm:prSet phldr="1"/>
+        </dgm:pt>
+        <dgm:pt modelId="14">
+          <dgm:prSet phldr="1"/>
+        </dgm:pt>
+      </dgm:ptLst>
+      <dgm:cxnLst>
+        <dgm:cxn modelId="1" srcId="0" destId="10" srcOrd="0" destOrd="0"/>
+        <dgm:cxn modelId="2" srcId="10" destId="11" srcOrd="0" destOrd="0"/>
+        <dgm:cxn modelId="3" srcId="10" destId="12" srcOrd="1" destOrd="0"/>
+        <dgm:cxn modelId="4" srcId="10" destId="13" srcOrd="2" destOrd="0"/>
+        <dgm:cxn modelId="5" srcId="10" destId="14" srcOrd="3" destOrd="0"/>
+      </dgm:cxnLst>
+      <dgm:bg/>
+      <dgm:whole/>
+    </dgm:dataModel>
+  </dgm:clrData>
+  <dgm:layoutNode name="Name0">
+    <dgm:varLst>
+      <dgm:chMax val="1"/>
+      <dgm:chPref val="1"/>
+      <dgm:dir/>
+      <dgm:resizeHandles/>
+    </dgm:varLst>
+    <dgm:shape xmlns:r="http://schemas.openxmlformats.org/officeDocument/2006/relationships" r:blip="">
+      <dgm:adjLst/>
+    </dgm:shape>
+    <dgm:choose name="Name1">
+      <dgm:if name="Name2" func="var" arg="dir" op="equ" val="norm">
+        <dgm:choose name="Name3">
+          <dgm:if name="Name4" axis="ch ch" ptType="node node" st="1 1" cnt="1 0" func="cnt" op="equ" val="0">
+            <dgm:alg type="composite">
+              <dgm:param type="ar" val="1"/>
+            </dgm:alg>
+            <dgm:constrLst>
+              <dgm:constr type="primFontSz" for="des" forName="Parent" val="65"/>
+              <dgm:constr type="l" for="ch" forName="Parent" refType="w" fact="0"/>
+              <dgm:constr type="t" for="ch" forName="Parent" refType="h" fact="0"/>
+              <dgm:constr type="w" for="ch" forName="Parent" refType="w"/>
+              <dgm:constr type="h" for="ch" forName="Parent" refType="h"/>
+            </dgm:constrLst>
+          </dgm:if>
+          <dgm:if name="Name5" axis="ch ch" ptType="node node" st="1 1" cnt="1 0" func="cnt" op="equ" val="1">
+            <dgm:alg type="composite">
+              <dgm:param type="ar" val="1.4218"/>
+            </dgm:alg>
+            <dgm:constrLst>
+              <dgm:constr type="primFontSz" for="des" forName="Child1" val="65"/>
+              <dgm:constr type="primFontSz" for="des" forName="Parent" val="65"/>
+              <dgm:constr type="primFontSz" for="des" forName="Child1" refType="primFontSz" refFor="des" refForName="Parent" op="lte"/>
+              <dgm:constr type="l" for="ch" forName="Accent" refType="w" fact="0"/>
+              <dgm:constr type="t" for="ch" forName="Accent" refType="h" fact="0"/>
+              <dgm:constr type="w" for="ch" forName="Accent" refType="w" fact="0.6747"/>
+              <dgm:constr type="h" for="ch" forName="Accent" refType="h"/>
+              <dgm:constr type="l" for="ch" forName="Child1" refType="w" fact="0.76"/>
+              <dgm:constr type="t" for="ch" forName="Child1" refType="h" fact="0.3739"/>
+              <dgm:constr type="w" for="ch" forName="Child1" refType="w" fact="0.24"/>
+              <dgm:constr type="h" for="ch" forName="Child1" refType="h" fact="0.255"/>
+              <dgm:constr type="l" for="ch" forName="Parent" refType="w" fact="0.1726"/>
+              <dgm:constr type="t" for="ch" forName="Parent" refType="h" fact="0.2646"/>
+              <dgm:constr type="w" for="ch" forName="Parent" refType="w" fact="0.3347"/>
+              <dgm:constr type="h" for="ch" forName="Parent" refType="h" fact="0.4759"/>
+              <dgm:constr type="l" for="ch" forName="Image1" refType="w" fact="0.5661"/>
+              <dgm:constr type="t" for="ch" forName="Image1" refType="h" fact="0.3744"/>
+              <dgm:constr type="w" for="ch" forName="Image1" refType="w" fact="0.1793"/>
+              <dgm:constr type="h" for="ch" forName="Image1" refType="h" fact="0.255"/>
+            </dgm:constrLst>
+          </dgm:if>
+          <dgm:if name="Name6" axis="ch ch" ptType="node node" st="1 1" cnt="1 0" func="cnt" op="equ" val="2">
+            <dgm:alg type="composite">
+              <dgm:param type="ar" val="1.381"/>
+            </dgm:alg>
+            <dgm:constrLst>
+              <dgm:constr type="primFontSz" for="des" forName="Child1" val="65"/>
+              <dgm:constr type="primFontSz" for="des" forName="Parent" val="65"/>
+              <dgm:constr type="primFontSz" for="des" forName="Child1" refType="primFontSz" refFor="des" refForName="Parent" op="lte"/>
+              <dgm:constr type="primFontSz" for="des" forName="Child2" refType="primFontSz" refFor="des" refForName="Parent" op="lte"/>
+              <dgm:constr type="primFontSz" for="des" forName="Child2" refType="primFontSz" refFor="des" refForName="Child1" op="equ"/>
+              <dgm:constr type="l" for="ch" forName="Accent" refType="w" fact="0"/>
+              <dgm:constr type="t" for="ch" forName="Accent" refType="h" fact="0"/>
+              <dgm:constr type="w" for="ch" forName="Accent" refType="w" fact="0.6946"/>
+              <dgm:constr type="h" for="ch" forName="Accent" refType="h"/>
+              <dgm:constr type="l" for="ch" forName="Parent" refType="w" fact="0.1777"/>
+              <dgm:constr type="t" for="ch" forName="Parent" refType="h" fact="0.2646"/>
+              <dgm:constr type="w" for="ch" forName="Parent" refType="w" fact="0.3446"/>
+              <dgm:constr type="h" for="ch" forName="Parent" refType="h" fact="0.4759"/>
+              <dgm:constr type="l" for="ch" forName="Image1" refType="w" fact="0.5531"/>
+              <dgm:constr type="t" for="ch" forName="Image1" refType="h" fact="0.1585"/>
+              <dgm:constr type="w" for="ch" forName="Image1" refType="w" fact="0.1846"/>
+              <dgm:constr type="h" for="ch" forName="Image1" refType="h" fact="0.255"/>
+              <dgm:constr type="l" for="ch" forName="Image2" refType="w" fact="0.5531"/>
+              <dgm:constr type="t" for="ch" forName="Image2" refType="h" fact="0.5624"/>
+              <dgm:constr type="w" for="ch" forName="Image2" refType="w" fact="0.1846"/>
+              <dgm:constr type="h" for="ch" forName="Image2" refType="h" fact="0.255"/>
+              <dgm:constr type="l" for="ch" forName="Child1" refType="w" fact="0.7529"/>
+              <dgm:constr type="t" for="ch" forName="Child1" refType="h" fact="0.1618"/>
+              <dgm:constr type="w" for="ch" forName="Child1" refType="w" fact="0.2471"/>
+              <dgm:constr type="h" for="ch" forName="Child1" refType="h" fact="0.2468"/>
+              <dgm:constr type="l" for="ch" forName="Child2" refType="w" fact="0.7529"/>
+              <dgm:constr type="t" for="ch" forName="Child2" refType="h" fact="0.5657"/>
+              <dgm:constr type="w" for="ch" forName="Child2" refType="w" fact="0.2471"/>
+              <dgm:constr type="h" for="ch" forName="Child2" refType="h" fact="0.2468"/>
+            </dgm:constrLst>
+          </dgm:if>
+          <dgm:if name="Name7" axis="ch ch" ptType="node node" st="1 1" cnt="1 0" func="cnt" op="equ" val="3">
+            <dgm:alg type="composite">
+              <dgm:param type="ar" val="1.4218"/>
+            </dgm:alg>
+            <dgm:constrLst>
+              <dgm:constr type="primFontSz" for="des" forName="Child1" val="65"/>
+              <dgm:constr type="primFontSz" for="des" forName="Parent" val="65"/>
+              <dgm:constr type="primFontSz" for="des" forName="Child1" refType="primFontSz" refFor="des" refForName="Parent" op="lte"/>
+              <dgm:constr type="primFontSz" for="des" forName="Child2" refType="primFontSz" refFor="des" refForName="Parent" op="lte"/>
+              <dgm:constr type="primFontSz" for="des" forName="Child3" refType="primFontSz" refFor="des" refForName="Parent" op="lte"/>
+              <dgm:constr type="primFontSz" for="des" forName="Child2" refType="primFontSz" refFor="des" refForName="Child1" op="equ"/>
+              <dgm:constr type="primFontSz" for="des" forName="Child3" refType="primFontSz" refFor="des" refForName="Child1" op="equ"/>
+              <dgm:constr type="l" for="ch" forName="Accent" refType="w" fact="0"/>
+              <dgm:constr type="t" for="ch" forName="Accent" refType="h" fact="0"/>
+              <dgm:constr type="w" for="ch" forName="Accent" refType="w" fact="0.6747"/>
+              <dgm:constr type="h" for="ch" forName="Accent" refType="h"/>
+              <dgm:constr type="l" for="ch" forName="Parent" refType="w" fact="0.1726"/>
+              <dgm:constr type="t" for="ch" forName="Parent" refType="h" fact="0.2646"/>
+              <dgm:constr type="w" for="ch" forName="Parent" refType="w" fact="0.3347"/>
+              <dgm:constr type="h" for="ch" forName="Parent" refType="h" fact="0.4759"/>
+              <dgm:constr type="l" for="ch" forName="Image1" refType="w" fact="0.4968"/>
+              <dgm:constr type="t" for="ch" forName="Image1" refType="h" fact="0.0843"/>
+              <dgm:constr type="w" for="ch" forName="Image1" refType="w" fact="0.1793"/>
+              <dgm:constr type="h" for="ch" forName="Image1" refType="h" fact="0.255"/>
+              <dgm:constr type="l" for="ch" forName="Image2" refType="w" fact="0.5661"/>
+              <dgm:constr type="t" for="ch" forName="Image2" refType="h" fact="0.3744"/>
+              <dgm:constr type="w" for="ch" forName="Image2" refType="w" fact="0.1793"/>
+              <dgm:constr type="h" for="ch" forName="Image2" refType="h" fact="0.255"/>
+              <dgm:constr type="l" for="ch" forName="Image3" refType="w" fact="0.4968"/>
+              <dgm:constr type="t" for="ch" forName="Image3" refType="h" fact="0.6686"/>
+              <dgm:constr type="w" for="ch" forName="Image3" refType="w" fact="0.1793"/>
+              <dgm:constr type="h" for="ch" forName="Image3" refType="h" fact="0.255"/>
+              <dgm:constr type="l" for="ch" forName="Child1" refType="w" fact="0.6897"/>
+              <dgm:constr type="t" for="ch" forName="Child1" refType="h" fact="0.0884"/>
+              <dgm:constr type="w" for="ch" forName="Child1" refType="w" fact="0.24"/>
+              <dgm:constr type="h" for="ch" forName="Child1" refType="h" fact="0.2468"/>
+              <dgm:constr type="l" for="ch" forName="Child2" refType="w" fact="0.76"/>
+              <dgm:constr type="t" for="ch" forName="Child2" refType="h" fact="0.378"/>
+              <dgm:constr type="w" for="ch" forName="Child2" refType="w" fact="0.24"/>
+              <dgm:constr type="h" for="ch" forName="Child2" refType="h" fact="0.2468"/>
+              <dgm:constr type="l" for="ch" forName="Child3" refType="w" fact="0.6897"/>
+              <dgm:constr type="t" for="ch" forName="Child3" refType="h" fact="0.6738"/>
+              <dgm:constr type="w" for="ch" forName="Child3" refType="w" fact="0.24"/>
+              <dgm:constr type="h" for="ch" forName="Child3" refType="h" fact="0.2468"/>
+            </dgm:constrLst>
+          </dgm:if>
+          <dgm:else name="Name8">
+            <dgm:alg type="composite">
+              <dgm:param type="ar" val="1.2852"/>
+            </dgm:alg>
+            <dgm:constrLst>
+              <dgm:constr type="primFontSz" for="des" forName="Child1" val="65"/>
+              <dgm:constr type="primFontSz" for="des" forName="Parent" val="65"/>
+              <dgm:constr type="primFontSz" for="des" forName="Child1" refType="primFontSz" refFor="des" refForName="Parent" op="lte"/>
+              <dgm:constr type="primFontSz" for="des" forName="Child2" refType="primFontSz" refFor="des" refForName="Parent" op="lte"/>
+              <dgm:constr type="primFontSz" for="des" forName="Child3" refType="primFontSz" refFor="des" refForName="Parent" op="lte"/>
+              <dgm:constr type="primFontSz" for="des" forName="Child4" refType="primFontSz" refFor="des" refForName="Parent" op="lte"/>
+              <dgm:constr type="primFontSz" for="des" forName="Child2" refType="primFontSz" refFor="des" refForName="Child1" op="equ"/>
+              <dgm:constr type="primFontSz" for="des" forName="Child3" refType="primFontSz" refFor="des" refForName="Child1" op="equ"/>
+              <dgm:constr type="primFontSz" for="des" forName="Child4" refType="primFontSz" refFor="des" refForName="Child1" op="equ"/>
+              <dgm:constr type="l" for="ch" forName="Accent" refType="w" fact="0"/>
+              <dgm:constr type="t" for="ch" forName="Accent" refType="h" fact="0.0361"/>
+              <dgm:constr type="w" for="ch" forName="Accent" refType="w" fact="0.6865"/>
+              <dgm:constr type="h" for="ch" forName="Accent" refType="h" fact="0.9197"/>
+              <dgm:constr type="l" for="ch" forName="Parent" refType="w" fact="0.1756"/>
+              <dgm:constr type="t" for="ch" forName="Parent" refType="h" fact="0.2795"/>
+              <dgm:constr type="w" for="ch" forName="Parent" refType="w" fact="0.3406"/>
+              <dgm:constr type="h" for="ch" forName="Parent" refType="h" fact="0.4377"/>
+              <dgm:constr type="l" for="ch" forName="Image1" refType="w" fact="0.425"/>
+              <dgm:constr type="t" for="ch" forName="Image1" refType="h" fact="0"/>
+              <dgm:constr type="w" for="ch" forName="Image1" refType="w" fact="0.1825"/>
+              <dgm:constr type="h" for="ch" forName="Image1" refType="h" fact="0.2345"/>
+              <dgm:constr type="l" for="ch" forName="Image2" refType="w" fact="0.5598"/>
+              <dgm:constr type="t" for="ch" forName="Image2" refType="h" fact="0.2184"/>
+              <dgm:constr type="w" for="ch" forName="Image2" refType="w" fact="0.1825"/>
+              <dgm:constr type="h" for="ch" forName="Image2" refType="h" fact="0.2345"/>
+              <dgm:constr type="l" for="ch" forName="Image3" refType="w" fact="0.5591"/>
+              <dgm:constr type="t" for="ch" forName="Image3" refType="h" fact="0.5395"/>
+              <dgm:constr type="w" for="ch" forName="Image3" refType="w" fact="0.1825"/>
+              <dgm:constr type="h" for="ch" forName="Image3" refType="h" fact="0.2345"/>
+              <dgm:constr type="l" for="ch" forName="Image4" refType="w" fact="0.425"/>
+              <dgm:constr type="t" for="ch" forName="Image4" refType="h" fact="0.7655"/>
+              <dgm:constr type="w" for="ch" forName="Image4" refType="w" fact="0.1825"/>
+              <dgm:constr type="h" for="ch" forName="Image4" refType="h" fact="0.2345"/>
+              <dgm:constr type="l" for="ch" forName="Child1" refType="w" fact="0.6214"/>
+              <dgm:constr type="t" for="ch" forName="Child1" refType="h" fact="0.003"/>
+              <dgm:constr type="w" for="ch" forName="Child1" refType="w" fact="0.2443"/>
+              <dgm:constr type="h" for="ch" forName="Child1" refType="h" fact="0.227"/>
+              <dgm:constr type="l" for="ch" forName="Child2" refType="w" fact="0.7557"/>
+              <dgm:constr type="t" for="ch" forName="Child2" refType="h" fact="0.2225"/>
+              <dgm:constr type="w" for="ch" forName="Child2" refType="w" fact="0.2443"/>
+              <dgm:constr type="h" for="ch" forName="Child2" refType="h" fact="0.227"/>
+              <dgm:constr type="l" for="ch" forName="Child3" refType="w" fact="0.7557"/>
+              <dgm:constr type="t" for="ch" forName="Child3" refType="h" fact="0.5433"/>
+              <dgm:constr type="w" for="ch" forName="Child3" refType="w" fact="0.2443"/>
+              <dgm:constr type="h" for="ch" forName="Child3" refType="h" fact="0.227"/>
+              <dgm:constr type="l" for="ch" forName="Child4" refType="w" fact="0.6214"/>
+              <dgm:constr type="t" for="ch" forName="Child4" refType="h" fact="0.7703"/>
+              <dgm:constr type="w" for="ch" forName="Child4" refType="w" fact="0.2443"/>
+              <dgm:constr type="h" for="ch" forName="Child4" refType="h" fact="0.227"/>
+            </dgm:constrLst>
+          </dgm:else>
+        </dgm:choose>
+      </dgm:if>
+      <dgm:else name="Name9">
+        <dgm:choose name="Name10">
+          <dgm:if name="Name11" axis="ch ch" ptType="node node" st="1 1" cnt="1 0" func="cnt" op="equ" val="0">
+            <dgm:alg type="composite">
+              <dgm:param type="ar" val="1"/>
+            </dgm:alg>
+            <dgm:constrLst>
+              <dgm:constr type="primFontSz" for="des" forName="Parent" val="65"/>
+              <dgm:constr type="l" for="ch" forName="Parent" refType="w" fact="0"/>
+              <dgm:constr type="t" for="ch" forName="Parent" refType="h" fact="0"/>
+              <dgm:constr type="w" for="ch" forName="Parent" refType="w"/>
+              <dgm:constr type="h" for="ch" forName="Parent" refType="h"/>
+            </dgm:constrLst>
+          </dgm:if>
+          <dgm:if name="Name12" axis="ch ch" ptType="node node" st="1 1" cnt="1 0" func="cnt" op="equ" val="1">
+            <dgm:alg type="composite">
+              <dgm:param type="ar" val="1.4218"/>
+            </dgm:alg>
+            <dgm:constrLst>
+              <dgm:constr type="primFontSz" for="des" forName="Child1" val="65"/>
+              <dgm:constr type="primFontSz" for="des" forName="Parent" val="65"/>
+              <dgm:constr type="primFontSz" for="des" forName="Child1" refType="primFontSz" refFor="des" refForName="Parent" op="lte"/>
+              <dgm:constr type="r" for="ch" forName="Accent" refType="w"/>
+              <dgm:constr type="t" for="ch" forName="Accent" refType="h" fact="0"/>
+              <dgm:constr type="w" for="ch" forName="Accent" refType="w" fact="0.6747"/>
+              <dgm:constr type="h" for="ch" forName="Accent" refType="h"/>
+              <dgm:constr type="r" for="ch" forName="Child1" refType="w" fact="0.24"/>
+              <dgm:constr type="t" for="ch" forName="Child1" refType="h" fact="0.3739"/>
+              <dgm:constr type="w" for="ch" forName="Child1" refType="w" fact="0.24"/>
+              <dgm:constr type="h" for="ch" forName="Child1" refType="h" fact="0.255"/>
+              <dgm:constr type="r" for="ch" forName="Parent" refType="w" fact="0.8274"/>
+              <dgm:constr type="t" for="ch" forName="Parent" refType="h" fact="0.2646"/>
+              <dgm:constr type="w" for="ch" forName="Parent" refType="w" fact="0.3347"/>
+              <dgm:constr type="h" for="ch" forName="Parent" refType="h" fact="0.4759"/>
+              <dgm:constr type="r" for="ch" forName="Image1" refType="w" fact="0.4339"/>
+              <dgm:constr type="t" for="ch" forName="Image1" refType="h" fact="0.3744"/>
+              <dgm:constr type="w" for="ch" forName="Image1" refType="w" fact="0.1793"/>
+              <dgm:constr type="h" for="ch" forName="Image1" refType="h" fact="0.255"/>
+            </dgm:constrLst>
+          </dgm:if>
+          <dgm:if name="Name13" axis="ch ch" ptType="node node" st="1 1" cnt="1 0" func="cnt" op="equ" val="2">
+            <dgm:alg type="composite">
+              <dgm:param type="ar" val="1.381"/>
+            </dgm:alg>
+            <dgm:constrLst>
+              <dgm:constr type="primFontSz" for="des" forName="Child1" val="65"/>
+              <dgm:constr type="primFontSz" for="des" forName="Parent" val="65"/>
+              <dgm:constr type="primFontSz" for="des" forName="Child1" refType="primFontSz" refFor="des" refForName="Parent" op="lte"/>
+              <dgm:constr type="primFontSz" for="des" forName="Child2" refType="primFontSz" refFor="des" refForName="Parent" op="lte"/>
+              <dgm:constr type="primFontSz" for="des" forName="Child2" refType="primFontSz" refFor="des" refForName="Child1" op="equ"/>
+              <dgm:constr type="r" for="ch" forName="Accent" refType="w"/>
+              <dgm:constr type="t" for="ch" forName="Accent" refType="h" fact="0"/>
+              <dgm:constr type="w" for="ch" forName="Accent" refType="w" fact="0.6946"/>
+              <dgm:constr type="h" for="ch" forName="Accent" refType="h"/>
+              <dgm:constr type="r" for="ch" forName="Parent" refType="w" fact="0.8223"/>
+              <dgm:constr type="t" for="ch" forName="Parent" refType="h" fact="0.2646"/>
+              <dgm:constr type="w" for="ch" forName="Parent" refType="w" fact="0.3446"/>
+              <dgm:constr type="h" for="ch" forName="Parent" refType="h" fact="0.4759"/>
+              <dgm:constr type="r" for="ch" forName="Image1" refType="w" fact="0.4469"/>
+              <dgm:constr type="t" for="ch" forName="Image1" refType="h" fact="0.1585"/>
+              <dgm:constr type="w" for="ch" forName="Image1" refType="w" fact="0.1846"/>
+              <dgm:constr type="h" for="ch" forName="Image1" refType="h" fact="0.255"/>
+              <dgm:constr type="r" for="ch" forName="Image2" refType="w" fact="0.4469"/>
+              <dgm:constr type="t" for="ch" forName="Image2" refType="h" fact="0.5624"/>
+              <dgm:constr type="w" for="ch" forName="Image2" refType="w" fact="0.1846"/>
+              <dgm:constr type="h" for="ch" forName="Image2" refType="h" fact="0.255"/>
+              <dgm:constr type="r" for="ch" forName="Child1" refType="w" fact="0.2471"/>
+              <dgm:constr type="t" for="ch" forName="Child1" refType="h" fact="0.1618"/>
+              <dgm:constr type="w" for="ch" forName="Child1" refType="w" fact="0.2471"/>
+              <dgm:constr type="h" for="ch" forName="Child1" refType="h" fact="0.2468"/>
+              <dgm:constr type="r" for="ch" forName="Child2" refType="w" fact="0.2471"/>
+              <dgm:constr type="t" for="ch" forName="Child2" refType="h" fact="0.5657"/>
+              <dgm:constr type="w" for="ch" forName="Child2" refType="w" fact="0.2471"/>
+              <dgm:constr type="h" for="ch" forName="Child2" refType="h" fact="0.2468"/>
+            </dgm:constrLst>
+          </dgm:if>
+          <dgm:if name="Name14" axis="ch ch" ptType="node node" st="1 1" cnt="1 0" func="cnt" op="equ" val="3">
+            <dgm:alg type="composite">
+              <dgm:param type="ar" val="1.4218"/>
+            </dgm:alg>
+            <dgm:constrLst>
+              <dgm:constr type="primFontSz" for="des" forName="Child1" val="65"/>
+              <dgm:constr type="primFontSz" for="des" forName="Parent" val="65"/>
+              <dgm:constr type="primFontSz" for="des" forName="Child1" refType="primFontSz" refFor="des" refForName="Parent" op="lte"/>
+              <dgm:constr type="primFontSz" for="des" forName="Child2" refType="primFontSz" refFor="des" refForName="Parent" op="lte"/>
+              <dgm:constr type="primFontSz" for="des" forName="Child3" refType="primFontSz" refFor="des" refForName="Parent" op="lte"/>
+              <dgm:constr type="primFontSz" for="des" forName="Child2" refType="primFontSz" refFor="des" refForName="Child1" op="equ"/>
+              <dgm:constr type="primFontSz" for="des" forName="Child3" refType="primFontSz" refFor="des" refForName="Child1" op="equ"/>
+              <dgm:constr type="r" for="ch" forName="Accent" refType="w"/>
+              <dgm:constr type="t" for="ch" forName="Accent" refType="h" fact="0"/>
+              <dgm:constr type="w" for="ch" forName="Accent" refType="w" fact="0.6747"/>
+              <dgm:constr type="h" for="ch" forName="Accent" refType="h"/>
+              <dgm:constr type="r" for="ch" forName="Parent" refType="w" fact="0.8274"/>
+              <dgm:constr type="t" for="ch" forName="Parent" refType="h" fact="0.2646"/>
+              <dgm:constr type="w" for="ch" forName="Parent" refType="w" fact="0.3347"/>
+              <dgm:constr type="h" for="ch" forName="Parent" refType="h" fact="0.4759"/>
+              <dgm:constr type="r" for="ch" forName="Image1" refType="w" fact="0.5032"/>
+              <dgm:constr type="t" for="ch" forName="Image1" refType="h" fact="0.0843"/>
+              <dgm:constr type="w" for="ch" forName="Image1" refType="w" fact="0.1793"/>
+              <dgm:constr type="h" for="ch" forName="Image1" refType="h" fact="0.255"/>
+              <dgm:constr type="r" for="ch" forName="Image2" refType="w" fact="0.4339"/>
+              <dgm:constr type="t" for="ch" forName="Image2" refType="h" fact="0.3744"/>
+              <dgm:constr type="w" for="ch" forName="Image2" refType="w" fact="0.1793"/>
+              <dgm:constr type="h" for="ch" forName="Image2" refType="h" fact="0.255"/>
+              <dgm:constr type="r" for="ch" forName="Image3" refType="w" fact="0.5032"/>
+              <dgm:constr type="t" for="ch" forName="Image3" refType="h" fact="0.6686"/>
+              <dgm:constr type="w" for="ch" forName="Image3" refType="w" fact="0.1793"/>
+              <dgm:constr type="h" for="ch" forName="Image3" refType="h" fact="0.255"/>
+              <dgm:constr type="r" for="ch" forName="Child1" refType="w" fact="0.3103"/>
+              <dgm:constr type="t" for="ch" forName="Child1" refType="h" fact="0.0884"/>
+              <dgm:constr type="w" for="ch" forName="Child1" refType="w" fact="0.24"/>
+              <dgm:constr type="h" for="ch" forName="Child1" refType="h" fact="0.2468"/>
+              <dgm:constr type="r" for="ch" forName="Child2" refType="w" fact="0.24"/>
+              <dgm:constr type="t" for="ch" forName="Child2" refType="h" fact="0.378"/>
+              <dgm:constr type="w" for="ch" forName="Child2" refType="w" fact="0.24"/>
+              <dgm:constr type="h" for="ch" forName="Child2" refType="h" fact="0.2468"/>
+              <dgm:constr type="r" for="ch" forName="Child3" refType="w" fact="0.3103"/>
+              <dgm:constr type="t" for="ch" forName="Child3" refType="h" fact="0.6738"/>
+              <dgm:constr type="w" for="ch" forName="Child3" refType="w" fact="0.24"/>
+              <dgm:constr type="h" for="ch" forName="Child3" refType="h" fact="0.2468"/>
+            </dgm:constrLst>
+          </dgm:if>
+          <dgm:else name="Name15">
+            <dgm:alg type="composite">
+              <dgm:param type="ar" val="1.2852"/>
+            </dgm:alg>
+            <dgm:constrLst>
+              <dgm:constr type="primFontSz" for="des" forName="Child1" val="65"/>
+              <dgm:constr type="primFontSz" for="des" forName="Parent" val="65"/>
+              <dgm:constr type="primFontSz" for="des" forName="Child1" refType="primFontSz" refFor="des" refForName="Parent" op="lte"/>
+              <dgm:constr type="primFontSz" for="des" forName="Child2" refType="primFontSz" refFor="des" refForName="Parent" op="lte"/>
+              <dgm:constr type="primFontSz" for="des" forName="Child3" refType="primFontSz" refFor="des" refForName="Parent" op="lte"/>
+              <dgm:constr type="primFontSz" for="des" forName="Child4" refType="primFontSz" refFor="des" refForName="Parent" op="lte"/>
+              <dgm:constr type="primFontSz" for="des" forName="Child2" refType="primFontSz" refFor="des" refForName="Child1" op="equ"/>
+              <dgm:constr type="primFontSz" for="des" forName="Child3" refType="primFontSz" refFor="des" refForName="Child1" op="equ"/>
+              <dgm:constr type="primFontSz" for="des" forName="Child4" refType="primFontSz" refFor="des" refForName="Child1" op="equ"/>
+              <dgm:constr type="r" for="ch" forName="Accent" refType="w"/>
+              <dgm:constr type="t" for="ch" forName="Accent" refType="h" fact="0.0361"/>
+              <dgm:constr type="w" for="ch" forName="Accent" refType="w" fact="0.6865"/>
+              <dgm:constr type="h" for="ch" forName="Accent" refType="h" fact="0.9197"/>
+              <dgm:constr type="r" for="ch" forName="Parent" refType="w" fact="0.8244"/>
+              <dgm:constr type="t" for="ch" forName="Parent" refType="h" fact="0.2795"/>
+              <dgm:constr type="w" for="ch" forName="Parent" refType="w" fact="0.3406"/>
+              <dgm:constr type="h" for="ch" forName="Parent" refType="h" fact="0.4377"/>
+              <dgm:constr type="r" for="ch" forName="Image1" refType="w" fact="0.575"/>
+              <dgm:constr type="t" for="ch" forName="Image1" refType="h" fact="0"/>
+              <dgm:constr type="w" for="ch" forName="Image1" refType="w" fact="0.1825"/>
+              <dgm:constr type="h" for="ch" forName="Image1" refType="h" fact="0.2345"/>
+              <dgm:constr type="r" for="ch" forName="Image2" refType="w" fact="0.4402"/>
+              <dgm:constr type="t" for="ch" forName="Image2" refType="h" fact="0.2184"/>
+              <dgm:constr type="w" for="ch" forName="Image2" refType="w" fact="0.1825"/>
+              <dgm:constr type="h" for="ch" forName="Image2" refType="h" fact="0.2345"/>
+              <dgm:constr type="r" for="ch" forName="Image3" refType="w" fact="0.4409"/>
+              <dgm:constr type="t" for="ch" forName="Image3" refType="h" fact="0.5395"/>
+              <dgm:constr type="w" for="ch" forName="Image3" refType="w" fact="0.1825"/>
+              <dgm:constr type="h" for="ch" forName="Image3" refType="h" fact="0.2345"/>
+              <dgm:constr type="r" for="ch" forName="Image4" refType="w" fact="0.575"/>
+              <dgm:constr type="t" for="ch" forName="Image4" refType="h" fact="0.7655"/>
+              <dgm:constr type="w" for="ch" forName="Image4" refType="w" fact="0.1825"/>
+              <dgm:constr type="h" for="ch" forName="Image4" refType="h" fact="0.2345"/>
+              <dgm:constr type="r" for="ch" forName="Child1" refType="w" fact="0.3786"/>
+              <dgm:constr type="t" for="ch" forName="Child1" refType="h" fact="0.003"/>
+              <dgm:constr type="w" for="ch" forName="Child1" refType="w" fact="0.2443"/>
+              <dgm:constr type="h" for="ch" forName="Child1" refType="h" fact="0.227"/>
+              <dgm:constr type="r" for="ch" forName="Child2" refType="w" fact="0.2443"/>
+              <dgm:constr type="t" for="ch" forName="Child2" refType="h" fact="0.2225"/>
+              <dgm:constr type="w" for="ch" forName="Child2" refType="w" fact="0.2443"/>
+              <dgm:constr type="h" for="ch" forName="Child2" refType="h" fact="0.227"/>
+              <dgm:constr type="r" for="ch" forName="Child3" refType="w" fact="0.2443"/>
+              <dgm:constr type="t" for="ch" forName="Child3" refType="h" fact="0.5433"/>
+              <dgm:constr type="w" for="ch" forName="Child3" refType="w" fact="0.2443"/>
+              <dgm:constr type="h" for="ch" forName="Child3" refType="h" fact="0.227"/>
+              <dgm:constr type="r" for="ch" forName="Child4" refType="w" fact="0.3786"/>
+              <dgm:constr type="t" for="ch" forName="Child4" refType="h" fact="0.7703"/>
+              <dgm:constr type="w" for="ch" forName="Child4" refType="w" fact="0.2443"/>
+              <dgm:constr type="h" for="ch" forName="Child4" refType="h" fact="0.227"/>
+            </dgm:constrLst>
+          </dgm:else>
+        </dgm:choose>
+      </dgm:else>
+    </dgm:choose>
+    <dgm:forEach name="wrapper" axis="self" ptType="parTrans">
+      <dgm:forEach name="ImageRepeat" axis="self">
+        <dgm:layoutNode name="Image" styleLbl="fgImgPlace1">
+          <dgm:alg type="sp"/>
+          <dgm:shape xmlns:r="http://schemas.openxmlformats.org/officeDocument/2006/relationships" type="ellipse" r:blip="" blipPhldr="1">
+            <dgm:adjLst/>
+          </dgm:shape>
+          <dgm:presOf/>
+        </dgm:layoutNode>
+      </dgm:forEach>
+    </dgm:forEach>
+    <dgm:forEach name="Name16" axis="ch" ptType="node" cnt="1">
+      <dgm:layoutNode name="Parent" styleLbl="node1">
+        <dgm:varLst>
+          <dgm:chMax val="4"/>
+          <dgm:chPref val="3"/>
+        </dgm:varLst>
+        <dgm:alg type="tx"/>
+        <dgm:shape xmlns:r="http://schemas.openxmlformats.org/officeDocument/2006/relationships" type="ellipse" r:blip="">
+          <dgm:adjLst/>
+        </dgm:shape>
+        <dgm:presOf axis="self" ptType="node"/>
+        <dgm:constrLst>
+          <dgm:constr type="lMarg" refType="primFontSz" fact="0.1"/>
+          <dgm:constr type="rMarg" refType="primFontSz" fact="0.1"/>
+          <dgm:constr type="tMarg" refType="primFontSz" fact="0.1"/>
+          <dgm:constr type="bMarg" refType="primFontSz" fact="0.1"/>
+        </dgm:constrLst>
+        <dgm:ruleLst>
+          <dgm:rule type="primFontSz" val="5" fact="NaN" max="NaN"/>
+        </dgm:ruleLst>
+      </dgm:layoutNode>
+    </dgm:forEach>
+    <dgm:forEach name="Name17" axis="ch ch" ptType="node node" st="1 1" cnt="1 1">
+      <dgm:layoutNode name="Accent" styleLbl="node1">
+        <dgm:alg type="sp"/>
+        <dgm:choose name="Name18">
+          <dgm:if name="Name19" func="var" arg="dir" op="equ" val="norm">
+            <dgm:choose name="Name20">
+              <dgm:if name="Name21" axis="followSib" ptType="node" func="cnt" op="equ" val="0">
+                <dgm:shape xmlns:r="http://schemas.openxmlformats.org/officeDocument/2006/relationships" type="blockArc" r:blip="">
+                  <dgm:adjLst>
+                    <dgm:adj idx="1" val="-49.0368"/>
+                    <dgm:adj idx="2" val="49.4265"/>
+                    <dgm:adj idx="3" val="0.0564"/>
+                  </dgm:adjLst>
+                </dgm:shape>
+              </dgm:if>
+              <dgm:if name="Name22" axis="followSib" ptType="node" func="cnt" op="equ" val="1">
+                <dgm:shape xmlns:r="http://schemas.openxmlformats.org/officeDocument/2006/relationships" type="blockArc" r:blip="">
+                  <dgm:adjLst>
+                    <dgm:adj idx="1" val="-64.2028"/>
+                    <dgm:adj idx="2" val="64.5456"/>
+                    <dgm:adj idx="3" val="0.0558"/>
+                  </dgm:adjLst>
+                </dgm:shape>
+              </dgm:if>
+              <dgm:if name="Name23" axis="followSib" ptType="node" func="cnt" op="equ" val="2">
+                <dgm:shape xmlns:r="http://schemas.openxmlformats.org/officeDocument/2006/relationships" type="blockArc" r:blip="">
+                  <dgm:adjLst>
+                    <dgm:adj idx="1" val="-67.8702"/>
+                    <dgm:adj idx="2" val="68.6519"/>
+                    <dgm:adj idx="3" val="0.0575"/>
+                  </dgm:adjLst>
+                </dgm:shape>
+              </dgm:if>
+              <dgm:else name="Name24">
+                <dgm:shape xmlns:r="http://schemas.openxmlformats.org/officeDocument/2006/relationships" type="blockArc" r:blip="">
+                  <dgm:adjLst>
+                    <dgm:adj idx="1" val="-84.8426"/>
+                    <dgm:adj idx="2" val="84.8009"/>
+                    <dgm:adj idx="3" val="0.0524"/>
+                  </dgm:adjLst>
+                </dgm:shape>
+              </dgm:else>
+            </dgm:choose>
+          </dgm:if>
+          <dgm:else name="Name25">
+            <dgm:choose name="Name26">
+              <dgm:if name="Name27" axis="followSib" ptType="node" func="cnt" op="equ" val="0">
+                <dgm:shape xmlns:r="http://schemas.openxmlformats.org/officeDocument/2006/relationships" rot="180" type="blockArc" r:blip="">
+                  <dgm:adjLst>
+                    <dgm:adj idx="1" val="-49.0368"/>
+                    <dgm:adj idx="2" val="49.4265"/>
+                    <dgm:adj idx="3" val="0.0564"/>
+                  </dgm:adjLst>
+                </dgm:shape>
+              </dgm:if>
+              <dgm:if name="Name28" axis="followSib" ptType="node" func="cnt" op="equ" val="1">
+                <dgm:shape xmlns:r="http://schemas.openxmlformats.org/officeDocument/2006/relationships" rot="180" type="blockArc" r:blip="">
+                  <dgm:adjLst>
+                    <dgm:adj idx="1" val="-64.2028"/>
+                    <dgm:adj idx="2" val="64.5456"/>
+                    <dgm:adj idx="3" val="0.0558"/>
+                  </dgm:adjLst>
+                </dgm:shape>
+              </dgm:if>
+              <dgm:if name="Name29" axis="followSib" ptType="node" func="cnt" op="equ" val="2">
+                <dgm:shape xmlns:r="http://schemas.openxmlformats.org/officeDocument/2006/relationships" rot="180" type="blockArc" r:blip="">
+                  <dgm:adjLst>
+                    <dgm:adj idx="1" val="-67.8702"/>
+                    <dgm:adj idx="2" val="68.6519"/>
+                    <dgm:adj idx="3" val="0.0575"/>
+                  </dgm:adjLst>
+                </dgm:shape>
+              </dgm:if>
+              <dgm:else name="Name30">
+                <dgm:shape xmlns:r="http://schemas.openxmlformats.org/officeDocument/2006/relationships" rot="180" type="blockArc" r:blip="">
+                  <dgm:adjLst>
+                    <dgm:adj idx="1" val="-84.8426"/>
+                    <dgm:adj idx="2" val="84.8009"/>
+                    <dgm:adj idx="3" val="0.0524"/>
+                  </dgm:adjLst>
+                </dgm:shape>
+              </dgm:else>
+            </dgm:choose>
+          </dgm:else>
+        </dgm:choose>
+        <dgm:presOf/>
+      </dgm:layoutNode>
+      <dgm:layoutNode name="Image1" styleLbl="fgImgPlace1">
+        <dgm:alg type="sp"/>
+        <dgm:shape xmlns:r="http://schemas.openxmlformats.org/officeDocument/2006/relationships" type="ellipse" r:blip="" blipPhldr="1">
+          <dgm:adjLst/>
+        </dgm:shape>
+        <dgm:presOf/>
+      </dgm:layoutNode>
+      <dgm:layoutNode name="Child1" styleLbl="revTx">
+        <dgm:varLst>
+          <dgm:chMax val="0"/>
+          <dgm:chPref val="0"/>
+          <dgm:bulletEnabled val="1"/>
+        </dgm:varLst>
+        <dgm:choose name="Name31">
+          <dgm:if name="Name32" func="var" arg="dir" op="equ" val="norm">
+            <dgm:alg type="tx">
+              <dgm:param type="parTxLTRAlign" val="l"/>
+              <dgm:param type="shpTxLTRAlignCh" val="l"/>
+              <dgm:param type="parTxRTLAlign" val="l"/>
+              <dgm:param type="shpTxRTLAlignCh" val="l"/>
+              <dgm:param type="lnSpAfParP" val="10"/>
+            </dgm:alg>
+          </dgm:if>
+          <dgm:else name="Name33">
+            <dgm:alg type="tx">
+              <dgm:param type="parTxLTRAlign" val="r"/>
+              <dgm:param type="shpTxLTRAlignCh" val="r"/>
+              <dgm:param type="parTxRTLAlign" val="r"/>
+              <dgm:param type="shpTxRTLAlignCh" val="r"/>
+              <dgm:param type="lnSpAfParP" val="10"/>
+            </dgm:alg>
+          </dgm:else>
+        </dgm:choose>
+        <dgm:shape xmlns:r="http://schemas.openxmlformats.org/officeDocument/2006/relationships" type="rect" r:blip="">
+          <dgm:adjLst/>
+        </dgm:shape>
+        <dgm:presOf axis="desOrSelf" ptType="node"/>
+        <dgm:constrLst>
+          <dgm:constr type="lMarg" refType="primFontSz" fact="0.1"/>
+          <dgm:constr type="rMarg" refType="primFontSz" fact="0.1"/>
+          <dgm:constr type="tMarg" refType="primFontSz" fact="0.1"/>
+          <dgm:constr type="bMarg" refType="primFontSz" fact="0.1"/>
+        </dgm:constrLst>
+        <dgm:ruleLst>
+          <dgm:rule type="primFontSz" val="5" fact="NaN" max="NaN"/>
+        </dgm:ruleLst>
+      </dgm:layoutNode>
+    </dgm:forEach>
+    <dgm:forEach name="Name34" axis="ch ch" ptType="node node" st="1 2" cnt="1 1">
+      <dgm:layoutNode name="Image2">
+        <dgm:alg type="sp"/>
+        <dgm:shape xmlns:r="http://schemas.openxmlformats.org/officeDocument/2006/relationships" r:blip="">
+          <dgm:adjLst/>
+        </dgm:shape>
+        <dgm:presOf/>
+        <dgm:constrLst/>
+        <dgm:forEach name="Name35" ref="ImageRepeat"/>
+      </dgm:layoutNode>
+      <dgm:layoutNode name="Child2" styleLbl="revTx">
+        <dgm:varLst>
+          <dgm:chMax val="0"/>
+          <dgm:chPref val="0"/>
+          <dgm:bulletEnabled val="1"/>
+        </dgm:varLst>
+        <dgm:choose name="Name36">
+          <dgm:if name="Name37" func="var" arg="dir" op="equ" val="norm">
+            <dgm:alg type="tx">
+              <dgm:param type="parTxLTRAlign" val="l"/>
+              <dgm:param type="shpTxLTRAlignCh" val="l"/>
+              <dgm:param type="parTxRTLAlign" val="l"/>
+              <dgm:param type="shpTxRTLAlignCh" val="l"/>
+              <dgm:param type="lnSpAfParP" val="10"/>
+            </dgm:alg>
+          </dgm:if>
+          <dgm:else name="Name38">
+            <dgm:alg type="tx">
+              <dgm:param type="parTxLTRAlign" val="r"/>
+              <dgm:param type="shpTxLTRAlignCh" val="r"/>
+              <dgm:param type="parTxRTLAlign" val="r"/>
+              <dgm:param type="shpTxRTLAlignCh" val="r"/>
+              <dgm:param type="lnSpAfParP" val="10"/>
+            </dgm:alg>
+          </dgm:else>
+        </dgm:choose>
+        <dgm:shape xmlns:r="http://schemas.openxmlformats.org/officeDocument/2006/relationships" type="rect" r:blip="">
+          <dgm:adjLst/>
+        </dgm:shape>
+        <dgm:presOf axis="desOrSelf" ptType="node"/>
+        <dgm:constrLst>
+          <dgm:constr type="lMarg" refType="primFontSz" fact="0.1"/>
+          <dgm:constr type="rMarg" refType="primFontSz" fact="0.1"/>
+          <dgm:constr type="tMarg" refType="primFontSz" fact="0.1"/>
+          <dgm:constr type="bMarg" refType="primFontSz" fact="0.1"/>
+        </dgm:constrLst>
+        <dgm:ruleLst>
+          <dgm:rule type="primFontSz" val="5" fact="NaN" max="NaN"/>
+        </dgm:ruleLst>
+      </dgm:layoutNode>
+    </dgm:forEach>
+    <dgm:forEach name="Name39" axis="ch ch" ptType="node node" st="1 3" cnt="1 1">
+      <dgm:layoutNode name="Image3">
+        <dgm:alg type="sp"/>
+        <dgm:shape xmlns:r="http://schemas.openxmlformats.org/officeDocument/2006/relationships" r:blip="">
+          <dgm:adjLst/>
+        </dgm:shape>
+        <dgm:presOf/>
+        <dgm:constrLst/>
+        <dgm:forEach name="Name40" ref="ImageRepeat"/>
+      </dgm:layoutNode>
+      <dgm:layoutNode name="Child3" styleLbl="revTx">
+        <dgm:varLst>
+          <dgm:chMax val="0"/>
+          <dgm:chPref val="0"/>
+          <dgm:bulletEnabled val="1"/>
+        </dgm:varLst>
+        <dgm:choose name="Name41">
+          <dgm:if name="Name42" func="var" arg="dir" op="equ" val="norm">
+            <dgm:alg type="tx">
+              <dgm:param type="parTxLTRAlign" val="l"/>
+              <dgm:param type="shpTxLTRAlignCh" val="l"/>
+              <dgm:param type="parTxRTLAlign" val="l"/>
+              <dgm:param type="shpTxRTLAlignCh" val="l"/>
+              <dgm:param type="lnSpAfParP" val="10"/>
+            </dgm:alg>
+          </dgm:if>
+          <dgm:else name="Name43">
+            <dgm:alg type="tx">
+              <dgm:param type="parTxLTRAlign" val="r"/>
+              <dgm:param type="shpTxLTRAlignCh" val="r"/>
+              <dgm:param type="parTxRTLAlign" val="r"/>
+              <dgm:param type="shpTxRTLAlignCh" val="r"/>
+              <dgm:param type="lnSpAfParP" val="10"/>
+            </dgm:alg>
+          </dgm:else>
+        </dgm:choose>
+        <dgm:shape xmlns:r="http://schemas.openxmlformats.org/officeDocument/2006/relationships" type="rect" r:blip="">
+          <dgm:adjLst/>
+        </dgm:shape>
+        <dgm:presOf axis="desOrSelf" ptType="node"/>
+        <dgm:constrLst>
+          <dgm:constr type="lMarg" refType="primFontSz" fact="0.1"/>
+          <dgm:constr type="rMarg" refType="primFontSz" fact="0.1"/>
+          <dgm:constr type="tMarg" refType="primFontSz" fact="0.1"/>
+          <dgm:constr type="bMarg" refType="primFontSz" fact="0.1"/>
+        </dgm:constrLst>
+        <dgm:ruleLst>
+          <dgm:rule type="primFontSz" val="5" fact="NaN" max="NaN"/>
+        </dgm:ruleLst>
+      </dgm:layoutNode>
+    </dgm:forEach>
+    <dgm:forEach name="Name44" axis="ch ch" ptType="node node" st="1 4" cnt="1 1">
+      <dgm:layoutNode name="Image4">
+        <dgm:alg type="sp"/>
+        <dgm:shape xmlns:r="http://schemas.openxmlformats.org/officeDocument/2006/relationships" r:blip="">
+          <dgm:adjLst/>
+        </dgm:shape>
+        <dgm:presOf/>
+        <dgm:constrLst/>
+        <dgm:forEach name="Name45" ref="ImageRepeat"/>
+      </dgm:layoutNode>
+      <dgm:layoutNode name="Child4" styleLbl="revTx">
+        <dgm:varLst>
+          <dgm:chMax val="0"/>
+          <dgm:chPref val="0"/>
+          <dgm:bulletEnabled val="1"/>
+        </dgm:varLst>
+        <dgm:choose name="Name46">
+          <dgm:if name="Name47" func="var" arg="dir" op="equ" val="norm">
+            <dgm:alg type="tx">
+              <dgm:param type="parTxLTRAlign" val="l"/>
+              <dgm:param type="shpTxLTRAlignCh" val="l"/>
+              <dgm:param type="parTxRTLAlign" val="l"/>
+              <dgm:param type="shpTxRTLAlignCh" val="l"/>
+              <dgm:param type="lnSpAfParP" val="10"/>
+            </dgm:alg>
+          </dgm:if>
+          <dgm:else name="Name48">
+            <dgm:alg type="tx">
+              <dgm:param type="parTxLTRAlign" val="r"/>
+              <dgm:param type="shpTxLTRAlignCh" val="r"/>
+              <dgm:param type="parTxRTLAlign" val="r"/>
+              <dgm:param type="shpTxRTLAlignCh" val="r"/>
+              <dgm:param type="lnSpAfParP" val="10"/>
+            </dgm:alg>
+          </dgm:else>
+        </dgm:choose>
+        <dgm:shape xmlns:r="http://schemas.openxmlformats.org/officeDocument/2006/relationships" type="rect" r:blip="">
+          <dgm:adjLst/>
+        </dgm:shape>
+        <dgm:presOf axis="desOrSelf" ptType="node"/>
+        <dgm:constrLst>
+          <dgm:constr type="lMarg" refType="primFontSz" fact="0.1"/>
+          <dgm:constr type="rMarg" refType="primFontSz" fact="0.1"/>
+          <dgm:constr type="tMarg" refType="primFontSz" fact="0.1"/>
+          <dgm:constr type="bMarg" refType="primFontSz" fact="0.1"/>
+        </dgm:constrLst>
+        <dgm:ruleLst>
+          <dgm:rule type="primFontSz" val="5" fact="NaN" max="NaN"/>
+        </dgm:ruleLst>
+      </dgm:layoutNode>
+    </dgm:forEach>
+  </dgm:layoutNode>
+</dgm:layoutDef>
+</file>
+
+<file path=ppt/diagrams/layout2.xml><?xml version="1.0" encoding="utf-8"?>
+<dgm:layoutDef xmlns:dgm="http://schemas.openxmlformats.org/drawingml/2006/diagram" xmlns:a="http://schemas.openxmlformats.org/drawingml/2006/main" uniqueId="urn:microsoft.com/office/officeart/2011/layout/RadialPictureList">
+  <dgm:title val="Radial Picture List"/>
+  <dgm:desc val="Use to show relationships to a central idea. The Level 1 shape contains text and all Level 2 shapes contain a picture with corresponding text. Limited to four Level 2 pictures.  Unused pictures do not appear, but remain available if you switch layouts. Works best with a small amount of Level 2 text."/>
+  <dgm:catLst>
+    <dgm:cat type="picture" pri="2500"/>
+    <dgm:cat type="officeonline" pri="2500"/>
+  </dgm:catLst>
+  <dgm:sampData>
+    <dgm:dataModel>
+      <dgm:ptLst>
+        <dgm:pt modelId="0" type="doc"/>
+        <dgm:pt modelId="10">
+          <dgm:prSet phldr="1"/>
+        </dgm:pt>
+        <dgm:pt modelId="11">
+          <dgm:prSet phldr="1"/>
+        </dgm:pt>
+        <dgm:pt modelId="12">
+          <dgm:prSet phldr="1"/>
+        </dgm:pt>
+        <dgm:pt modelId="13">
+          <dgm:prSet phldr="1"/>
+        </dgm:pt>
+      </dgm:ptLst>
+      <dgm:cxnLst>
+        <dgm:cxn modelId="1" srcId="0" destId="10" srcOrd="0" destOrd="0"/>
+        <dgm:cxn modelId="2" srcId="10" destId="11" srcOrd="0" destOrd="0"/>
+        <dgm:cxn modelId="3" srcId="10" destId="12" srcOrd="1" destOrd="0"/>
+        <dgm:cxn modelId="4" srcId="10" destId="13" srcOrd="2" destOrd="0"/>
+      </dgm:cxnLst>
+      <dgm:bg/>
+      <dgm:whole/>
+    </dgm:dataModel>
+  </dgm:sampData>
+  <dgm:styleData>
+    <dgm:dataModel>
+      <dgm:ptLst>
+        <dgm:pt modelId="0" type="doc"/>
+        <dgm:pt modelId="10">
+          <dgm:prSet phldr="1"/>
+        </dgm:pt>
+        <dgm:pt modelId="11">
+          <dgm:prSet phldr="1"/>
+        </dgm:pt>
+        <dgm:pt modelId="12">
+          <dgm:prSet phldr="1"/>
+        </dgm:pt>
+      </dgm:ptLst>
+      <dgm:cxnLst>
+        <dgm:cxn modelId="1" srcId="0" destId="10" srcOrd="0" destOrd="0"/>
+        <dgm:cxn modelId="2" srcId="10" destId="11" srcOrd="0" destOrd="0"/>
+        <dgm:cxn modelId="3" srcId="10" destId="12" srcOrd="1" destOrd="0"/>
+      </dgm:cxnLst>
+      <dgm:bg/>
+      <dgm:whole/>
+    </dgm:dataModel>
+  </dgm:styleData>
+  <dgm:clrData>
+    <dgm:dataModel>
+      <dgm:ptLst>
+        <dgm:pt modelId="0" type="doc"/>
+        <dgm:pt modelId="10">
+          <dgm:prSet phldr="1"/>
+        </dgm:pt>
+        <dgm:pt modelId="11">
+          <dgm:prSet phldr="1"/>
+        </dgm:pt>
+        <dgm:pt modelId="12">
+          <dgm:prSet phldr="1"/>
+        </dgm:pt>
+        <dgm:pt modelId="13">
+          <dgm:prSet phldr="1"/>
+        </dgm:pt>
+        <dgm:pt modelId="14">
+          <dgm:prSet phldr="1"/>
+        </dgm:pt>
+      </dgm:ptLst>
+      <dgm:cxnLst>
+        <dgm:cxn modelId="1" srcId="0" destId="10" srcOrd="0" destOrd="0"/>
+        <dgm:cxn modelId="2" srcId="10" destId="11" srcOrd="0" destOrd="0"/>
+        <dgm:cxn modelId="3" srcId="10" destId="12" srcOrd="1" destOrd="0"/>
+        <dgm:cxn modelId="4" srcId="10" destId="13" srcOrd="2" destOrd="0"/>
+        <dgm:cxn modelId="5" srcId="10" destId="14" srcOrd="3" destOrd="0"/>
+      </dgm:cxnLst>
+      <dgm:bg/>
+      <dgm:whole/>
+    </dgm:dataModel>
+  </dgm:clrData>
+  <dgm:layoutNode name="Name0">
+    <dgm:varLst>
+      <dgm:chMax val="1"/>
+      <dgm:chPref val="1"/>
+      <dgm:dir/>
+      <dgm:resizeHandles/>
+    </dgm:varLst>
+    <dgm:shape xmlns:r="http://schemas.openxmlformats.org/officeDocument/2006/relationships" r:blip="">
+      <dgm:adjLst/>
+    </dgm:shape>
+    <dgm:choose name="Name1">
+      <dgm:if name="Name2" func="var" arg="dir" op="equ" val="norm">
+        <dgm:choose name="Name3">
+          <dgm:if name="Name4" axis="ch ch" ptType="node node" st="1 1" cnt="1 0" func="cnt" op="equ" val="0">
+            <dgm:alg type="composite">
+              <dgm:param type="ar" val="1"/>
+            </dgm:alg>
+            <dgm:constrLst>
+              <dgm:constr type="primFontSz" for="des" forName="Parent" val="65"/>
+              <dgm:constr type="l" for="ch" forName="Parent" refType="w" fact="0"/>
+              <dgm:constr type="t" for="ch" forName="Parent" refType="h" fact="0"/>
+              <dgm:constr type="w" for="ch" forName="Parent" refType="w"/>
+              <dgm:constr type="h" for="ch" forName="Parent" refType="h"/>
+            </dgm:constrLst>
+          </dgm:if>
+          <dgm:if name="Name5" axis="ch ch" ptType="node node" st="1 1" cnt="1 0" func="cnt" op="equ" val="1">
+            <dgm:alg type="composite">
+              <dgm:param type="ar" val="1.4218"/>
+            </dgm:alg>
+            <dgm:constrLst>
+              <dgm:constr type="primFontSz" for="des" forName="Child1" val="65"/>
+              <dgm:constr type="primFontSz" for="des" forName="Parent" val="65"/>
+              <dgm:constr type="primFontSz" for="des" forName="Child1" refType="primFontSz" refFor="des" refForName="Parent" op="lte"/>
+              <dgm:constr type="l" for="ch" forName="Accent" refType="w" fact="0"/>
+              <dgm:constr type="t" for="ch" forName="Accent" refType="h" fact="0"/>
+              <dgm:constr type="w" for="ch" forName="Accent" refType="w" fact="0.6747"/>
+              <dgm:constr type="h" for="ch" forName="Accent" refType="h"/>
+              <dgm:constr type="l" for="ch" forName="Child1" refType="w" fact="0.76"/>
+              <dgm:constr type="t" for="ch" forName="Child1" refType="h" fact="0.3739"/>
+              <dgm:constr type="w" for="ch" forName="Child1" refType="w" fact="0.24"/>
+              <dgm:constr type="h" for="ch" forName="Child1" refType="h" fact="0.255"/>
+              <dgm:constr type="l" for="ch" forName="Parent" refType="w" fact="0.1726"/>
+              <dgm:constr type="t" for="ch" forName="Parent" refType="h" fact="0.2646"/>
+              <dgm:constr type="w" for="ch" forName="Parent" refType="w" fact="0.3347"/>
+              <dgm:constr type="h" for="ch" forName="Parent" refType="h" fact="0.4759"/>
+              <dgm:constr type="l" for="ch" forName="Image1" refType="w" fact="0.5661"/>
+              <dgm:constr type="t" for="ch" forName="Image1" refType="h" fact="0.3744"/>
+              <dgm:constr type="w" for="ch" forName="Image1" refType="w" fact="0.1793"/>
+              <dgm:constr type="h" for="ch" forName="Image1" refType="h" fact="0.255"/>
+            </dgm:constrLst>
+          </dgm:if>
+          <dgm:if name="Name6" axis="ch ch" ptType="node node" st="1 1" cnt="1 0" func="cnt" op="equ" val="2">
+            <dgm:alg type="composite">
+              <dgm:param type="ar" val="1.381"/>
+            </dgm:alg>
+            <dgm:constrLst>
+              <dgm:constr type="primFontSz" for="des" forName="Child1" val="65"/>
+              <dgm:constr type="primFontSz" for="des" forName="Parent" val="65"/>
+              <dgm:constr type="primFontSz" for="des" forName="Child1" refType="primFontSz" refFor="des" refForName="Parent" op="lte"/>
+              <dgm:constr type="primFontSz" for="des" forName="Child2" refType="primFontSz" refFor="des" refForName="Parent" op="lte"/>
+              <dgm:constr type="primFontSz" for="des" forName="Child2" refType="primFontSz" refFor="des" refForName="Child1" op="equ"/>
+              <dgm:constr type="l" for="ch" forName="Accent" refType="w" fact="0"/>
+              <dgm:constr type="t" for="ch" forName="Accent" refType="h" fact="0"/>
+              <dgm:constr type="w" for="ch" forName="Accent" refType="w" fact="0.6946"/>
+              <dgm:constr type="h" for="ch" forName="Accent" refType="h"/>
+              <dgm:constr type="l" for="ch" forName="Parent" refType="w" fact="0.1777"/>
+              <dgm:constr type="t" for="ch" forName="Parent" refType="h" fact="0.2646"/>
+              <dgm:constr type="w" for="ch" forName="Parent" refType="w" fact="0.3446"/>
+              <dgm:constr type="h" for="ch" forName="Parent" refType="h" fact="0.4759"/>
+              <dgm:constr type="l" for="ch" forName="Image1" refType="w" fact="0.5531"/>
+              <dgm:constr type="t" for="ch" forName="Image1" refType="h" fact="0.1585"/>
+              <dgm:constr type="w" for="ch" forName="Image1" refType="w" fact="0.1846"/>
+              <dgm:constr type="h" for="ch" forName="Image1" refType="h" fact="0.255"/>
+              <dgm:constr type="l" for="ch" forName="Image2" refType="w" fact="0.5531"/>
+              <dgm:constr type="t" for="ch" forName="Image2" refType="h" fact="0.5624"/>
+              <dgm:constr type="w" for="ch" forName="Image2" refType="w" fact="0.1846"/>
+              <dgm:constr type="h" for="ch" forName="Image2" refType="h" fact="0.255"/>
+              <dgm:constr type="l" for="ch" forName="Child1" refType="w" fact="0.7529"/>
+              <dgm:constr type="t" for="ch" forName="Child1" refType="h" fact="0.1618"/>
+              <dgm:constr type="w" for="ch" forName="Child1" refType="w" fact="0.2471"/>
+              <dgm:constr type="h" for="ch" forName="Child1" refType="h" fact="0.2468"/>
+              <dgm:constr type="l" for="ch" forName="Child2" refType="w" fact="0.7529"/>
+              <dgm:constr type="t" for="ch" forName="Child2" refType="h" fact="0.5657"/>
+              <dgm:constr type="w" for="ch" forName="Child2" refType="w" fact="0.2471"/>
+              <dgm:constr type="h" for="ch" forName="Child2" refType="h" fact="0.2468"/>
+            </dgm:constrLst>
+          </dgm:if>
+          <dgm:if name="Name7" axis="ch ch" ptType="node node" st="1 1" cnt="1 0" func="cnt" op="equ" val="3">
+            <dgm:alg type="composite">
+              <dgm:param type="ar" val="1.4218"/>
+            </dgm:alg>
+            <dgm:constrLst>
+              <dgm:constr type="primFontSz" for="des" forName="Child1" val="65"/>
+              <dgm:constr type="primFontSz" for="des" forName="Parent" val="65"/>
+              <dgm:constr type="primFontSz" for="des" forName="Child1" refType="primFontSz" refFor="des" refForName="Parent" op="lte"/>
+              <dgm:constr type="primFontSz" for="des" forName="Child2" refType="primFontSz" refFor="des" refForName="Parent" op="lte"/>
+              <dgm:constr type="primFontSz" for="des" forName="Child3" refType="primFontSz" refFor="des" refForName="Parent" op="lte"/>
+              <dgm:constr type="primFontSz" for="des" forName="Child2" refType="primFontSz" refFor="des" refForName="Child1" op="equ"/>
+              <dgm:constr type="primFontSz" for="des" forName="Child3" refType="primFontSz" refFor="des" refForName="Child1" op="equ"/>
+              <dgm:constr type="l" for="ch" forName="Accent" refType="w" fact="0"/>
+              <dgm:constr type="t" for="ch" forName="Accent" refType="h" fact="0"/>
+              <dgm:constr type="w" for="ch" forName="Accent" refType="w" fact="0.6747"/>
+              <dgm:constr type="h" for="ch" forName="Accent" refType="h"/>
+              <dgm:constr type="l" for="ch" forName="Parent" refType="w" fact="0.1726"/>
+              <dgm:constr type="t" for="ch" forName="Parent" refType="h" fact="0.2646"/>
+              <dgm:constr type="w" for="ch" forName="Parent" refType="w" fact="0.3347"/>
+              <dgm:constr type="h" for="ch" forName="Parent" refType="h" fact="0.4759"/>
+              <dgm:constr type="l" for="ch" forName="Image1" refType="w" fact="0.4968"/>
+              <dgm:constr type="t" for="ch" forName="Image1" refType="h" fact="0.0843"/>
+              <dgm:constr type="w" for="ch" forName="Image1" refType="w" fact="0.1793"/>
+              <dgm:constr type="h" for="ch" forName="Image1" refType="h" fact="0.255"/>
+              <dgm:constr type="l" for="ch" forName="Image2" refType="w" fact="0.5661"/>
+              <dgm:constr type="t" for="ch" forName="Image2" refType="h" fact="0.3744"/>
+              <dgm:constr type="w" for="ch" forName="Image2" refType="w" fact="0.1793"/>
+              <dgm:constr type="h" for="ch" forName="Image2" refType="h" fact="0.255"/>
+              <dgm:constr type="l" for="ch" forName="Image3" refType="w" fact="0.4968"/>
+              <dgm:constr type="t" for="ch" forName="Image3" refType="h" fact="0.6686"/>
+              <dgm:constr type="w" for="ch" forName="Image3" refType="w" fact="0.1793"/>
+              <dgm:constr type="h" for="ch" forName="Image3" refType="h" fact="0.255"/>
+              <dgm:constr type="l" for="ch" forName="Child1" refType="w" fact="0.6897"/>
+              <dgm:constr type="t" for="ch" forName="Child1" refType="h" fact="0.0884"/>
+              <dgm:constr type="w" for="ch" forName="Child1" refType="w" fact="0.24"/>
+              <dgm:constr type="h" for="ch" forName="Child1" refType="h" fact="0.2468"/>
+              <dgm:constr type="l" for="ch" forName="Child2" refType="w" fact="0.76"/>
+              <dgm:constr type="t" for="ch" forName="Child2" refType="h" fact="0.378"/>
+              <dgm:constr type="w" for="ch" forName="Child2" refType="w" fact="0.24"/>
+              <dgm:constr type="h" for="ch" forName="Child2" refType="h" fact="0.2468"/>
+              <dgm:constr type="l" for="ch" forName="Child3" refType="w" fact="0.6897"/>
+              <dgm:constr type="t" for="ch" forName="Child3" refType="h" fact="0.6738"/>
+              <dgm:constr type="w" for="ch" forName="Child3" refType="w" fact="0.24"/>
+              <dgm:constr type="h" for="ch" forName="Child3" refType="h" fact="0.2468"/>
+            </dgm:constrLst>
+          </dgm:if>
+          <dgm:else name="Name8">
+            <dgm:alg type="composite">
+              <dgm:param type="ar" val="1.2852"/>
+            </dgm:alg>
+            <dgm:constrLst>
+              <dgm:constr type="primFontSz" for="des" forName="Child1" val="65"/>
+              <dgm:constr type="primFontSz" for="des" forName="Parent" val="65"/>
+              <dgm:constr type="primFontSz" for="des" forName="Child1" refType="primFontSz" refFor="des" refForName="Parent" op="lte"/>
+              <dgm:constr type="primFontSz" for="des" forName="Child2" refType="primFontSz" refFor="des" refForName="Parent" op="lte"/>
+              <dgm:constr type="primFontSz" for="des" forName="Child3" refType="primFontSz" refFor="des" refForName="Parent" op="lte"/>
+              <dgm:constr type="primFontSz" for="des" forName="Child4" refType="primFontSz" refFor="des" refForName="Parent" op="lte"/>
+              <dgm:constr type="primFontSz" for="des" forName="Child2" refType="primFontSz" refFor="des" refForName="Child1" op="equ"/>
+              <dgm:constr type="primFontSz" for="des" forName="Child3" refType="primFontSz" refFor="des" refForName="Child1" op="equ"/>
+              <dgm:constr type="primFontSz" for="des" forName="Child4" refType="primFontSz" refFor="des" refForName="Child1" op="equ"/>
+              <dgm:constr type="l" for="ch" forName="Accent" refType="w" fact="0"/>
+              <dgm:constr type="t" for="ch" forName="Accent" refType="h" fact="0.0361"/>
+              <dgm:constr type="w" for="ch" forName="Accent" refType="w" fact="0.6865"/>
+              <dgm:constr type="h" for="ch" forName="Accent" refType="h" fact="0.9197"/>
+              <dgm:constr type="l" for="ch" forName="Parent" refType="w" fact="0.1756"/>
+              <dgm:constr type="t" for="ch" forName="Parent" refType="h" fact="0.2795"/>
+              <dgm:constr type="w" for="ch" forName="Parent" refType="w" fact="0.3406"/>
+              <dgm:constr type="h" for="ch" forName="Parent" refType="h" fact="0.4377"/>
+              <dgm:constr type="l" for="ch" forName="Image1" refType="w" fact="0.425"/>
+              <dgm:constr type="t" for="ch" forName="Image1" refType="h" fact="0"/>
+              <dgm:constr type="w" for="ch" forName="Image1" refType="w" fact="0.1825"/>
+              <dgm:constr type="h" for="ch" forName="Image1" refType="h" fact="0.2345"/>
+              <dgm:constr type="l" for="ch" forName="Image2" refType="w" fact="0.5598"/>
+              <dgm:constr type="t" for="ch" forName="Image2" refType="h" fact="0.2184"/>
+              <dgm:constr type="w" for="ch" forName="Image2" refType="w" fact="0.1825"/>
+              <dgm:constr type="h" for="ch" forName="Image2" refType="h" fact="0.2345"/>
+              <dgm:constr type="l" for="ch" forName="Image3" refType="w" fact="0.5591"/>
+              <dgm:constr type="t" for="ch" forName="Image3" refType="h" fact="0.5395"/>
+              <dgm:constr type="w" for="ch" forName="Image3" refType="w" fact="0.1825"/>
+              <dgm:constr type="h" for="ch" forName="Image3" refType="h" fact="0.2345"/>
+              <dgm:constr type="l" for="ch" forName="Image4" refType="w" fact="0.425"/>
+              <dgm:constr type="t" for="ch" forName="Image4" refType="h" fact="0.7655"/>
+              <dgm:constr type="w" for="ch" forName="Image4" refType="w" fact="0.1825"/>
+              <dgm:constr type="h" for="ch" forName="Image4" refType="h" fact="0.2345"/>
+              <dgm:constr type="l" for="ch" forName="Child1" refType="w" fact="0.6214"/>
+              <dgm:constr type="t" for="ch" forName="Child1" refType="h" fact="0.003"/>
+              <dgm:constr type="w" for="ch" forName="Child1" refType="w" fact="0.2443"/>
+              <dgm:constr type="h" for="ch" forName="Child1" refType="h" fact="0.227"/>
+              <dgm:constr type="l" for="ch" forName="Child2" refType="w" fact="0.7557"/>
+              <dgm:constr type="t" for="ch" forName="Child2" refType="h" fact="0.2225"/>
+              <dgm:constr type="w" for="ch" forName="Child2" refType="w" fact="0.2443"/>
+              <dgm:constr type="h" for="ch" forName="Child2" refType="h" fact="0.227"/>
+              <dgm:constr type="l" for="ch" forName="Child3" refType="w" fact="0.7557"/>
+              <dgm:constr type="t" for="ch" forName="Child3" refType="h" fact="0.5433"/>
+              <dgm:constr type="w" for="ch" forName="Child3" refType="w" fact="0.2443"/>
+              <dgm:constr type="h" for="ch" forName="Child3" refType="h" fact="0.227"/>
+              <dgm:constr type="l" for="ch" forName="Child4" refType="w" fact="0.6214"/>
+              <dgm:constr type="t" for="ch" forName="Child4" refType="h" fact="0.7703"/>
+              <dgm:constr type="w" for="ch" forName="Child4" refType="w" fact="0.2443"/>
+              <dgm:constr type="h" for="ch" forName="Child4" refType="h" fact="0.227"/>
+            </dgm:constrLst>
+          </dgm:else>
+        </dgm:choose>
+      </dgm:if>
+      <dgm:else name="Name9">
+        <dgm:choose name="Name10">
+          <dgm:if name="Name11" axis="ch ch" ptType="node node" st="1 1" cnt="1 0" func="cnt" op="equ" val="0">
+            <dgm:alg type="composite">
+              <dgm:param type="ar" val="1"/>
+            </dgm:alg>
+            <dgm:constrLst>
+              <dgm:constr type="primFontSz" for="des" forName="Parent" val="65"/>
+              <dgm:constr type="l" for="ch" forName="Parent" refType="w" fact="0"/>
+              <dgm:constr type="t" for="ch" forName="Parent" refType="h" fact="0"/>
+              <dgm:constr type="w" for="ch" forName="Parent" refType="w"/>
+              <dgm:constr type="h" for="ch" forName="Parent" refType="h"/>
+            </dgm:constrLst>
+          </dgm:if>
+          <dgm:if name="Name12" axis="ch ch" ptType="node node" st="1 1" cnt="1 0" func="cnt" op="equ" val="1">
+            <dgm:alg type="composite">
+              <dgm:param type="ar" val="1.4218"/>
+            </dgm:alg>
+            <dgm:constrLst>
+              <dgm:constr type="primFontSz" for="des" forName="Child1" val="65"/>
+              <dgm:constr type="primFontSz" for="des" forName="Parent" val="65"/>
+              <dgm:constr type="primFontSz" for="des" forName="Child1" refType="primFontSz" refFor="des" refForName="Parent" op="lte"/>
+              <dgm:constr type="r" for="ch" forName="Accent" refType="w"/>
+              <dgm:constr type="t" for="ch" forName="Accent" refType="h" fact="0"/>
+              <dgm:constr type="w" for="ch" forName="Accent" refType="w" fact="0.6747"/>
+              <dgm:constr type="h" for="ch" forName="Accent" refType="h"/>
+              <dgm:constr type="r" for="ch" forName="Child1" refType="w" fact="0.24"/>
+              <dgm:constr type="t" for="ch" forName="Child1" refType="h" fact="0.3739"/>
+              <dgm:constr type="w" for="ch" forName="Child1" refType="w" fact="0.24"/>
+              <dgm:constr type="h" for="ch" forName="Child1" refType="h" fact="0.255"/>
+              <dgm:constr type="r" for="ch" forName="Parent" refType="w" fact="0.8274"/>
+              <dgm:constr type="t" for="ch" forName="Parent" refType="h" fact="0.2646"/>
+              <dgm:constr type="w" for="ch" forName="Parent" refType="w" fact="0.3347"/>
+              <dgm:constr type="h" for="ch" forName="Parent" refType="h" fact="0.4759"/>
+              <dgm:constr type="r" for="ch" forName="Image1" refType="w" fact="0.4339"/>
+              <dgm:constr type="t" for="ch" forName="Image1" refType="h" fact="0.3744"/>
+              <dgm:constr type="w" for="ch" forName="Image1" refType="w" fact="0.1793"/>
+              <dgm:constr type="h" for="ch" forName="Image1" refType="h" fact="0.255"/>
+            </dgm:constrLst>
+          </dgm:if>
+          <dgm:if name="Name13" axis="ch ch" ptType="node node" st="1 1" cnt="1 0" func="cnt" op="equ" val="2">
+            <dgm:alg type="composite">
+              <dgm:param type="ar" val="1.381"/>
+            </dgm:alg>
+            <dgm:constrLst>
+              <dgm:constr type="primFontSz" for="des" forName="Child1" val="65"/>
+              <dgm:constr type="primFontSz" for="des" forName="Parent" val="65"/>
+              <dgm:constr type="primFontSz" for="des" forName="Child1" refType="primFontSz" refFor="des" refForName="Parent" op="lte"/>
+              <dgm:constr type="primFontSz" for="des" forName="Child2" refType="primFontSz" refFor="des" refForName="Parent" op="lte"/>
+              <dgm:constr type="primFontSz" for="des" forName="Child2" refType="primFontSz" refFor="des" refForName="Child1" op="equ"/>
+              <dgm:constr type="r" for="ch" forName="Accent" refType="w"/>
+              <dgm:constr type="t" for="ch" forName="Accent" refType="h" fact="0"/>
+              <dgm:constr type="w" for="ch" forName="Accent" refType="w" fact="0.6946"/>
+              <dgm:constr type="h" for="ch" forName="Accent" refType="h"/>
+              <dgm:constr type="r" for="ch" forName="Parent" refType="w" fact="0.8223"/>
+              <dgm:constr type="t" for="ch" forName="Parent" refType="h" fact="0.2646"/>
+              <dgm:constr type="w" for="ch" forName="Parent" refType="w" fact="0.3446"/>
+              <dgm:constr type="h" for="ch" forName="Parent" refType="h" fact="0.4759"/>
+              <dgm:constr type="r" for="ch" forName="Image1" refType="w" fact="0.4469"/>
+              <dgm:constr type="t" for="ch" forName="Image1" refType="h" fact="0.1585"/>
+              <dgm:constr type="w" for="ch" forName="Image1" refType="w" fact="0.1846"/>
+              <dgm:constr type="h" for="ch" forName="Image1" refType="h" fact="0.255"/>
+              <dgm:constr type="r" for="ch" forName="Image2" refType="w" fact="0.4469"/>
+              <dgm:constr type="t" for="ch" forName="Image2" refType="h" fact="0.5624"/>
+              <dgm:constr type="w" for="ch" forName="Image2" refType="w" fact="0.1846"/>
+              <dgm:constr type="h" for="ch" forName="Image2" refType="h" fact="0.255"/>
+              <dgm:constr type="r" for="ch" forName="Child1" refType="w" fact="0.2471"/>
+              <dgm:constr type="t" for="ch" forName="Child1" refType="h" fact="0.1618"/>
+              <dgm:constr type="w" for="ch" forName="Child1" refType="w" fact="0.2471"/>
+              <dgm:constr type="h" for="ch" forName="Child1" refType="h" fact="0.2468"/>
+              <dgm:constr type="r" for="ch" forName="Child2" refType="w" fact="0.2471"/>
+              <dgm:constr type="t" for="ch" forName="Child2" refType="h" fact="0.5657"/>
+              <dgm:constr type="w" for="ch" forName="Child2" refType="w" fact="0.2471"/>
+              <dgm:constr type="h" for="ch" forName="Child2" refType="h" fact="0.2468"/>
+            </dgm:constrLst>
+          </dgm:if>
+          <dgm:if name="Name14" axis="ch ch" ptType="node node" st="1 1" cnt="1 0" func="cnt" op="equ" val="3">
+            <dgm:alg type="composite">
+              <dgm:param type="ar" val="1.4218"/>
+            </dgm:alg>
+            <dgm:constrLst>
+              <dgm:constr type="primFontSz" for="des" forName="Child1" val="65"/>
+              <dgm:constr type="primFontSz" for="des" forName="Parent" val="65"/>
+              <dgm:constr type="primFontSz" for="des" forName="Child1" refType="primFontSz" refFor="des" refForName="Parent" op="lte"/>
+              <dgm:constr type="primFontSz" for="des" forName="Child2" refType="primFontSz" refFor="des" refForName="Parent" op="lte"/>
+              <dgm:constr type="primFontSz" for="des" forName="Child3" refType="primFontSz" refFor="des" refForName="Parent" op="lte"/>
+              <dgm:constr type="primFontSz" for="des" forName="Child2" refType="primFontSz" refFor="des" refForName="Child1" op="equ"/>
+              <dgm:constr type="primFontSz" for="des" forName="Child3" refType="primFontSz" refFor="des" refForName="Child1" op="equ"/>
+              <dgm:constr type="r" for="ch" forName="Accent" refType="w"/>
+              <dgm:constr type="t" for="ch" forName="Accent" refType="h" fact="0"/>
+              <dgm:constr type="w" for="ch" forName="Accent" refType="w" fact="0.6747"/>
+              <dgm:constr type="h" for="ch" forName="Accent" refType="h"/>
+              <dgm:constr type="r" for="ch" forName="Parent" refType="w" fact="0.8274"/>
+              <dgm:constr type="t" for="ch" forName="Parent" refType="h" fact="0.2646"/>
+              <dgm:constr type="w" for="ch" forName="Parent" refType="w" fact="0.3347"/>
+              <dgm:constr type="h" for="ch" forName="Parent" refType="h" fact="0.4759"/>
+              <dgm:constr type="r" for="ch" forName="Image1" refType="w" fact="0.5032"/>
+              <dgm:constr type="t" for="ch" forName="Image1" refType="h" fact="0.0843"/>
+              <dgm:constr type="w" for="ch" forName="Image1" refType="w" fact="0.1793"/>
+              <dgm:constr type="h" for="ch" forName="Image1" refType="h" fact="0.255"/>
+              <dgm:constr type="r" for="ch" forName="Image2" refType="w" fact="0.4339"/>
+              <dgm:constr type="t" for="ch" forName="Image2" refType="h" fact="0.3744"/>
+              <dgm:constr type="w" for="ch" forName="Image2" refType="w" fact="0.1793"/>
+              <dgm:constr type="h" for="ch" forName="Image2" refType="h" fact="0.255"/>
+              <dgm:constr type="r" for="ch" forName="Image3" refType="w" fact="0.5032"/>
+              <dgm:constr type="t" for="ch" forName="Image3" refType="h" fact="0.6686"/>
+              <dgm:constr type="w" for="ch" forName="Image3" refType="w" fact="0.1793"/>
+              <dgm:constr type="h" for="ch" forName="Image3" refType="h" fact="0.255"/>
+              <dgm:constr type="r" for="ch" forName="Child1" refType="w" fact="0.3103"/>
+              <dgm:constr type="t" for="ch" forName="Child1" refType="h" fact="0.0884"/>
+              <dgm:constr type="w" for="ch" forName="Child1" refType="w" fact="0.24"/>
+              <dgm:constr type="h" for="ch" forName="Child1" refType="h" fact="0.2468"/>
+              <dgm:constr type="r" for="ch" forName="Child2" refType="w" fact="0.24"/>
+              <dgm:constr type="t" for="ch" forName="Child2" refType="h" fact="0.378"/>
+              <dgm:constr type="w" for="ch" forName="Child2" refType="w" fact="0.24"/>
+              <dgm:constr type="h" for="ch" forName="Child2" refType="h" fact="0.2468"/>
+              <dgm:constr type="r" for="ch" forName="Child3" refType="w" fact="0.3103"/>
+              <dgm:constr type="t" for="ch" forName="Child3" refType="h" fact="0.6738"/>
+              <dgm:constr type="w" for="ch" forName="Child3" refType="w" fact="0.24"/>
+              <dgm:constr type="h" for="ch" forName="Child3" refType="h" fact="0.2468"/>
+            </dgm:constrLst>
+          </dgm:if>
+          <dgm:else name="Name15">
+            <dgm:alg type="composite">
+              <dgm:param type="ar" val="1.2852"/>
+            </dgm:alg>
+            <dgm:constrLst>
+              <dgm:constr type="primFontSz" for="des" forName="Child1" val="65"/>
+              <dgm:constr type="primFontSz" for="des" forName="Parent" val="65"/>
+              <dgm:constr type="primFontSz" for="des" forName="Child1" refType="primFontSz" refFor="des" refForName="Parent" op="lte"/>
+              <dgm:constr type="primFontSz" for="des" forName="Child2" refType="primFontSz" refFor="des" refForName="Parent" op="lte"/>
+              <dgm:constr type="primFontSz" for="des" forName="Child3" refType="primFontSz" refFor="des" refForName="Parent" op="lte"/>
+              <dgm:constr type="primFontSz" for="des" forName="Child4" refType="primFontSz" refFor="des" refForName="Parent" op="lte"/>
+              <dgm:constr type="primFontSz" for="des" forName="Child2" refType="primFontSz" refFor="des" refForName="Child1" op="equ"/>
+              <dgm:constr type="primFontSz" for="des" forName="Child3" refType="primFontSz" refFor="des" refForName="Child1" op="equ"/>
+              <dgm:constr type="primFontSz" for="des" forName="Child4" refType="primFontSz" refFor="des" refForName="Child1" op="equ"/>
+              <dgm:constr type="r" for="ch" forName="Accent" refType="w"/>
+              <dgm:constr type="t" for="ch" forName="Accent" refType="h" fact="0.0361"/>
+              <dgm:constr type="w" for="ch" forName="Accent" refType="w" fact="0.6865"/>
+              <dgm:constr type="h" for="ch" forName="Accent" refType="h" fact="0.9197"/>
+              <dgm:constr type="r" for="ch" forName="Parent" refType="w" fact="0.8244"/>
+              <dgm:constr type="t" for="ch" forName="Parent" refType="h" fact="0.2795"/>
+              <dgm:constr type="w" for="ch" forName="Parent" refType="w" fact="0.3406"/>
+              <dgm:constr type="h" for="ch" forName="Parent" refType="h" fact="0.4377"/>
+              <dgm:constr type="r" for="ch" forName="Image1" refType="w" fact="0.575"/>
+              <dgm:constr type="t" for="ch" forName="Image1" refType="h" fact="0"/>
+              <dgm:constr type="w" for="ch" forName="Image1" refType="w" fact="0.1825"/>
+              <dgm:constr type="h" for="ch" forName="Image1" refType="h" fact="0.2345"/>
+              <dgm:constr type="r" for="ch" forName="Image2" refType="w" fact="0.4402"/>
+              <dgm:constr type="t" for="ch" forName="Image2" refType="h" fact="0.2184"/>
+              <dgm:constr type="w" for="ch" forName="Image2" refType="w" fact="0.1825"/>
+              <dgm:constr type="h" for="ch" forName="Image2" refType="h" fact="0.2345"/>
+              <dgm:constr type="r" for="ch" forName="Image3" refType="w" fact="0.4409"/>
+              <dgm:constr type="t" for="ch" forName="Image3" refType="h" fact="0.5395"/>
+              <dgm:constr type="w" for="ch" forName="Image3" refType="w" fact="0.1825"/>
+              <dgm:constr type="h" for="ch" forName="Image3" refType="h" fact="0.2345"/>
+              <dgm:constr type="r" for="ch" forName="Image4" refType="w" fact="0.575"/>
+              <dgm:constr type="t" for="ch" forName="Image4" refType="h" fact="0.7655"/>
+              <dgm:constr type="w" for="ch" forName="Image4" refType="w" fact="0.1825"/>
+              <dgm:constr type="h" for="ch" forName="Image4" refType="h" fact="0.2345"/>
+              <dgm:constr type="r" for="ch" forName="Child1" refType="w" fact="0.3786"/>
+              <dgm:constr type="t" for="ch" forName="Child1" refType="h" fact="0.003"/>
+              <dgm:constr type="w" for="ch" forName="Child1" refType="w" fact="0.2443"/>
+              <dgm:constr type="h" for="ch" forName="Child1" refType="h" fact="0.227"/>
+              <dgm:constr type="r" for="ch" forName="Child2" refType="w" fact="0.2443"/>
+              <dgm:constr type="t" for="ch" forName="Child2" refType="h" fact="0.2225"/>
+              <dgm:constr type="w" for="ch" forName="Child2" refType="w" fact="0.2443"/>
+              <dgm:constr type="h" for="ch" forName="Child2" refType="h" fact="0.227"/>
+              <dgm:constr type="r" for="ch" forName="Child3" refType="w" fact="0.2443"/>
+              <dgm:constr type="t" for="ch" forName="Child3" refType="h" fact="0.5433"/>
+              <dgm:constr type="w" for="ch" forName="Child3" refType="w" fact="0.2443"/>
+              <dgm:constr type="h" for="ch" forName="Child3" refType="h" fact="0.227"/>
+              <dgm:constr type="r" for="ch" forName="Child4" refType="w" fact="0.3786"/>
+              <dgm:constr type="t" for="ch" forName="Child4" refType="h" fact="0.7703"/>
+              <dgm:constr type="w" for="ch" forName="Child4" refType="w" fact="0.2443"/>
+              <dgm:constr type="h" for="ch" forName="Child4" refType="h" fact="0.227"/>
+            </dgm:constrLst>
+          </dgm:else>
+        </dgm:choose>
+      </dgm:else>
+    </dgm:choose>
+    <dgm:forEach name="wrapper" axis="self" ptType="parTrans">
+      <dgm:forEach name="ImageRepeat" axis="self">
+        <dgm:layoutNode name="Image" styleLbl="fgImgPlace1">
+          <dgm:alg type="sp"/>
+          <dgm:shape xmlns:r="http://schemas.openxmlformats.org/officeDocument/2006/relationships" type="ellipse" r:blip="" blipPhldr="1">
+            <dgm:adjLst/>
+          </dgm:shape>
+          <dgm:presOf/>
+        </dgm:layoutNode>
+      </dgm:forEach>
+    </dgm:forEach>
+    <dgm:forEach name="Name16" axis="ch" ptType="node" cnt="1">
+      <dgm:layoutNode name="Parent" styleLbl="node1">
+        <dgm:varLst>
+          <dgm:chMax val="4"/>
+          <dgm:chPref val="3"/>
+        </dgm:varLst>
+        <dgm:alg type="tx"/>
+        <dgm:shape xmlns:r="http://schemas.openxmlformats.org/officeDocument/2006/relationships" type="ellipse" r:blip="">
+          <dgm:adjLst/>
+        </dgm:shape>
+        <dgm:presOf axis="self" ptType="node"/>
+        <dgm:constrLst>
+          <dgm:constr type="lMarg" refType="primFontSz" fact="0.1"/>
+          <dgm:constr type="rMarg" refType="primFontSz" fact="0.1"/>
+          <dgm:constr type="tMarg" refType="primFontSz" fact="0.1"/>
+          <dgm:constr type="bMarg" refType="primFontSz" fact="0.1"/>
+        </dgm:constrLst>
+        <dgm:ruleLst>
+          <dgm:rule type="primFontSz" val="5" fact="NaN" max="NaN"/>
+        </dgm:ruleLst>
+      </dgm:layoutNode>
+    </dgm:forEach>
+    <dgm:forEach name="Name17" axis="ch ch" ptType="node node" st="1 1" cnt="1 1">
+      <dgm:layoutNode name="Accent" styleLbl="node1">
+        <dgm:alg type="sp"/>
+        <dgm:choose name="Name18">
+          <dgm:if name="Name19" func="var" arg="dir" op="equ" val="norm">
+            <dgm:choose name="Name20">
+              <dgm:if name="Name21" axis="followSib" ptType="node" func="cnt" op="equ" val="0">
+                <dgm:shape xmlns:r="http://schemas.openxmlformats.org/officeDocument/2006/relationships" type="blockArc" r:blip="">
+                  <dgm:adjLst>
+                    <dgm:adj idx="1" val="-49.0368"/>
+                    <dgm:adj idx="2" val="49.4265"/>
+                    <dgm:adj idx="3" val="0.0564"/>
+                  </dgm:adjLst>
+                </dgm:shape>
+              </dgm:if>
+              <dgm:if name="Name22" axis="followSib" ptType="node" func="cnt" op="equ" val="1">
+                <dgm:shape xmlns:r="http://schemas.openxmlformats.org/officeDocument/2006/relationships" type="blockArc" r:blip="">
+                  <dgm:adjLst>
+                    <dgm:adj idx="1" val="-64.2028"/>
+                    <dgm:adj idx="2" val="64.5456"/>
+                    <dgm:adj idx="3" val="0.0558"/>
+                  </dgm:adjLst>
+                </dgm:shape>
+              </dgm:if>
+              <dgm:if name="Name23" axis="followSib" ptType="node" func="cnt" op="equ" val="2">
+                <dgm:shape xmlns:r="http://schemas.openxmlformats.org/officeDocument/2006/relationships" type="blockArc" r:blip="">
+                  <dgm:adjLst>
+                    <dgm:adj idx="1" val="-67.8702"/>
+                    <dgm:adj idx="2" val="68.6519"/>
+                    <dgm:adj idx="3" val="0.0575"/>
+                  </dgm:adjLst>
+                </dgm:shape>
+              </dgm:if>
+              <dgm:else name="Name24">
+                <dgm:shape xmlns:r="http://schemas.openxmlformats.org/officeDocument/2006/relationships" type="blockArc" r:blip="">
+                  <dgm:adjLst>
+                    <dgm:adj idx="1" val="-84.8426"/>
+                    <dgm:adj idx="2" val="84.8009"/>
+                    <dgm:adj idx="3" val="0.0524"/>
+                  </dgm:adjLst>
+                </dgm:shape>
+              </dgm:else>
+            </dgm:choose>
+          </dgm:if>
+          <dgm:else name="Name25">
+            <dgm:choose name="Name26">
+              <dgm:if name="Name27" axis="followSib" ptType="node" func="cnt" op="equ" val="0">
+                <dgm:shape xmlns:r="http://schemas.openxmlformats.org/officeDocument/2006/relationships" rot="180" type="blockArc" r:blip="">
+                  <dgm:adjLst>
+                    <dgm:adj idx="1" val="-49.0368"/>
+                    <dgm:adj idx="2" val="49.4265"/>
+                    <dgm:adj idx="3" val="0.0564"/>
+                  </dgm:adjLst>
+                </dgm:shape>
+              </dgm:if>
+              <dgm:if name="Name28" axis="followSib" ptType="node" func="cnt" op="equ" val="1">
+                <dgm:shape xmlns:r="http://schemas.openxmlformats.org/officeDocument/2006/relationships" rot="180" type="blockArc" r:blip="">
+                  <dgm:adjLst>
+                    <dgm:adj idx="1" val="-64.2028"/>
+                    <dgm:adj idx="2" val="64.5456"/>
+                    <dgm:adj idx="3" val="0.0558"/>
+                  </dgm:adjLst>
+                </dgm:shape>
+              </dgm:if>
+              <dgm:if name="Name29" axis="followSib" ptType="node" func="cnt" op="equ" val="2">
+                <dgm:shape xmlns:r="http://schemas.openxmlformats.org/officeDocument/2006/relationships" rot="180" type="blockArc" r:blip="">
+                  <dgm:adjLst>
+                    <dgm:adj idx="1" val="-67.8702"/>
+                    <dgm:adj idx="2" val="68.6519"/>
+                    <dgm:adj idx="3" val="0.0575"/>
+                  </dgm:adjLst>
+                </dgm:shape>
+              </dgm:if>
+              <dgm:else name="Name30">
+                <dgm:shape xmlns:r="http://schemas.openxmlformats.org/officeDocument/2006/relationships" rot="180" type="blockArc" r:blip="">
+                  <dgm:adjLst>
+                    <dgm:adj idx="1" val="-84.8426"/>
+                    <dgm:adj idx="2" val="84.8009"/>
+                    <dgm:adj idx="3" val="0.0524"/>
+                  </dgm:adjLst>
+                </dgm:shape>
+              </dgm:else>
+            </dgm:choose>
+          </dgm:else>
+        </dgm:choose>
+        <dgm:presOf/>
+      </dgm:layoutNode>
+      <dgm:layoutNode name="Image1" styleLbl="fgImgPlace1">
+        <dgm:alg type="sp"/>
+        <dgm:shape xmlns:r="http://schemas.openxmlformats.org/officeDocument/2006/relationships" type="ellipse" r:blip="" blipPhldr="1">
+          <dgm:adjLst/>
+        </dgm:shape>
+        <dgm:presOf/>
+      </dgm:layoutNode>
+      <dgm:layoutNode name="Child1" styleLbl="revTx">
+        <dgm:varLst>
+          <dgm:chMax val="0"/>
+          <dgm:chPref val="0"/>
+          <dgm:bulletEnabled val="1"/>
+        </dgm:varLst>
+        <dgm:choose name="Name31">
+          <dgm:if name="Name32" func="var" arg="dir" op="equ" val="norm">
+            <dgm:alg type="tx">
+              <dgm:param type="parTxLTRAlign" val="l"/>
+              <dgm:param type="shpTxLTRAlignCh" val="l"/>
+              <dgm:param type="parTxRTLAlign" val="l"/>
+              <dgm:param type="shpTxRTLAlignCh" val="l"/>
+              <dgm:param type="lnSpAfParP" val="10"/>
+            </dgm:alg>
+          </dgm:if>
+          <dgm:else name="Name33">
+            <dgm:alg type="tx">
+              <dgm:param type="parTxLTRAlign" val="r"/>
+              <dgm:param type="shpTxLTRAlignCh" val="r"/>
+              <dgm:param type="parTxRTLAlign" val="r"/>
+              <dgm:param type="shpTxRTLAlignCh" val="r"/>
+              <dgm:param type="lnSpAfParP" val="10"/>
+            </dgm:alg>
+          </dgm:else>
+        </dgm:choose>
+        <dgm:shape xmlns:r="http://schemas.openxmlformats.org/officeDocument/2006/relationships" type="rect" r:blip="">
+          <dgm:adjLst/>
+        </dgm:shape>
+        <dgm:presOf axis="desOrSelf" ptType="node"/>
+        <dgm:constrLst>
+          <dgm:constr type="lMarg" refType="primFontSz" fact="0.1"/>
+          <dgm:constr type="rMarg" refType="primFontSz" fact="0.1"/>
+          <dgm:constr type="tMarg" refType="primFontSz" fact="0.1"/>
+          <dgm:constr type="bMarg" refType="primFontSz" fact="0.1"/>
+        </dgm:constrLst>
+        <dgm:ruleLst>
+          <dgm:rule type="primFontSz" val="5" fact="NaN" max="NaN"/>
+        </dgm:ruleLst>
+      </dgm:layoutNode>
+    </dgm:forEach>
+    <dgm:forEach name="Name34" axis="ch ch" ptType="node node" st="1 2" cnt="1 1">
+      <dgm:layoutNode name="Image2">
+        <dgm:alg type="sp"/>
+        <dgm:shape xmlns:r="http://schemas.openxmlformats.org/officeDocument/2006/relationships" r:blip="">
+          <dgm:adjLst/>
+        </dgm:shape>
+        <dgm:presOf/>
+        <dgm:constrLst/>
+        <dgm:forEach name="Name35" ref="ImageRepeat"/>
+      </dgm:layoutNode>
+      <dgm:layoutNode name="Child2" styleLbl="revTx">
+        <dgm:varLst>
+          <dgm:chMax val="0"/>
+          <dgm:chPref val="0"/>
+          <dgm:bulletEnabled val="1"/>
+        </dgm:varLst>
+        <dgm:choose name="Name36">
+          <dgm:if name="Name37" func="var" arg="dir" op="equ" val="norm">
+            <dgm:alg type="tx">
+              <dgm:param type="parTxLTRAlign" val="l"/>
+              <dgm:param type="shpTxLTRAlignCh" val="l"/>
+              <dgm:param type="parTxRTLAlign" val="l"/>
+              <dgm:param type="shpTxRTLAlignCh" val="l"/>
+              <dgm:param type="lnSpAfParP" val="10"/>
+            </dgm:alg>
+          </dgm:if>
+          <dgm:else name="Name38">
+            <dgm:alg type="tx">
+              <dgm:param type="parTxLTRAlign" val="r"/>
+              <dgm:param type="shpTxLTRAlignCh" val="r"/>
+              <dgm:param type="parTxRTLAlign" val="r"/>
+              <dgm:param type="shpTxRTLAlignCh" val="r"/>
+              <dgm:param type="lnSpAfParP" val="10"/>
+            </dgm:alg>
+          </dgm:else>
+        </dgm:choose>
+        <dgm:shape xmlns:r="http://schemas.openxmlformats.org/officeDocument/2006/relationships" type="rect" r:blip="">
+          <dgm:adjLst/>
+        </dgm:shape>
+        <dgm:presOf axis="desOrSelf" ptType="node"/>
+        <dgm:constrLst>
+          <dgm:constr type="lMarg" refType="primFontSz" fact="0.1"/>
+          <dgm:constr type="rMarg" refType="primFontSz" fact="0.1"/>
+          <dgm:constr type="tMarg" refType="primFontSz" fact="0.1"/>
+          <dgm:constr type="bMarg" refType="primFontSz" fact="0.1"/>
+        </dgm:constrLst>
+        <dgm:ruleLst>
+          <dgm:rule type="primFontSz" val="5" fact="NaN" max="NaN"/>
+        </dgm:ruleLst>
+      </dgm:layoutNode>
+    </dgm:forEach>
+    <dgm:forEach name="Name39" axis="ch ch" ptType="node node" st="1 3" cnt="1 1">
+      <dgm:layoutNode name="Image3">
+        <dgm:alg type="sp"/>
+        <dgm:shape xmlns:r="http://schemas.openxmlformats.org/officeDocument/2006/relationships" r:blip="">
+          <dgm:adjLst/>
+        </dgm:shape>
+        <dgm:presOf/>
+        <dgm:constrLst/>
+        <dgm:forEach name="Name40" ref="ImageRepeat"/>
+      </dgm:layoutNode>
+      <dgm:layoutNode name="Child3" styleLbl="revTx">
+        <dgm:varLst>
+          <dgm:chMax val="0"/>
+          <dgm:chPref val="0"/>
+          <dgm:bulletEnabled val="1"/>
+        </dgm:varLst>
+        <dgm:choose name="Name41">
+          <dgm:if name="Name42" func="var" arg="dir" op="equ" val="norm">
+            <dgm:alg type="tx">
+              <dgm:param type="parTxLTRAlign" val="l"/>
+              <dgm:param type="shpTxLTRAlignCh" val="l"/>
+              <dgm:param type="parTxRTLAlign" val="l"/>
+              <dgm:param type="shpTxRTLAlignCh" val="l"/>
+              <dgm:param type="lnSpAfParP" val="10"/>
+            </dgm:alg>
+          </dgm:if>
+          <dgm:else name="Name43">
+            <dgm:alg type="tx">
+              <dgm:param type="parTxLTRAlign" val="r"/>
+              <dgm:param type="shpTxLTRAlignCh" val="r"/>
+              <dgm:param type="parTxRTLAlign" val="r"/>
+              <dgm:param type="shpTxRTLAlignCh" val="r"/>
+              <dgm:param type="lnSpAfParP" val="10"/>
+            </dgm:alg>
+          </dgm:else>
+        </dgm:choose>
+        <dgm:shape xmlns:r="http://schemas.openxmlformats.org/officeDocument/2006/relationships" type="rect" r:blip="">
+          <dgm:adjLst/>
+        </dgm:shape>
+        <dgm:presOf axis="desOrSelf" ptType="node"/>
+        <dgm:constrLst>
+          <dgm:constr type="lMarg" refType="primFontSz" fact="0.1"/>
+          <dgm:constr type="rMarg" refType="primFontSz" fact="0.1"/>
+          <dgm:constr type="tMarg" refType="primFontSz" fact="0.1"/>
+          <dgm:constr type="bMarg" refType="primFontSz" fact="0.1"/>
+        </dgm:constrLst>
+        <dgm:ruleLst>
+          <dgm:rule type="primFontSz" val="5" fact="NaN" max="NaN"/>
+        </dgm:ruleLst>
+      </dgm:layoutNode>
+    </dgm:forEach>
+    <dgm:forEach name="Name44" axis="ch ch" ptType="node node" st="1 4" cnt="1 1">
+      <dgm:layoutNode name="Image4">
+        <dgm:alg type="sp"/>
+        <dgm:shape xmlns:r="http://schemas.openxmlformats.org/officeDocument/2006/relationships" r:blip="">
+          <dgm:adjLst/>
+        </dgm:shape>
+        <dgm:presOf/>
+        <dgm:constrLst/>
+        <dgm:forEach name="Name45" ref="ImageRepeat"/>
+      </dgm:layoutNode>
+      <dgm:layoutNode name="Child4" styleLbl="revTx">
+        <dgm:varLst>
+          <dgm:chMax val="0"/>
+          <dgm:chPref val="0"/>
+          <dgm:bulletEnabled val="1"/>
+        </dgm:varLst>
+        <dgm:choose name="Name46">
+          <dgm:if name="Name47" func="var" arg="dir" op="equ" val="norm">
+            <dgm:alg type="tx">
+              <dgm:param type="parTxLTRAlign" val="l"/>
+              <dgm:param type="shpTxLTRAlignCh" val="l"/>
+              <dgm:param type="parTxRTLAlign" val="l"/>
+              <dgm:param type="shpTxRTLAlignCh" val="l"/>
+              <dgm:param type="lnSpAfParP" val="10"/>
+            </dgm:alg>
+          </dgm:if>
+          <dgm:else name="Name48">
+            <dgm:alg type="tx">
+              <dgm:param type="parTxLTRAlign" val="r"/>
+              <dgm:param type="shpTxLTRAlignCh" val="r"/>
+              <dgm:param type="parTxRTLAlign" val="r"/>
+              <dgm:param type="shpTxRTLAlignCh" val="r"/>
+              <dgm:param type="lnSpAfParP" val="10"/>
+            </dgm:alg>
+          </dgm:else>
+        </dgm:choose>
+        <dgm:shape xmlns:r="http://schemas.openxmlformats.org/officeDocument/2006/relationships" type="rect" r:blip="">
+          <dgm:adjLst/>
+        </dgm:shape>
+        <dgm:presOf axis="desOrSelf" ptType="node"/>
+        <dgm:constrLst>
+          <dgm:constr type="lMarg" refType="primFontSz" fact="0.1"/>
+          <dgm:constr type="rMarg" refType="primFontSz" fact="0.1"/>
+          <dgm:constr type="tMarg" refType="primFontSz" fact="0.1"/>
+          <dgm:constr type="bMarg" refType="primFontSz" fact="0.1"/>
+        </dgm:constrLst>
+        <dgm:ruleLst>
+          <dgm:rule type="primFontSz" val="5" fact="NaN" max="NaN"/>
+        </dgm:ruleLst>
+      </dgm:layoutNode>
+    </dgm:forEach>
+  </dgm:layoutNode>
+</dgm:layoutDef>
+</file>
+
+<file path=ppt/diagrams/quickStyle1.xml><?xml version="1.0" encoding="utf-8"?>
+<dgm:styleDef xmlns:dgm="http://schemas.openxmlformats.org/drawingml/2006/diagram" xmlns:a="http://schemas.openxmlformats.org/drawingml/2006/main" uniqueId="urn:microsoft.com/office/officeart/2005/8/quickstyle/simple1">
+  <dgm:title val=""/>
+  <dgm:desc val=""/>
+  <dgm:catLst>
+    <dgm:cat type="simple" pri="10100"/>
+  </dgm:catLst>
+  <dgm:scene3d>
+    <a:camera prst="orthographicFront"/>
+    <a:lightRig rig="threePt" dir="t"/>
+  </dgm:scene3d>
+  <dgm:styleLbl name="node0">
+    <dgm:scene3d>
+      <a:camera prst="orthographicFront"/>
+      <a:lightRig rig="threePt" dir="t"/>
+    </dgm:scene3d>
+    <dgm:sp3d/>
+    <dgm:txPr/>
+    <dgm:style>
+      <a:lnRef idx="2">
+        <a:scrgbClr r="0" g="0" b="0"/>
+      </a:lnRef>
+      <a:fillRef idx="1">
+        <a:scrgbClr r="0" g="0" b="0"/>
+      </a:fillRef>
+      <a:effectRef idx="0">
+        <a:scrgbClr r="0" g="0" b="0"/>
+      </a:effectRef>
+      <a:fontRef idx="minor">
+        <a:schemeClr val="lt1"/>
+      </a:fontRef>
+    </dgm:style>
+  </dgm:styleLbl>
+  <dgm:styleLbl name="lnNode1">
+    <dgm:scene3d>
+      <a:camera prst="orthographicFront"/>
+      <a:lightRig rig="threePt" dir="t"/>
+    </dgm:scene3d>
+    <dgm:sp3d/>
+    <dgm:txPr/>
+    <dgm:style>
+      <a:lnRef idx="2">
+        <a:scrgbClr r="0" g="0" b="0"/>
+      </a:lnRef>
+      <a:fillRef idx="1">
+        <a:scrgbClr r="0" g="0" b="0"/>
+      </a:fillRef>
+      <a:effectRef idx="0">
+        <a:scrgbClr r="0" g="0" b="0"/>
+      </a:effectRef>
+      <a:fontRef idx="minor">
+        <a:schemeClr val="lt1"/>
+      </a:fontRef>
+    </dgm:style>
+  </dgm:styleLbl>
+  <dgm:styleLbl name="vennNode1">
+    <dgm:scene3d>
+      <a:camera prst="orthographicFront"/>
+      <a:lightRig rig="threePt" dir="t"/>
+    </dgm:scene3d>
+    <dgm:sp3d/>
+    <dgm:txPr/>
+    <dgm:style>
+      <a:lnRef idx="2">
+        <a:scrgbClr r="0" g="0" b="0"/>
+      </a:lnRef>
+      <a:fillRef idx="1">
+        <a:scrgbClr r="0" g="0" b="0"/>
+      </a:fillRef>
+      <a:effectRef idx="0">
+        <a:scrgbClr r="0" g="0" b="0"/>
+      </a:effectRef>
+      <a:fontRef idx="minor">
+        <a:schemeClr val="tx1"/>
+      </a:fontRef>
+    </dgm:style>
+  </dgm:styleLbl>
+  <dgm:styleLbl name="alignNode1">
+    <dgm:scene3d>
+      <a:camera prst="orthographicFront"/>
+      <a:lightRig rig="threePt" dir="t"/>
+    </dgm:scene3d>
+    <dgm:sp3d/>
+    <dgm:txPr/>
+    <dgm:style>
+      <a:lnRef idx="2">
+        <a:scrgbClr r="0" g="0" b="0"/>
+      </a:lnRef>
+      <a:fillRef idx="1">
+        <a:scrgbClr r="0" g="0" b="0"/>
+      </a:fillRef>
+      <a:effectRef idx="0">
+        <a:scrgbClr r="0" g="0" b="0"/>
+      </a:effectRef>
+      <a:fontRef idx="minor">
+        <a:schemeClr val="lt1"/>
+      </a:fontRef>
+    </dgm:style>
+  </dgm:styleLbl>
+  <dgm:styleLbl name="node1">
+    <dgm:scene3d>
+      <a:camera prst="orthographicFront"/>
+      <a:lightRig rig="threePt" dir="t"/>
+    </dgm:scene3d>
+    <dgm:sp3d/>
+    <dgm:txPr/>
+    <dgm:style>
+      <a:lnRef idx="2">
+        <a:scrgbClr r="0" g="0" b="0"/>
+      </a:lnRef>
+      <a:fillRef idx="1">
+        <a:scrgbClr r="0" g="0" b="0"/>
+      </a:fillRef>
+      <a:effectRef idx="0">
+        <a:scrgbClr r="0" g="0" b="0"/>
+      </a:effectRef>
+      <a:fontRef idx="minor">
+        <a:schemeClr val="lt1"/>
+      </a:fontRef>
+    </dgm:style>
+  </dgm:styleLbl>
+  <dgm:styleLbl name="node2">
+    <dgm:scene3d>
+      <a:camera prst="orthographicFront"/>
+      <a:lightRig rig="threePt" dir="t"/>
+    </dgm:scene3d>
+    <dgm:sp3d/>
+    <dgm:txPr/>
+    <dgm:style>
+      <a:lnRef idx="2">
+        <a:scrgbClr r="0" g="0" b="0"/>
+      </a:lnRef>
+      <a:fillRef idx="1">
+        <a:scrgbClr r="0" g="0" b="0"/>
+      </a:fillRef>
+      <a:effectRef idx="0">
+        <a:scrgbClr r="0" g="0" b="0"/>
+      </a:effectRef>
+      <a:fontRef idx="minor">
+        <a:schemeClr val="lt1"/>
+      </a:fontRef>
+    </dgm:style>
+  </dgm:styleLbl>
+  <dgm:styleLbl name="node3">
+    <dgm:scene3d>
+      <a:camera prst="orthographicFront"/>
+      <a:lightRig rig="threePt" dir="t"/>
+    </dgm:scene3d>
+    <dgm:sp3d/>
+    <dgm:txPr/>
+    <dgm:style>
+      <a:lnRef idx="2">
+        <a:scrgbClr r="0" g="0" b="0"/>
+      </a:lnRef>
+      <a:fillRef idx="1">
+        <a:scrgbClr r="0" g="0" b="0"/>
+      </a:fillRef>
+      <a:effectRef idx="0">
+        <a:scrgbClr r="0" g="0" b="0"/>
+      </a:effectRef>
+      <a:fontRef idx="minor">
+        <a:schemeClr val="lt1"/>
+      </a:fontRef>
+    </dgm:style>
+  </dgm:styleLbl>
+  <dgm:styleLbl name="node4">
+    <dgm:scene3d>
+      <a:camera prst="orthographicFront"/>
+      <a:lightRig rig="threePt" dir="t"/>
+    </dgm:scene3d>
+    <dgm:sp3d/>
+    <dgm:txPr/>
+    <dgm:style>
+      <a:lnRef idx="2">
+        <a:scrgbClr r="0" g="0" b="0"/>
+      </a:lnRef>
+      <a:fillRef idx="1">
+        <a:scrgbClr r="0" g="0" b="0"/>
+      </a:fillRef>
+      <a:effectRef idx="0">
+        <a:scrgbClr r="0" g="0" b="0"/>
+      </a:effectRef>
+      <a:fontRef idx="minor">
+        <a:schemeClr val="lt1"/>
+      </a:fontRef>
+    </dgm:style>
+  </dgm:styleLbl>
+  <dgm:styleLbl name="fgImgPlace1">
+    <dgm:scene3d>
+      <a:camera prst="orthographicFront"/>
+      <a:lightRig rig="threePt" dir="t"/>
+    </dgm:scene3d>
+    <dgm:sp3d/>
+    <dgm:txPr/>
+    <dgm:style>
+      <a:lnRef idx="2">
+        <a:scrgbClr r="0" g="0" b="0"/>
+      </a:lnRef>
+      <a:fillRef idx="1">
+        <a:scrgbClr r="0" g="0" b="0"/>
+      </a:fillRef>
+      <a:effectRef idx="0">
+        <a:scrgbClr r="0" g="0" b="0"/>
+      </a:effectRef>
+      <a:fontRef idx="minor"/>
+    </dgm:style>
+  </dgm:styleLbl>
+  <dgm:styleLbl name="alignImgPlace1">
+    <dgm:scene3d>
+      <a:camera prst="orthographicFront"/>
+      <a:lightRig rig="threePt" dir="t"/>
+    </dgm:scene3d>
+    <dgm:sp3d/>
+    <dgm:txPr/>
+    <dgm:style>
+      <a:lnRef idx="2">
+        <a:scrgbClr r="0" g="0" b="0"/>
+      </a:lnRef>
+      <a:fillRef idx="1">
+        <a:scrgbClr r="0" g="0" b="0"/>
+      </a:fillRef>
+      <a:effectRef idx="0">
+        <a:scrgbClr r="0" g="0" b="0"/>
+      </a:effectRef>
+      <a:fontRef idx="minor"/>
+    </dgm:style>
+  </dgm:styleLbl>
+  <dgm:styleLbl name="bgImgPlace1">
+    <dgm:scene3d>
+      <a:camera prst="orthographicFront"/>
+      <a:lightRig rig="threePt" dir="t"/>
+    </dgm:scene3d>
+    <dgm:sp3d/>
+    <dgm:txPr/>
+    <dgm:style>
+      <a:lnRef idx="2">
+        <a:scrgbClr r="0" g="0" b="0"/>
+      </a:lnRef>
+      <a:fillRef idx="1">
+        <a:scrgbClr r="0" g="0" b="0"/>
+      </a:fillRef>
+      <a:effectRef idx="0">
+        <a:scrgbClr r="0" g="0" b="0"/>
+      </a:effectRef>
+      <a:fontRef idx="minor"/>
+    </dgm:style>
+  </dgm:styleLbl>
+  <dgm:styleLbl name="sibTrans2D1">
+    <dgm:scene3d>
+      <a:camera prst="orthographicFront"/>
+      <a:lightRig rig="threePt" dir="t"/>
+    </dgm:scene3d>
+    <dgm:sp3d/>
+    <dgm:txPr/>
+    <dgm:style>
+      <a:lnRef idx="0">
+        <a:scrgbClr r="0" g="0" b="0"/>
+      </a:lnRef>
+      <a:fillRef idx="1">
+        <a:scrgbClr r="0" g="0" b="0"/>
+      </a:fillRef>
+      <a:effectRef idx="0">
+        <a:scrgbClr r="0" g="0" b="0"/>
+      </a:effectRef>
+      <a:fontRef idx="minor">
+        <a:schemeClr val="lt1"/>
+      </a:fontRef>
+    </dgm:style>
+  </dgm:styleLbl>
+  <dgm:styleLbl name="fgSibTrans2D1">
+    <dgm:scene3d>
+      <a:camera prst="orthographicFront"/>
+      <a:lightRig rig="threePt" dir="t"/>
+    </dgm:scene3d>
+    <dgm:sp3d/>
+    <dgm:txPr/>
+    <dgm:style>
+      <a:lnRef idx="0">
+        <a:scrgbClr r="0" g="0" b="0"/>
+      </a:lnRef>
+      <a:fillRef idx="1">
+        <a:scrgbClr r="0" g="0" b="0"/>
+      </a:fillRef>
+      <a:effectRef idx="0">
+        <a:scrgbClr r="0" g="0" b="0"/>
+      </a:effectRef>
+      <a:fontRef idx="minor">
+        <a:schemeClr val="lt1"/>
+      </a:fontRef>
+    </dgm:style>
+  </dgm:styleLbl>
+  <dgm:styleLbl name="bgSibTrans2D1">
+    <dgm:scene3d>
+      <a:camera prst="orthographicFront"/>
+      <a:lightRig rig="threePt" dir="t"/>
+    </dgm:scene3d>
+    <dgm:sp3d/>
+    <dgm:txPr/>
+    <dgm:style>
+      <a:lnRef idx="0">
+        <a:scrgbClr r="0" g="0" b="0"/>
+      </a:lnRef>
+      <a:fillRef idx="1">
+        <a:scrgbClr r="0" g="0" b="0"/>
+      </a:fillRef>
+      <a:effectRef idx="0">
+        <a:scrgbClr r="0" g="0" b="0"/>
+      </a:effectRef>
+      <a:fontRef idx="minor">
+        <a:schemeClr val="lt1"/>
+      </a:fontRef>
+    </dgm:style>
+  </dgm:styleLbl>
+  <dgm:styleLbl name="sibTrans1D1">
+    <dgm:scene3d>
+      <a:camera prst="orthographicFront"/>
+      <a:lightRig rig="threePt" dir="t"/>
+    </dgm:scene3d>
+    <dgm:sp3d/>
+    <dgm:txPr/>
+    <dgm:style>
+      <a:lnRef idx="1">
+        <a:scrgbClr r="0" g="0" b="0"/>
+      </a:lnRef>
+      <a:fillRef idx="0">
+        <a:scrgbClr r="0" g="0" b="0"/>
+      </a:fillRef>
+      <a:effectRef idx="0">
+        <a:scrgbClr r="0" g="0" b="0"/>
+      </a:effectRef>
+      <a:fontRef idx="minor"/>
+    </dgm:style>
+  </dgm:styleLbl>
+  <dgm:styleLbl name="callout">
+    <dgm:scene3d>
+      <a:camera prst="orthographicFront"/>
+      <a:lightRig rig="threePt" dir="t"/>
+    </dgm:scene3d>
+    <dgm:sp3d/>
+    <dgm:txPr/>
+    <dgm:style>
+      <a:lnRef idx="2">
+        <a:scrgbClr r="0" g="0" b="0"/>
+      </a:lnRef>
+      <a:fillRef idx="1">
+        <a:scrgbClr r="0" g="0" b="0"/>
+      </a:fillRef>
+      <a:effectRef idx="0">
+        <a:scrgbClr r="0" g="0" b="0"/>
+      </a:effectRef>
+      <a:fontRef idx="minor"/>
+    </dgm:style>
+  </dgm:styleLbl>
+  <dgm:styleLbl name="asst0">
+    <dgm:scene3d>
+      <a:camera prst="orthographicFront"/>
+      <a:lightRig rig="threePt" dir="t"/>
+    </dgm:scene3d>
+    <dgm:sp3d/>
+    <dgm:txPr/>
+    <dgm:style>
+      <a:lnRef idx="2">
+        <a:scrgbClr r="0" g="0" b="0"/>
+      </a:lnRef>
+      <a:fillRef idx="1">
+        <a:scrgbClr r="0" g="0" b="0"/>
+      </a:fillRef>
+      <a:effectRef idx="0">
+        <a:scrgbClr r="0" g="0" b="0"/>
+      </a:effectRef>
+      <a:fontRef idx="minor">
+        <a:schemeClr val="lt1"/>
+      </a:fontRef>
+    </dgm:style>
+  </dgm:styleLbl>
+  <dgm:styleLbl name="asst1">
+    <dgm:scene3d>
+      <a:camera prst="orthographicFront"/>
+      <a:lightRig rig="threePt" dir="t"/>
+    </dgm:scene3d>
+    <dgm:sp3d/>
+    <dgm:txPr/>
+    <dgm:style>
+      <a:lnRef idx="2">
+        <a:scrgbClr r="0" g="0" b="0"/>
+      </a:lnRef>
+      <a:fillRef idx="1">
+        <a:scrgbClr r="0" g="0" b="0"/>
+      </a:fillRef>
+      <a:effectRef idx="0">
+        <a:scrgbClr r="0" g="0" b="0"/>
+      </a:effectRef>
+      <a:fontRef idx="minor">
+        <a:schemeClr val="lt1"/>
+      </a:fontRef>
+    </dgm:style>
+  </dgm:styleLbl>
+  <dgm:styleLbl name="asst2">
+    <dgm:scene3d>
+      <a:camera prst="orthographicFront"/>
+      <a:lightRig rig="threePt" dir="t"/>
+    </dgm:scene3d>
+    <dgm:sp3d/>
+    <dgm:txPr/>
+    <dgm:style>
+      <a:lnRef idx="2">
+        <a:scrgbClr r="0" g="0" b="0"/>
+      </a:lnRef>
+      <a:fillRef idx="1">
+        <a:scrgbClr r="0" g="0" b="0"/>
+      </a:fillRef>
+      <a:effectRef idx="0">
+        <a:scrgbClr r="0" g="0" b="0"/>
+      </a:effectRef>
+      <a:fontRef idx="minor">
+        <a:schemeClr val="lt1"/>
+      </a:fontRef>
+    </dgm:style>
+  </dgm:styleLbl>
+  <dgm:styleLbl name="asst3">
+    <dgm:scene3d>
+      <a:camera prst="orthographicFront"/>
+      <a:lightRig rig="threePt" dir="t"/>
+    </dgm:scene3d>
+    <dgm:sp3d/>
+    <dgm:txPr/>
+    <dgm:style>
+      <a:lnRef idx="2">
+        <a:scrgbClr r="0" g="0" b="0"/>
+      </a:lnRef>
+      <a:fillRef idx="1">
+        <a:scrgbClr r="0" g="0" b="0"/>
+      </a:fillRef>
+      <a:effectRef idx="0">
+        <a:scrgbClr r="0" g="0" b="0"/>
+      </a:effectRef>
+      <a:fontRef idx="minor">
+        <a:schemeClr val="lt1"/>
+      </a:fontRef>
+    </dgm:style>
+  </dgm:styleLbl>
+  <dgm:styleLbl name="asst4">
+    <dgm:scene3d>
+      <a:camera prst="orthographicFront"/>
+      <a:lightRig rig="threePt" dir="t"/>
+    </dgm:scene3d>
+    <dgm:sp3d/>
+    <dgm:txPr/>
+    <dgm:style>
+      <a:lnRef idx="2">
+        <a:scrgbClr r="0" g="0" b="0"/>
+      </a:lnRef>
+      <a:fillRef idx="1">
+        <a:scrgbClr r="0" g="0" b="0"/>
+      </a:fillRef>
+      <a:effectRef idx="0">
+        <a:scrgbClr r="0" g="0" b="0"/>
+      </a:effectRef>
+      <a:fontRef idx="minor">
+        <a:schemeClr val="lt1"/>
+      </a:fontRef>
+    </dgm:style>
+  </dgm:styleLbl>
+  <dgm:styleLbl name="parChTrans2D1">
+    <dgm:scene3d>
+      <a:camera prst="orthographicFront"/>
+      <a:lightRig rig="threePt" dir="t"/>
+    </dgm:scene3d>
+    <dgm:sp3d/>
+    <dgm:txPr/>
+    <dgm:style>
+      <a:lnRef idx="2">
+        <a:scrgbClr r="0" g="0" b="0"/>
+      </a:lnRef>
+      <a:fillRef idx="1">
+        <a:scrgbClr r="0" g="0" b="0"/>
+      </a:fillRef>
+      <a:effectRef idx="0">
+        <a:scrgbClr r="0" g="0" b="0"/>
+      </a:effectRef>
+      <a:fontRef idx="minor">
+        <a:schemeClr val="lt1"/>
+      </a:fontRef>
+    </dgm:style>
+  </dgm:styleLbl>
+  <dgm:styleLbl name="parChTrans2D2">
+    <dgm:scene3d>
+      <a:camera prst="orthographicFront"/>
+      <a:lightRig rig="threePt" dir="t"/>
+    </dgm:scene3d>
+    <dgm:sp3d/>
+    <dgm:txPr/>
+    <dgm:style>
+      <a:lnRef idx="2">
+        <a:scrgbClr r="0" g="0" b="0"/>
+      </a:lnRef>
+      <a:fillRef idx="1">
+        <a:scrgbClr r="0" g="0" b="0"/>
+      </a:fillRef>
+      <a:effectRef idx="0">
+        <a:scrgbClr r="0" g="0" b="0"/>
+      </a:effectRef>
+      <a:fontRef idx="minor">
+        <a:schemeClr val="lt1"/>
+      </a:fontRef>
+    </dgm:style>
+  </dgm:styleLbl>
+  <dgm:styleLbl name="parChTrans2D3">
+    <dgm:scene3d>
+      <a:camera prst="orthographicFront"/>
+      <a:lightRig rig="threePt" dir="t"/>
+    </dgm:scene3d>
+    <dgm:sp3d/>
+    <dgm:txPr/>
+    <dgm:style>
+      <a:lnRef idx="2">
+        <a:scrgbClr r="0" g="0" b="0"/>
+      </a:lnRef>
+      <a:fillRef idx="1">
+        <a:scrgbClr r="0" g="0" b="0"/>
+      </a:fillRef>
+      <a:effectRef idx="0">
+        <a:scrgbClr r="0" g="0" b="0"/>
+      </a:effectRef>
+      <a:fontRef idx="minor">
+        <a:schemeClr val="lt1"/>
+      </a:fontRef>
+    </dgm:style>
+  </dgm:styleLbl>
+  <dgm:styleLbl name="parChTrans2D4">
+    <dgm:scene3d>
+      <a:camera prst="orthographicFront"/>
+      <a:lightRig rig="threePt" dir="t"/>
+    </dgm:scene3d>
+    <dgm:sp3d/>
+    <dgm:txPr/>
+    <dgm:style>
+      <a:lnRef idx="2">
+        <a:scrgbClr r="0" g="0" b="0"/>
+      </a:lnRef>
+      <a:fillRef idx="1">
+        <a:scrgbClr r="0" g="0" b="0"/>
+      </a:fillRef>
+      <a:effectRef idx="0">
+        <a:scrgbClr r="0" g="0" b="0"/>
+      </a:effectRef>
+      <a:fontRef idx="minor">
+        <a:schemeClr val="lt1"/>
+      </a:fontRef>
+    </dgm:style>
+  </dgm:styleLbl>
+  <dgm:styleLbl name="parChTrans1D1">
+    <dgm:scene3d>
+      <a:camera prst="orthographicFront"/>
+      <a:lightRig rig="threePt" dir="t"/>
+    </dgm:scene3d>
+    <dgm:sp3d/>
+    <dgm:txPr/>
+    <dgm:style>
+      <a:lnRef idx="2">
+        <a:scrgbClr r="0" g="0" b="0"/>
+      </a:lnRef>
+      <a:fillRef idx="0">
+        <a:scrgbClr r="0" g="0" b="0"/>
+      </a:fillRef>
+      <a:effectRef idx="0">
+        <a:scrgbClr r="0" g="0" b="0"/>
+      </a:effectRef>
+      <a:fontRef idx="minor"/>
+    </dgm:style>
+  </dgm:styleLbl>
+  <dgm:styleLbl name="parChTrans1D2">
+    <dgm:scene3d>
+      <a:camera prst="orthographicFront"/>
+      <a:lightRig rig="threePt" dir="t"/>
+    </dgm:scene3d>
+    <dgm:sp3d/>
+    <dgm:txPr/>
+    <dgm:style>
+      <a:lnRef idx="2">
+        <a:scrgbClr r="0" g="0" b="0"/>
+      </a:lnRef>
+      <a:fillRef idx="0">
+        <a:scrgbClr r="0" g="0" b="0"/>
+      </a:fillRef>
+      <a:effectRef idx="0">
+        <a:scrgbClr r="0" g="0" b="0"/>
+      </a:effectRef>
+      <a:fontRef idx="minor"/>
+    </dgm:style>
+  </dgm:styleLbl>
+  <dgm:styleLbl name="parChTrans1D3">
+    <dgm:scene3d>
+      <a:camera prst="orthographicFront"/>
+      <a:lightRig rig="threePt" dir="t"/>
+    </dgm:scene3d>
+    <dgm:sp3d/>
+    <dgm:txPr/>
+    <dgm:style>
+      <a:lnRef idx="2">
+        <a:scrgbClr r="0" g="0" b="0"/>
+      </a:lnRef>
+      <a:fillRef idx="0">
+        <a:scrgbClr r="0" g="0" b="0"/>
+      </a:fillRef>
+      <a:effectRef idx="0">
+        <a:scrgbClr r="0" g="0" b="0"/>
+      </a:effectRef>
+      <a:fontRef idx="minor"/>
+    </dgm:style>
+  </dgm:styleLbl>
+  <dgm:styleLbl name="parChTrans1D4">
+    <dgm:scene3d>
+      <a:camera prst="orthographicFront"/>
+      <a:lightRig rig="threePt" dir="t"/>
+    </dgm:scene3d>
+    <dgm:sp3d/>
+    <dgm:txPr/>
+    <dgm:style>
+      <a:lnRef idx="2">
+        <a:scrgbClr r="0" g="0" b="0"/>
+      </a:lnRef>
+      <a:fillRef idx="0">
+        <a:scrgbClr r="0" g="0" b="0"/>
+      </a:fillRef>
+      <a:effectRef idx="0">
+        <a:scrgbClr r="0" g="0" b="0"/>
+      </a:effectRef>
+      <a:fontRef idx="minor"/>
+    </dgm:style>
+  </dgm:styleLbl>
+  <dgm:styleLbl name="fgAcc1">
+    <dgm:scene3d>
+      <a:camera prst="orthographicFront"/>
+      <a:lightRig rig="threePt" dir="t"/>
+    </dgm:scene3d>
+    <dgm:sp3d/>
+    <dgm:txPr/>
+    <dgm:style>
+      <a:lnRef idx="2">
+        <a:scrgbClr r="0" g="0" b="0"/>
+      </a:lnRef>
+      <a:fillRef idx="1">
+        <a:scrgbClr r="0" g="0" b="0"/>
+      </a:fillRef>
+      <a:effectRef idx="0">
+        <a:scrgbClr r="0" g="0" b="0"/>
+      </a:effectRef>
+      <a:fontRef idx="minor"/>
+    </dgm:style>
+  </dgm:styleLbl>
+  <dgm:styleLbl name="conFgAcc1">
+    <dgm:scene3d>
+      <a:camera prst="orthographicFront"/>
+      <a:lightRig rig="threePt" dir="t"/>
+    </dgm:scene3d>
+    <dgm:sp3d/>
+    <dgm:txPr/>
+    <dgm:style>
+      <a:lnRef idx="2">
+        <a:scrgbClr r="0" g="0" b="0"/>
+      </a:lnRef>
+      <a:fillRef idx="1">
+        <a:scrgbClr r="0" g="0" b="0"/>
+      </a:fillRef>
+      <a:effectRef idx="0">
+        <a:scrgbClr r="0" g="0" b="0"/>
+      </a:effectRef>
+      <a:fontRef idx="minor"/>
+    </dgm:style>
+  </dgm:styleLbl>
+  <dgm:styleLbl name="alignAcc1">
+    <dgm:scene3d>
+      <a:camera prst="orthographicFront"/>
+      <a:lightRig rig="threePt" dir="t"/>
+    </dgm:scene3d>
+    <dgm:sp3d/>
+    <dgm:txPr/>
+    <dgm:style>
+      <a:lnRef idx="2">
+        <a:scrgbClr r="0" g="0" b="0"/>
+      </a:lnRef>
+      <a:fillRef idx="1">
+        <a:scrgbClr r="0" g="0" b="0"/>
+      </a:fillRef>
+      <a:effectRef idx="0">
+        <a:scrgbClr r="0" g="0" b="0"/>
+      </a:effectRef>
+      <a:fontRef idx="minor"/>
+    </dgm:style>
+  </dgm:styleLbl>
+  <dgm:styleLbl name="trAlignAcc1">
+    <dgm:scene3d>
+      <a:camera prst="orthographicFront"/>
+      <a:lightRig rig="threePt" dir="t"/>
+    </dgm:scene3d>
+    <dgm:sp3d/>
+    <dgm:txPr/>
+    <dgm:style>
+      <a:lnRef idx="1">
+        <a:scrgbClr r="0" g="0" b="0"/>
+      </a:lnRef>
+      <a:fillRef idx="1">
+        <a:scrgbClr r="0" g="0" b="0"/>
+      </a:fillRef>
+      <a:effectRef idx="0">
+        <a:scrgbClr r="0" g="0" b="0"/>
+      </a:effectRef>
+      <a:fontRef idx="minor"/>
+    </dgm:style>
+  </dgm:styleLbl>
+  <dgm:styleLbl name="bgAcc1">
+    <dgm:scene3d>
+      <a:camera prst="orthographicFront"/>
+      <a:lightRig rig="threePt" dir="t"/>
+    </dgm:scene3d>
+    <dgm:sp3d/>
+    <dgm:txPr/>
+    <dgm:style>
+      <a:lnRef idx="2">
+        <a:scrgbClr r="0" g="0" b="0"/>
+      </a:lnRef>
+      <a:fillRef idx="1">
+        <a:scrgbClr r="0" g="0" b="0"/>
+      </a:fillRef>
+      <a:effectRef idx="0">
+        <a:scrgbClr r="0" g="0" b="0"/>
+      </a:effectRef>
+      <a:fontRef idx="minor"/>
+    </dgm:style>
+  </dgm:styleLbl>
+  <dgm:styleLbl name="solidFgAcc1">
+    <dgm:scene3d>
+      <a:camera prst="orthographicFront"/>
+      <a:lightRig rig="threePt" dir="t"/>
+    </dgm:scene3d>
+    <dgm:sp3d/>
+    <dgm:txPr/>
+    <dgm:style>
+      <a:lnRef idx="2">
+        <a:scrgbClr r="0" g="0" b="0"/>
+      </a:lnRef>
+      <a:fillRef idx="1">
+        <a:scrgbClr r="0" g="0" b="0"/>
+      </a:fillRef>
+      <a:effectRef idx="0">
+        <a:scrgbClr r="0" g="0" b="0"/>
+      </a:effectRef>
+      <a:fontRef idx="minor"/>
+    </dgm:style>
+  </dgm:styleLbl>
+  <dgm:styleLbl name="solidAlignAcc1">
+    <dgm:scene3d>
+      <a:camera prst="orthographicFront"/>
+      <a:lightRig rig="threePt" dir="t"/>
+    </dgm:scene3d>
+    <dgm:sp3d/>
+    <dgm:txPr/>
+    <dgm:style>
+      <a:lnRef idx="2">
+        <a:scrgbClr r="0" g="0" b="0"/>
+      </a:lnRef>
+      <a:fillRef idx="1">
+        <a:scrgbClr r="0" g="0" b="0"/>
+      </a:fillRef>
+      <a:effectRef idx="0">
+        <a:scrgbClr r="0" g="0" b="0"/>
+      </a:effectRef>
+      <a:fontRef idx="minor"/>
+    </dgm:style>
+  </dgm:styleLbl>
+  <dgm:styleLbl name="solidBgAcc1">
+    <dgm:scene3d>
+      <a:camera prst="orthographicFront"/>
+      <a:lightRig rig="threePt" dir="t"/>
+    </dgm:scene3d>
+    <dgm:sp3d/>
+    <dgm:txPr/>
+    <dgm:style>
+      <a:lnRef idx="2">
+        <a:scrgbClr r="0" g="0" b="0"/>
+      </a:lnRef>
+      <a:fillRef idx="1">
+        <a:scrgbClr r="0" g="0" b="0"/>
+      </a:fillRef>
+      <a:effectRef idx="0">
+        <a:scrgbClr r="0" g="0" b="0"/>
+      </a:effectRef>
+      <a:fontRef idx="minor"/>
+    </dgm:style>
+  </dgm:styleLbl>
+  <dgm:styleLbl name="fgAccFollowNode1">
+    <dgm:scene3d>
+      <a:camera prst="orthographicFront"/>
+      <a:lightRig rig="threePt" dir="t"/>
+    </dgm:scene3d>
+    <dgm:sp3d/>
+    <dgm:txPr/>
+    <dgm:style>
+      <a:lnRef idx="2">
+        <a:scrgbClr r="0" g="0" b="0"/>
+      </a:lnRef>
+      <a:fillRef idx="1">
+        <a:scrgbClr r="0" g="0" b="0"/>
+      </a:fillRef>
+      <a:effectRef idx="0">
+        <a:scrgbClr r="0" g="0" b="0"/>
+      </a:effectRef>
+      <a:fontRef idx="minor"/>
+    </dgm:style>
+  </dgm:styleLbl>
+  <dgm:styleLbl name="alignAccFollowNode1">
+    <dgm:scene3d>
+      <a:camera prst="orthographicFront"/>
+      <a:lightRig rig="threePt" dir="t"/>
+    </dgm:scene3d>
+    <dgm:sp3d/>
+    <dgm:txPr/>
+    <dgm:style>
+      <a:lnRef idx="2">
+        <a:scrgbClr r="0" g="0" b="0"/>
+      </a:lnRef>
+      <a:fillRef idx="1">
+        <a:scrgbClr r="0" g="0" b="0"/>
+      </a:fillRef>
+      <a:effectRef idx="0">
+        <a:scrgbClr r="0" g="0" b="0"/>
+      </a:effectRef>
+      <a:fontRef idx="minor"/>
+    </dgm:style>
+  </dgm:styleLbl>
+  <dgm:styleLbl name="bgAccFollowNode1">
+    <dgm:scene3d>
+      <a:camera prst="orthographicFront"/>
+      <a:lightRig rig="threePt" dir="t"/>
+    </dgm:scene3d>
+    <dgm:sp3d/>
+    <dgm:txPr/>
+    <dgm:style>
+      <a:lnRef idx="2">
+        <a:scrgbClr r="0" g="0" b="0"/>
+      </a:lnRef>
+      <a:fillRef idx="1">
+        <a:scrgbClr r="0" g="0" b="0"/>
+      </a:fillRef>
+      <a:effectRef idx="0">
+        <a:scrgbClr r="0" g="0" b="0"/>
+      </a:effectRef>
+      <a:fontRef idx="minor"/>
+    </dgm:style>
+  </dgm:styleLbl>
+  <dgm:styleLbl name="fgAcc0">
+    <dgm:scene3d>
+      <a:camera prst="orthographicFront"/>
+      <a:lightRig rig="threePt" dir="t"/>
+    </dgm:scene3d>
+    <dgm:sp3d/>
+    <dgm:txPr/>
+    <dgm:style>
+      <a:lnRef idx="2">
+        <a:scrgbClr r="0" g="0" b="0"/>
+      </a:lnRef>
+      <a:fillRef idx="1">
+        <a:scrgbClr r="0" g="0" b="0"/>
+      </a:fillRef>
+      <a:effectRef idx="0">
+        <a:scrgbClr r="0" g="0" b="0"/>
+      </a:effectRef>
+      <a:fontRef idx="minor"/>
+    </dgm:style>
+  </dgm:styleLbl>
+  <dgm:styleLbl name="fgAcc2">
+    <dgm:scene3d>
+      <a:camera prst="orthographicFront"/>
+      <a:lightRig rig="threePt" dir="t"/>
+    </dgm:scene3d>
+    <dgm:sp3d/>
+    <dgm:txPr/>
+    <dgm:style>
+      <a:lnRef idx="2">
+        <a:scrgbClr r="0" g="0" b="0"/>
+      </a:lnRef>
+      <a:fillRef idx="1">
+        <a:scrgbClr r="0" g="0" b="0"/>
+      </a:fillRef>
+      <a:effectRef idx="0">
+        <a:scrgbClr r="0" g="0" b="0"/>
+      </a:effectRef>
+      <a:fontRef idx="minor"/>
+    </dgm:style>
+  </dgm:styleLbl>
+  <dgm:styleLbl name="fgAcc3">
+    <dgm:scene3d>
+      <a:camera prst="orthographicFront"/>
+      <a:lightRig rig="threePt" dir="t"/>
+    </dgm:scene3d>
+    <dgm:sp3d/>
+    <dgm:txPr/>
+    <dgm:style>
+      <a:lnRef idx="2">
+        <a:scrgbClr r="0" g="0" b="0"/>
+      </a:lnRef>
+      <a:fillRef idx="1">
+        <a:scrgbClr r="0" g="0" b="0"/>
+      </a:fillRef>
+      <a:effectRef idx="0">
+        <a:scrgbClr r="0" g="0" b="0"/>
+      </a:effectRef>
+      <a:fontRef idx="minor"/>
+    </dgm:style>
+  </dgm:styleLbl>
+  <dgm:styleLbl name="fgAcc4">
+    <dgm:scene3d>
+      <a:camera prst="orthographicFront"/>
+      <a:lightRig rig="threePt" dir="t"/>
+    </dgm:scene3d>
+    <dgm:sp3d/>
+    <dgm:txPr/>
+    <dgm:style>
+      <a:lnRef idx="2">
+        <a:scrgbClr r="0" g="0" b="0"/>
+      </a:lnRef>
+      <a:fillRef idx="1">
+        <a:scrgbClr r="0" g="0" b="0"/>
+      </a:fillRef>
+      <a:effectRef idx="0">
+        <a:scrgbClr r="0" g="0" b="0"/>
+      </a:effectRef>
+      <a:fontRef idx="minor"/>
+    </dgm:style>
+  </dgm:styleLbl>
+  <dgm:styleLbl name="bgShp">
+    <dgm:scene3d>
+      <a:camera prst="orthographicFront"/>
+      <a:lightRig rig="threePt" dir="t"/>
+    </dgm:scene3d>
+    <dgm:sp3d/>
+    <dgm:txPr/>
+    <dgm:style>
+      <a:lnRef idx="0">
+        <a:scrgbClr r="0" g="0" b="0"/>
+      </a:lnRef>
+      <a:fillRef idx="1">
+        <a:scrgbClr r="0" g="0" b="0"/>
+      </a:fillRef>
+      <a:effectRef idx="0">
+        <a:scrgbClr r="0" g="0" b="0"/>
+      </a:effectRef>
+      <a:fontRef idx="minor"/>
+    </dgm:style>
+  </dgm:styleLbl>
+  <dgm:styleLbl name="dkBgShp">
+    <dgm:scene3d>
+      <a:camera prst="orthographicFront"/>
+      <a:lightRig rig="threePt" dir="t"/>
+    </dgm:scene3d>
+    <dgm:sp3d/>
+    <dgm:txPr/>
+    <dgm:style>
+      <a:lnRef idx="0">
+        <a:scrgbClr r="0" g="0" b="0"/>
+      </a:lnRef>
+      <a:fillRef idx="1">
+        <a:scrgbClr r="0" g="0" b="0"/>
+      </a:fillRef>
+      <a:effectRef idx="0">
+        <a:scrgbClr r="0" g="0" b="0"/>
+      </a:effectRef>
+      <a:fontRef idx="minor"/>
+    </dgm:style>
+  </dgm:styleLbl>
+  <dgm:styleLbl name="trBgShp">
+    <dgm:scene3d>
+      <a:camera prst="orthographicFront"/>
+      <a:lightRig rig="threePt" dir="t"/>
+    </dgm:scene3d>
+    <dgm:sp3d/>
+    <dgm:txPr/>
+    <dgm:style>
+      <a:lnRef idx="0">
+        <a:scrgbClr r="0" g="0" b="0"/>
+      </a:lnRef>
+      <a:fillRef idx="1">
+        <a:scrgbClr r="0" g="0" b="0"/>
+      </a:fillRef>
+      <a:effectRef idx="0">
+        <a:scrgbClr r="0" g="0" b="0"/>
+      </a:effectRef>
+      <a:fontRef idx="minor"/>
+    </dgm:style>
+  </dgm:styleLbl>
+  <dgm:styleLbl name="fgShp">
+    <dgm:scene3d>
+      <a:camera prst="orthographicFront"/>
+      <a:lightRig rig="threePt" dir="t"/>
+    </dgm:scene3d>
+    <dgm:sp3d/>
+    <dgm:txPr/>
+    <dgm:style>
+      <a:lnRef idx="2">
+        <a:scrgbClr r="0" g="0" b="0"/>
+      </a:lnRef>
+      <a:fillRef idx="1">
+        <a:scrgbClr r="0" g="0" b="0"/>
+      </a:fillRef>
+      <a:effectRef idx="0">
+        <a:scrgbClr r="0" g="0" b="0"/>
+      </a:effectRef>
+      <a:fontRef idx="minor"/>
+    </dgm:style>
+  </dgm:styleLbl>
+  <dgm:styleLbl name="revTx">
+    <dgm:scene3d>
+      <a:camera prst="orthographicFront"/>
+      <a:lightRig rig="threePt" dir="t"/>
+    </dgm:scene3d>
+    <dgm:sp3d/>
+    <dgm:txPr/>
+    <dgm:style>
+      <a:lnRef idx="0">
+        <a:scrgbClr r="0" g="0" b="0"/>
+      </a:lnRef>
+      <a:fillRef idx="0">
+        <a:scrgbClr r="0" g="0" b="0"/>
+      </a:fillRef>
+      <a:effectRef idx="0">
+        <a:scrgbClr r="0" g="0" b="0"/>
+      </a:effectRef>
+      <a:fontRef idx="minor"/>
+    </dgm:style>
+  </dgm:styleLbl>
+</dgm:styleDef>
+</file>
+
+<file path=ppt/diagrams/quickStyle2.xml><?xml version="1.0" encoding="utf-8"?>
+<dgm:styleDef xmlns:dgm="http://schemas.openxmlformats.org/drawingml/2006/diagram" xmlns:a="http://schemas.openxmlformats.org/drawingml/2006/main" uniqueId="urn:microsoft.com/office/officeart/2005/8/quickstyle/simple1">
+  <dgm:title val=""/>
+  <dgm:desc val=""/>
+  <dgm:catLst>
+    <dgm:cat type="simple" pri="10100"/>
+  </dgm:catLst>
+  <dgm:scene3d>
+    <a:camera prst="orthographicFront"/>
+    <a:lightRig rig="threePt" dir="t"/>
+  </dgm:scene3d>
+  <dgm:styleLbl name="node0">
+    <dgm:scene3d>
+      <a:camera prst="orthographicFront"/>
+      <a:lightRig rig="threePt" dir="t"/>
+    </dgm:scene3d>
+    <dgm:sp3d/>
+    <dgm:txPr/>
+    <dgm:style>
+      <a:lnRef idx="2">
+        <a:scrgbClr r="0" g="0" b="0"/>
+      </a:lnRef>
+      <a:fillRef idx="1">
+        <a:scrgbClr r="0" g="0" b="0"/>
+      </a:fillRef>
+      <a:effectRef idx="0">
+        <a:scrgbClr r="0" g="0" b="0"/>
+      </a:effectRef>
+      <a:fontRef idx="minor">
+        <a:schemeClr val="lt1"/>
+      </a:fontRef>
+    </dgm:style>
+  </dgm:styleLbl>
+  <dgm:styleLbl name="lnNode1">
+    <dgm:scene3d>
+      <a:camera prst="orthographicFront"/>
+      <a:lightRig rig="threePt" dir="t"/>
+    </dgm:scene3d>
+    <dgm:sp3d/>
+    <dgm:txPr/>
+    <dgm:style>
+      <a:lnRef idx="2">
+        <a:scrgbClr r="0" g="0" b="0"/>
+      </a:lnRef>
+      <a:fillRef idx="1">
+        <a:scrgbClr r="0" g="0" b="0"/>
+      </a:fillRef>
+      <a:effectRef idx="0">
+        <a:scrgbClr r="0" g="0" b="0"/>
+      </a:effectRef>
+      <a:fontRef idx="minor">
+        <a:schemeClr val="lt1"/>
+      </a:fontRef>
+    </dgm:style>
+  </dgm:styleLbl>
+  <dgm:styleLbl name="vennNode1">
+    <dgm:scene3d>
+      <a:camera prst="orthographicFront"/>
+      <a:lightRig rig="threePt" dir="t"/>
+    </dgm:scene3d>
+    <dgm:sp3d/>
+    <dgm:txPr/>
+    <dgm:style>
+      <a:lnRef idx="2">
+        <a:scrgbClr r="0" g="0" b="0"/>
+      </a:lnRef>
+      <a:fillRef idx="1">
+        <a:scrgbClr r="0" g="0" b="0"/>
+      </a:fillRef>
+      <a:effectRef idx="0">
+        <a:scrgbClr r="0" g="0" b="0"/>
+      </a:effectRef>
+      <a:fontRef idx="minor">
+        <a:schemeClr val="tx1"/>
+      </a:fontRef>
+    </dgm:style>
+  </dgm:styleLbl>
+  <dgm:styleLbl name="alignNode1">
+    <dgm:scene3d>
+      <a:camera prst="orthographicFront"/>
+      <a:lightRig rig="threePt" dir="t"/>
+    </dgm:scene3d>
+    <dgm:sp3d/>
+    <dgm:txPr/>
+    <dgm:style>
+      <a:lnRef idx="2">
+        <a:scrgbClr r="0" g="0" b="0"/>
+      </a:lnRef>
+      <a:fillRef idx="1">
+        <a:scrgbClr r="0" g="0" b="0"/>
+      </a:fillRef>
+      <a:effectRef idx="0">
+        <a:scrgbClr r="0" g="0" b="0"/>
+      </a:effectRef>
+      <a:fontRef idx="minor">
+        <a:schemeClr val="lt1"/>
+      </a:fontRef>
+    </dgm:style>
+  </dgm:styleLbl>
+  <dgm:styleLbl name="node1">
+    <dgm:scene3d>
+      <a:camera prst="orthographicFront"/>
+      <a:lightRig rig="threePt" dir="t"/>
+    </dgm:scene3d>
+    <dgm:sp3d/>
+    <dgm:txPr/>
+    <dgm:style>
+      <a:lnRef idx="2">
+        <a:scrgbClr r="0" g="0" b="0"/>
+      </a:lnRef>
+      <a:fillRef idx="1">
+        <a:scrgbClr r="0" g="0" b="0"/>
+      </a:fillRef>
+      <a:effectRef idx="0">
+        <a:scrgbClr r="0" g="0" b="0"/>
+      </a:effectRef>
+      <a:fontRef idx="minor">
+        <a:schemeClr val="lt1"/>
+      </a:fontRef>
+    </dgm:style>
+  </dgm:styleLbl>
+  <dgm:styleLbl name="node2">
+    <dgm:scene3d>
+      <a:camera prst="orthographicFront"/>
+      <a:lightRig rig="threePt" dir="t"/>
+    </dgm:scene3d>
+    <dgm:sp3d/>
+    <dgm:txPr/>
+    <dgm:style>
+      <a:lnRef idx="2">
+        <a:scrgbClr r="0" g="0" b="0"/>
+      </a:lnRef>
+      <a:fillRef idx="1">
+        <a:scrgbClr r="0" g="0" b="0"/>
+      </a:fillRef>
+      <a:effectRef idx="0">
+        <a:scrgbClr r="0" g="0" b="0"/>
+      </a:effectRef>
+      <a:fontRef idx="minor">
+        <a:schemeClr val="lt1"/>
+      </a:fontRef>
+    </dgm:style>
+  </dgm:styleLbl>
+  <dgm:styleLbl name="node3">
+    <dgm:scene3d>
+      <a:camera prst="orthographicFront"/>
+      <a:lightRig rig="threePt" dir="t"/>
+    </dgm:scene3d>
+    <dgm:sp3d/>
+    <dgm:txPr/>
+    <dgm:style>
+      <a:lnRef idx="2">
+        <a:scrgbClr r="0" g="0" b="0"/>
+      </a:lnRef>
+      <a:fillRef idx="1">
+        <a:scrgbClr r="0" g="0" b="0"/>
+      </a:fillRef>
+      <a:effectRef idx="0">
+        <a:scrgbClr r="0" g="0" b="0"/>
+      </a:effectRef>
+      <a:fontRef idx="minor">
+        <a:schemeClr val="lt1"/>
+      </a:fontRef>
+    </dgm:style>
+  </dgm:styleLbl>
+  <dgm:styleLbl name="node4">
+    <dgm:scene3d>
+      <a:camera prst="orthographicFront"/>
+      <a:lightRig rig="threePt" dir="t"/>
+    </dgm:scene3d>
+    <dgm:sp3d/>
+    <dgm:txPr/>
+    <dgm:style>
+      <a:lnRef idx="2">
+        <a:scrgbClr r="0" g="0" b="0"/>
+      </a:lnRef>
+      <a:fillRef idx="1">
+        <a:scrgbClr r="0" g="0" b="0"/>
+      </a:fillRef>
+      <a:effectRef idx="0">
+        <a:scrgbClr r="0" g="0" b="0"/>
+      </a:effectRef>
+      <a:fontRef idx="minor">
+        <a:schemeClr val="lt1"/>
+      </a:fontRef>
+    </dgm:style>
+  </dgm:styleLbl>
+  <dgm:styleLbl name="fgImgPlace1">
+    <dgm:scene3d>
+      <a:camera prst="orthographicFront"/>
+      <a:lightRig rig="threePt" dir="t"/>
+    </dgm:scene3d>
+    <dgm:sp3d/>
+    <dgm:txPr/>
+    <dgm:style>
+      <a:lnRef idx="2">
+        <a:scrgbClr r="0" g="0" b="0"/>
+      </a:lnRef>
+      <a:fillRef idx="1">
+        <a:scrgbClr r="0" g="0" b="0"/>
+      </a:fillRef>
+      <a:effectRef idx="0">
+        <a:scrgbClr r="0" g="0" b="0"/>
+      </a:effectRef>
+      <a:fontRef idx="minor"/>
+    </dgm:style>
+  </dgm:styleLbl>
+  <dgm:styleLbl name="alignImgPlace1">
+    <dgm:scene3d>
+      <a:camera prst="orthographicFront"/>
+      <a:lightRig rig="threePt" dir="t"/>
+    </dgm:scene3d>
+    <dgm:sp3d/>
+    <dgm:txPr/>
+    <dgm:style>
+      <a:lnRef idx="2">
+        <a:scrgbClr r="0" g="0" b="0"/>
+      </a:lnRef>
+      <a:fillRef idx="1">
+        <a:scrgbClr r="0" g="0" b="0"/>
+      </a:fillRef>
+      <a:effectRef idx="0">
+        <a:scrgbClr r="0" g="0" b="0"/>
+      </a:effectRef>
+      <a:fontRef idx="minor"/>
+    </dgm:style>
+  </dgm:styleLbl>
+  <dgm:styleLbl name="bgImgPlace1">
+    <dgm:scene3d>
+      <a:camera prst="orthographicFront"/>
+      <a:lightRig rig="threePt" dir="t"/>
+    </dgm:scene3d>
+    <dgm:sp3d/>
+    <dgm:txPr/>
+    <dgm:style>
+      <a:lnRef idx="2">
+        <a:scrgbClr r="0" g="0" b="0"/>
+      </a:lnRef>
+      <a:fillRef idx="1">
+        <a:scrgbClr r="0" g="0" b="0"/>
+      </a:fillRef>
+      <a:effectRef idx="0">
+        <a:scrgbClr r="0" g="0" b="0"/>
+      </a:effectRef>
+      <a:fontRef idx="minor"/>
+    </dgm:style>
+  </dgm:styleLbl>
+  <dgm:styleLbl name="sibTrans2D1">
+    <dgm:scene3d>
+      <a:camera prst="orthographicFront"/>
+      <a:lightRig rig="threePt" dir="t"/>
+    </dgm:scene3d>
+    <dgm:sp3d/>
+    <dgm:txPr/>
+    <dgm:style>
+      <a:lnRef idx="0">
+        <a:scrgbClr r="0" g="0" b="0"/>
+      </a:lnRef>
+      <a:fillRef idx="1">
+        <a:scrgbClr r="0" g="0" b="0"/>
+      </a:fillRef>
+      <a:effectRef idx="0">
+        <a:scrgbClr r="0" g="0" b="0"/>
+      </a:effectRef>
+      <a:fontRef idx="minor">
+        <a:schemeClr val="lt1"/>
+      </a:fontRef>
+    </dgm:style>
+  </dgm:styleLbl>
+  <dgm:styleLbl name="fgSibTrans2D1">
+    <dgm:scene3d>
+      <a:camera prst="orthographicFront"/>
+      <a:lightRig rig="threePt" dir="t"/>
+    </dgm:scene3d>
+    <dgm:sp3d/>
+    <dgm:txPr/>
+    <dgm:style>
+      <a:lnRef idx="0">
+        <a:scrgbClr r="0" g="0" b="0"/>
+      </a:lnRef>
+      <a:fillRef idx="1">
+        <a:scrgbClr r="0" g="0" b="0"/>
+      </a:fillRef>
+      <a:effectRef idx="0">
+        <a:scrgbClr r="0" g="0" b="0"/>
+      </a:effectRef>
+      <a:fontRef idx="minor">
+        <a:schemeClr val="lt1"/>
+      </a:fontRef>
+    </dgm:style>
+  </dgm:styleLbl>
+  <dgm:styleLbl name="bgSibTrans2D1">
+    <dgm:scene3d>
+      <a:camera prst="orthographicFront"/>
+      <a:lightRig rig="threePt" dir="t"/>
+    </dgm:scene3d>
+    <dgm:sp3d/>
+    <dgm:txPr/>
+    <dgm:style>
+      <a:lnRef idx="0">
+        <a:scrgbClr r="0" g="0" b="0"/>
+      </a:lnRef>
+      <a:fillRef idx="1">
+        <a:scrgbClr r="0" g="0" b="0"/>
+      </a:fillRef>
+      <a:effectRef idx="0">
+        <a:scrgbClr r="0" g="0" b="0"/>
+      </a:effectRef>
+      <a:fontRef idx="minor">
+        <a:schemeClr val="lt1"/>
+      </a:fontRef>
+    </dgm:style>
+  </dgm:styleLbl>
+  <dgm:styleLbl name="sibTrans1D1">
+    <dgm:scene3d>
+      <a:camera prst="orthographicFront"/>
+      <a:lightRig rig="threePt" dir="t"/>
+    </dgm:scene3d>
+    <dgm:sp3d/>
+    <dgm:txPr/>
+    <dgm:style>
+      <a:lnRef idx="1">
+        <a:scrgbClr r="0" g="0" b="0"/>
+      </a:lnRef>
+      <a:fillRef idx="0">
+        <a:scrgbClr r="0" g="0" b="0"/>
+      </a:fillRef>
+      <a:effectRef idx="0">
+        <a:scrgbClr r="0" g="0" b="0"/>
+      </a:effectRef>
+      <a:fontRef idx="minor"/>
+    </dgm:style>
+  </dgm:styleLbl>
+  <dgm:styleLbl name="callout">
+    <dgm:scene3d>
+      <a:camera prst="orthographicFront"/>
+      <a:lightRig rig="threePt" dir="t"/>
+    </dgm:scene3d>
+    <dgm:sp3d/>
+    <dgm:txPr/>
+    <dgm:style>
+      <a:lnRef idx="2">
+        <a:scrgbClr r="0" g="0" b="0"/>
+      </a:lnRef>
+      <a:fillRef idx="1">
+        <a:scrgbClr r="0" g="0" b="0"/>
+      </a:fillRef>
+      <a:effectRef idx="0">
+        <a:scrgbClr r="0" g="0" b="0"/>
+      </a:effectRef>
+      <a:fontRef idx="minor"/>
+    </dgm:style>
+  </dgm:styleLbl>
+  <dgm:styleLbl name="asst0">
+    <dgm:scene3d>
+      <a:camera prst="orthographicFront"/>
+      <a:lightRig rig="threePt" dir="t"/>
+    </dgm:scene3d>
+    <dgm:sp3d/>
+    <dgm:txPr/>
+    <dgm:style>
+      <a:lnRef idx="2">
+        <a:scrgbClr r="0" g="0" b="0"/>
+      </a:lnRef>
+      <a:fillRef idx="1">
+        <a:scrgbClr r="0" g="0" b="0"/>
+      </a:fillRef>
+      <a:effectRef idx="0">
+        <a:scrgbClr r="0" g="0" b="0"/>
+      </a:effectRef>
+      <a:fontRef idx="minor">
+        <a:schemeClr val="lt1"/>
+      </a:fontRef>
+    </dgm:style>
+  </dgm:styleLbl>
+  <dgm:styleLbl name="asst1">
+    <dgm:scene3d>
+      <a:camera prst="orthographicFront"/>
+      <a:lightRig rig="threePt" dir="t"/>
+    </dgm:scene3d>
+    <dgm:sp3d/>
+    <dgm:txPr/>
+    <dgm:style>
+      <a:lnRef idx="2">
+        <a:scrgbClr r="0" g="0" b="0"/>
+      </a:lnRef>
+      <a:fillRef idx="1">
+        <a:scrgbClr r="0" g="0" b="0"/>
+      </a:fillRef>
+      <a:effectRef idx="0">
+        <a:scrgbClr r="0" g="0" b="0"/>
+      </a:effectRef>
+      <a:fontRef idx="minor">
+        <a:schemeClr val="lt1"/>
+      </a:fontRef>
+    </dgm:style>
+  </dgm:styleLbl>
+  <dgm:styleLbl name="asst2">
+    <dgm:scene3d>
+      <a:camera prst="orthographicFront"/>
+      <a:lightRig rig="threePt" dir="t"/>
+    </dgm:scene3d>
+    <dgm:sp3d/>
+    <dgm:txPr/>
+    <dgm:style>
+      <a:lnRef idx="2">
+        <a:scrgbClr r="0" g="0" b="0"/>
+      </a:lnRef>
+      <a:fillRef idx="1">
+        <a:scrgbClr r="0" g="0" b="0"/>
+      </a:fillRef>
+      <a:effectRef idx="0">
+        <a:scrgbClr r="0" g="0" b="0"/>
+      </a:effectRef>
+      <a:fontRef idx="minor">
+        <a:schemeClr val="lt1"/>
+      </a:fontRef>
+    </dgm:style>
+  </dgm:styleLbl>
+  <dgm:styleLbl name="asst3">
+    <dgm:scene3d>
+      <a:camera prst="orthographicFront"/>
+      <a:lightRig rig="threePt" dir="t"/>
+    </dgm:scene3d>
+    <dgm:sp3d/>
+    <dgm:txPr/>
+    <dgm:style>
+      <a:lnRef idx="2">
+        <a:scrgbClr r="0" g="0" b="0"/>
+      </a:lnRef>
+      <a:fillRef idx="1">
+        <a:scrgbClr r="0" g="0" b="0"/>
+      </a:fillRef>
+      <a:effectRef idx="0">
+        <a:scrgbClr r="0" g="0" b="0"/>
+      </a:effectRef>
+      <a:fontRef idx="minor">
+        <a:schemeClr val="lt1"/>
+      </a:fontRef>
+    </dgm:style>
+  </dgm:styleLbl>
+  <dgm:styleLbl name="asst4">
+    <dgm:scene3d>
+      <a:camera prst="orthographicFront"/>
+      <a:lightRig rig="threePt" dir="t"/>
+    </dgm:scene3d>
+    <dgm:sp3d/>
+    <dgm:txPr/>
+    <dgm:style>
+      <a:lnRef idx="2">
+        <a:scrgbClr r="0" g="0" b="0"/>
+      </a:lnRef>
+      <a:fillRef idx="1">
+        <a:scrgbClr r="0" g="0" b="0"/>
+      </a:fillRef>
+      <a:effectRef idx="0">
+        <a:scrgbClr r="0" g="0" b="0"/>
+      </a:effectRef>
+      <a:fontRef idx="minor">
+        <a:schemeClr val="lt1"/>
+      </a:fontRef>
+    </dgm:style>
+  </dgm:styleLbl>
+  <dgm:styleLbl name="parChTrans2D1">
+    <dgm:scene3d>
+      <a:camera prst="orthographicFront"/>
+      <a:lightRig rig="threePt" dir="t"/>
+    </dgm:scene3d>
+    <dgm:sp3d/>
+    <dgm:txPr/>
+    <dgm:style>
+      <a:lnRef idx="2">
+        <a:scrgbClr r="0" g="0" b="0"/>
+      </a:lnRef>
+      <a:fillRef idx="1">
+        <a:scrgbClr r="0" g="0" b="0"/>
+      </a:fillRef>
+      <a:effectRef idx="0">
+        <a:scrgbClr r="0" g="0" b="0"/>
+      </a:effectRef>
+      <a:fontRef idx="minor">
+        <a:schemeClr val="lt1"/>
+      </a:fontRef>
+    </dgm:style>
+  </dgm:styleLbl>
+  <dgm:styleLbl name="parChTrans2D2">
+    <dgm:scene3d>
+      <a:camera prst="orthographicFront"/>
+      <a:lightRig rig="threePt" dir="t"/>
+    </dgm:scene3d>
+    <dgm:sp3d/>
+    <dgm:txPr/>
+    <dgm:style>
+      <a:lnRef idx="2">
+        <a:scrgbClr r="0" g="0" b="0"/>
+      </a:lnRef>
+      <a:fillRef idx="1">
+        <a:scrgbClr r="0" g="0" b="0"/>
+      </a:fillRef>
+      <a:effectRef idx="0">
+        <a:scrgbClr r="0" g="0" b="0"/>
+      </a:effectRef>
+      <a:fontRef idx="minor">
+        <a:schemeClr val="lt1"/>
+      </a:fontRef>
+    </dgm:style>
+  </dgm:styleLbl>
+  <dgm:styleLbl name="parChTrans2D3">
+    <dgm:scene3d>
+      <a:camera prst="orthographicFront"/>
+      <a:lightRig rig="threePt" dir="t"/>
+    </dgm:scene3d>
+    <dgm:sp3d/>
+    <dgm:txPr/>
+    <dgm:style>
+      <a:lnRef idx="2">
+        <a:scrgbClr r="0" g="0" b="0"/>
+      </a:lnRef>
+      <a:fillRef idx="1">
+        <a:scrgbClr r="0" g="0" b="0"/>
+      </a:fillRef>
+      <a:effectRef idx="0">
+        <a:scrgbClr r="0" g="0" b="0"/>
+      </a:effectRef>
+      <a:fontRef idx="minor">
+        <a:schemeClr val="lt1"/>
+      </a:fontRef>
+    </dgm:style>
+  </dgm:styleLbl>
+  <dgm:styleLbl name="parChTrans2D4">
+    <dgm:scene3d>
+      <a:camera prst="orthographicFront"/>
+      <a:lightRig rig="threePt" dir="t"/>
+    </dgm:scene3d>
+    <dgm:sp3d/>
+    <dgm:txPr/>
+    <dgm:style>
+      <a:lnRef idx="2">
+        <a:scrgbClr r="0" g="0" b="0"/>
+      </a:lnRef>
+      <a:fillRef idx="1">
+        <a:scrgbClr r="0" g="0" b="0"/>
+      </a:fillRef>
+      <a:effectRef idx="0">
+        <a:scrgbClr r="0" g="0" b="0"/>
+      </a:effectRef>
+      <a:fontRef idx="minor">
+        <a:schemeClr val="lt1"/>
+      </a:fontRef>
+    </dgm:style>
+  </dgm:styleLbl>
+  <dgm:styleLbl name="parChTrans1D1">
+    <dgm:scene3d>
+      <a:camera prst="orthographicFront"/>
+      <a:lightRig rig="threePt" dir="t"/>
+    </dgm:scene3d>
+    <dgm:sp3d/>
+    <dgm:txPr/>
+    <dgm:style>
+      <a:lnRef idx="2">
+        <a:scrgbClr r="0" g="0" b="0"/>
+      </a:lnRef>
+      <a:fillRef idx="0">
+        <a:scrgbClr r="0" g="0" b="0"/>
+      </a:fillRef>
+      <a:effectRef idx="0">
+        <a:scrgbClr r="0" g="0" b="0"/>
+      </a:effectRef>
+      <a:fontRef idx="minor"/>
+    </dgm:style>
+  </dgm:styleLbl>
+  <dgm:styleLbl name="parChTrans1D2">
+    <dgm:scene3d>
+      <a:camera prst="orthographicFront"/>
+      <a:lightRig rig="threePt" dir="t"/>
+    </dgm:scene3d>
+    <dgm:sp3d/>
+    <dgm:txPr/>
+    <dgm:style>
+      <a:lnRef idx="2">
+        <a:scrgbClr r="0" g="0" b="0"/>
+      </a:lnRef>
+      <a:fillRef idx="0">
+        <a:scrgbClr r="0" g="0" b="0"/>
+      </a:fillRef>
+      <a:effectRef idx="0">
+        <a:scrgbClr r="0" g="0" b="0"/>
+      </a:effectRef>
+      <a:fontRef idx="minor"/>
+    </dgm:style>
+  </dgm:styleLbl>
+  <dgm:styleLbl name="parChTrans1D3">
+    <dgm:scene3d>
+      <a:camera prst="orthographicFront"/>
+      <a:lightRig rig="threePt" dir="t"/>
+    </dgm:scene3d>
+    <dgm:sp3d/>
+    <dgm:txPr/>
+    <dgm:style>
+      <a:lnRef idx="2">
+        <a:scrgbClr r="0" g="0" b="0"/>
+      </a:lnRef>
+      <a:fillRef idx="0">
+        <a:scrgbClr r="0" g="0" b="0"/>
+      </a:fillRef>
+      <a:effectRef idx="0">
+        <a:scrgbClr r="0" g="0" b="0"/>
+      </a:effectRef>
+      <a:fontRef idx="minor"/>
+    </dgm:style>
+  </dgm:styleLbl>
+  <dgm:styleLbl name="parChTrans1D4">
+    <dgm:scene3d>
+      <a:camera prst="orthographicFront"/>
+      <a:lightRig rig="threePt" dir="t"/>
+    </dgm:scene3d>
+    <dgm:sp3d/>
+    <dgm:txPr/>
+    <dgm:style>
+      <a:lnRef idx="2">
+        <a:scrgbClr r="0" g="0" b="0"/>
+      </a:lnRef>
+      <a:fillRef idx="0">
+        <a:scrgbClr r="0" g="0" b="0"/>
+      </a:fillRef>
+      <a:effectRef idx="0">
+        <a:scrgbClr r="0" g="0" b="0"/>
+      </a:effectRef>
+      <a:fontRef idx="minor"/>
+    </dgm:style>
+  </dgm:styleLbl>
+  <dgm:styleLbl name="fgAcc1">
+    <dgm:scene3d>
+      <a:camera prst="orthographicFront"/>
+      <a:lightRig rig="threePt" dir="t"/>
+    </dgm:scene3d>
+    <dgm:sp3d/>
+    <dgm:txPr/>
+    <dgm:style>
+      <a:lnRef idx="2">
+        <a:scrgbClr r="0" g="0" b="0"/>
+      </a:lnRef>
+      <a:fillRef idx="1">
+        <a:scrgbClr r="0" g="0" b="0"/>
+      </a:fillRef>
+      <a:effectRef idx="0">
+        <a:scrgbClr r="0" g="0" b="0"/>
+      </a:effectRef>
+      <a:fontRef idx="minor"/>
+    </dgm:style>
+  </dgm:styleLbl>
+  <dgm:styleLbl name="conFgAcc1">
+    <dgm:scene3d>
+      <a:camera prst="orthographicFront"/>
+      <a:lightRig rig="threePt" dir="t"/>
+    </dgm:scene3d>
+    <dgm:sp3d/>
+    <dgm:txPr/>
+    <dgm:style>
+      <a:lnRef idx="2">
+        <a:scrgbClr r="0" g="0" b="0"/>
+      </a:lnRef>
+      <a:fillRef idx="1">
+        <a:scrgbClr r="0" g="0" b="0"/>
+      </a:fillRef>
+      <a:effectRef idx="0">
+        <a:scrgbClr r="0" g="0" b="0"/>
+      </a:effectRef>
+      <a:fontRef idx="minor"/>
+    </dgm:style>
+  </dgm:styleLbl>
+  <dgm:styleLbl name="alignAcc1">
+    <dgm:scene3d>
+      <a:camera prst="orthographicFront"/>
+      <a:lightRig rig="threePt" dir="t"/>
+    </dgm:scene3d>
+    <dgm:sp3d/>
+    <dgm:txPr/>
+    <dgm:style>
+      <a:lnRef idx="2">
+        <a:scrgbClr r="0" g="0" b="0"/>
+      </a:lnRef>
+      <a:fillRef idx="1">
+        <a:scrgbClr r="0" g="0" b="0"/>
+      </a:fillRef>
+      <a:effectRef idx="0">
+        <a:scrgbClr r="0" g="0" b="0"/>
+      </a:effectRef>
+      <a:fontRef idx="minor"/>
+    </dgm:style>
+  </dgm:styleLbl>
+  <dgm:styleLbl name="trAlignAcc1">
+    <dgm:scene3d>
+      <a:camera prst="orthographicFront"/>
+      <a:lightRig rig="threePt" dir="t"/>
+    </dgm:scene3d>
+    <dgm:sp3d/>
+    <dgm:txPr/>
+    <dgm:style>
+      <a:lnRef idx="1">
+        <a:scrgbClr r="0" g="0" b="0"/>
+      </a:lnRef>
+      <a:fillRef idx="1">
+        <a:scrgbClr r="0" g="0" b="0"/>
+      </a:fillRef>
+      <a:effectRef idx="0">
+        <a:scrgbClr r="0" g="0" b="0"/>
+      </a:effectRef>
+      <a:fontRef idx="minor"/>
+    </dgm:style>
+  </dgm:styleLbl>
+  <dgm:styleLbl name="bgAcc1">
+    <dgm:scene3d>
+      <a:camera prst="orthographicFront"/>
+      <a:lightRig rig="threePt" dir="t"/>
+    </dgm:scene3d>
+    <dgm:sp3d/>
+    <dgm:txPr/>
+    <dgm:style>
+      <a:lnRef idx="2">
+        <a:scrgbClr r="0" g="0" b="0"/>
+      </a:lnRef>
+      <a:fillRef idx="1">
+        <a:scrgbClr r="0" g="0" b="0"/>
+      </a:fillRef>
+      <a:effectRef idx="0">
+        <a:scrgbClr r="0" g="0" b="0"/>
+      </a:effectRef>
+      <a:fontRef idx="minor"/>
+    </dgm:style>
+  </dgm:styleLbl>
+  <dgm:styleLbl name="solidFgAcc1">
+    <dgm:scene3d>
+      <a:camera prst="orthographicFront"/>
+      <a:lightRig rig="threePt" dir="t"/>
+    </dgm:scene3d>
+    <dgm:sp3d/>
+    <dgm:txPr/>
+    <dgm:style>
+      <a:lnRef idx="2">
+        <a:scrgbClr r="0" g="0" b="0"/>
+      </a:lnRef>
+      <a:fillRef idx="1">
+        <a:scrgbClr r="0" g="0" b="0"/>
+      </a:fillRef>
+      <a:effectRef idx="0">
+        <a:scrgbClr r="0" g="0" b="0"/>
+      </a:effectRef>
+      <a:fontRef idx="minor"/>
+    </dgm:style>
+  </dgm:styleLbl>
+  <dgm:styleLbl name="solidAlignAcc1">
+    <dgm:scene3d>
+      <a:camera prst="orthographicFront"/>
+      <a:lightRig rig="threePt" dir="t"/>
+    </dgm:scene3d>
+    <dgm:sp3d/>
+    <dgm:txPr/>
+    <dgm:style>
+      <a:lnRef idx="2">
+        <a:scrgbClr r="0" g="0" b="0"/>
+      </a:lnRef>
+      <a:fillRef idx="1">
+        <a:scrgbClr r="0" g="0" b="0"/>
+      </a:fillRef>
+      <a:effectRef idx="0">
+        <a:scrgbClr r="0" g="0" b="0"/>
+      </a:effectRef>
+      <a:fontRef idx="minor"/>
+    </dgm:style>
+  </dgm:styleLbl>
+  <dgm:styleLbl name="solidBgAcc1">
+    <dgm:scene3d>
+      <a:camera prst="orthographicFront"/>
+      <a:lightRig rig="threePt" dir="t"/>
+    </dgm:scene3d>
+    <dgm:sp3d/>
+    <dgm:txPr/>
+    <dgm:style>
+      <a:lnRef idx="2">
+        <a:scrgbClr r="0" g="0" b="0"/>
+      </a:lnRef>
+      <a:fillRef idx="1">
+        <a:scrgbClr r="0" g="0" b="0"/>
+      </a:fillRef>
+      <a:effectRef idx="0">
+        <a:scrgbClr r="0" g="0" b="0"/>
+      </a:effectRef>
+      <a:fontRef idx="minor"/>
+    </dgm:style>
+  </dgm:styleLbl>
+  <dgm:styleLbl name="fgAccFollowNode1">
+    <dgm:scene3d>
+      <a:camera prst="orthographicFront"/>
+      <a:lightRig rig="threePt" dir="t"/>
+    </dgm:scene3d>
+    <dgm:sp3d/>
+    <dgm:txPr/>
+    <dgm:style>
+      <a:lnRef idx="2">
+        <a:scrgbClr r="0" g="0" b="0"/>
+      </a:lnRef>
+      <a:fillRef idx="1">
+        <a:scrgbClr r="0" g="0" b="0"/>
+      </a:fillRef>
+      <a:effectRef idx="0">
+        <a:scrgbClr r="0" g="0" b="0"/>
+      </a:effectRef>
+      <a:fontRef idx="minor"/>
+    </dgm:style>
+  </dgm:styleLbl>
+  <dgm:styleLbl name="alignAccFollowNode1">
+    <dgm:scene3d>
+      <a:camera prst="orthographicFront"/>
+      <a:lightRig rig="threePt" dir="t"/>
+    </dgm:scene3d>
+    <dgm:sp3d/>
+    <dgm:txPr/>
+    <dgm:style>
+      <a:lnRef idx="2">
+        <a:scrgbClr r="0" g="0" b="0"/>
+      </a:lnRef>
+      <a:fillRef idx="1">
+        <a:scrgbClr r="0" g="0" b="0"/>
+      </a:fillRef>
+      <a:effectRef idx="0">
+        <a:scrgbClr r="0" g="0" b="0"/>
+      </a:effectRef>
+      <a:fontRef idx="minor"/>
+    </dgm:style>
+  </dgm:styleLbl>
+  <dgm:styleLbl name="bgAccFollowNode1">
+    <dgm:scene3d>
+      <a:camera prst="orthographicFront"/>
+      <a:lightRig rig="threePt" dir="t"/>
+    </dgm:scene3d>
+    <dgm:sp3d/>
+    <dgm:txPr/>
+    <dgm:style>
+      <a:lnRef idx="2">
+        <a:scrgbClr r="0" g="0" b="0"/>
+      </a:lnRef>
+      <a:fillRef idx="1">
+        <a:scrgbClr r="0" g="0" b="0"/>
+      </a:fillRef>
+      <a:effectRef idx="0">
+        <a:scrgbClr r="0" g="0" b="0"/>
+      </a:effectRef>
+      <a:fontRef idx="minor"/>
+    </dgm:style>
+  </dgm:styleLbl>
+  <dgm:styleLbl name="fgAcc0">
+    <dgm:scene3d>
+      <a:camera prst="orthographicFront"/>
+      <a:lightRig rig="threePt" dir="t"/>
+    </dgm:scene3d>
+    <dgm:sp3d/>
+    <dgm:txPr/>
+    <dgm:style>
+      <a:lnRef idx="2">
+        <a:scrgbClr r="0" g="0" b="0"/>
+      </a:lnRef>
+      <a:fillRef idx="1">
+        <a:scrgbClr r="0" g="0" b="0"/>
+      </a:fillRef>
+      <a:effectRef idx="0">
+        <a:scrgbClr r="0" g="0" b="0"/>
+      </a:effectRef>
+      <a:fontRef idx="minor"/>
+    </dgm:style>
+  </dgm:styleLbl>
+  <dgm:styleLbl name="fgAcc2">
+    <dgm:scene3d>
+      <a:camera prst="orthographicFront"/>
+      <a:lightRig rig="threePt" dir="t"/>
+    </dgm:scene3d>
+    <dgm:sp3d/>
+    <dgm:txPr/>
+    <dgm:style>
+      <a:lnRef idx="2">
+        <a:scrgbClr r="0" g="0" b="0"/>
+      </a:lnRef>
+      <a:fillRef idx="1">
+        <a:scrgbClr r="0" g="0" b="0"/>
+      </a:fillRef>
+      <a:effectRef idx="0">
+        <a:scrgbClr r="0" g="0" b="0"/>
+      </a:effectRef>
+      <a:fontRef idx="minor"/>
+    </dgm:style>
+  </dgm:styleLbl>
+  <dgm:styleLbl name="fgAcc3">
+    <dgm:scene3d>
+      <a:camera prst="orthographicFront"/>
+      <a:lightRig rig="threePt" dir="t"/>
+    </dgm:scene3d>
+    <dgm:sp3d/>
+    <dgm:txPr/>
+    <dgm:style>
+      <a:lnRef idx="2">
+        <a:scrgbClr r="0" g="0" b="0"/>
+      </a:lnRef>
+      <a:fillRef idx="1">
+        <a:scrgbClr r="0" g="0" b="0"/>
+      </a:fillRef>
+      <a:effectRef idx="0">
+        <a:scrgbClr r="0" g="0" b="0"/>
+      </a:effectRef>
+      <a:fontRef idx="minor"/>
+    </dgm:style>
+  </dgm:styleLbl>
+  <dgm:styleLbl name="fgAcc4">
+    <dgm:scene3d>
+      <a:camera prst="orthographicFront"/>
+      <a:lightRig rig="threePt" dir="t"/>
+    </dgm:scene3d>
+    <dgm:sp3d/>
+    <dgm:txPr/>
+    <dgm:style>
+      <a:lnRef idx="2">
+        <a:scrgbClr r="0" g="0" b="0"/>
+      </a:lnRef>
+      <a:fillRef idx="1">
+        <a:scrgbClr r="0" g="0" b="0"/>
+      </a:fillRef>
+      <a:effectRef idx="0">
+        <a:scrgbClr r="0" g="0" b="0"/>
+      </a:effectRef>
+      <a:fontRef idx="minor"/>
+    </dgm:style>
+  </dgm:styleLbl>
+  <dgm:styleLbl name="bgShp">
+    <dgm:scene3d>
+      <a:camera prst="orthographicFront"/>
+      <a:lightRig rig="threePt" dir="t"/>
+    </dgm:scene3d>
+    <dgm:sp3d/>
+    <dgm:txPr/>
+    <dgm:style>
+      <a:lnRef idx="0">
+        <a:scrgbClr r="0" g="0" b="0"/>
+      </a:lnRef>
+      <a:fillRef idx="1">
+        <a:scrgbClr r="0" g="0" b="0"/>
+      </a:fillRef>
+      <a:effectRef idx="0">
+        <a:scrgbClr r="0" g="0" b="0"/>
+      </a:effectRef>
+      <a:fontRef idx="minor"/>
+    </dgm:style>
+  </dgm:styleLbl>
+  <dgm:styleLbl name="dkBgShp">
+    <dgm:scene3d>
+      <a:camera prst="orthographicFront"/>
+      <a:lightRig rig="threePt" dir="t"/>
+    </dgm:scene3d>
+    <dgm:sp3d/>
+    <dgm:txPr/>
+    <dgm:style>
+      <a:lnRef idx="0">
+        <a:scrgbClr r="0" g="0" b="0"/>
+      </a:lnRef>
+      <a:fillRef idx="1">
+        <a:scrgbClr r="0" g="0" b="0"/>
+      </a:fillRef>
+      <a:effectRef idx="0">
+        <a:scrgbClr r="0" g="0" b="0"/>
+      </a:effectRef>
+      <a:fontRef idx="minor"/>
+    </dgm:style>
+  </dgm:styleLbl>
+  <dgm:styleLbl name="trBgShp">
+    <dgm:scene3d>
+      <a:camera prst="orthographicFront"/>
+      <a:lightRig rig="threePt" dir="t"/>
+    </dgm:scene3d>
+    <dgm:sp3d/>
+    <dgm:txPr/>
+    <dgm:style>
+      <a:lnRef idx="0">
+        <a:scrgbClr r="0" g="0" b="0"/>
+      </a:lnRef>
+      <a:fillRef idx="1">
+        <a:scrgbClr r="0" g="0" b="0"/>
+      </a:fillRef>
+      <a:effectRef idx="0">
+        <a:scrgbClr r="0" g="0" b="0"/>
+      </a:effectRef>
+      <a:fontRef idx="minor"/>
+    </dgm:style>
+  </dgm:styleLbl>
+  <dgm:styleLbl name="fgShp">
+    <dgm:scene3d>
+      <a:camera prst="orthographicFront"/>
+      <a:lightRig rig="threePt" dir="t"/>
+    </dgm:scene3d>
+    <dgm:sp3d/>
+    <dgm:txPr/>
+    <dgm:style>
+      <a:lnRef idx="2">
+        <a:scrgbClr r="0" g="0" b="0"/>
+      </a:lnRef>
+      <a:fillRef idx="1">
+        <a:scrgbClr r="0" g="0" b="0"/>
+      </a:fillRef>
+      <a:effectRef idx="0">
+        <a:scrgbClr r="0" g="0" b="0"/>
+      </a:effectRef>
+      <a:fontRef idx="minor"/>
+    </dgm:style>
+  </dgm:styleLbl>
+  <dgm:styleLbl name="revTx">
+    <dgm:scene3d>
+      <a:camera prst="orthographicFront"/>
+      <a:lightRig rig="threePt" dir="t"/>
+    </dgm:scene3d>
+    <dgm:sp3d/>
+    <dgm:txPr/>
+    <dgm:style>
+      <a:lnRef idx="0">
+        <a:scrgbClr r="0" g="0" b="0"/>
+      </a:lnRef>
+      <a:fillRef idx="0">
+        <a:scrgbClr r="0" g="0" b="0"/>
+      </a:fillRef>
+      <a:effectRef idx="0">
+        <a:scrgbClr r="0" g="0" b="0"/>
+      </a:effectRef>
+      <a:fontRef idx="minor"/>
+    </dgm:style>
+  </dgm:styleLbl>
+</dgm:styleDef>
+</file>
+
 <file path=ppt/notesMasters/notesMaster1.xml><?xml version="1.0" encoding="utf-8"?>
 <p:notesMaster xmlns:a="http://schemas.openxmlformats.org/drawingml/2006/main" xmlns:r="http://schemas.openxmlformats.org/officeDocument/2006/relationships" xmlns:p="http://schemas.openxmlformats.org/presentationml/2006/main">
   <p:cSld>
@@ -218,7 +6751,7 @@
           <a:p>
             <a:fld id="{C8D18E60-4300-4729-A0D7-6AB984C3922D}" type="datetimeFigureOut">
               <a:rPr lang="en-US" smtClean="0"/>
-              <a:t>2/24/2022</a:t>
+              <a:t>2/27/2022</a:t>
             </a:fld>
             <a:endParaRPr lang="en-US"/>
           </a:p>
@@ -550,7 +7083,7 @@
           <a:p>
             <a:fld id="{87350B06-B074-48FC-8CFD-53D2CD8FB95F}" type="slidenum">
               <a:rPr lang="en-US" smtClean="0"/>
-              <a:t>9</a:t>
+              <a:t>10</a:t>
             </a:fld>
             <a:endParaRPr lang="en-US"/>
           </a:p>
@@ -788,7 +7321,7 @@
             <a:fld id="{53074F12-AA26-4AC8-9962-C36BB8F32554}" type="datetimeFigureOut">
               <a:rPr lang="en-US" smtClean="0"/>
               <a:pPr/>
-              <a:t>2/24/2022</a:t>
+              <a:t>2/27/2022</a:t>
             </a:fld>
             <a:endParaRPr lang="en-US"/>
           </a:p>
@@ -1054,7 +7587,7 @@
             <a:fld id="{53074F12-AA26-4AC8-9962-C36BB8F32554}" type="datetimeFigureOut">
               <a:rPr lang="en-US" smtClean="0"/>
               <a:pPr/>
-              <a:t>2/24/2022</a:t>
+              <a:t>2/27/2022</a:t>
             </a:fld>
             <a:endParaRPr lang="en-US"/>
           </a:p>
@@ -1236,7 +7769,7 @@
             <a:fld id="{53074F12-AA26-4AC8-9962-C36BB8F32554}" type="datetimeFigureOut">
               <a:rPr lang="en-US" smtClean="0"/>
               <a:pPr/>
-              <a:t>2/24/2022</a:t>
+              <a:t>2/27/2022</a:t>
             </a:fld>
             <a:endParaRPr lang="en-US"/>
           </a:p>
@@ -1428,7 +7961,7 @@
             <a:fld id="{53074F12-AA26-4AC8-9962-C36BB8F32554}" type="datetimeFigureOut">
               <a:rPr lang="en-US" smtClean="0"/>
               <a:pPr/>
-              <a:t>2/24/2022</a:t>
+              <a:t>2/27/2022</a:t>
             </a:fld>
             <a:endParaRPr lang="en-US"/>
           </a:p>
@@ -1722,7 +8255,7 @@
             <a:fld id="{53074F12-AA26-4AC8-9962-C36BB8F32554}" type="datetimeFigureOut">
               <a:rPr lang="en-US" smtClean="0"/>
               <a:pPr/>
-              <a:t>2/24/2022</a:t>
+              <a:t>2/27/2022</a:t>
             </a:fld>
             <a:endParaRPr lang="en-US"/>
           </a:p>
@@ -1981,7 +8514,7 @@
             <a:fld id="{53074F12-AA26-4AC8-9962-C36BB8F32554}" type="datetimeFigureOut">
               <a:rPr lang="en-US" smtClean="0"/>
               <a:pPr/>
-              <a:t>2/24/2022</a:t>
+              <a:t>2/27/2022</a:t>
             </a:fld>
             <a:endParaRPr lang="en-US"/>
           </a:p>
@@ -2240,7 +8773,7 @@
             <a:fld id="{53074F12-AA26-4AC8-9962-C36BB8F32554}" type="datetimeFigureOut">
               <a:rPr lang="en-US" smtClean="0"/>
               <a:pPr/>
-              <a:t>2/24/2022</a:t>
+              <a:t>2/27/2022</a:t>
             </a:fld>
             <a:endParaRPr lang="en-US"/>
           </a:p>
@@ -2539,7 +9072,7 @@
             <a:fld id="{53074F12-AA26-4AC8-9962-C36BB8F32554}" type="datetimeFigureOut">
               <a:rPr lang="en-US" smtClean="0"/>
               <a:pPr/>
-              <a:t>2/24/2022</a:t>
+              <a:t>2/27/2022</a:t>
             </a:fld>
             <a:endParaRPr lang="en-US"/>
           </a:p>
@@ -3038,7 +9571,7 @@
             <a:fld id="{53074F12-AA26-4AC8-9962-C36BB8F32554}" type="datetimeFigureOut">
               <a:rPr lang="en-US" smtClean="0"/>
               <a:pPr/>
-              <a:t>2/24/2022</a:t>
+              <a:t>2/27/2022</a:t>
             </a:fld>
             <a:endParaRPr lang="en-US"/>
           </a:p>
@@ -3169,7 +9702,7 @@
             <a:fld id="{53074F12-AA26-4AC8-9962-C36BB8F32554}" type="datetimeFigureOut">
               <a:rPr lang="en-US" smtClean="0"/>
               <a:pPr/>
-              <a:t>2/24/2022</a:t>
+              <a:t>2/27/2022</a:t>
             </a:fld>
             <a:endParaRPr lang="en-US"/>
           </a:p>
@@ -3278,7 +9811,7 @@
             <a:fld id="{53074F12-AA26-4AC8-9962-C36BB8F32554}" type="datetimeFigureOut">
               <a:rPr lang="en-US" smtClean="0"/>
               <a:pPr/>
-              <a:t>2/24/2022</a:t>
+              <a:t>2/27/2022</a:t>
             </a:fld>
             <a:endParaRPr lang="en-US"/>
           </a:p>
@@ -3567,7 +10100,7 @@
             <a:fld id="{53074F12-AA26-4AC8-9962-C36BB8F32554}" type="datetimeFigureOut">
               <a:rPr lang="en-US" smtClean="0"/>
               <a:pPr/>
-              <a:t>2/24/2022</a:t>
+              <a:t>2/27/2022</a:t>
             </a:fld>
             <a:endParaRPr lang="en-US"/>
           </a:p>
@@ -3801,7 +10334,7 @@
             <a:fld id="{53074F12-AA26-4AC8-9962-C36BB8F32554}" type="datetimeFigureOut">
               <a:rPr lang="en-US" smtClean="0"/>
               <a:pPr/>
-              <a:t>2/24/2022</a:t>
+              <a:t>2/27/2022</a:t>
             </a:fld>
             <a:endParaRPr lang="en-US"/>
           </a:p>
@@ -4347,49 +10880,262 @@
           <a:chExt cx="0" cy="0"/>
         </a:xfrm>
       </p:grpSpPr>
-      <p:sp>
-        <p:nvSpPr>
-          <p:cNvPr id="2" name="TextBox 1">
+      <p:pic>
+        <p:nvPicPr>
+          <p:cNvPr id="4" name="Picture 3" descr="Graphical user interface, application&#10;&#10;Description automatically generated">
             <a:extLst>
               <a:ext uri="{FF2B5EF4-FFF2-40B4-BE49-F238E27FC236}">
-                <a16:creationId xmlns:a16="http://schemas.microsoft.com/office/drawing/2014/main" id="{0EF06978-8624-467F-8F27-9E0AF1403380}"/>
+                <a16:creationId xmlns:a16="http://schemas.microsoft.com/office/drawing/2014/main" id="{849E33BB-46C7-4D92-9197-A9126AF13605}"/>
               </a:ext>
             </a:extLst>
           </p:cNvPr>
-          <p:cNvSpPr txBox="1"/>
+          <p:cNvPicPr>
+            <a:picLocks noChangeAspect="1"/>
+          </p:cNvPicPr>
           <p:nvPr/>
-        </p:nvSpPr>
+        </p:nvPicPr>
+        <p:blipFill>
+          <a:blip r:embed="rId3">
+            <a:extLst>
+              <a:ext uri="{28A0092B-C50C-407E-A947-70E740481C1C}">
+                <a14:useLocalDpi xmlns:a14="http://schemas.microsoft.com/office/drawing/2010/main" val="0"/>
+              </a:ext>
+            </a:extLst>
+          </a:blip>
+          <a:stretch>
+            <a:fillRect/>
+          </a:stretch>
+        </p:blipFill>
         <p:spPr>
           <a:xfrm>
-            <a:off x="2815892" y="1786920"/>
-            <a:ext cx="3512215" cy="1569660"/>
+            <a:off x="0" y="1197404"/>
+            <a:ext cx="2072820" cy="3946095"/>
           </a:xfrm>
           <a:prstGeom prst="rect">
             <a:avLst/>
           </a:prstGeom>
-          <a:noFill/>
         </p:spPr>
-        <p:txBody>
-          <a:bodyPr wrap="square" rtlCol="0">
-            <a:spAutoFit/>
-          </a:bodyPr>
-          <a:lstStyle/>
-          <a:p>
-            <a:r>
-              <a:rPr lang="en-US" sz="9600" dirty="0">
-                <a:solidFill>
-                  <a:srgbClr val="46BE42"/>
-                </a:solidFill>
-              </a:rPr>
-              <a:t>DEMO</a:t>
-            </a:r>
-          </a:p>
-        </p:txBody>
-      </p:sp>
+      </p:pic>
+      <p:pic>
+        <p:nvPicPr>
+          <p:cNvPr id="6" name="Picture 5" descr="Graphical user interface, text, application, chat or text message&#10;&#10;Description automatically generated">
+            <a:extLst>
+              <a:ext uri="{FF2B5EF4-FFF2-40B4-BE49-F238E27FC236}">
+                <a16:creationId xmlns:a16="http://schemas.microsoft.com/office/drawing/2014/main" id="{03AF5414-29DE-46A9-B281-BB1642300E3E}"/>
+              </a:ext>
+            </a:extLst>
+          </p:cNvPr>
+          <p:cNvPicPr>
+            <a:picLocks noChangeAspect="1"/>
+          </p:cNvPicPr>
+          <p:nvPr/>
+        </p:nvPicPr>
+        <p:blipFill>
+          <a:blip r:embed="rId4">
+            <a:extLst>
+              <a:ext uri="{28A0092B-C50C-407E-A947-70E740481C1C}">
+                <a14:useLocalDpi xmlns:a14="http://schemas.microsoft.com/office/drawing/2010/main" val="0"/>
+              </a:ext>
+            </a:extLst>
+          </a:blip>
+          <a:stretch>
+            <a:fillRect/>
+          </a:stretch>
+        </p:blipFill>
+        <p:spPr>
+          <a:xfrm>
+            <a:off x="2072820" y="1142025"/>
+            <a:ext cx="1368102" cy="1950889"/>
+          </a:xfrm>
+          <a:prstGeom prst="rect">
+            <a:avLst/>
+          </a:prstGeom>
+        </p:spPr>
+      </p:pic>
+      <p:pic>
+        <p:nvPicPr>
+          <p:cNvPr id="8" name="Picture 7" descr="Text&#10;&#10;Description automatically generated">
+            <a:extLst>
+              <a:ext uri="{FF2B5EF4-FFF2-40B4-BE49-F238E27FC236}">
+                <a16:creationId xmlns:a16="http://schemas.microsoft.com/office/drawing/2014/main" id="{E49DCA49-693A-47F5-AB40-EE1B6A14CCB6}"/>
+              </a:ext>
+            </a:extLst>
+          </p:cNvPr>
+          <p:cNvPicPr>
+            <a:picLocks noChangeAspect="1"/>
+          </p:cNvPicPr>
+          <p:nvPr/>
+        </p:nvPicPr>
+        <p:blipFill>
+          <a:blip r:embed="rId5">
+            <a:extLst>
+              <a:ext uri="{28A0092B-C50C-407E-A947-70E740481C1C}">
+                <a14:useLocalDpi xmlns:a14="http://schemas.microsoft.com/office/drawing/2010/main" val="0"/>
+              </a:ext>
+            </a:extLst>
+          </a:blip>
+          <a:stretch>
+            <a:fillRect/>
+          </a:stretch>
+        </p:blipFill>
+        <p:spPr>
+          <a:xfrm>
+            <a:off x="3438223" y="1139908"/>
+            <a:ext cx="1407601" cy="975445"/>
+          </a:xfrm>
+          <a:prstGeom prst="rect">
+            <a:avLst/>
+          </a:prstGeom>
+        </p:spPr>
+      </p:pic>
+      <p:pic>
+        <p:nvPicPr>
+          <p:cNvPr id="10" name="Picture 9" descr="Graphical user interface, text, chat or text message&#10;&#10;Description automatically generated">
+            <a:extLst>
+              <a:ext uri="{FF2B5EF4-FFF2-40B4-BE49-F238E27FC236}">
+                <a16:creationId xmlns:a16="http://schemas.microsoft.com/office/drawing/2014/main" id="{F6A16B90-08F4-47A3-8156-6CFD4038C51F}"/>
+              </a:ext>
+            </a:extLst>
+          </p:cNvPr>
+          <p:cNvPicPr>
+            <a:picLocks noChangeAspect="1"/>
+          </p:cNvPicPr>
+          <p:nvPr/>
+        </p:nvPicPr>
+        <p:blipFill>
+          <a:blip r:embed="rId6">
+            <a:extLst>
+              <a:ext uri="{28A0092B-C50C-407E-A947-70E740481C1C}">
+                <a14:useLocalDpi xmlns:a14="http://schemas.microsoft.com/office/drawing/2010/main" val="0"/>
+              </a:ext>
+            </a:extLst>
+          </a:blip>
+          <a:stretch>
+            <a:fillRect/>
+          </a:stretch>
+        </p:blipFill>
+        <p:spPr>
+          <a:xfrm>
+            <a:off x="4845825" y="1142024"/>
+            <a:ext cx="1558636" cy="4001476"/>
+          </a:xfrm>
+          <a:prstGeom prst="rect">
+            <a:avLst/>
+          </a:prstGeom>
+        </p:spPr>
+      </p:pic>
+      <p:pic>
+        <p:nvPicPr>
+          <p:cNvPr id="12" name="Picture 11" descr="Graphical user interface, text, application, chat or text message&#10;&#10;Description automatically generated">
+            <a:extLst>
+              <a:ext uri="{FF2B5EF4-FFF2-40B4-BE49-F238E27FC236}">
+                <a16:creationId xmlns:a16="http://schemas.microsoft.com/office/drawing/2014/main" id="{22616D7E-3EDC-4726-8607-25EC25EE00D1}"/>
+              </a:ext>
+            </a:extLst>
+          </p:cNvPr>
+          <p:cNvPicPr>
+            <a:picLocks noChangeAspect="1"/>
+          </p:cNvPicPr>
+          <p:nvPr/>
+        </p:nvPicPr>
+        <p:blipFill>
+          <a:blip r:embed="rId7">
+            <a:extLst>
+              <a:ext uri="{28A0092B-C50C-407E-A947-70E740481C1C}">
+                <a14:useLocalDpi xmlns:a14="http://schemas.microsoft.com/office/drawing/2010/main" val="0"/>
+              </a:ext>
+            </a:extLst>
+          </a:blip>
+          <a:stretch>
+            <a:fillRect/>
+          </a:stretch>
+        </p:blipFill>
+        <p:spPr>
+          <a:xfrm>
+            <a:off x="6407161" y="1139908"/>
+            <a:ext cx="1402203" cy="2095682"/>
+          </a:xfrm>
+          <a:prstGeom prst="rect">
+            <a:avLst/>
+          </a:prstGeom>
+        </p:spPr>
+      </p:pic>
+      <p:pic>
+        <p:nvPicPr>
+          <p:cNvPr id="14" name="Picture 13" descr="Graphical user interface, text, application, chat or text message&#10;&#10;Description automatically generated">
+            <a:extLst>
+              <a:ext uri="{FF2B5EF4-FFF2-40B4-BE49-F238E27FC236}">
+                <a16:creationId xmlns:a16="http://schemas.microsoft.com/office/drawing/2014/main" id="{97DECD0C-D793-4A45-A89F-4B34E4B8CBF6}"/>
+              </a:ext>
+            </a:extLst>
+          </p:cNvPr>
+          <p:cNvPicPr>
+            <a:picLocks noChangeAspect="1"/>
+          </p:cNvPicPr>
+          <p:nvPr/>
+        </p:nvPicPr>
+        <p:blipFill>
+          <a:blip r:embed="rId8">
+            <a:extLst>
+              <a:ext uri="{28A0092B-C50C-407E-A947-70E740481C1C}">
+                <a14:useLocalDpi xmlns:a14="http://schemas.microsoft.com/office/drawing/2010/main" val="0"/>
+              </a:ext>
+            </a:extLst>
+          </a:blip>
+          <a:stretch>
+            <a:fillRect/>
+          </a:stretch>
+        </p:blipFill>
+        <p:spPr>
+          <a:xfrm>
+            <a:off x="7809364" y="1139908"/>
+            <a:ext cx="1272650" cy="2293819"/>
+          </a:xfrm>
+          <a:prstGeom prst="rect">
+            <a:avLst/>
+          </a:prstGeom>
+        </p:spPr>
+      </p:pic>
+      <p:pic>
+        <p:nvPicPr>
+          <p:cNvPr id="16" name="Picture 15" descr="A picture containing graphical user interface&#10;&#10;Description automatically generated">
+            <a:extLst>
+              <a:ext uri="{FF2B5EF4-FFF2-40B4-BE49-F238E27FC236}">
+                <a16:creationId xmlns:a16="http://schemas.microsoft.com/office/drawing/2014/main" id="{E51B793F-836D-4F15-B669-02F1F001BBD2}"/>
+              </a:ext>
+            </a:extLst>
+          </p:cNvPr>
+          <p:cNvPicPr>
+            <a:picLocks noChangeAspect="1"/>
+          </p:cNvPicPr>
+          <p:nvPr/>
+        </p:nvPicPr>
+        <p:blipFill>
+          <a:blip r:embed="rId9">
+            <a:extLst>
+              <a:ext uri="{28A0092B-C50C-407E-A947-70E740481C1C}">
+                <a14:useLocalDpi xmlns:a14="http://schemas.microsoft.com/office/drawing/2010/main" val="0"/>
+              </a:ext>
+            </a:extLst>
+          </a:blip>
+          <a:stretch>
+            <a:fillRect/>
+          </a:stretch>
+        </p:blipFill>
+        <p:spPr>
+          <a:xfrm>
+            <a:off x="7806664" y="3432121"/>
+            <a:ext cx="922100" cy="403895"/>
+          </a:xfrm>
+          <a:prstGeom prst="rect">
+            <a:avLst/>
+          </a:prstGeom>
+        </p:spPr>
+      </p:pic>
     </p:spTree>
     <p:extLst>
       <p:ext uri="{BB962C8B-B14F-4D97-AF65-F5344CB8AC3E}">
-        <p14:creationId xmlns:p14="http://schemas.microsoft.com/office/powerpoint/2010/main" val="3020809963"/>
+        <p14:creationId xmlns:p14="http://schemas.microsoft.com/office/powerpoint/2010/main" val="109100692"/>
       </p:ext>
     </p:extLst>
   </p:cSld>
@@ -4433,6 +11179,87 @@
           <p:cNvPr id="2" name="TextBox 1">
             <a:extLst>
               <a:ext uri="{FF2B5EF4-FFF2-40B4-BE49-F238E27FC236}">
+                <a16:creationId xmlns:a16="http://schemas.microsoft.com/office/drawing/2014/main" id="{0EF06978-8624-467F-8F27-9E0AF1403380}"/>
+              </a:ext>
+            </a:extLst>
+          </p:cNvPr>
+          <p:cNvSpPr txBox="1"/>
+          <p:nvPr/>
+        </p:nvSpPr>
+        <p:spPr>
+          <a:xfrm>
+            <a:off x="2815892" y="1786920"/>
+            <a:ext cx="3512215" cy="1569660"/>
+          </a:xfrm>
+          <a:prstGeom prst="rect">
+            <a:avLst/>
+          </a:prstGeom>
+          <a:noFill/>
+        </p:spPr>
+        <p:txBody>
+          <a:bodyPr wrap="square" rtlCol="0">
+            <a:spAutoFit/>
+          </a:bodyPr>
+          <a:lstStyle/>
+          <a:p>
+            <a:r>
+              <a:rPr lang="en-US" sz="9600" dirty="0">
+                <a:solidFill>
+                  <a:srgbClr val="46BE42"/>
+                </a:solidFill>
+              </a:rPr>
+              <a:t>DEMO</a:t>
+            </a:r>
+          </a:p>
+        </p:txBody>
+      </p:sp>
+    </p:spTree>
+    <p:extLst>
+      <p:ext uri="{BB962C8B-B14F-4D97-AF65-F5344CB8AC3E}">
+        <p14:creationId xmlns:p14="http://schemas.microsoft.com/office/powerpoint/2010/main" val="3020809963"/>
+      </p:ext>
+    </p:extLst>
+  </p:cSld>
+  <p:clrMapOvr>
+    <a:masterClrMapping/>
+  </p:clrMapOvr>
+  <mc:AlternateContent xmlns:mc="http://schemas.openxmlformats.org/markup-compatibility/2006" xmlns:p159="http://schemas.microsoft.com/office/powerpoint/2015/09/main">
+    <mc:Choice Requires="p159">
+      <p:transition xmlns:p14="http://schemas.microsoft.com/office/powerpoint/2010/main" spd="slow" p14:dur="2000">
+        <p159:morph option="byObject"/>
+      </p:transition>
+    </mc:Choice>
+    <mc:Fallback xmlns="">
+      <p:transition spd="slow">
+        <p:fade/>
+      </p:transition>
+    </mc:Fallback>
+  </mc:AlternateContent>
+</p:sld>
+</file>
+
+<file path=ppt/slides/slide12.xml><?xml version="1.0" encoding="utf-8"?>
+<p:sld xmlns:a="http://schemas.openxmlformats.org/drawingml/2006/main" xmlns:r="http://schemas.openxmlformats.org/officeDocument/2006/relationships" xmlns:p="http://schemas.openxmlformats.org/presentationml/2006/main">
+  <p:cSld>
+    <p:spTree>
+      <p:nvGrpSpPr>
+        <p:cNvPr id="1" name=""/>
+        <p:cNvGrpSpPr/>
+        <p:nvPr/>
+      </p:nvGrpSpPr>
+      <p:grpSpPr>
+        <a:xfrm>
+          <a:off x="0" y="0"/>
+          <a:ext cx="0" cy="0"/>
+          <a:chOff x="0" y="0"/>
+          <a:chExt cx="0" cy="0"/>
+        </a:xfrm>
+      </p:grpSpPr>
+      <p:sp>
+        <p:nvSpPr>
+          <p:cNvPr id="2" name="TextBox 1">
+            <a:extLst>
+              <a:ext uri="{FF2B5EF4-FFF2-40B4-BE49-F238E27FC236}">
                 <a16:creationId xmlns:a16="http://schemas.microsoft.com/office/drawing/2014/main" id="{E183FCA1-B2DA-47BB-A039-E20BDD05A344}"/>
               </a:ext>
             </a:extLst>
@@ -4498,6 +11325,619 @@
 </file>
 
 <file path=ppt/slides/slide2.xml><?xml version="1.0" encoding="utf-8"?>
+<p:sld xmlns:a="http://schemas.openxmlformats.org/drawingml/2006/main" xmlns:r="http://schemas.openxmlformats.org/officeDocument/2006/relationships" xmlns:p="http://schemas.openxmlformats.org/presentationml/2006/main">
+  <p:cSld>
+    <p:spTree>
+      <p:nvGrpSpPr>
+        <p:cNvPr id="1" name=""/>
+        <p:cNvGrpSpPr/>
+        <p:nvPr/>
+      </p:nvGrpSpPr>
+      <p:grpSpPr>
+        <a:xfrm>
+          <a:off x="0" y="0"/>
+          <a:ext cx="0" cy="0"/>
+          <a:chOff x="0" y="0"/>
+          <a:chExt cx="0" cy="0"/>
+        </a:xfrm>
+      </p:grpSpPr>
+      <p:sp>
+        <p:nvSpPr>
+          <p:cNvPr id="9" name="Title 3">
+            <a:extLst>
+              <a:ext uri="{FF2B5EF4-FFF2-40B4-BE49-F238E27FC236}">
+                <a16:creationId xmlns:a16="http://schemas.microsoft.com/office/drawing/2014/main" id="{63006BB4-BBDE-454C-A0BA-815AA243A4D8}"/>
+              </a:ext>
+            </a:extLst>
+          </p:cNvPr>
+          <p:cNvSpPr>
+            <a:spLocks noGrp="1"/>
+          </p:cNvSpPr>
+          <p:nvPr>
+            <p:ph type="title"/>
+          </p:nvPr>
+        </p:nvSpPr>
+        <p:spPr>
+          <a:xfrm>
+            <a:off x="2739540" y="281175"/>
+            <a:ext cx="6252670" cy="763525"/>
+          </a:xfrm>
+        </p:spPr>
+        <p:txBody>
+          <a:bodyPr>
+            <a:noAutofit/>
+          </a:bodyPr>
+          <a:lstStyle/>
+          <a:p>
+            <a:pPr algn="r"/>
+            <a:r>
+              <a:rPr lang="en-US" sz="3200" dirty="0">
+                <a:solidFill>
+                  <a:srgbClr val="002060"/>
+                </a:solidFill>
+              </a:rPr>
+              <a:t>Who are we</a:t>
+            </a:r>
+          </a:p>
+        </p:txBody>
+      </p:sp>
+      <p:graphicFrame>
+        <p:nvGraphicFramePr>
+          <p:cNvPr id="29" name="Content Placeholder 28">
+            <a:extLst>
+              <a:ext uri="{FF2B5EF4-FFF2-40B4-BE49-F238E27FC236}">
+                <a16:creationId xmlns:a16="http://schemas.microsoft.com/office/drawing/2014/main" id="{DA554CA6-114D-4552-A206-ACFE505B772A}"/>
+              </a:ext>
+            </a:extLst>
+          </p:cNvPr>
+          <p:cNvGraphicFramePr>
+            <a:graphicFrameLocks noGrp="1"/>
+          </p:cNvGraphicFramePr>
+          <p:nvPr>
+            <p:ph sz="half" idx="1"/>
+            <p:extLst>
+              <p:ext uri="{D42A27DB-BD31-4B8C-83A1-F6EECF244321}">
+                <p14:modId xmlns:p14="http://schemas.microsoft.com/office/powerpoint/2010/main" val="433485298"/>
+              </p:ext>
+            </p:extLst>
+          </p:nvPr>
+        </p:nvGraphicFramePr>
+        <p:xfrm>
+          <a:off x="-187448" y="309941"/>
+          <a:ext cx="5460795" cy="5763184"/>
+        </p:xfrm>
+        <a:graphic>
+          <a:graphicData uri="http://schemas.openxmlformats.org/drawingml/2006/diagram">
+            <dgm:relIds xmlns:dgm="http://schemas.openxmlformats.org/drawingml/2006/diagram" xmlns:r="http://schemas.openxmlformats.org/officeDocument/2006/relationships" r:dm="rId2" r:lo="rId3" r:qs="rId4" r:cs="rId5"/>
+          </a:graphicData>
+        </a:graphic>
+      </p:graphicFrame>
+      <p:pic>
+        <p:nvPicPr>
+          <p:cNvPr id="31" name="Content Placeholder 30">
+            <a:extLst>
+              <a:ext uri="{FF2B5EF4-FFF2-40B4-BE49-F238E27FC236}">
+                <a16:creationId xmlns:a16="http://schemas.microsoft.com/office/drawing/2014/main" id="{01095F83-CC6F-44ED-8404-0A02AED39823}"/>
+              </a:ext>
+            </a:extLst>
+          </p:cNvPr>
+          <p:cNvPicPr>
+            <a:picLocks noGrp="1" noChangeAspect="1"/>
+          </p:cNvPicPr>
+          <p:nvPr>
+            <p:ph sz="half" idx="2"/>
+          </p:nvPr>
+        </p:nvPicPr>
+        <p:blipFill rotWithShape="1">
+          <a:blip r:embed="rId7" cstate="print">
+            <a:extLst>
+              <a:ext uri="{28A0092B-C50C-407E-A947-70E740481C1C}">
+                <a14:useLocalDpi xmlns:a14="http://schemas.microsoft.com/office/drawing/2010/main" val="0"/>
+              </a:ext>
+            </a:extLst>
+          </a:blip>
+          <a:srcRect/>
+          <a:stretch/>
+        </p:blipFill>
+        <p:spPr>
+          <a:xfrm>
+            <a:off x="754375" y="2229179"/>
+            <a:ext cx="1832460" cy="1924707"/>
+          </a:xfrm>
+          <a:prstGeom prst="ellipse">
+            <a:avLst/>
+          </a:prstGeom>
+          <a:ln w="38100">
+            <a:solidFill>
+              <a:srgbClr val="37B235"/>
+            </a:solidFill>
+          </a:ln>
+        </p:spPr>
+      </p:pic>
+      <p:sp>
+        <p:nvSpPr>
+          <p:cNvPr id="32" name="Title 3">
+            <a:extLst>
+              <a:ext uri="{FF2B5EF4-FFF2-40B4-BE49-F238E27FC236}">
+                <a16:creationId xmlns:a16="http://schemas.microsoft.com/office/drawing/2014/main" id="{DECEB24F-6287-4E9D-865D-1D42DD153D0C}"/>
+              </a:ext>
+            </a:extLst>
+          </p:cNvPr>
+          <p:cNvSpPr txBox="1">
+            <a:spLocks/>
+          </p:cNvSpPr>
+          <p:nvPr/>
+        </p:nvSpPr>
+        <p:spPr>
+          <a:xfrm>
+            <a:off x="2842864" y="3019375"/>
+            <a:ext cx="1068935" cy="458115"/>
+          </a:xfrm>
+          <a:prstGeom prst="rect">
+            <a:avLst/>
+          </a:prstGeom>
+        </p:spPr>
+        <p:txBody>
+          <a:bodyPr vert="horz" lIns="91440" tIns="45720" rIns="91440" bIns="45720" rtlCol="0" anchor="ctr">
+            <a:noAutofit/>
+          </a:bodyPr>
+          <a:lstStyle>
+            <a:lvl1pPr algn="ctr" defTabSz="914400" rtl="0" eaLnBrk="1" latinLnBrk="0" hangingPunct="1">
+              <a:spcBef>
+                <a:spcPct val="0"/>
+              </a:spcBef>
+              <a:buNone/>
+              <a:defRPr sz="4400" kern="1200">
+                <a:solidFill>
+                  <a:schemeClr val="tx1"/>
+                </a:solidFill>
+                <a:latin typeface="+mj-lt"/>
+                <a:ea typeface="+mj-ea"/>
+                <a:cs typeface="+mj-cs"/>
+              </a:defRPr>
+            </a:lvl1pPr>
+          </a:lstStyle>
+          <a:p>
+            <a:r>
+              <a:rPr lang="en-US" sz="2000" dirty="0">
+                <a:solidFill>
+                  <a:srgbClr val="002060"/>
+                </a:solidFill>
+                <a:latin typeface="Arial Narrow" panose="020B0606020202030204" pitchFamily="34" charset="0"/>
+              </a:rPr>
+              <a:t> Architect</a:t>
+            </a:r>
+          </a:p>
+        </p:txBody>
+      </p:sp>
+      <p:sp>
+        <p:nvSpPr>
+          <p:cNvPr id="33" name="Title 3">
+            <a:extLst>
+              <a:ext uri="{FF2B5EF4-FFF2-40B4-BE49-F238E27FC236}">
+                <a16:creationId xmlns:a16="http://schemas.microsoft.com/office/drawing/2014/main" id="{2EA60DCD-C34A-4D03-BFBB-FADEF40F4983}"/>
+              </a:ext>
+            </a:extLst>
+          </p:cNvPr>
+          <p:cNvSpPr txBox="1">
+            <a:spLocks/>
+          </p:cNvSpPr>
+          <p:nvPr/>
+        </p:nvSpPr>
+        <p:spPr>
+          <a:xfrm>
+            <a:off x="2328934" y="1884864"/>
+            <a:ext cx="1330509" cy="458115"/>
+          </a:xfrm>
+          <a:prstGeom prst="rect">
+            <a:avLst/>
+          </a:prstGeom>
+        </p:spPr>
+        <p:txBody>
+          <a:bodyPr vert="horz" lIns="91440" tIns="45720" rIns="91440" bIns="45720" rtlCol="0" anchor="ctr">
+            <a:noAutofit/>
+          </a:bodyPr>
+          <a:lstStyle>
+            <a:lvl1pPr algn="ctr" defTabSz="914400" rtl="0" eaLnBrk="1" latinLnBrk="0" hangingPunct="1">
+              <a:spcBef>
+                <a:spcPct val="0"/>
+              </a:spcBef>
+              <a:buNone/>
+              <a:defRPr sz="4400" kern="1200">
+                <a:solidFill>
+                  <a:schemeClr val="tx1"/>
+                </a:solidFill>
+                <a:latin typeface="+mj-lt"/>
+                <a:ea typeface="+mj-ea"/>
+                <a:cs typeface="+mj-cs"/>
+              </a:defRPr>
+            </a:lvl1pPr>
+          </a:lstStyle>
+          <a:p>
+            <a:r>
+              <a:rPr lang="en-US" sz="2000" dirty="0">
+                <a:solidFill>
+                  <a:srgbClr val="002060"/>
+                </a:solidFill>
+                <a:latin typeface="Arial Narrow" panose="020B0606020202030204" pitchFamily="34" charset="0"/>
+              </a:rPr>
+              <a:t> Aleksandar Todorov</a:t>
+            </a:r>
+          </a:p>
+        </p:txBody>
+      </p:sp>
+      <p:sp>
+        <p:nvSpPr>
+          <p:cNvPr id="36" name="Title 3">
+            <a:extLst>
+              <a:ext uri="{FF2B5EF4-FFF2-40B4-BE49-F238E27FC236}">
+                <a16:creationId xmlns:a16="http://schemas.microsoft.com/office/drawing/2014/main" id="{C5C9E913-9FFA-43B1-B495-F554FA60A084}"/>
+              </a:ext>
+            </a:extLst>
+          </p:cNvPr>
+          <p:cNvSpPr txBox="1">
+            <a:spLocks/>
+          </p:cNvSpPr>
+          <p:nvPr/>
+        </p:nvSpPr>
+        <p:spPr>
+          <a:xfrm>
+            <a:off x="2459722" y="4058719"/>
+            <a:ext cx="1068935" cy="458115"/>
+          </a:xfrm>
+          <a:prstGeom prst="rect">
+            <a:avLst/>
+          </a:prstGeom>
+        </p:spPr>
+        <p:txBody>
+          <a:bodyPr vert="horz" lIns="91440" tIns="45720" rIns="91440" bIns="45720" rtlCol="0" anchor="ctr">
+            <a:noAutofit/>
+          </a:bodyPr>
+          <a:lstStyle>
+            <a:lvl1pPr algn="ctr" defTabSz="914400" rtl="0" eaLnBrk="1" latinLnBrk="0" hangingPunct="1">
+              <a:spcBef>
+                <a:spcPct val="0"/>
+              </a:spcBef>
+              <a:buNone/>
+              <a:defRPr sz="4400" kern="1200">
+                <a:solidFill>
+                  <a:schemeClr val="tx1"/>
+                </a:solidFill>
+                <a:latin typeface="+mj-lt"/>
+                <a:ea typeface="+mj-ea"/>
+                <a:cs typeface="+mj-cs"/>
+              </a:defRPr>
+            </a:lvl1pPr>
+          </a:lstStyle>
+          <a:p>
+            <a:r>
+              <a:rPr lang="en-US" sz="2000" dirty="0">
+                <a:solidFill>
+                  <a:srgbClr val="002060"/>
+                </a:solidFill>
+                <a:latin typeface="Arial Narrow" panose="020B0606020202030204" pitchFamily="34" charset="0"/>
+              </a:rPr>
+              <a:t> 27</a:t>
+            </a:r>
+          </a:p>
+          <a:p>
+            <a:r>
+              <a:rPr lang="en-US" sz="2000" dirty="0" err="1">
+                <a:solidFill>
+                  <a:srgbClr val="002060"/>
+                </a:solidFill>
+                <a:latin typeface="Arial Narrow" panose="020B0606020202030204" pitchFamily="34" charset="0"/>
+              </a:rPr>
+              <a:t>y.o</a:t>
+            </a:r>
+            <a:r>
+              <a:rPr lang="en-US" sz="2000" dirty="0">
+                <a:solidFill>
+                  <a:srgbClr val="002060"/>
+                </a:solidFill>
+                <a:latin typeface="Arial Narrow" panose="020B0606020202030204" pitchFamily="34" charset="0"/>
+              </a:rPr>
+              <a:t>.</a:t>
+            </a:r>
+          </a:p>
+        </p:txBody>
+      </p:sp>
+      <p:graphicFrame>
+        <p:nvGraphicFramePr>
+          <p:cNvPr id="55" name="Content Placeholder 28">
+            <a:extLst>
+              <a:ext uri="{FF2B5EF4-FFF2-40B4-BE49-F238E27FC236}">
+                <a16:creationId xmlns:a16="http://schemas.microsoft.com/office/drawing/2014/main" id="{881DC27C-4EF3-4F92-ABB3-7099C57BA1A7}"/>
+              </a:ext>
+            </a:extLst>
+          </p:cNvPr>
+          <p:cNvGraphicFramePr>
+            <a:graphicFrameLocks/>
+          </p:cNvGraphicFramePr>
+          <p:nvPr>
+            <p:extLst>
+              <p:ext uri="{D42A27DB-BD31-4B8C-83A1-F6EECF244321}">
+                <p14:modId xmlns:p14="http://schemas.microsoft.com/office/powerpoint/2010/main" val="358743280"/>
+              </p:ext>
+            </p:extLst>
+          </p:nvPr>
+        </p:nvGraphicFramePr>
+        <p:xfrm>
+          <a:off x="4402381" y="309941"/>
+          <a:ext cx="5460795" cy="5763184"/>
+        </p:xfrm>
+        <a:graphic>
+          <a:graphicData uri="http://schemas.openxmlformats.org/drawingml/2006/diagram">
+            <dgm:relIds xmlns:dgm="http://schemas.openxmlformats.org/drawingml/2006/diagram" xmlns:r="http://schemas.openxmlformats.org/officeDocument/2006/relationships" r:dm="rId8" r:lo="rId9" r:qs="rId10" r:cs="rId11"/>
+          </a:graphicData>
+        </a:graphic>
+      </p:graphicFrame>
+      <p:sp>
+        <p:nvSpPr>
+          <p:cNvPr id="57" name="Title 3">
+            <a:extLst>
+              <a:ext uri="{FF2B5EF4-FFF2-40B4-BE49-F238E27FC236}">
+                <a16:creationId xmlns:a16="http://schemas.microsoft.com/office/drawing/2014/main" id="{F4B48E63-2524-4F0B-9303-AEF96306DD0C}"/>
+              </a:ext>
+            </a:extLst>
+          </p:cNvPr>
+          <p:cNvSpPr txBox="1">
+            <a:spLocks/>
+          </p:cNvSpPr>
+          <p:nvPr/>
+        </p:nvSpPr>
+        <p:spPr>
+          <a:xfrm>
+            <a:off x="7432693" y="3019375"/>
+            <a:ext cx="1068935" cy="458115"/>
+          </a:xfrm>
+          <a:prstGeom prst="rect">
+            <a:avLst/>
+          </a:prstGeom>
+        </p:spPr>
+        <p:txBody>
+          <a:bodyPr vert="horz" lIns="91440" tIns="45720" rIns="91440" bIns="45720" rtlCol="0" anchor="ctr">
+            <a:noAutofit/>
+          </a:bodyPr>
+          <a:lstStyle>
+            <a:lvl1pPr algn="ctr" defTabSz="914400" rtl="0" eaLnBrk="1" latinLnBrk="0" hangingPunct="1">
+              <a:spcBef>
+                <a:spcPct val="0"/>
+              </a:spcBef>
+              <a:buNone/>
+              <a:defRPr sz="4400" kern="1200">
+                <a:solidFill>
+                  <a:schemeClr val="tx1"/>
+                </a:solidFill>
+                <a:latin typeface="+mj-lt"/>
+                <a:ea typeface="+mj-ea"/>
+                <a:cs typeface="+mj-cs"/>
+              </a:defRPr>
+            </a:lvl1pPr>
+          </a:lstStyle>
+          <a:p>
+            <a:r>
+              <a:rPr lang="en-US" sz="2000" dirty="0">
+                <a:solidFill>
+                  <a:srgbClr val="002060"/>
+                </a:solidFill>
+                <a:latin typeface="Arial Narrow" panose="020B0606020202030204" pitchFamily="34" charset="0"/>
+              </a:rPr>
+              <a:t> Student</a:t>
+            </a:r>
+          </a:p>
+        </p:txBody>
+      </p:sp>
+      <p:sp>
+        <p:nvSpPr>
+          <p:cNvPr id="58" name="Title 3">
+            <a:extLst>
+              <a:ext uri="{FF2B5EF4-FFF2-40B4-BE49-F238E27FC236}">
+                <a16:creationId xmlns:a16="http://schemas.microsoft.com/office/drawing/2014/main" id="{0269B28D-4C1F-4B09-A8D4-CE5CF63FECCD}"/>
+              </a:ext>
+            </a:extLst>
+          </p:cNvPr>
+          <p:cNvSpPr txBox="1">
+            <a:spLocks/>
+          </p:cNvSpPr>
+          <p:nvPr/>
+        </p:nvSpPr>
+        <p:spPr>
+          <a:xfrm>
+            <a:off x="6918763" y="1884864"/>
+            <a:ext cx="1330509" cy="458115"/>
+          </a:xfrm>
+          <a:prstGeom prst="rect">
+            <a:avLst/>
+          </a:prstGeom>
+        </p:spPr>
+        <p:txBody>
+          <a:bodyPr vert="horz" lIns="91440" tIns="45720" rIns="91440" bIns="45720" rtlCol="0" anchor="ctr">
+            <a:noAutofit/>
+          </a:bodyPr>
+          <a:lstStyle>
+            <a:lvl1pPr algn="ctr" defTabSz="914400" rtl="0" eaLnBrk="1" latinLnBrk="0" hangingPunct="1">
+              <a:spcBef>
+                <a:spcPct val="0"/>
+              </a:spcBef>
+              <a:buNone/>
+              <a:defRPr sz="4400" kern="1200">
+                <a:solidFill>
+                  <a:schemeClr val="tx1"/>
+                </a:solidFill>
+                <a:latin typeface="+mj-lt"/>
+                <a:ea typeface="+mj-ea"/>
+                <a:cs typeface="+mj-cs"/>
+              </a:defRPr>
+            </a:lvl1pPr>
+          </a:lstStyle>
+          <a:p>
+            <a:r>
+              <a:rPr lang="en-US" sz="2000" dirty="0">
+                <a:solidFill>
+                  <a:srgbClr val="002060"/>
+                </a:solidFill>
+                <a:latin typeface="Arial Narrow" panose="020B0606020202030204" pitchFamily="34" charset="0"/>
+              </a:rPr>
+              <a:t> Victor</a:t>
+            </a:r>
+          </a:p>
+          <a:p>
+            <a:r>
+              <a:rPr lang="en-US" sz="2000" dirty="0" err="1">
+                <a:solidFill>
+                  <a:srgbClr val="002060"/>
+                </a:solidFill>
+                <a:latin typeface="Arial Narrow" panose="020B0606020202030204" pitchFamily="34" charset="0"/>
+              </a:rPr>
+              <a:t>Mladenov</a:t>
+            </a:r>
+            <a:endParaRPr lang="en-US" sz="2000" dirty="0">
+              <a:solidFill>
+                <a:srgbClr val="002060"/>
+              </a:solidFill>
+              <a:latin typeface="Arial Narrow" panose="020B0606020202030204" pitchFamily="34" charset="0"/>
+            </a:endParaRPr>
+          </a:p>
+        </p:txBody>
+      </p:sp>
+      <p:sp>
+        <p:nvSpPr>
+          <p:cNvPr id="59" name="Title 3">
+            <a:extLst>
+              <a:ext uri="{FF2B5EF4-FFF2-40B4-BE49-F238E27FC236}">
+                <a16:creationId xmlns:a16="http://schemas.microsoft.com/office/drawing/2014/main" id="{4B37E4A1-AE3D-4ACA-BD6F-180D96D334EA}"/>
+              </a:ext>
+            </a:extLst>
+          </p:cNvPr>
+          <p:cNvSpPr txBox="1">
+            <a:spLocks/>
+          </p:cNvSpPr>
+          <p:nvPr/>
+        </p:nvSpPr>
+        <p:spPr>
+          <a:xfrm>
+            <a:off x="7049551" y="4058719"/>
+            <a:ext cx="1068935" cy="458115"/>
+          </a:xfrm>
+          <a:prstGeom prst="rect">
+            <a:avLst/>
+          </a:prstGeom>
+        </p:spPr>
+        <p:txBody>
+          <a:bodyPr vert="horz" lIns="91440" tIns="45720" rIns="91440" bIns="45720" rtlCol="0" anchor="ctr">
+            <a:noAutofit/>
+          </a:bodyPr>
+          <a:lstStyle>
+            <a:lvl1pPr algn="ctr" defTabSz="914400" rtl="0" eaLnBrk="1" latinLnBrk="0" hangingPunct="1">
+              <a:spcBef>
+                <a:spcPct val="0"/>
+              </a:spcBef>
+              <a:buNone/>
+              <a:defRPr sz="4400" kern="1200">
+                <a:solidFill>
+                  <a:schemeClr val="tx1"/>
+                </a:solidFill>
+                <a:latin typeface="+mj-lt"/>
+                <a:ea typeface="+mj-ea"/>
+                <a:cs typeface="+mj-cs"/>
+              </a:defRPr>
+            </a:lvl1pPr>
+          </a:lstStyle>
+          <a:p>
+            <a:r>
+              <a:rPr lang="en-US" sz="2000" dirty="0">
+                <a:solidFill>
+                  <a:srgbClr val="002060"/>
+                </a:solidFill>
+                <a:latin typeface="Arial Narrow" panose="020B0606020202030204" pitchFamily="34" charset="0"/>
+              </a:rPr>
+              <a:t> 22</a:t>
+            </a:r>
+          </a:p>
+          <a:p>
+            <a:r>
+              <a:rPr lang="en-US" sz="2000" dirty="0" err="1">
+                <a:solidFill>
+                  <a:srgbClr val="002060"/>
+                </a:solidFill>
+                <a:latin typeface="Arial Narrow" panose="020B0606020202030204" pitchFamily="34" charset="0"/>
+              </a:rPr>
+              <a:t>y.o</a:t>
+            </a:r>
+            <a:r>
+              <a:rPr lang="en-US" sz="2000" dirty="0">
+                <a:solidFill>
+                  <a:srgbClr val="002060"/>
+                </a:solidFill>
+                <a:latin typeface="Arial Narrow" panose="020B0606020202030204" pitchFamily="34" charset="0"/>
+              </a:rPr>
+              <a:t>.</a:t>
+            </a:r>
+          </a:p>
+        </p:txBody>
+      </p:sp>
+      <p:pic>
+        <p:nvPicPr>
+          <p:cNvPr id="60" name="Picture 59">
+            <a:extLst>
+              <a:ext uri="{FF2B5EF4-FFF2-40B4-BE49-F238E27FC236}">
+                <a16:creationId xmlns:a16="http://schemas.microsoft.com/office/drawing/2014/main" id="{D2DD94F7-D01A-42F5-9CF8-12CB2FF587F5}"/>
+              </a:ext>
+            </a:extLst>
+          </p:cNvPr>
+          <p:cNvPicPr>
+            <a:picLocks noChangeAspect="1"/>
+          </p:cNvPicPr>
+          <p:nvPr/>
+        </p:nvPicPr>
+        <p:blipFill>
+          <a:blip r:embed="rId13"/>
+          <a:stretch>
+            <a:fillRect/>
+          </a:stretch>
+        </p:blipFill>
+        <p:spPr>
+          <a:xfrm>
+            <a:off x="5322284" y="2255476"/>
+            <a:ext cx="1890020" cy="1890020"/>
+          </a:xfrm>
+          <a:prstGeom prst="ellipse">
+            <a:avLst/>
+          </a:prstGeom>
+          <a:ln w="38100">
+            <a:solidFill>
+              <a:srgbClr val="37B235"/>
+            </a:solidFill>
+          </a:ln>
+        </p:spPr>
+      </p:pic>
+    </p:spTree>
+    <p:extLst>
+      <p:ext uri="{BB962C8B-B14F-4D97-AF65-F5344CB8AC3E}">
+        <p14:creationId xmlns:p14="http://schemas.microsoft.com/office/powerpoint/2010/main" val="3740414081"/>
+      </p:ext>
+    </p:extLst>
+  </p:cSld>
+  <p:clrMapOvr>
+    <a:masterClrMapping/>
+  </p:clrMapOvr>
+  <mc:AlternateContent xmlns:mc="http://schemas.openxmlformats.org/markup-compatibility/2006" xmlns:p159="http://schemas.microsoft.com/office/powerpoint/2015/09/main">
+    <mc:Choice Requires="p159">
+      <p:transition xmlns:p14="http://schemas.microsoft.com/office/powerpoint/2010/main" spd="slow" p14:dur="2000">
+        <p159:morph option="byObject"/>
+      </p:transition>
+    </mc:Choice>
+    <mc:Fallback xmlns="">
+      <p:transition spd="slow">
+        <p:fade/>
+      </p:transition>
+    </mc:Fallback>
+  </mc:AlternateContent>
+</p:sld>
+</file>
+
+<file path=ppt/slides/slide3.xml><?xml version="1.0" encoding="utf-8"?>
 <p:sld xmlns:a="http://schemas.openxmlformats.org/drawingml/2006/main" xmlns:r="http://schemas.openxmlformats.org/officeDocument/2006/relationships" xmlns:p="http://schemas.openxmlformats.org/presentationml/2006/main">
   <p:cSld>
     <p:spTree>
@@ -5043,7 +12483,7 @@
 </p:sld>
 </file>
 
-<file path=ppt/slides/slide3.xml><?xml version="1.0" encoding="utf-8"?>
+<file path=ppt/slides/slide4.xml><?xml version="1.0" encoding="utf-8"?>
 <p:sld xmlns:a="http://schemas.openxmlformats.org/drawingml/2006/main" xmlns:r="http://schemas.openxmlformats.org/officeDocument/2006/relationships" xmlns:p="http://schemas.openxmlformats.org/presentationml/2006/main">
   <p:cSld>
     <p:spTree>
@@ -5206,7 +12646,7 @@
 </p:sld>
 </file>
 
-<file path=ppt/slides/slide4.xml><?xml version="1.0" encoding="utf-8"?>
+<file path=ppt/slides/slide5.xml><?xml version="1.0" encoding="utf-8"?>
 <p:sld xmlns:a="http://schemas.openxmlformats.org/drawingml/2006/main" xmlns:r="http://schemas.openxmlformats.org/officeDocument/2006/relationships" xmlns:p="http://schemas.openxmlformats.org/presentationml/2006/main">
   <p:cSld>
     <p:spTree>
@@ -5316,7 +12756,7 @@
 </p:sld>
 </file>
 
-<file path=ppt/slides/slide5.xml><?xml version="1.0" encoding="utf-8"?>
+<file path=ppt/slides/slide6.xml><?xml version="1.0" encoding="utf-8"?>
 <p:sld xmlns:a="http://schemas.openxmlformats.org/drawingml/2006/main" xmlns:r="http://schemas.openxmlformats.org/officeDocument/2006/relationships" xmlns:p="http://schemas.openxmlformats.org/presentationml/2006/main">
   <p:cSld>
     <p:spTree>
@@ -5394,7 +12834,7 @@
 </p:sld>
 </file>
 
-<file path=ppt/slides/slide6.xml><?xml version="1.0" encoding="utf-8"?>
+<file path=ppt/slides/slide7.xml><?xml version="1.0" encoding="utf-8"?>
 <p:sld xmlns:a="http://schemas.openxmlformats.org/drawingml/2006/main" xmlns:r="http://schemas.openxmlformats.org/officeDocument/2006/relationships" xmlns:p="http://schemas.openxmlformats.org/presentationml/2006/main">
   <p:cSld>
     <p:spTree>
@@ -5472,7 +12912,7 @@
 </p:sld>
 </file>
 
-<file path=ppt/slides/slide7.xml><?xml version="1.0" encoding="utf-8"?>
+<file path=ppt/slides/slide8.xml><?xml version="1.0" encoding="utf-8"?>
 <p:sld xmlns:a="http://schemas.openxmlformats.org/drawingml/2006/main" xmlns:r="http://schemas.openxmlformats.org/officeDocument/2006/relationships" xmlns:p="http://schemas.openxmlformats.org/presentationml/2006/main">
   <p:cSld>
     <p:spTree>
@@ -5550,7 +12990,7 @@
 </p:sld>
 </file>
 
-<file path=ppt/slides/slide8.xml><?xml version="1.0" encoding="utf-8"?>
+<file path=ppt/slides/slide9.xml><?xml version="1.0" encoding="utf-8"?>
 <p:sld xmlns:a="http://schemas.openxmlformats.org/drawingml/2006/main" xmlns:r="http://schemas.openxmlformats.org/officeDocument/2006/relationships" xmlns:p="http://schemas.openxmlformats.org/presentationml/2006/main">
   <p:cSld>
     <p:spTree>
@@ -5643,300 +13083,6 @@
     <p:extLst>
       <p:ext uri="{BB962C8B-B14F-4D97-AF65-F5344CB8AC3E}">
         <p14:creationId xmlns:p14="http://schemas.microsoft.com/office/powerpoint/2010/main" val="4170783713"/>
-      </p:ext>
-    </p:extLst>
-  </p:cSld>
-  <p:clrMapOvr>
-    <a:masterClrMapping/>
-  </p:clrMapOvr>
-  <mc:AlternateContent xmlns:mc="http://schemas.openxmlformats.org/markup-compatibility/2006" xmlns:p159="http://schemas.microsoft.com/office/powerpoint/2015/09/main">
-    <mc:Choice Requires="p159">
-      <p:transition xmlns:p14="http://schemas.microsoft.com/office/powerpoint/2010/main" spd="slow" p14:dur="2000">
-        <p159:morph option="byObject"/>
-      </p:transition>
-    </mc:Choice>
-    <mc:Fallback xmlns="">
-      <p:transition spd="slow">
-        <p:fade/>
-      </p:transition>
-    </mc:Fallback>
-  </mc:AlternateContent>
-</p:sld>
-</file>
-
-<file path=ppt/slides/slide9.xml><?xml version="1.0" encoding="utf-8"?>
-<p:sld xmlns:a="http://schemas.openxmlformats.org/drawingml/2006/main" xmlns:r="http://schemas.openxmlformats.org/officeDocument/2006/relationships" xmlns:p="http://schemas.openxmlformats.org/presentationml/2006/main">
-  <p:cSld>
-    <p:spTree>
-      <p:nvGrpSpPr>
-        <p:cNvPr id="1" name=""/>
-        <p:cNvGrpSpPr/>
-        <p:nvPr/>
-      </p:nvGrpSpPr>
-      <p:grpSpPr>
-        <a:xfrm>
-          <a:off x="0" y="0"/>
-          <a:ext cx="0" cy="0"/>
-          <a:chOff x="0" y="0"/>
-          <a:chExt cx="0" cy="0"/>
-        </a:xfrm>
-      </p:grpSpPr>
-      <p:pic>
-        <p:nvPicPr>
-          <p:cNvPr id="4" name="Picture 3" descr="Graphical user interface, application&#10;&#10;Description automatically generated">
-            <a:extLst>
-              <a:ext uri="{FF2B5EF4-FFF2-40B4-BE49-F238E27FC236}">
-                <a16:creationId xmlns:a16="http://schemas.microsoft.com/office/drawing/2014/main" id="{849E33BB-46C7-4D92-9197-A9126AF13605}"/>
-              </a:ext>
-            </a:extLst>
-          </p:cNvPr>
-          <p:cNvPicPr>
-            <a:picLocks noChangeAspect="1"/>
-          </p:cNvPicPr>
-          <p:nvPr/>
-        </p:nvPicPr>
-        <p:blipFill>
-          <a:blip r:embed="rId3">
-            <a:extLst>
-              <a:ext uri="{28A0092B-C50C-407E-A947-70E740481C1C}">
-                <a14:useLocalDpi xmlns:a14="http://schemas.microsoft.com/office/drawing/2010/main" val="0"/>
-              </a:ext>
-            </a:extLst>
-          </a:blip>
-          <a:stretch>
-            <a:fillRect/>
-          </a:stretch>
-        </p:blipFill>
-        <p:spPr>
-          <a:xfrm>
-            <a:off x="0" y="1197404"/>
-            <a:ext cx="2072820" cy="3946095"/>
-          </a:xfrm>
-          <a:prstGeom prst="rect">
-            <a:avLst/>
-          </a:prstGeom>
-        </p:spPr>
-      </p:pic>
-      <p:pic>
-        <p:nvPicPr>
-          <p:cNvPr id="6" name="Picture 5" descr="Graphical user interface, text, application, chat or text message&#10;&#10;Description automatically generated">
-            <a:extLst>
-              <a:ext uri="{FF2B5EF4-FFF2-40B4-BE49-F238E27FC236}">
-                <a16:creationId xmlns:a16="http://schemas.microsoft.com/office/drawing/2014/main" id="{03AF5414-29DE-46A9-B281-BB1642300E3E}"/>
-              </a:ext>
-            </a:extLst>
-          </p:cNvPr>
-          <p:cNvPicPr>
-            <a:picLocks noChangeAspect="1"/>
-          </p:cNvPicPr>
-          <p:nvPr/>
-        </p:nvPicPr>
-        <p:blipFill>
-          <a:blip r:embed="rId4">
-            <a:extLst>
-              <a:ext uri="{28A0092B-C50C-407E-A947-70E740481C1C}">
-                <a14:useLocalDpi xmlns:a14="http://schemas.microsoft.com/office/drawing/2010/main" val="0"/>
-              </a:ext>
-            </a:extLst>
-          </a:blip>
-          <a:stretch>
-            <a:fillRect/>
-          </a:stretch>
-        </p:blipFill>
-        <p:spPr>
-          <a:xfrm>
-            <a:off x="2072820" y="1142025"/>
-            <a:ext cx="1368102" cy="1950889"/>
-          </a:xfrm>
-          <a:prstGeom prst="rect">
-            <a:avLst/>
-          </a:prstGeom>
-        </p:spPr>
-      </p:pic>
-      <p:pic>
-        <p:nvPicPr>
-          <p:cNvPr id="8" name="Picture 7" descr="Text&#10;&#10;Description automatically generated">
-            <a:extLst>
-              <a:ext uri="{FF2B5EF4-FFF2-40B4-BE49-F238E27FC236}">
-                <a16:creationId xmlns:a16="http://schemas.microsoft.com/office/drawing/2014/main" id="{E49DCA49-693A-47F5-AB40-EE1B6A14CCB6}"/>
-              </a:ext>
-            </a:extLst>
-          </p:cNvPr>
-          <p:cNvPicPr>
-            <a:picLocks noChangeAspect="1"/>
-          </p:cNvPicPr>
-          <p:nvPr/>
-        </p:nvPicPr>
-        <p:blipFill>
-          <a:blip r:embed="rId5">
-            <a:extLst>
-              <a:ext uri="{28A0092B-C50C-407E-A947-70E740481C1C}">
-                <a14:useLocalDpi xmlns:a14="http://schemas.microsoft.com/office/drawing/2010/main" val="0"/>
-              </a:ext>
-            </a:extLst>
-          </a:blip>
-          <a:stretch>
-            <a:fillRect/>
-          </a:stretch>
-        </p:blipFill>
-        <p:spPr>
-          <a:xfrm>
-            <a:off x="3438223" y="1139908"/>
-            <a:ext cx="1407601" cy="975445"/>
-          </a:xfrm>
-          <a:prstGeom prst="rect">
-            <a:avLst/>
-          </a:prstGeom>
-        </p:spPr>
-      </p:pic>
-      <p:pic>
-        <p:nvPicPr>
-          <p:cNvPr id="10" name="Picture 9" descr="Graphical user interface, text, chat or text message&#10;&#10;Description automatically generated">
-            <a:extLst>
-              <a:ext uri="{FF2B5EF4-FFF2-40B4-BE49-F238E27FC236}">
-                <a16:creationId xmlns:a16="http://schemas.microsoft.com/office/drawing/2014/main" id="{F6A16B90-08F4-47A3-8156-6CFD4038C51F}"/>
-              </a:ext>
-            </a:extLst>
-          </p:cNvPr>
-          <p:cNvPicPr>
-            <a:picLocks noChangeAspect="1"/>
-          </p:cNvPicPr>
-          <p:nvPr/>
-        </p:nvPicPr>
-        <p:blipFill>
-          <a:blip r:embed="rId6">
-            <a:extLst>
-              <a:ext uri="{28A0092B-C50C-407E-A947-70E740481C1C}">
-                <a14:useLocalDpi xmlns:a14="http://schemas.microsoft.com/office/drawing/2010/main" val="0"/>
-              </a:ext>
-            </a:extLst>
-          </a:blip>
-          <a:stretch>
-            <a:fillRect/>
-          </a:stretch>
-        </p:blipFill>
-        <p:spPr>
-          <a:xfrm>
-            <a:off x="4845825" y="1142024"/>
-            <a:ext cx="1558636" cy="4001476"/>
-          </a:xfrm>
-          <a:prstGeom prst="rect">
-            <a:avLst/>
-          </a:prstGeom>
-        </p:spPr>
-      </p:pic>
-      <p:pic>
-        <p:nvPicPr>
-          <p:cNvPr id="12" name="Picture 11" descr="Graphical user interface, text, application, chat or text message&#10;&#10;Description automatically generated">
-            <a:extLst>
-              <a:ext uri="{FF2B5EF4-FFF2-40B4-BE49-F238E27FC236}">
-                <a16:creationId xmlns:a16="http://schemas.microsoft.com/office/drawing/2014/main" id="{22616D7E-3EDC-4726-8607-25EC25EE00D1}"/>
-              </a:ext>
-            </a:extLst>
-          </p:cNvPr>
-          <p:cNvPicPr>
-            <a:picLocks noChangeAspect="1"/>
-          </p:cNvPicPr>
-          <p:nvPr/>
-        </p:nvPicPr>
-        <p:blipFill>
-          <a:blip r:embed="rId7">
-            <a:extLst>
-              <a:ext uri="{28A0092B-C50C-407E-A947-70E740481C1C}">
-                <a14:useLocalDpi xmlns:a14="http://schemas.microsoft.com/office/drawing/2010/main" val="0"/>
-              </a:ext>
-            </a:extLst>
-          </a:blip>
-          <a:stretch>
-            <a:fillRect/>
-          </a:stretch>
-        </p:blipFill>
-        <p:spPr>
-          <a:xfrm>
-            <a:off x="6407161" y="1139908"/>
-            <a:ext cx="1402203" cy="2095682"/>
-          </a:xfrm>
-          <a:prstGeom prst="rect">
-            <a:avLst/>
-          </a:prstGeom>
-        </p:spPr>
-      </p:pic>
-      <p:pic>
-        <p:nvPicPr>
-          <p:cNvPr id="14" name="Picture 13" descr="Graphical user interface, text, application, chat or text message&#10;&#10;Description automatically generated">
-            <a:extLst>
-              <a:ext uri="{FF2B5EF4-FFF2-40B4-BE49-F238E27FC236}">
-                <a16:creationId xmlns:a16="http://schemas.microsoft.com/office/drawing/2014/main" id="{97DECD0C-D793-4A45-A89F-4B34E4B8CBF6}"/>
-              </a:ext>
-            </a:extLst>
-          </p:cNvPr>
-          <p:cNvPicPr>
-            <a:picLocks noChangeAspect="1"/>
-          </p:cNvPicPr>
-          <p:nvPr/>
-        </p:nvPicPr>
-        <p:blipFill>
-          <a:blip r:embed="rId8">
-            <a:extLst>
-              <a:ext uri="{28A0092B-C50C-407E-A947-70E740481C1C}">
-                <a14:useLocalDpi xmlns:a14="http://schemas.microsoft.com/office/drawing/2010/main" val="0"/>
-              </a:ext>
-            </a:extLst>
-          </a:blip>
-          <a:stretch>
-            <a:fillRect/>
-          </a:stretch>
-        </p:blipFill>
-        <p:spPr>
-          <a:xfrm>
-            <a:off x="7809364" y="1139908"/>
-            <a:ext cx="1272650" cy="2293819"/>
-          </a:xfrm>
-          <a:prstGeom prst="rect">
-            <a:avLst/>
-          </a:prstGeom>
-        </p:spPr>
-      </p:pic>
-      <p:pic>
-        <p:nvPicPr>
-          <p:cNvPr id="16" name="Picture 15" descr="A picture containing graphical user interface&#10;&#10;Description automatically generated">
-            <a:extLst>
-              <a:ext uri="{FF2B5EF4-FFF2-40B4-BE49-F238E27FC236}">
-                <a16:creationId xmlns:a16="http://schemas.microsoft.com/office/drawing/2014/main" id="{E51B793F-836D-4F15-B669-02F1F001BBD2}"/>
-              </a:ext>
-            </a:extLst>
-          </p:cNvPr>
-          <p:cNvPicPr>
-            <a:picLocks noChangeAspect="1"/>
-          </p:cNvPicPr>
-          <p:nvPr/>
-        </p:nvPicPr>
-        <p:blipFill>
-          <a:blip r:embed="rId9">
-            <a:extLst>
-              <a:ext uri="{28A0092B-C50C-407E-A947-70E740481C1C}">
-                <a14:useLocalDpi xmlns:a14="http://schemas.microsoft.com/office/drawing/2010/main" val="0"/>
-              </a:ext>
-            </a:extLst>
-          </a:blip>
-          <a:stretch>
-            <a:fillRect/>
-          </a:stretch>
-        </p:blipFill>
-        <p:spPr>
-          <a:xfrm>
-            <a:off x="7806664" y="3432121"/>
-            <a:ext cx="922100" cy="403895"/>
-          </a:xfrm>
-          <a:prstGeom prst="rect">
-            <a:avLst/>
-          </a:prstGeom>
-        </p:spPr>
-      </p:pic>
-    </p:spTree>
-    <p:extLst>
-      <p:ext uri="{BB962C8B-B14F-4D97-AF65-F5344CB8AC3E}">
-        <p14:creationId xmlns:p14="http://schemas.microsoft.com/office/powerpoint/2010/main" val="109100692"/>
       </p:ext>
     </p:extLst>
   </p:cSld>
